--- a/Gesamtpräsentation.pptx
+++ b/Gesamtpräsentation.pptx
@@ -2,8 +2,29 @@
 <file path=ppt/presentation.xml><?xml version="1.0" encoding="utf-8"?>
 <p:presentation xmlns:a="http://schemas.openxmlformats.org/drawingml/2006/main" xmlns:r="http://schemas.openxmlformats.org/officeDocument/2006/relationships" xmlns:p="http://schemas.openxmlformats.org/presentationml/2006/main" saveSubsetFonts="1">
   <p:sldMasterIdLst>
-    <p:sldMasterId id="2147483648" r:id="rId1"/>
+    <p:sldMasterId id="2147483660" r:id="rId1"/>
   </p:sldMasterIdLst>
+  <p:sldIdLst>
+    <p:sldId id="256" r:id="rId2"/>
+    <p:sldId id="270" r:id="rId3"/>
+    <p:sldId id="275" r:id="rId4"/>
+    <p:sldId id="262" r:id="rId5"/>
+    <p:sldId id="272" r:id="rId6"/>
+    <p:sldId id="263" r:id="rId7"/>
+    <p:sldId id="264" r:id="rId8"/>
+    <p:sldId id="265" r:id="rId9"/>
+    <p:sldId id="273" r:id="rId10"/>
+    <p:sldId id="274" r:id="rId11"/>
+    <p:sldId id="276" r:id="rId12"/>
+    <p:sldId id="266" r:id="rId13"/>
+    <p:sldId id="267" r:id="rId14"/>
+    <p:sldId id="268" r:id="rId15"/>
+    <p:sldId id="271" r:id="rId16"/>
+    <p:sldId id="259" r:id="rId17"/>
+    <p:sldId id="260" r:id="rId18"/>
+    <p:sldId id="261" r:id="rId19"/>
+    <p:sldId id="269" r:id="rId20"/>
+  </p:sldIdLst>
   <p:sldSz cx="9144000" cy="6858000" type="screen4x3"/>
   <p:notesSz cx="6858000" cy="9144000"/>
   <p:defaultTextStyle>
@@ -123,7 +144,7 @@
       </p:grpSpPr>
       <p:sp>
         <p:nvSpPr>
-          <p:cNvPr id="2" name="Titel 1"/>
+          <p:cNvPr id="2" name="Title 1"/>
           <p:cNvSpPr>
             <a:spLocks noGrp="1"/>
           </p:cNvSpPr>
@@ -133,25 +154,31 @@
         </p:nvSpPr>
         <p:spPr>
           <a:xfrm>
-            <a:off x="685800" y="2130425"/>
-            <a:ext cx="7772400" cy="1470025"/>
+            <a:off x="914400" y="2516624"/>
+            <a:ext cx="7315200" cy="2595025"/>
           </a:xfrm>
         </p:spPr>
         <p:txBody>
-          <a:bodyPr/>
-          <a:lstStyle/>
+          <a:bodyPr>
+            <a:normAutofit/>
+          </a:bodyPr>
+          <a:lstStyle>
+            <a:lvl1pPr>
+              <a:defRPr sz="4800"/>
+            </a:lvl1pPr>
+          </a:lstStyle>
           <a:p>
             <a:r>
               <a:rPr lang="de-DE" smtClean="0"/>
               <a:t>Titelmasterformat durch Klicken bearbeiten</a:t>
             </a:r>
-            <a:endParaRPr lang="de-DE"/>
-          </a:p>
-        </p:txBody>
-      </p:sp>
-      <p:sp>
-        <p:nvSpPr>
-          <p:cNvPr id="3" name="Untertitel 2"/>
+            <a:endParaRPr lang="en-US"/>
+          </a:p>
+        </p:txBody>
+      </p:sp>
+      <p:sp>
+        <p:nvSpPr>
+          <p:cNvPr id="3" name="Subtitle 2"/>
           <p:cNvSpPr>
             <a:spLocks noGrp="1"/>
           </p:cNvSpPr>
@@ -161,20 +188,20 @@
         </p:nvSpPr>
         <p:spPr>
           <a:xfrm>
-            <a:off x="1371600" y="3886200"/>
-            <a:ext cx="6400800" cy="1752600"/>
+            <a:off x="914400" y="5166530"/>
+            <a:ext cx="7315200" cy="1144632"/>
           </a:xfrm>
         </p:spPr>
         <p:txBody>
-          <a:bodyPr/>
+          <a:bodyPr>
+            <a:normAutofit/>
+          </a:bodyPr>
           <a:lstStyle>
-            <a:lvl1pPr marL="0" indent="0" algn="ctr">
-              <a:buNone/>
-              <a:defRPr>
+            <a:lvl1pPr marL="0" indent="0" algn="l">
+              <a:buNone/>
+              <a:defRPr sz="2200">
                 <a:solidFill>
-                  <a:schemeClr val="tx1">
-                    <a:tint val="75000"/>
-                  </a:schemeClr>
+                  <a:schemeClr val="tx1"/>
                 </a:solidFill>
               </a:defRPr>
             </a:lvl1pPr>
@@ -264,13 +291,13 @@
               <a:rPr lang="de-DE" smtClean="0"/>
               <a:t>Formatvorlage des Untertitelmasters durch Klicken bearbeiten</a:t>
             </a:r>
-            <a:endParaRPr lang="de-DE"/>
-          </a:p>
-        </p:txBody>
-      </p:sp>
-      <p:sp>
-        <p:nvSpPr>
-          <p:cNvPr id="4" name="Datumsplatzhalter 3"/>
+            <a:endParaRPr lang="en-US" dirty="0"/>
+          </a:p>
+        </p:txBody>
+      </p:sp>
+      <p:sp>
+        <p:nvSpPr>
+          <p:cNvPr id="7" name="Date Placeholder 6"/>
           <p:cNvSpPr>
             <a:spLocks noGrp="1"/>
           </p:cNvSpPr>
@@ -285,7 +312,7 @@
           <a:p>
             <a:fld id="{1BA50D42-C9CD-4801-B293-61D1F53EC57E}" type="datetimeFigureOut">
               <a:rPr lang="de-DE" smtClean="0"/>
-              <a:t>14.09.2006</a:t>
+              <a:t>10.11.2015</a:t>
             </a:fld>
             <a:endParaRPr lang="de-DE"/>
           </a:p>
@@ -293,31 +320,12 @@
       </p:sp>
       <p:sp>
         <p:nvSpPr>
-          <p:cNvPr id="5" name="Fußzeilenplatzhalter 4"/>
-          <p:cNvSpPr>
-            <a:spLocks noGrp="1"/>
-          </p:cNvSpPr>
-          <p:nvPr>
-            <p:ph type="ftr" sz="quarter" idx="11"/>
-          </p:nvPr>
-        </p:nvSpPr>
-        <p:spPr/>
-        <p:txBody>
-          <a:bodyPr/>
-          <a:lstStyle/>
-          <a:p>
-            <a:endParaRPr lang="de-DE"/>
-          </a:p>
-        </p:txBody>
-      </p:sp>
-      <p:sp>
-        <p:nvSpPr>
-          <p:cNvPr id="6" name="Foliennummernplatzhalter 5"/>
-          <p:cNvSpPr>
-            <a:spLocks noGrp="1"/>
-          </p:cNvSpPr>
-          <p:nvPr>
-            <p:ph type="sldNum" sz="quarter" idx="12"/>
+          <p:cNvPr id="8" name="Slide Number Placeholder 7"/>
+          <p:cNvSpPr>
+            <a:spLocks noGrp="1"/>
+          </p:cNvSpPr>
+          <p:nvPr>
+            <p:ph type="sldNum" sz="quarter" idx="11"/>
           </p:nvPr>
         </p:nvSpPr>
         <p:spPr/>
@@ -329,6 +337,25 @@
               <a:rPr lang="de-DE" smtClean="0"/>
               <a:t>‹Nr.›</a:t>
             </a:fld>
+            <a:endParaRPr lang="de-DE"/>
+          </a:p>
+        </p:txBody>
+      </p:sp>
+      <p:sp>
+        <p:nvSpPr>
+          <p:cNvPr id="9" name="Footer Placeholder 8"/>
+          <p:cNvSpPr>
+            <a:spLocks noGrp="1"/>
+          </p:cNvSpPr>
+          <p:nvPr>
+            <p:ph type="ftr" sz="quarter" idx="12"/>
+          </p:nvPr>
+        </p:nvSpPr>
+        <p:spPr/>
+        <p:txBody>
+          <a:bodyPr/>
+          <a:lstStyle/>
+          <a:p>
             <a:endParaRPr lang="de-DE"/>
           </a:p>
         </p:txBody>
@@ -360,7 +387,7 @@
       </p:grpSpPr>
       <p:sp>
         <p:nvSpPr>
-          <p:cNvPr id="2" name="Titel 1"/>
+          <p:cNvPr id="2" name="Title 1"/>
           <p:cNvSpPr>
             <a:spLocks noGrp="1"/>
           </p:cNvSpPr>
@@ -377,13 +404,13 @@
               <a:rPr lang="de-DE" smtClean="0"/>
               <a:t>Titelmasterformat durch Klicken bearbeiten</a:t>
             </a:r>
-            <a:endParaRPr lang="de-DE"/>
-          </a:p>
-        </p:txBody>
-      </p:sp>
-      <p:sp>
-        <p:nvSpPr>
-          <p:cNvPr id="3" name="Vertikaler Textplatzhalter 2"/>
+            <a:endParaRPr lang="en-US"/>
+          </a:p>
+        </p:txBody>
+      </p:sp>
+      <p:sp>
+        <p:nvSpPr>
+          <p:cNvPr id="3" name="Vertical Text Placeholder 2"/>
           <p:cNvSpPr>
             <a:spLocks noGrp="1"/>
           </p:cNvSpPr>
@@ -399,7 +426,7 @@
             <a:pPr lvl="0"/>
             <a:r>
               <a:rPr lang="de-DE" smtClean="0"/>
-              <a:t>Textmasterformate durch Klicken bearbeiten</a:t>
+              <a:t>Textmasterformat bearbeiten</a:t>
             </a:r>
           </a:p>
           <a:p>
@@ -429,13 +456,13 @@
               <a:rPr lang="de-DE" smtClean="0"/>
               <a:t>Fünfte Ebene</a:t>
             </a:r>
-            <a:endParaRPr lang="de-DE"/>
-          </a:p>
-        </p:txBody>
-      </p:sp>
-      <p:sp>
-        <p:nvSpPr>
-          <p:cNvPr id="4" name="Datumsplatzhalter 3"/>
+            <a:endParaRPr lang="en-US"/>
+          </a:p>
+        </p:txBody>
+      </p:sp>
+      <p:sp>
+        <p:nvSpPr>
+          <p:cNvPr id="4" name="Date Placeholder 3"/>
           <p:cNvSpPr>
             <a:spLocks noGrp="1"/>
           </p:cNvSpPr>
@@ -450,7 +477,7 @@
           <a:p>
             <a:fld id="{1BA50D42-C9CD-4801-B293-61D1F53EC57E}" type="datetimeFigureOut">
               <a:rPr lang="de-DE" smtClean="0"/>
-              <a:t>14.09.2006</a:t>
+              <a:t>10.11.2015</a:t>
             </a:fld>
             <a:endParaRPr lang="de-DE"/>
           </a:p>
@@ -458,7 +485,7 @@
       </p:sp>
       <p:sp>
         <p:nvSpPr>
-          <p:cNvPr id="5" name="Fußzeilenplatzhalter 4"/>
+          <p:cNvPr id="5" name="Footer Placeholder 4"/>
           <p:cNvSpPr>
             <a:spLocks noGrp="1"/>
           </p:cNvSpPr>
@@ -477,7 +504,7 @@
       </p:sp>
       <p:sp>
         <p:nvSpPr>
-          <p:cNvPr id="6" name="Foliennummernplatzhalter 5"/>
+          <p:cNvPr id="6" name="Slide Number Placeholder 5"/>
           <p:cNvSpPr>
             <a:spLocks noGrp="1"/>
           </p:cNvSpPr>
@@ -525,7 +552,7 @@
       </p:grpSpPr>
       <p:sp>
         <p:nvSpPr>
-          <p:cNvPr id="2" name="Vertikaler Titel 1"/>
+          <p:cNvPr id="2" name="Vertical Title 1"/>
           <p:cNvSpPr>
             <a:spLocks noGrp="1"/>
           </p:cNvSpPr>
@@ -535,8 +562,8 @@
         </p:nvSpPr>
         <p:spPr>
           <a:xfrm>
-            <a:off x="6629400" y="274638"/>
-            <a:ext cx="2057400" cy="5851525"/>
+            <a:off x="6248400" y="1826709"/>
+            <a:ext cx="1492499" cy="4484454"/>
           </a:xfrm>
         </p:spPr>
         <p:txBody>
@@ -545,15 +572,15 @@
           <a:p>
             <a:r>
               <a:rPr lang="de-DE" smtClean="0"/>
-              <a:t>Titel durch Klicken hinzufügen</a:t>
-            </a:r>
-            <a:endParaRPr lang="de-DE"/>
-          </a:p>
-        </p:txBody>
-      </p:sp>
-      <p:sp>
-        <p:nvSpPr>
-          <p:cNvPr id="3" name="Vertikaler Textplatzhalter 2"/>
+              <a:t>Titelmasterformat durch Klicken bearbeiten</a:t>
+            </a:r>
+            <a:endParaRPr lang="en-US"/>
+          </a:p>
+        </p:txBody>
+      </p:sp>
+      <p:sp>
+        <p:nvSpPr>
+          <p:cNvPr id="3" name="Vertical Text Placeholder 2"/>
           <p:cNvSpPr>
             <a:spLocks noGrp="1"/>
           </p:cNvSpPr>
@@ -563,8 +590,8 @@
         </p:nvSpPr>
         <p:spPr>
           <a:xfrm>
-            <a:off x="457200" y="274638"/>
-            <a:ext cx="6019800" cy="5851525"/>
+            <a:off x="854524" y="1826709"/>
+            <a:ext cx="5241476" cy="4484454"/>
           </a:xfrm>
         </p:spPr>
         <p:txBody>
@@ -574,7 +601,7 @@
             <a:pPr lvl="0"/>
             <a:r>
               <a:rPr lang="de-DE" smtClean="0"/>
-              <a:t>Textmasterformate durch Klicken bearbeiten</a:t>
+              <a:t>Textmasterformat bearbeiten</a:t>
             </a:r>
           </a:p>
           <a:p>
@@ -604,13 +631,13 @@
               <a:rPr lang="de-DE" smtClean="0"/>
               <a:t>Fünfte Ebene</a:t>
             </a:r>
-            <a:endParaRPr lang="de-DE"/>
-          </a:p>
-        </p:txBody>
-      </p:sp>
-      <p:sp>
-        <p:nvSpPr>
-          <p:cNvPr id="4" name="Datumsplatzhalter 3"/>
+            <a:endParaRPr lang="en-US"/>
+          </a:p>
+        </p:txBody>
+      </p:sp>
+      <p:sp>
+        <p:nvSpPr>
+          <p:cNvPr id="4" name="Date Placeholder 3"/>
           <p:cNvSpPr>
             <a:spLocks noGrp="1"/>
           </p:cNvSpPr>
@@ -625,7 +652,7 @@
           <a:p>
             <a:fld id="{1BA50D42-C9CD-4801-B293-61D1F53EC57E}" type="datetimeFigureOut">
               <a:rPr lang="de-DE" smtClean="0"/>
-              <a:t>14.09.2006</a:t>
+              <a:t>10.11.2015</a:t>
             </a:fld>
             <a:endParaRPr lang="de-DE"/>
           </a:p>
@@ -633,7 +660,7 @@
       </p:sp>
       <p:sp>
         <p:nvSpPr>
-          <p:cNvPr id="5" name="Fußzeilenplatzhalter 4"/>
+          <p:cNvPr id="5" name="Footer Placeholder 4"/>
           <p:cNvSpPr>
             <a:spLocks noGrp="1"/>
           </p:cNvSpPr>
@@ -652,7 +679,7 @@
       </p:sp>
       <p:sp>
         <p:nvSpPr>
-          <p:cNvPr id="6" name="Foliennummernplatzhalter 5"/>
+          <p:cNvPr id="6" name="Slide Number Placeholder 5"/>
           <p:cNvSpPr>
             <a:spLocks noGrp="1"/>
           </p:cNvSpPr>
@@ -700,7 +727,7 @@
       </p:grpSpPr>
       <p:sp>
         <p:nvSpPr>
-          <p:cNvPr id="2" name="Titel 1"/>
+          <p:cNvPr id="2" name="Title 1"/>
           <p:cNvSpPr>
             <a:spLocks noGrp="1"/>
           </p:cNvSpPr>
@@ -717,13 +744,13 @@
               <a:rPr lang="de-DE" smtClean="0"/>
               <a:t>Titelmasterformat durch Klicken bearbeiten</a:t>
             </a:r>
-            <a:endParaRPr lang="de-DE"/>
-          </a:p>
-        </p:txBody>
-      </p:sp>
-      <p:sp>
-        <p:nvSpPr>
-          <p:cNvPr id="3" name="Inhaltsplatzhalter 2"/>
+            <a:endParaRPr lang="en-US"/>
+          </a:p>
+        </p:txBody>
+      </p:sp>
+      <p:sp>
+        <p:nvSpPr>
+          <p:cNvPr id="3" name="Content Placeholder 2"/>
           <p:cNvSpPr>
             <a:spLocks noGrp="1"/>
           </p:cNvSpPr>
@@ -739,7 +766,7 @@
             <a:pPr lvl="0"/>
             <a:r>
               <a:rPr lang="de-DE" smtClean="0"/>
-              <a:t>Textmasterformate durch Klicken bearbeiten</a:t>
+              <a:t>Textmasterformat bearbeiten</a:t>
             </a:r>
           </a:p>
           <a:p>
@@ -769,13 +796,13 @@
               <a:rPr lang="de-DE" smtClean="0"/>
               <a:t>Fünfte Ebene</a:t>
             </a:r>
-            <a:endParaRPr lang="de-DE"/>
-          </a:p>
-        </p:txBody>
-      </p:sp>
-      <p:sp>
-        <p:nvSpPr>
-          <p:cNvPr id="4" name="Datumsplatzhalter 3"/>
+            <a:endParaRPr lang="en-US" dirty="0"/>
+          </a:p>
+        </p:txBody>
+      </p:sp>
+      <p:sp>
+        <p:nvSpPr>
+          <p:cNvPr id="4" name="Date Placeholder 3"/>
           <p:cNvSpPr>
             <a:spLocks noGrp="1"/>
           </p:cNvSpPr>
@@ -790,7 +817,7 @@
           <a:p>
             <a:fld id="{1BA50D42-C9CD-4801-B293-61D1F53EC57E}" type="datetimeFigureOut">
               <a:rPr lang="de-DE" smtClean="0"/>
-              <a:t>14.09.2006</a:t>
+              <a:t>10.11.2015</a:t>
             </a:fld>
             <a:endParaRPr lang="de-DE"/>
           </a:p>
@@ -798,7 +825,7 @@
       </p:sp>
       <p:sp>
         <p:nvSpPr>
-          <p:cNvPr id="5" name="Fußzeilenplatzhalter 4"/>
+          <p:cNvPr id="5" name="Footer Placeholder 4"/>
           <p:cNvSpPr>
             <a:spLocks noGrp="1"/>
           </p:cNvSpPr>
@@ -817,7 +844,7 @@
       </p:sp>
       <p:sp>
         <p:nvSpPr>
-          <p:cNvPr id="6" name="Foliennummernplatzhalter 5"/>
+          <p:cNvPr id="6" name="Slide Number Placeholder 5"/>
           <p:cNvSpPr>
             <a:spLocks noGrp="1"/>
           </p:cNvSpPr>
@@ -848,7 +875,7 @@
 
 <file path=ppt/slideLayouts/slideLayout3.xml><?xml version="1.0" encoding="utf-8"?>
 <p:sldLayout xmlns:a="http://schemas.openxmlformats.org/drawingml/2006/main" xmlns:r="http://schemas.openxmlformats.org/officeDocument/2006/relationships" xmlns:p="http://schemas.openxmlformats.org/presentationml/2006/main" type="secHead" preserve="1">
-  <p:cSld name="Abschnittsüberschrift">
+  <p:cSld name="Abschnitts-&#10;überschrift">
     <p:spTree>
       <p:nvGrpSpPr>
         <p:cNvPr id="1" name=""/>
@@ -865,7 +892,7 @@
       </p:grpSpPr>
       <p:sp>
         <p:nvSpPr>
-          <p:cNvPr id="2" name="Titel 1"/>
+          <p:cNvPr id="2" name="Title 1"/>
           <p:cNvSpPr>
             <a:spLocks noGrp="1"/>
           </p:cNvSpPr>
@@ -875,15 +902,15 @@
         </p:nvSpPr>
         <p:spPr>
           <a:xfrm>
-            <a:off x="722313" y="4406900"/>
-            <a:ext cx="7772400" cy="1362075"/>
+            <a:off x="914400" y="5017572"/>
+            <a:ext cx="7315200" cy="1293592"/>
           </a:xfrm>
         </p:spPr>
         <p:txBody>
           <a:bodyPr anchor="t"/>
           <a:lstStyle>
             <a:lvl1pPr algn="l">
-              <a:defRPr sz="4000" b="1" cap="all"/>
+              <a:defRPr sz="4000" b="0" cap="none"/>
             </a:lvl1pPr>
           </a:lstStyle>
           <a:p>
@@ -891,13 +918,13 @@
               <a:rPr lang="de-DE" smtClean="0"/>
               <a:t>Titelmasterformat durch Klicken bearbeiten</a:t>
             </a:r>
-            <a:endParaRPr lang="de-DE"/>
-          </a:p>
-        </p:txBody>
-      </p:sp>
-      <p:sp>
-        <p:nvSpPr>
-          <p:cNvPr id="3" name="Textplatzhalter 2"/>
+            <a:endParaRPr lang="en-US"/>
+          </a:p>
+        </p:txBody>
+      </p:sp>
+      <p:sp>
+        <p:nvSpPr>
+          <p:cNvPr id="3" name="Text Placeholder 2"/>
           <p:cNvSpPr>
             <a:spLocks noGrp="1"/>
           </p:cNvSpPr>
@@ -907,8 +934,8 @@
         </p:nvSpPr>
         <p:spPr>
           <a:xfrm>
-            <a:off x="722313" y="2906713"/>
-            <a:ext cx="7772400" cy="1500187"/>
+            <a:off x="914400" y="3865097"/>
+            <a:ext cx="7315200" cy="1098439"/>
           </a:xfrm>
         </p:spPr>
         <p:txBody>
@@ -918,9 +945,7 @@
               <a:buNone/>
               <a:defRPr sz="2000">
                 <a:solidFill>
-                  <a:schemeClr val="tx1">
-                    <a:tint val="75000"/>
-                  </a:schemeClr>
+                  <a:schemeClr val="tx1"/>
                 </a:solidFill>
               </a:defRPr>
             </a:lvl1pPr>
@@ -1009,14 +1034,14 @@
             <a:pPr lvl="0"/>
             <a:r>
               <a:rPr lang="de-DE" smtClean="0"/>
-              <a:t>Textmasterformate durch Klicken bearbeiten</a:t>
-            </a:r>
-          </a:p>
-        </p:txBody>
-      </p:sp>
-      <p:sp>
-        <p:nvSpPr>
-          <p:cNvPr id="4" name="Datumsplatzhalter 3"/>
+              <a:t>Textmasterformat bearbeiten</a:t>
+            </a:r>
+          </a:p>
+        </p:txBody>
+      </p:sp>
+      <p:sp>
+        <p:nvSpPr>
+          <p:cNvPr id="4" name="Date Placeholder 3"/>
           <p:cNvSpPr>
             <a:spLocks noGrp="1"/>
           </p:cNvSpPr>
@@ -1031,7 +1056,7 @@
           <a:p>
             <a:fld id="{1BA50D42-C9CD-4801-B293-61D1F53EC57E}" type="datetimeFigureOut">
               <a:rPr lang="de-DE" smtClean="0"/>
-              <a:t>14.09.2006</a:t>
+              <a:t>10.11.2015</a:t>
             </a:fld>
             <a:endParaRPr lang="de-DE"/>
           </a:p>
@@ -1039,7 +1064,7 @@
       </p:sp>
       <p:sp>
         <p:nvSpPr>
-          <p:cNvPr id="5" name="Fußzeilenplatzhalter 4"/>
+          <p:cNvPr id="5" name="Footer Placeholder 4"/>
           <p:cNvSpPr>
             <a:spLocks noGrp="1"/>
           </p:cNvSpPr>
@@ -1058,7 +1083,7 @@
       </p:sp>
       <p:sp>
         <p:nvSpPr>
-          <p:cNvPr id="6" name="Foliennummernplatzhalter 5"/>
+          <p:cNvPr id="6" name="Slide Number Placeholder 5"/>
           <p:cNvSpPr>
             <a:spLocks noGrp="1"/>
           </p:cNvSpPr>
@@ -1106,200 +1131,7 @@
       </p:grpSpPr>
       <p:sp>
         <p:nvSpPr>
-          <p:cNvPr id="2" name="Titel 1"/>
-          <p:cNvSpPr>
-            <a:spLocks noGrp="1"/>
-          </p:cNvSpPr>
-          <p:nvPr>
-            <p:ph type="title"/>
-          </p:nvPr>
-        </p:nvSpPr>
-        <p:spPr/>
-        <p:txBody>
-          <a:bodyPr/>
-          <a:lstStyle/>
-          <a:p>
-            <a:r>
-              <a:rPr lang="de-DE" smtClean="0"/>
-              <a:t>Titelmasterformat durch Klicken bearbeiten</a:t>
-            </a:r>
-            <a:endParaRPr lang="de-DE"/>
-          </a:p>
-        </p:txBody>
-      </p:sp>
-      <p:sp>
-        <p:nvSpPr>
-          <p:cNvPr id="3" name="Inhaltsplatzhalter 2"/>
-          <p:cNvSpPr>
-            <a:spLocks noGrp="1"/>
-          </p:cNvSpPr>
-          <p:nvPr>
-            <p:ph sz="half" idx="1"/>
-          </p:nvPr>
-        </p:nvSpPr>
-        <p:spPr>
-          <a:xfrm>
-            <a:off x="457200" y="1600200"/>
-            <a:ext cx="4038600" cy="4525963"/>
-          </a:xfrm>
-        </p:spPr>
-        <p:txBody>
-          <a:bodyPr/>
-          <a:lstStyle>
-            <a:lvl1pPr>
-              <a:defRPr sz="2800"/>
-            </a:lvl1pPr>
-            <a:lvl2pPr>
-              <a:defRPr sz="2400"/>
-            </a:lvl2pPr>
-            <a:lvl3pPr>
-              <a:defRPr sz="2000"/>
-            </a:lvl3pPr>
-            <a:lvl4pPr>
-              <a:defRPr sz="1800"/>
-            </a:lvl4pPr>
-            <a:lvl5pPr>
-              <a:defRPr sz="1800"/>
-            </a:lvl5pPr>
-            <a:lvl6pPr>
-              <a:defRPr sz="1800"/>
-            </a:lvl6pPr>
-            <a:lvl7pPr>
-              <a:defRPr sz="1800"/>
-            </a:lvl7pPr>
-            <a:lvl8pPr>
-              <a:defRPr sz="1800"/>
-            </a:lvl8pPr>
-            <a:lvl9pPr>
-              <a:defRPr sz="1800"/>
-            </a:lvl9pPr>
-          </a:lstStyle>
-          <a:p>
-            <a:pPr lvl="0"/>
-            <a:r>
-              <a:rPr lang="de-DE" smtClean="0"/>
-              <a:t>Textmasterformate durch Klicken bearbeiten</a:t>
-            </a:r>
-          </a:p>
-          <a:p>
-            <a:pPr lvl="1"/>
-            <a:r>
-              <a:rPr lang="de-DE" smtClean="0"/>
-              <a:t>Zweite Ebene</a:t>
-            </a:r>
-          </a:p>
-          <a:p>
-            <a:pPr lvl="2"/>
-            <a:r>
-              <a:rPr lang="de-DE" smtClean="0"/>
-              <a:t>Dritte Ebene</a:t>
-            </a:r>
-          </a:p>
-          <a:p>
-            <a:pPr lvl="3"/>
-            <a:r>
-              <a:rPr lang="de-DE" smtClean="0"/>
-              <a:t>Vierte Ebene</a:t>
-            </a:r>
-          </a:p>
-          <a:p>
-            <a:pPr lvl="4"/>
-            <a:r>
-              <a:rPr lang="de-DE" smtClean="0"/>
-              <a:t>Fünfte Ebene</a:t>
-            </a:r>
-            <a:endParaRPr lang="de-DE"/>
-          </a:p>
-        </p:txBody>
-      </p:sp>
-      <p:sp>
-        <p:nvSpPr>
-          <p:cNvPr id="4" name="Inhaltsplatzhalter 3"/>
-          <p:cNvSpPr>
-            <a:spLocks noGrp="1"/>
-          </p:cNvSpPr>
-          <p:nvPr>
-            <p:ph sz="half" idx="2"/>
-          </p:nvPr>
-        </p:nvSpPr>
-        <p:spPr>
-          <a:xfrm>
-            <a:off x="4648200" y="1600200"/>
-            <a:ext cx="4038600" cy="4525963"/>
-          </a:xfrm>
-        </p:spPr>
-        <p:txBody>
-          <a:bodyPr/>
-          <a:lstStyle>
-            <a:lvl1pPr>
-              <a:defRPr sz="2800"/>
-            </a:lvl1pPr>
-            <a:lvl2pPr>
-              <a:defRPr sz="2400"/>
-            </a:lvl2pPr>
-            <a:lvl3pPr>
-              <a:defRPr sz="2000"/>
-            </a:lvl3pPr>
-            <a:lvl4pPr>
-              <a:defRPr sz="1800"/>
-            </a:lvl4pPr>
-            <a:lvl5pPr>
-              <a:defRPr sz="1800"/>
-            </a:lvl5pPr>
-            <a:lvl6pPr>
-              <a:defRPr sz="1800"/>
-            </a:lvl6pPr>
-            <a:lvl7pPr>
-              <a:defRPr sz="1800"/>
-            </a:lvl7pPr>
-            <a:lvl8pPr>
-              <a:defRPr sz="1800"/>
-            </a:lvl8pPr>
-            <a:lvl9pPr>
-              <a:defRPr sz="1800"/>
-            </a:lvl9pPr>
-          </a:lstStyle>
-          <a:p>
-            <a:pPr lvl="0"/>
-            <a:r>
-              <a:rPr lang="de-DE" smtClean="0"/>
-              <a:t>Textmasterformate durch Klicken bearbeiten</a:t>
-            </a:r>
-          </a:p>
-          <a:p>
-            <a:pPr lvl="1"/>
-            <a:r>
-              <a:rPr lang="de-DE" smtClean="0"/>
-              <a:t>Zweite Ebene</a:t>
-            </a:r>
-          </a:p>
-          <a:p>
-            <a:pPr lvl="2"/>
-            <a:r>
-              <a:rPr lang="de-DE" smtClean="0"/>
-              <a:t>Dritte Ebene</a:t>
-            </a:r>
-          </a:p>
-          <a:p>
-            <a:pPr lvl="3"/>
-            <a:r>
-              <a:rPr lang="de-DE" smtClean="0"/>
-              <a:t>Vierte Ebene</a:t>
-            </a:r>
-          </a:p>
-          <a:p>
-            <a:pPr lvl="4"/>
-            <a:r>
-              <a:rPr lang="de-DE" smtClean="0"/>
-              <a:t>Fünfte Ebene</a:t>
-            </a:r>
-            <a:endParaRPr lang="de-DE"/>
-          </a:p>
-        </p:txBody>
-      </p:sp>
-      <p:sp>
-        <p:nvSpPr>
-          <p:cNvPr id="5" name="Datumsplatzhalter 4"/>
+          <p:cNvPr id="5" name="Date Placeholder 4"/>
           <p:cNvSpPr>
             <a:spLocks noGrp="1"/>
           </p:cNvSpPr>
@@ -1314,7 +1146,7 @@
           <a:p>
             <a:fld id="{1BA50D42-C9CD-4801-B293-61D1F53EC57E}" type="datetimeFigureOut">
               <a:rPr lang="de-DE" smtClean="0"/>
-              <a:t>14.09.2006</a:t>
+              <a:t>10.11.2015</a:t>
             </a:fld>
             <a:endParaRPr lang="de-DE"/>
           </a:p>
@@ -1322,7 +1154,7 @@
       </p:sp>
       <p:sp>
         <p:nvSpPr>
-          <p:cNvPr id="6" name="Fußzeilenplatzhalter 5"/>
+          <p:cNvPr id="6" name="Footer Placeholder 5"/>
           <p:cNvSpPr>
             <a:spLocks noGrp="1"/>
           </p:cNvSpPr>
@@ -1341,7 +1173,7 @@
       </p:sp>
       <p:sp>
         <p:nvSpPr>
-          <p:cNvPr id="7" name="Foliennummernplatzhalter 6"/>
+          <p:cNvPr id="7" name="Slide Number Placeholder 6"/>
           <p:cNvSpPr>
             <a:spLocks noGrp="1"/>
           </p:cNvSpPr>
@@ -1359,6 +1191,148 @@
               <a:t>‹Nr.›</a:t>
             </a:fld>
             <a:endParaRPr lang="de-DE"/>
+          </a:p>
+        </p:txBody>
+      </p:sp>
+      <p:sp>
+        <p:nvSpPr>
+          <p:cNvPr id="9" name="Title 8"/>
+          <p:cNvSpPr>
+            <a:spLocks noGrp="1"/>
+          </p:cNvSpPr>
+          <p:nvPr>
+            <p:ph type="title"/>
+          </p:nvPr>
+        </p:nvSpPr>
+        <p:spPr>
+          <a:xfrm>
+            <a:off x="914400" y="1544715"/>
+            <a:ext cx="7315200" cy="1154097"/>
+          </a:xfrm>
+        </p:spPr>
+        <p:txBody>
+          <a:bodyPr/>
+          <a:lstStyle/>
+          <a:p>
+            <a:r>
+              <a:rPr lang="de-DE" smtClean="0"/>
+              <a:t>Titelmasterformat durch Klicken bearbeiten</a:t>
+            </a:r>
+            <a:endParaRPr lang="en-US"/>
+          </a:p>
+        </p:txBody>
+      </p:sp>
+      <p:sp>
+        <p:nvSpPr>
+          <p:cNvPr id="8" name="Content Placeholder 7"/>
+          <p:cNvSpPr>
+            <a:spLocks noGrp="1"/>
+          </p:cNvSpPr>
+          <p:nvPr>
+            <p:ph sz="quarter" idx="13"/>
+          </p:nvPr>
+        </p:nvSpPr>
+        <p:spPr>
+          <a:xfrm>
+            <a:off x="914400" y="2743200"/>
+            <a:ext cx="3566160" cy="3593592"/>
+          </a:xfrm>
+        </p:spPr>
+        <p:txBody>
+          <a:bodyPr/>
+          <a:lstStyle/>
+          <a:p>
+            <a:pPr lvl="0"/>
+            <a:r>
+              <a:rPr lang="de-DE" smtClean="0"/>
+              <a:t>Textmasterformat bearbeiten</a:t>
+            </a:r>
+          </a:p>
+          <a:p>
+            <a:pPr lvl="1"/>
+            <a:r>
+              <a:rPr lang="de-DE" smtClean="0"/>
+              <a:t>Zweite Ebene</a:t>
+            </a:r>
+          </a:p>
+          <a:p>
+            <a:pPr lvl="2"/>
+            <a:r>
+              <a:rPr lang="de-DE" smtClean="0"/>
+              <a:t>Dritte Ebene</a:t>
+            </a:r>
+          </a:p>
+          <a:p>
+            <a:pPr lvl="3"/>
+            <a:r>
+              <a:rPr lang="de-DE" smtClean="0"/>
+              <a:t>Vierte Ebene</a:t>
+            </a:r>
+          </a:p>
+          <a:p>
+            <a:pPr lvl="4"/>
+            <a:r>
+              <a:rPr lang="de-DE" smtClean="0"/>
+              <a:t>Fünfte Ebene</a:t>
+            </a:r>
+            <a:endParaRPr lang="en-US"/>
+          </a:p>
+        </p:txBody>
+      </p:sp>
+      <p:sp>
+        <p:nvSpPr>
+          <p:cNvPr id="11" name="Content Placeholder 10"/>
+          <p:cNvSpPr>
+            <a:spLocks noGrp="1"/>
+          </p:cNvSpPr>
+          <p:nvPr>
+            <p:ph sz="quarter" idx="14"/>
+          </p:nvPr>
+        </p:nvSpPr>
+        <p:spPr>
+          <a:xfrm>
+            <a:off x="4681728" y="2743200"/>
+            <a:ext cx="3566160" cy="3595687"/>
+          </a:xfrm>
+        </p:spPr>
+        <p:txBody>
+          <a:bodyPr/>
+          <a:lstStyle/>
+          <a:p>
+            <a:pPr lvl="0"/>
+            <a:r>
+              <a:rPr lang="de-DE" smtClean="0"/>
+              <a:t>Textmasterformat bearbeiten</a:t>
+            </a:r>
+          </a:p>
+          <a:p>
+            <a:pPr lvl="1"/>
+            <a:r>
+              <a:rPr lang="de-DE" smtClean="0"/>
+              <a:t>Zweite Ebene</a:t>
+            </a:r>
+          </a:p>
+          <a:p>
+            <a:pPr lvl="2"/>
+            <a:r>
+              <a:rPr lang="de-DE" smtClean="0"/>
+              <a:t>Dritte Ebene</a:t>
+            </a:r>
+          </a:p>
+          <a:p>
+            <a:pPr lvl="3"/>
+            <a:r>
+              <a:rPr lang="de-DE" smtClean="0"/>
+              <a:t>Vierte Ebene</a:t>
+            </a:r>
+          </a:p>
+          <a:p>
+            <a:pPr lvl="4"/>
+            <a:r>
+              <a:rPr lang="de-DE" smtClean="0"/>
+              <a:t>Fünfte Ebene</a:t>
+            </a:r>
+            <a:endParaRPr lang="en-US"/>
           </a:p>
         </p:txBody>
       </p:sp>
@@ -1389,34 +1363,7 @@
       </p:grpSpPr>
       <p:sp>
         <p:nvSpPr>
-          <p:cNvPr id="2" name="Titel 1"/>
-          <p:cNvSpPr>
-            <a:spLocks noGrp="1"/>
-          </p:cNvSpPr>
-          <p:nvPr>
-            <p:ph type="title"/>
-          </p:nvPr>
-        </p:nvSpPr>
-        <p:spPr/>
-        <p:txBody>
-          <a:bodyPr/>
-          <a:lstStyle>
-            <a:lvl1pPr>
-              <a:defRPr/>
-            </a:lvl1pPr>
-          </a:lstStyle>
-          <a:p>
-            <a:r>
-              <a:rPr lang="de-DE" smtClean="0"/>
-              <a:t>Titelmasterformat durch Klicken bearbeiten</a:t>
-            </a:r>
-            <a:endParaRPr lang="de-DE"/>
-          </a:p>
-        </p:txBody>
-      </p:sp>
-      <p:sp>
-        <p:nvSpPr>
-          <p:cNvPr id="3" name="Textplatzhalter 2"/>
+          <p:cNvPr id="3" name="Text Placeholder 2"/>
           <p:cNvSpPr>
             <a:spLocks noGrp="1"/>
           </p:cNvSpPr>
@@ -1426,16 +1373,22 @@
         </p:nvSpPr>
         <p:spPr>
           <a:xfrm>
-            <a:off x="457200" y="1535113"/>
-            <a:ext cx="4040188" cy="639762"/>
+            <a:off x="1116348" y="2743200"/>
+            <a:ext cx="3364992" cy="621792"/>
           </a:xfrm>
         </p:spPr>
         <p:txBody>
-          <a:bodyPr anchor="b"/>
+          <a:bodyPr anchor="b">
+            <a:noAutofit/>
+          </a:bodyPr>
           <a:lstStyle>
             <a:lvl1pPr marL="0" indent="0">
               <a:buNone/>
-              <a:defRPr sz="2400" b="1"/>
+              <a:defRPr sz="2000" b="1">
+                <a:solidFill>
+                  <a:schemeClr val="tx2"/>
+                </a:solidFill>
+              </a:defRPr>
             </a:lvl1pPr>
             <a:lvl2pPr marL="457200" indent="0">
               <a:buNone/>
@@ -1474,118 +1427,39 @@
             <a:pPr lvl="0"/>
             <a:r>
               <a:rPr lang="de-DE" smtClean="0"/>
-              <a:t>Textmasterformate durch Klicken bearbeiten</a:t>
-            </a:r>
-          </a:p>
-        </p:txBody>
-      </p:sp>
-      <p:sp>
-        <p:nvSpPr>
-          <p:cNvPr id="4" name="Inhaltsplatzhalter 3"/>
-          <p:cNvSpPr>
-            <a:spLocks noGrp="1"/>
-          </p:cNvSpPr>
-          <p:nvPr>
-            <p:ph sz="half" idx="2"/>
+              <a:t>Textmasterformat bearbeiten</a:t>
+            </a:r>
+          </a:p>
+        </p:txBody>
+      </p:sp>
+      <p:sp>
+        <p:nvSpPr>
+          <p:cNvPr id="5" name="Text Placeholder 4"/>
+          <p:cNvSpPr>
+            <a:spLocks noGrp="1"/>
+          </p:cNvSpPr>
+          <p:nvPr>
+            <p:ph type="body" sz="quarter" idx="3"/>
           </p:nvPr>
         </p:nvSpPr>
         <p:spPr>
           <a:xfrm>
-            <a:off x="457200" y="2174875"/>
-            <a:ext cx="4040188" cy="3951288"/>
+            <a:off x="4885144" y="2743200"/>
+            <a:ext cx="3362062" cy="621792"/>
           </a:xfrm>
         </p:spPr>
         <p:txBody>
-          <a:bodyPr/>
-          <a:lstStyle>
-            <a:lvl1pPr>
-              <a:defRPr sz="2400"/>
-            </a:lvl1pPr>
-            <a:lvl2pPr>
-              <a:defRPr sz="2000"/>
-            </a:lvl2pPr>
-            <a:lvl3pPr>
-              <a:defRPr sz="1800"/>
-            </a:lvl3pPr>
-            <a:lvl4pPr>
-              <a:defRPr sz="1600"/>
-            </a:lvl4pPr>
-            <a:lvl5pPr>
-              <a:defRPr sz="1600"/>
-            </a:lvl5pPr>
-            <a:lvl6pPr>
-              <a:defRPr sz="1600"/>
-            </a:lvl6pPr>
-            <a:lvl7pPr>
-              <a:defRPr sz="1600"/>
-            </a:lvl7pPr>
-            <a:lvl8pPr>
-              <a:defRPr sz="1600"/>
-            </a:lvl8pPr>
-            <a:lvl9pPr>
-              <a:defRPr sz="1600"/>
-            </a:lvl9pPr>
-          </a:lstStyle>
-          <a:p>
-            <a:pPr lvl="0"/>
-            <a:r>
-              <a:rPr lang="de-DE" smtClean="0"/>
-              <a:t>Textmasterformate durch Klicken bearbeiten</a:t>
-            </a:r>
-          </a:p>
-          <a:p>
-            <a:pPr lvl="1"/>
-            <a:r>
-              <a:rPr lang="de-DE" smtClean="0"/>
-              <a:t>Zweite Ebene</a:t>
-            </a:r>
-          </a:p>
-          <a:p>
-            <a:pPr lvl="2"/>
-            <a:r>
-              <a:rPr lang="de-DE" smtClean="0"/>
-              <a:t>Dritte Ebene</a:t>
-            </a:r>
-          </a:p>
-          <a:p>
-            <a:pPr lvl="3"/>
-            <a:r>
-              <a:rPr lang="de-DE" smtClean="0"/>
-              <a:t>Vierte Ebene</a:t>
-            </a:r>
-          </a:p>
-          <a:p>
-            <a:pPr lvl="4"/>
-            <a:r>
-              <a:rPr lang="de-DE" smtClean="0"/>
-              <a:t>Fünfte Ebene</a:t>
-            </a:r>
-            <a:endParaRPr lang="de-DE"/>
-          </a:p>
-        </p:txBody>
-      </p:sp>
-      <p:sp>
-        <p:nvSpPr>
-          <p:cNvPr id="5" name="Textplatzhalter 4"/>
-          <p:cNvSpPr>
-            <a:spLocks noGrp="1"/>
-          </p:cNvSpPr>
-          <p:nvPr>
-            <p:ph type="body" sz="quarter" idx="3"/>
-          </p:nvPr>
-        </p:nvSpPr>
-        <p:spPr>
-          <a:xfrm>
-            <a:off x="4645025" y="1535113"/>
-            <a:ext cx="4041775" cy="639762"/>
-          </a:xfrm>
-        </p:spPr>
-        <p:txBody>
-          <a:bodyPr anchor="b"/>
+          <a:bodyPr anchor="b">
+            <a:noAutofit/>
+          </a:bodyPr>
           <a:lstStyle>
             <a:lvl1pPr marL="0" indent="0">
               <a:buNone/>
-              <a:defRPr sz="2400" b="1"/>
+              <a:defRPr sz="2000" b="1">
+                <a:solidFill>
+                  <a:schemeClr val="tx2"/>
+                </a:solidFill>
+              </a:defRPr>
             </a:lvl1pPr>
             <a:lvl2pPr marL="457200" indent="0">
               <a:buNone/>
@@ -1624,99 +1498,14 @@
             <a:pPr lvl="0"/>
             <a:r>
               <a:rPr lang="de-DE" smtClean="0"/>
-              <a:t>Textmasterformate durch Klicken bearbeiten</a:t>
-            </a:r>
-          </a:p>
-        </p:txBody>
-      </p:sp>
-      <p:sp>
-        <p:nvSpPr>
-          <p:cNvPr id="6" name="Inhaltsplatzhalter 5"/>
-          <p:cNvSpPr>
-            <a:spLocks noGrp="1"/>
-          </p:cNvSpPr>
-          <p:nvPr>
-            <p:ph sz="quarter" idx="4"/>
-          </p:nvPr>
-        </p:nvSpPr>
-        <p:spPr>
-          <a:xfrm>
-            <a:off x="4645025" y="2174875"/>
-            <a:ext cx="4041775" cy="3951288"/>
-          </a:xfrm>
-        </p:spPr>
-        <p:txBody>
-          <a:bodyPr/>
-          <a:lstStyle>
-            <a:lvl1pPr>
-              <a:defRPr sz="2400"/>
-            </a:lvl1pPr>
-            <a:lvl2pPr>
-              <a:defRPr sz="2000"/>
-            </a:lvl2pPr>
-            <a:lvl3pPr>
-              <a:defRPr sz="1800"/>
-            </a:lvl3pPr>
-            <a:lvl4pPr>
-              <a:defRPr sz="1600"/>
-            </a:lvl4pPr>
-            <a:lvl5pPr>
-              <a:defRPr sz="1600"/>
-            </a:lvl5pPr>
-            <a:lvl6pPr>
-              <a:defRPr sz="1600"/>
-            </a:lvl6pPr>
-            <a:lvl7pPr>
-              <a:defRPr sz="1600"/>
-            </a:lvl7pPr>
-            <a:lvl8pPr>
-              <a:defRPr sz="1600"/>
-            </a:lvl8pPr>
-            <a:lvl9pPr>
-              <a:defRPr sz="1600"/>
-            </a:lvl9pPr>
-          </a:lstStyle>
-          <a:p>
-            <a:pPr lvl="0"/>
-            <a:r>
-              <a:rPr lang="de-DE" smtClean="0"/>
-              <a:t>Textmasterformate durch Klicken bearbeiten</a:t>
-            </a:r>
-          </a:p>
-          <a:p>
-            <a:pPr lvl="1"/>
-            <a:r>
-              <a:rPr lang="de-DE" smtClean="0"/>
-              <a:t>Zweite Ebene</a:t>
-            </a:r>
-          </a:p>
-          <a:p>
-            <a:pPr lvl="2"/>
-            <a:r>
-              <a:rPr lang="de-DE" smtClean="0"/>
-              <a:t>Dritte Ebene</a:t>
-            </a:r>
-          </a:p>
-          <a:p>
-            <a:pPr lvl="3"/>
-            <a:r>
-              <a:rPr lang="de-DE" smtClean="0"/>
-              <a:t>Vierte Ebene</a:t>
-            </a:r>
-          </a:p>
-          <a:p>
-            <a:pPr lvl="4"/>
-            <a:r>
-              <a:rPr lang="de-DE" smtClean="0"/>
-              <a:t>Fünfte Ebene</a:t>
-            </a:r>
-            <a:endParaRPr lang="de-DE"/>
-          </a:p>
-        </p:txBody>
-      </p:sp>
-      <p:sp>
-        <p:nvSpPr>
-          <p:cNvPr id="7" name="Datumsplatzhalter 6"/>
+              <a:t>Textmasterformat bearbeiten</a:t>
+            </a:r>
+          </a:p>
+        </p:txBody>
+      </p:sp>
+      <p:sp>
+        <p:nvSpPr>
+          <p:cNvPr id="7" name="Date Placeholder 6"/>
           <p:cNvSpPr>
             <a:spLocks noGrp="1"/>
           </p:cNvSpPr>
@@ -1731,7 +1520,7 @@
           <a:p>
             <a:fld id="{1BA50D42-C9CD-4801-B293-61D1F53EC57E}" type="datetimeFigureOut">
               <a:rPr lang="de-DE" smtClean="0"/>
-              <a:t>14.09.2006</a:t>
+              <a:t>10.11.2015</a:t>
             </a:fld>
             <a:endParaRPr lang="de-DE"/>
           </a:p>
@@ -1739,7 +1528,7 @@
       </p:sp>
       <p:sp>
         <p:nvSpPr>
-          <p:cNvPr id="8" name="Fußzeilenplatzhalter 7"/>
+          <p:cNvPr id="8" name="Footer Placeholder 7"/>
           <p:cNvSpPr>
             <a:spLocks noGrp="1"/>
           </p:cNvSpPr>
@@ -1758,7 +1547,7 @@
       </p:sp>
       <p:sp>
         <p:nvSpPr>
-          <p:cNvPr id="9" name="Foliennummernplatzhalter 8"/>
+          <p:cNvPr id="9" name="Slide Number Placeholder 8"/>
           <p:cNvSpPr>
             <a:spLocks noGrp="1"/>
           </p:cNvSpPr>
@@ -1776,6 +1565,148 @@
               <a:t>‹Nr.›</a:t>
             </a:fld>
             <a:endParaRPr lang="de-DE"/>
+          </a:p>
+        </p:txBody>
+      </p:sp>
+      <p:sp>
+        <p:nvSpPr>
+          <p:cNvPr id="10" name="Title 9"/>
+          <p:cNvSpPr>
+            <a:spLocks noGrp="1"/>
+          </p:cNvSpPr>
+          <p:nvPr>
+            <p:ph type="title"/>
+          </p:nvPr>
+        </p:nvSpPr>
+        <p:spPr>
+          <a:xfrm>
+            <a:off x="914400" y="1544715"/>
+            <a:ext cx="7315200" cy="1154097"/>
+          </a:xfrm>
+        </p:spPr>
+        <p:txBody>
+          <a:bodyPr/>
+          <a:lstStyle/>
+          <a:p>
+            <a:r>
+              <a:rPr lang="de-DE" smtClean="0"/>
+              <a:t>Titelmasterformat durch Klicken bearbeiten</a:t>
+            </a:r>
+            <a:endParaRPr lang="en-US" dirty="0"/>
+          </a:p>
+        </p:txBody>
+      </p:sp>
+      <p:sp>
+        <p:nvSpPr>
+          <p:cNvPr id="11" name="Content Placeholder 10"/>
+          <p:cNvSpPr>
+            <a:spLocks noGrp="1"/>
+          </p:cNvSpPr>
+          <p:nvPr>
+            <p:ph sz="quarter" idx="13"/>
+          </p:nvPr>
+        </p:nvSpPr>
+        <p:spPr>
+          <a:xfrm>
+            <a:off x="914400" y="3383280"/>
+            <a:ext cx="3566160" cy="2953512"/>
+          </a:xfrm>
+        </p:spPr>
+        <p:txBody>
+          <a:bodyPr/>
+          <a:lstStyle/>
+          <a:p>
+            <a:pPr lvl="0"/>
+            <a:r>
+              <a:rPr lang="de-DE" smtClean="0"/>
+              <a:t>Textmasterformat bearbeiten</a:t>
+            </a:r>
+          </a:p>
+          <a:p>
+            <a:pPr lvl="1"/>
+            <a:r>
+              <a:rPr lang="de-DE" smtClean="0"/>
+              <a:t>Zweite Ebene</a:t>
+            </a:r>
+          </a:p>
+          <a:p>
+            <a:pPr lvl="2"/>
+            <a:r>
+              <a:rPr lang="de-DE" smtClean="0"/>
+              <a:t>Dritte Ebene</a:t>
+            </a:r>
+          </a:p>
+          <a:p>
+            <a:pPr lvl="3"/>
+            <a:r>
+              <a:rPr lang="de-DE" smtClean="0"/>
+              <a:t>Vierte Ebene</a:t>
+            </a:r>
+          </a:p>
+          <a:p>
+            <a:pPr lvl="4"/>
+            <a:r>
+              <a:rPr lang="de-DE" smtClean="0"/>
+              <a:t>Fünfte Ebene</a:t>
+            </a:r>
+            <a:endParaRPr lang="en-US" dirty="0"/>
+          </a:p>
+        </p:txBody>
+      </p:sp>
+      <p:sp>
+        <p:nvSpPr>
+          <p:cNvPr id="13" name="Content Placeholder 12"/>
+          <p:cNvSpPr>
+            <a:spLocks noGrp="1"/>
+          </p:cNvSpPr>
+          <p:nvPr>
+            <p:ph sz="quarter" idx="14"/>
+          </p:nvPr>
+        </p:nvSpPr>
+        <p:spPr>
+          <a:xfrm>
+            <a:off x="4681727" y="3383280"/>
+            <a:ext cx="3566160" cy="2953512"/>
+          </a:xfrm>
+        </p:spPr>
+        <p:txBody>
+          <a:bodyPr/>
+          <a:lstStyle/>
+          <a:p>
+            <a:pPr lvl="0"/>
+            <a:r>
+              <a:rPr lang="de-DE" smtClean="0"/>
+              <a:t>Textmasterformat bearbeiten</a:t>
+            </a:r>
+          </a:p>
+          <a:p>
+            <a:pPr lvl="1"/>
+            <a:r>
+              <a:rPr lang="de-DE" smtClean="0"/>
+              <a:t>Zweite Ebene</a:t>
+            </a:r>
+          </a:p>
+          <a:p>
+            <a:pPr lvl="2"/>
+            <a:r>
+              <a:rPr lang="de-DE" smtClean="0"/>
+              <a:t>Dritte Ebene</a:t>
+            </a:r>
+          </a:p>
+          <a:p>
+            <a:pPr lvl="3"/>
+            <a:r>
+              <a:rPr lang="de-DE" smtClean="0"/>
+              <a:t>Vierte Ebene</a:t>
+            </a:r>
+          </a:p>
+          <a:p>
+            <a:pPr lvl="4"/>
+            <a:r>
+              <a:rPr lang="de-DE" smtClean="0"/>
+              <a:t>Fünfte Ebene</a:t>
+            </a:r>
+            <a:endParaRPr lang="en-US" dirty="0"/>
           </a:p>
         </p:txBody>
       </p:sp>
@@ -1806,7 +1737,7 @@
       </p:grpSpPr>
       <p:sp>
         <p:nvSpPr>
-          <p:cNvPr id="2" name="Titel 1"/>
+          <p:cNvPr id="2" name="Title 1"/>
           <p:cNvSpPr>
             <a:spLocks noGrp="1"/>
           </p:cNvSpPr>
@@ -1823,13 +1754,13 @@
               <a:rPr lang="de-DE" smtClean="0"/>
               <a:t>Titelmasterformat durch Klicken bearbeiten</a:t>
             </a:r>
-            <a:endParaRPr lang="de-DE"/>
-          </a:p>
-        </p:txBody>
-      </p:sp>
-      <p:sp>
-        <p:nvSpPr>
-          <p:cNvPr id="3" name="Datumsplatzhalter 2"/>
+            <a:endParaRPr lang="en-US"/>
+          </a:p>
+        </p:txBody>
+      </p:sp>
+      <p:sp>
+        <p:nvSpPr>
+          <p:cNvPr id="3" name="Date Placeholder 2"/>
           <p:cNvSpPr>
             <a:spLocks noGrp="1"/>
           </p:cNvSpPr>
@@ -1844,7 +1775,7 @@
           <a:p>
             <a:fld id="{1BA50D42-C9CD-4801-B293-61D1F53EC57E}" type="datetimeFigureOut">
               <a:rPr lang="de-DE" smtClean="0"/>
-              <a:t>14.09.2006</a:t>
+              <a:t>10.11.2015</a:t>
             </a:fld>
             <a:endParaRPr lang="de-DE"/>
           </a:p>
@@ -1852,7 +1783,7 @@
       </p:sp>
       <p:sp>
         <p:nvSpPr>
-          <p:cNvPr id="4" name="Fußzeilenplatzhalter 3"/>
+          <p:cNvPr id="4" name="Footer Placeholder 3"/>
           <p:cNvSpPr>
             <a:spLocks noGrp="1"/>
           </p:cNvSpPr>
@@ -1871,7 +1802,7 @@
       </p:sp>
       <p:sp>
         <p:nvSpPr>
-          <p:cNvPr id="5" name="Foliennummernplatzhalter 4"/>
+          <p:cNvPr id="5" name="Slide Number Placeholder 4"/>
           <p:cNvSpPr>
             <a:spLocks noGrp="1"/>
           </p:cNvSpPr>
@@ -1919,7 +1850,7 @@
       </p:grpSpPr>
       <p:sp>
         <p:nvSpPr>
-          <p:cNvPr id="2" name="Datumsplatzhalter 1"/>
+          <p:cNvPr id="2" name="Date Placeholder 1"/>
           <p:cNvSpPr>
             <a:spLocks noGrp="1"/>
           </p:cNvSpPr>
@@ -1934,7 +1865,7 @@
           <a:p>
             <a:fld id="{1BA50D42-C9CD-4801-B293-61D1F53EC57E}" type="datetimeFigureOut">
               <a:rPr lang="de-DE" smtClean="0"/>
-              <a:t>14.09.2006</a:t>
+              <a:t>10.11.2015</a:t>
             </a:fld>
             <a:endParaRPr lang="de-DE"/>
           </a:p>
@@ -1942,7 +1873,7 @@
       </p:sp>
       <p:sp>
         <p:nvSpPr>
-          <p:cNvPr id="3" name="Fußzeilenplatzhalter 2"/>
+          <p:cNvPr id="3" name="Footer Placeholder 2"/>
           <p:cNvSpPr>
             <a:spLocks noGrp="1"/>
           </p:cNvSpPr>
@@ -1961,7 +1892,7 @@
       </p:sp>
       <p:sp>
         <p:nvSpPr>
-          <p:cNvPr id="4" name="Foliennummernplatzhalter 3"/>
+          <p:cNvPr id="4" name="Slide Number Placeholder 3"/>
           <p:cNvSpPr>
             <a:spLocks noGrp="1"/>
           </p:cNvSpPr>
@@ -2009,7 +1940,7 @@
       </p:grpSpPr>
       <p:sp>
         <p:nvSpPr>
-          <p:cNvPr id="2" name="Titel 1"/>
+          <p:cNvPr id="2" name="Title 1"/>
           <p:cNvSpPr>
             <a:spLocks noGrp="1"/>
           </p:cNvSpPr>
@@ -2019,15 +1950,17 @@
         </p:nvSpPr>
         <p:spPr>
           <a:xfrm>
-            <a:off x="457200" y="273050"/>
-            <a:ext cx="3008313" cy="1162050"/>
+            <a:off x="914400" y="1825362"/>
+            <a:ext cx="2950936" cy="2173015"/>
           </a:xfrm>
         </p:spPr>
         <p:txBody>
-          <a:bodyPr anchor="b"/>
+          <a:bodyPr anchor="b">
+            <a:normAutofit/>
+          </a:bodyPr>
           <a:lstStyle>
             <a:lvl1pPr algn="l">
-              <a:defRPr sz="2000" b="1"/>
+              <a:defRPr sz="2800" b="0"/>
             </a:lvl1pPr>
           </a:lstStyle>
           <a:p>
@@ -2035,13 +1968,13 @@
               <a:rPr lang="de-DE" smtClean="0"/>
               <a:t>Titelmasterformat durch Klicken bearbeiten</a:t>
             </a:r>
-            <a:endParaRPr lang="de-DE"/>
-          </a:p>
-        </p:txBody>
-      </p:sp>
-      <p:sp>
-        <p:nvSpPr>
-          <p:cNvPr id="3" name="Inhaltsplatzhalter 2"/>
+            <a:endParaRPr lang="en-US" dirty="0"/>
+          </a:p>
+        </p:txBody>
+      </p:sp>
+      <p:sp>
+        <p:nvSpPr>
+          <p:cNvPr id="3" name="Content Placeholder 2"/>
           <p:cNvSpPr>
             <a:spLocks noGrp="1"/>
           </p:cNvSpPr>
@@ -2051,27 +1984,27 @@
         </p:nvSpPr>
         <p:spPr>
           <a:xfrm>
-            <a:off x="3575050" y="273050"/>
-            <a:ext cx="5111750" cy="5853113"/>
+            <a:off x="4021752" y="1826709"/>
+            <a:ext cx="4207848" cy="4476614"/>
           </a:xfrm>
         </p:spPr>
         <p:txBody>
-          <a:bodyPr/>
+          <a:bodyPr anchor="ctr"/>
           <a:lstStyle>
             <a:lvl1pPr>
-              <a:defRPr sz="3200"/>
+              <a:defRPr sz="2000"/>
             </a:lvl1pPr>
             <a:lvl2pPr>
-              <a:defRPr sz="2800"/>
+              <a:defRPr sz="1800"/>
             </a:lvl2pPr>
             <a:lvl3pPr>
-              <a:defRPr sz="2400"/>
+              <a:defRPr sz="1600"/>
             </a:lvl3pPr>
             <a:lvl4pPr>
-              <a:defRPr sz="2000"/>
+              <a:defRPr sz="1400"/>
             </a:lvl4pPr>
             <a:lvl5pPr>
-              <a:defRPr sz="2000"/>
+              <a:defRPr sz="1400"/>
             </a:lvl5pPr>
             <a:lvl6pPr>
               <a:defRPr sz="2000"/>
@@ -2090,7 +2023,7 @@
             <a:pPr lvl="0"/>
             <a:r>
               <a:rPr lang="de-DE" smtClean="0"/>
-              <a:t>Textmasterformate durch Klicken bearbeiten</a:t>
+              <a:t>Textmasterformat bearbeiten</a:t>
             </a:r>
           </a:p>
           <a:p>
@@ -2120,13 +2053,13 @@
               <a:rPr lang="de-DE" smtClean="0"/>
               <a:t>Fünfte Ebene</a:t>
             </a:r>
-            <a:endParaRPr lang="de-DE"/>
-          </a:p>
-        </p:txBody>
-      </p:sp>
-      <p:sp>
-        <p:nvSpPr>
-          <p:cNvPr id="4" name="Textplatzhalter 3"/>
+            <a:endParaRPr lang="en-US" dirty="0"/>
+          </a:p>
+        </p:txBody>
+      </p:sp>
+      <p:sp>
+        <p:nvSpPr>
+          <p:cNvPr id="4" name="Text Placeholder 3"/>
           <p:cNvSpPr>
             <a:spLocks noGrp="1"/>
           </p:cNvSpPr>
@@ -2136,8 +2069,8 @@
         </p:nvSpPr>
         <p:spPr>
           <a:xfrm>
-            <a:off x="457200" y="1435100"/>
-            <a:ext cx="3008313" cy="4691063"/>
+            <a:off x="914400" y="4061095"/>
+            <a:ext cx="2950936" cy="2245387"/>
           </a:xfrm>
         </p:spPr>
         <p:txBody>
@@ -2184,14 +2117,14 @@
             <a:pPr lvl="0"/>
             <a:r>
               <a:rPr lang="de-DE" smtClean="0"/>
-              <a:t>Textmasterformate durch Klicken bearbeiten</a:t>
-            </a:r>
-          </a:p>
-        </p:txBody>
-      </p:sp>
-      <p:sp>
-        <p:nvSpPr>
-          <p:cNvPr id="5" name="Datumsplatzhalter 4"/>
+              <a:t>Textmasterformat bearbeiten</a:t>
+            </a:r>
+          </a:p>
+        </p:txBody>
+      </p:sp>
+      <p:sp>
+        <p:nvSpPr>
+          <p:cNvPr id="5" name="Date Placeholder 4"/>
           <p:cNvSpPr>
             <a:spLocks noGrp="1"/>
           </p:cNvSpPr>
@@ -2206,7 +2139,7 @@
           <a:p>
             <a:fld id="{1BA50D42-C9CD-4801-B293-61D1F53EC57E}" type="datetimeFigureOut">
               <a:rPr lang="de-DE" smtClean="0"/>
-              <a:t>14.09.2006</a:t>
+              <a:t>10.11.2015</a:t>
             </a:fld>
             <a:endParaRPr lang="de-DE"/>
           </a:p>
@@ -2214,7 +2147,7 @@
       </p:sp>
       <p:sp>
         <p:nvSpPr>
-          <p:cNvPr id="6" name="Fußzeilenplatzhalter 5"/>
+          <p:cNvPr id="6" name="Footer Placeholder 5"/>
           <p:cNvSpPr>
             <a:spLocks noGrp="1"/>
           </p:cNvSpPr>
@@ -2233,7 +2166,7 @@
       </p:sp>
       <p:sp>
         <p:nvSpPr>
-          <p:cNvPr id="7" name="Foliennummernplatzhalter 6"/>
+          <p:cNvPr id="7" name="Slide Number Placeholder 6"/>
           <p:cNvSpPr>
             <a:spLocks noGrp="1"/>
           </p:cNvSpPr>
@@ -2281,7 +2214,7 @@
       </p:grpSpPr>
       <p:sp>
         <p:nvSpPr>
-          <p:cNvPr id="2" name="Titel 1"/>
+          <p:cNvPr id="2" name="Title 1"/>
           <p:cNvSpPr>
             <a:spLocks noGrp="1"/>
           </p:cNvSpPr>
@@ -2291,15 +2224,17 @@
         </p:nvSpPr>
         <p:spPr>
           <a:xfrm>
-            <a:off x="1792288" y="4800600"/>
-            <a:ext cx="5486400" cy="566738"/>
+            <a:off x="914400" y="1828800"/>
+            <a:ext cx="2953512" cy="2176272"/>
           </a:xfrm>
         </p:spPr>
         <p:txBody>
-          <a:bodyPr anchor="b"/>
+          <a:bodyPr anchor="b">
+            <a:normAutofit/>
+          </a:bodyPr>
           <a:lstStyle>
             <a:lvl1pPr algn="l">
-              <a:defRPr sz="2000" b="1"/>
+              <a:defRPr sz="2800" b="0"/>
             </a:lvl1pPr>
           </a:lstStyle>
           <a:p>
@@ -2307,13 +2242,13 @@
               <a:rPr lang="de-DE" smtClean="0"/>
               <a:t>Titelmasterformat durch Klicken bearbeiten</a:t>
             </a:r>
-            <a:endParaRPr lang="de-DE"/>
-          </a:p>
-        </p:txBody>
-      </p:sp>
-      <p:sp>
-        <p:nvSpPr>
-          <p:cNvPr id="3" name="Bildplatzhalter 2"/>
+            <a:endParaRPr lang="en-US" dirty="0"/>
+          </a:p>
+        </p:txBody>
+      </p:sp>
+      <p:sp>
+        <p:nvSpPr>
+          <p:cNvPr id="3" name="Picture Placeholder 2"/>
           <p:cNvSpPr>
             <a:spLocks noGrp="1"/>
           </p:cNvSpPr>
@@ -2323,9 +2258,27 @@
         </p:nvSpPr>
         <p:spPr>
           <a:xfrm>
-            <a:off x="1792288" y="612775"/>
-            <a:ext cx="5486400" cy="4114800"/>
+            <a:off x="4191000" y="2286000"/>
+            <a:ext cx="4038600" cy="3352800"/>
           </a:xfrm>
+          <a:solidFill>
+            <a:schemeClr val="accent2"/>
+          </a:solidFill>
+          <a:ln w="12700">
+            <a:noFill/>
+          </a:ln>
+          <a:effectLst>
+            <a:reflection blurRad="12700" stA="30000" endPos="30000" dist="31750" dir="5400000" sy="-100000" algn="bl" rotWithShape="0"/>
+          </a:effectLst>
+          <a:scene3d>
+            <a:camera prst="perspectiveRight" fov="2700000">
+              <a:rot lat="240000" lon="900000" rev="0"/>
+            </a:camera>
+            <a:lightRig rig="threePt" dir="t">
+              <a:rot lat="0" lon="0" rev="2700000"/>
+            </a:lightRig>
+          </a:scene3d>
+          <a:sp3d/>
         </p:spPr>
         <p:txBody>
           <a:bodyPr/>
@@ -2368,13 +2321,17 @@
             </a:lvl9pPr>
           </a:lstStyle>
           <a:p>
-            <a:endParaRPr lang="de-DE"/>
-          </a:p>
-        </p:txBody>
-      </p:sp>
-      <p:sp>
-        <p:nvSpPr>
-          <p:cNvPr id="4" name="Textplatzhalter 3"/>
+            <a:r>
+              <a:rPr lang="de-DE" smtClean="0"/>
+              <a:t>Bild durch Klicken auf Symbol hinzufügen</a:t>
+            </a:r>
+            <a:endParaRPr lang="en-US" dirty="0"/>
+          </a:p>
+        </p:txBody>
+      </p:sp>
+      <p:sp>
+        <p:nvSpPr>
+          <p:cNvPr id="4" name="Text Placeholder 3"/>
           <p:cNvSpPr>
             <a:spLocks noGrp="1"/>
           </p:cNvSpPr>
@@ -2384,8 +2341,8 @@
         </p:nvSpPr>
         <p:spPr>
           <a:xfrm>
-            <a:off x="1792288" y="5367338"/>
-            <a:ext cx="5486400" cy="804862"/>
+            <a:off x="914400" y="4059936"/>
+            <a:ext cx="2953512" cy="2249424"/>
           </a:xfrm>
         </p:spPr>
         <p:txBody>
@@ -2432,14 +2389,14 @@
             <a:pPr lvl="0"/>
             <a:r>
               <a:rPr lang="de-DE" smtClean="0"/>
-              <a:t>Textmasterformate durch Klicken bearbeiten</a:t>
-            </a:r>
-          </a:p>
-        </p:txBody>
-      </p:sp>
-      <p:sp>
-        <p:nvSpPr>
-          <p:cNvPr id="5" name="Datumsplatzhalter 4"/>
+              <a:t>Textmasterformat bearbeiten</a:t>
+            </a:r>
+          </a:p>
+        </p:txBody>
+      </p:sp>
+      <p:sp>
+        <p:nvSpPr>
+          <p:cNvPr id="5" name="Date Placeholder 4"/>
           <p:cNvSpPr>
             <a:spLocks noGrp="1"/>
           </p:cNvSpPr>
@@ -2454,7 +2411,7 @@
           <a:p>
             <a:fld id="{1BA50D42-C9CD-4801-B293-61D1F53EC57E}" type="datetimeFigureOut">
               <a:rPr lang="de-DE" smtClean="0"/>
-              <a:t>14.09.2006</a:t>
+              <a:t>10.11.2015</a:t>
             </a:fld>
             <a:endParaRPr lang="de-DE"/>
           </a:p>
@@ -2462,7 +2419,7 @@
       </p:sp>
       <p:sp>
         <p:nvSpPr>
-          <p:cNvPr id="6" name="Fußzeilenplatzhalter 5"/>
+          <p:cNvPr id="6" name="Footer Placeholder 5"/>
           <p:cNvSpPr>
             <a:spLocks noGrp="1"/>
           </p:cNvSpPr>
@@ -2481,7 +2438,7 @@
       </p:sp>
       <p:sp>
         <p:nvSpPr>
-          <p:cNvPr id="7" name="Foliennummernplatzhalter 6"/>
+          <p:cNvPr id="7" name="Slide Number Placeholder 6"/>
           <p:cNvSpPr>
             <a:spLocks noGrp="1"/>
           </p:cNvSpPr>
@@ -2514,8 +2471,8 @@
 <p:sldMaster xmlns:a="http://schemas.openxmlformats.org/drawingml/2006/main" xmlns:r="http://schemas.openxmlformats.org/officeDocument/2006/relationships" xmlns:p="http://schemas.openxmlformats.org/presentationml/2006/main">
   <p:cSld>
     <p:bg>
-      <p:bgRef idx="1001">
-        <a:schemeClr val="bg1"/>
+      <p:bgRef idx="1002">
+        <a:schemeClr val="bg2"/>
       </p:bgRef>
     </p:bg>
     <p:spTree>
@@ -2534,25 +2491,117 @@
       </p:grpSpPr>
       <p:sp>
         <p:nvSpPr>
-          <p:cNvPr id="2" name="Titelplatzhalter 1"/>
-          <p:cNvSpPr>
-            <a:spLocks noGrp="1"/>
-          </p:cNvSpPr>
-          <p:nvPr>
-            <p:ph type="title"/>
-          </p:nvPr>
+          <p:cNvPr id="10" name="Rectangle 9"/>
+          <p:cNvSpPr/>
+          <p:nvPr/>
         </p:nvSpPr>
         <p:spPr>
           <a:xfrm>
-            <a:off x="457200" y="274638"/>
-            <a:ext cx="8229600" cy="1143000"/>
+            <a:off x="8435268" y="573807"/>
+            <a:ext cx="86236" cy="572316"/>
+          </a:xfrm>
+          <a:prstGeom prst="rect">
+            <a:avLst/>
+          </a:prstGeom>
+          <a:solidFill>
+            <a:schemeClr val="tx2"/>
+          </a:solidFill>
+          <a:ln>
+            <a:noFill/>
+          </a:ln>
+        </p:spPr>
+        <p:style>
+          <a:lnRef idx="2">
+            <a:schemeClr val="accent1">
+              <a:shade val="50000"/>
+            </a:schemeClr>
+          </a:lnRef>
+          <a:fillRef idx="1">
+            <a:schemeClr val="accent1"/>
+          </a:fillRef>
+          <a:effectRef idx="0">
+            <a:schemeClr val="accent1"/>
+          </a:effectRef>
+          <a:fontRef idx="minor">
+            <a:schemeClr val="lt1"/>
+          </a:fontRef>
+        </p:style>
+        <p:txBody>
+          <a:bodyPr rtlCol="0" anchor="ctr"/>
+          <a:lstStyle/>
+          <a:p>
+            <a:pPr algn="ctr"/>
+            <a:endParaRPr lang="en-US"/>
+          </a:p>
+        </p:txBody>
+      </p:sp>
+      <p:sp>
+        <p:nvSpPr>
+          <p:cNvPr id="11" name="Rectangle 10"/>
+          <p:cNvSpPr/>
+          <p:nvPr/>
+        </p:nvSpPr>
+        <p:spPr>
+          <a:xfrm>
+            <a:off x="8569419" y="573807"/>
+            <a:ext cx="576072" cy="572316"/>
+          </a:xfrm>
+          <a:prstGeom prst="rect">
+            <a:avLst/>
+          </a:prstGeom>
+          <a:solidFill>
+            <a:schemeClr val="tx2"/>
+          </a:solidFill>
+          <a:ln>
+            <a:noFill/>
+          </a:ln>
+        </p:spPr>
+        <p:style>
+          <a:lnRef idx="2">
+            <a:schemeClr val="accent1">
+              <a:shade val="50000"/>
+            </a:schemeClr>
+          </a:lnRef>
+          <a:fillRef idx="1">
+            <a:schemeClr val="accent1"/>
+          </a:fillRef>
+          <a:effectRef idx="0">
+            <a:schemeClr val="accent1"/>
+          </a:effectRef>
+          <a:fontRef idx="minor">
+            <a:schemeClr val="lt1"/>
+          </a:fontRef>
+        </p:style>
+        <p:txBody>
+          <a:bodyPr rtlCol="0" anchor="ctr"/>
+          <a:lstStyle/>
+          <a:p>
+            <a:pPr algn="ctr"/>
+            <a:endParaRPr lang="en-US"/>
+          </a:p>
+        </p:txBody>
+      </p:sp>
+      <p:sp>
+        <p:nvSpPr>
+          <p:cNvPr id="2" name="Title Placeholder 1"/>
+          <p:cNvSpPr>
+            <a:spLocks noGrp="1"/>
+          </p:cNvSpPr>
+          <p:nvPr>
+            <p:ph type="title"/>
+          </p:nvPr>
+        </p:nvSpPr>
+        <p:spPr>
+          <a:xfrm>
+            <a:off x="914400" y="1544715"/>
+            <a:ext cx="7315200" cy="1154097"/>
           </a:xfrm>
           <a:prstGeom prst="rect">
             <a:avLst/>
           </a:prstGeom>
         </p:spPr>
         <p:txBody>
-          <a:bodyPr vert="horz" lIns="91440" tIns="45720" rIns="91440" bIns="45720" rtlCol="0" anchor="ctr">
+          <a:bodyPr vert="horz" lIns="91440" tIns="45720" rIns="91440" bIns="45720" rtlCol="0" anchor="b">
             <a:normAutofit/>
           </a:bodyPr>
           <a:lstStyle/>
@@ -2561,13 +2610,13 @@
               <a:rPr lang="de-DE" smtClean="0"/>
               <a:t>Titelmasterformat durch Klicken bearbeiten</a:t>
             </a:r>
-            <a:endParaRPr lang="de-DE"/>
-          </a:p>
-        </p:txBody>
-      </p:sp>
-      <p:sp>
-        <p:nvSpPr>
-          <p:cNvPr id="3" name="Textplatzhalter 2"/>
+            <a:endParaRPr lang="en-US" dirty="0"/>
+          </a:p>
+        </p:txBody>
+      </p:sp>
+      <p:sp>
+        <p:nvSpPr>
+          <p:cNvPr id="3" name="Text Placeholder 2"/>
           <p:cNvSpPr>
             <a:spLocks noGrp="1"/>
           </p:cNvSpPr>
@@ -2577,8 +2626,8 @@
         </p:nvSpPr>
         <p:spPr>
           <a:xfrm>
-            <a:off x="457200" y="1600200"/>
-            <a:ext cx="8229600" cy="4525963"/>
+            <a:off x="914400" y="2769833"/>
+            <a:ext cx="7315200" cy="3539527"/>
           </a:xfrm>
           <a:prstGeom prst="rect">
             <a:avLst/>
@@ -2593,7 +2642,7 @@
             <a:pPr lvl="0"/>
             <a:r>
               <a:rPr lang="de-DE" smtClean="0"/>
-              <a:t>Textmasterformate durch Klicken bearbeiten</a:t>
+              <a:t>Textmasterformat bearbeiten</a:t>
             </a:r>
           </a:p>
           <a:p>
@@ -2623,13 +2672,13 @@
               <a:rPr lang="de-DE" smtClean="0"/>
               <a:t>Fünfte Ebene</a:t>
             </a:r>
-            <a:endParaRPr lang="de-DE"/>
-          </a:p>
-        </p:txBody>
-      </p:sp>
-      <p:sp>
-        <p:nvSpPr>
-          <p:cNvPr id="4" name="Datumsplatzhalter 3"/>
+            <a:endParaRPr lang="en-US" dirty="0" smtClean="0"/>
+          </a:p>
+        </p:txBody>
+      </p:sp>
+      <p:sp>
+        <p:nvSpPr>
+          <p:cNvPr id="4" name="Date Placeholder 3"/>
           <p:cNvSpPr>
             <a:spLocks noGrp="1"/>
           </p:cNvSpPr>
@@ -2639,8 +2688,8 @@
         </p:nvSpPr>
         <p:spPr>
           <a:xfrm>
-            <a:off x="457200" y="6356350"/>
-            <a:ext cx="2133600" cy="365125"/>
+            <a:off x="6007690" y="548797"/>
+            <a:ext cx="1189132" cy="297918"/>
           </a:xfrm>
           <a:prstGeom prst="rect">
             <a:avLst/>
@@ -2653,7 +2702,7 @@
               <a:defRPr sz="1200">
                 <a:solidFill>
                   <a:schemeClr val="tx1">
-                    <a:tint val="75000"/>
+                    <a:alpha val="50000"/>
                   </a:schemeClr>
                 </a:solidFill>
               </a:defRPr>
@@ -2662,7 +2711,7 @@
           <a:p>
             <a:fld id="{1BA50D42-C9CD-4801-B293-61D1F53EC57E}" type="datetimeFigureOut">
               <a:rPr lang="de-DE" smtClean="0"/>
-              <a:t>14.09.2006</a:t>
+              <a:t>10.11.2015</a:t>
             </a:fld>
             <a:endParaRPr lang="de-DE"/>
           </a:p>
@@ -2670,18 +2719,18 @@
       </p:sp>
       <p:sp>
         <p:nvSpPr>
-          <p:cNvPr id="5" name="Fußzeilenplatzhalter 4"/>
-          <p:cNvSpPr>
-            <a:spLocks noGrp="1"/>
-          </p:cNvSpPr>
-          <p:nvPr>
-            <p:ph type="ftr" sz="quarter" idx="3"/>
+          <p:cNvPr id="6" name="Slide Number Placeholder 5"/>
+          <p:cNvSpPr>
+            <a:spLocks noGrp="1"/>
+          </p:cNvSpPr>
+          <p:nvPr>
+            <p:ph type="sldNum" sz="quarter" idx="4"/>
           </p:nvPr>
         </p:nvSpPr>
         <p:spPr>
           <a:xfrm>
-            <a:off x="3124200" y="6356350"/>
-            <a:ext cx="2895600" cy="365125"/>
+            <a:off x="7314415" y="548797"/>
+            <a:ext cx="941203" cy="301752"/>
           </a:xfrm>
           <a:prstGeom prst="rect">
             <a:avLst/>
@@ -2690,103 +2739,158 @@
         <p:txBody>
           <a:bodyPr vert="horz" lIns="91440" tIns="45720" rIns="91440" bIns="45720" rtlCol="0" anchor="ctr"/>
           <a:lstStyle>
-            <a:lvl1pPr algn="ctr">
+            <a:lvl1pPr algn="r">
               <a:defRPr sz="1200">
                 <a:solidFill>
-                  <a:schemeClr val="tx1">
-                    <a:tint val="75000"/>
-                  </a:schemeClr>
+                  <a:schemeClr val="tx1"/>
                 </a:solidFill>
               </a:defRPr>
             </a:lvl1pPr>
           </a:lstStyle>
           <a:p>
+            <a:fld id="{6C6AE60A-B69C-4790-82F7-3882EDF23186}" type="slidenum">
+              <a:rPr lang="de-DE" smtClean="0"/>
+              <a:t>‹Nr.›</a:t>
+            </a:fld>
             <a:endParaRPr lang="de-DE"/>
           </a:p>
         </p:txBody>
       </p:sp>
       <p:sp>
         <p:nvSpPr>
-          <p:cNvPr id="6" name="Foliennummernplatzhalter 5"/>
-          <p:cNvSpPr>
-            <a:spLocks noGrp="1"/>
-          </p:cNvSpPr>
-          <p:nvPr>
-            <p:ph type="sldNum" sz="quarter" idx="4"/>
+          <p:cNvPr id="5" name="Footer Placeholder 4"/>
+          <p:cNvSpPr>
+            <a:spLocks noGrp="1"/>
+          </p:cNvSpPr>
+          <p:nvPr>
+            <p:ph type="ftr" sz="quarter" idx="3"/>
           </p:nvPr>
         </p:nvSpPr>
         <p:spPr>
           <a:xfrm>
-            <a:off x="6553200" y="6356350"/>
-            <a:ext cx="2133600" cy="365125"/>
+            <a:off x="6008688" y="855956"/>
+            <a:ext cx="2246489" cy="301227"/>
           </a:xfrm>
           <a:prstGeom prst="rect">
             <a:avLst/>
           </a:prstGeom>
         </p:spPr>
         <p:txBody>
-          <a:bodyPr vert="horz" lIns="91440" tIns="45720" rIns="91440" bIns="45720" rtlCol="0" anchor="ctr"/>
+          <a:bodyPr vert="horz" lIns="91440" tIns="0" rIns="91440" bIns="45720" rtlCol="0" anchor="t"/>
           <a:lstStyle>
-            <a:lvl1pPr algn="r">
-              <a:defRPr sz="1200">
+            <a:lvl1pPr algn="l">
+              <a:defRPr sz="1000">
                 <a:solidFill>
-                  <a:schemeClr val="tx1">
-                    <a:tint val="75000"/>
-                  </a:schemeClr>
+                  <a:schemeClr val="tx1"/>
                 </a:solidFill>
               </a:defRPr>
             </a:lvl1pPr>
           </a:lstStyle>
           <a:p>
-            <a:fld id="{6C6AE60A-B69C-4790-82F7-3882EDF23186}" type="slidenum">
-              <a:rPr lang="de-DE" smtClean="0"/>
-              <a:t>‹Nr.›</a:t>
-            </a:fld>
             <a:endParaRPr lang="de-DE"/>
           </a:p>
         </p:txBody>
       </p:sp>
     </p:spTree>
   </p:cSld>
-  <p:clrMap bg1="lt1" tx1="dk1" bg2="lt2" tx2="dk2" accent1="accent1" accent2="accent2" accent3="accent3" accent4="accent4" accent5="accent5" accent6="accent6" hlink="hlink" folHlink="folHlink"/>
+  <p:clrMap bg1="dk1" tx1="lt1" bg2="dk2" tx2="lt2" accent1="accent1" accent2="accent2" accent3="accent3" accent4="accent4" accent5="accent5" accent6="accent6" hlink="hlink" folHlink="folHlink"/>
   <p:sldLayoutIdLst>
-    <p:sldLayoutId id="2147483649" r:id="rId1"/>
-    <p:sldLayoutId id="2147483650" r:id="rId2"/>
-    <p:sldLayoutId id="2147483651" r:id="rId3"/>
-    <p:sldLayoutId id="2147483652" r:id="rId4"/>
-    <p:sldLayoutId id="2147483653" r:id="rId5"/>
-    <p:sldLayoutId id="2147483654" r:id="rId6"/>
-    <p:sldLayoutId id="2147483655" r:id="rId7"/>
-    <p:sldLayoutId id="2147483656" r:id="rId8"/>
-    <p:sldLayoutId id="2147483657" r:id="rId9"/>
-    <p:sldLayoutId id="2147483658" r:id="rId10"/>
-    <p:sldLayoutId id="2147483659" r:id="rId11"/>
+    <p:sldLayoutId id="2147483661" r:id="rId1"/>
+    <p:sldLayoutId id="2147483662" r:id="rId2"/>
+    <p:sldLayoutId id="2147483663" r:id="rId3"/>
+    <p:sldLayoutId id="2147483664" r:id="rId4"/>
+    <p:sldLayoutId id="2147483665" r:id="rId5"/>
+    <p:sldLayoutId id="2147483666" r:id="rId6"/>
+    <p:sldLayoutId id="2147483667" r:id="rId7"/>
+    <p:sldLayoutId id="2147483668" r:id="rId8"/>
+    <p:sldLayoutId id="2147483669" r:id="rId9"/>
+    <p:sldLayoutId id="2147483670" r:id="rId10"/>
+    <p:sldLayoutId id="2147483671" r:id="rId11"/>
   </p:sldLayoutIdLst>
   <p:txStyles>
     <p:titleStyle>
-      <a:lvl1pPr algn="ctr" defTabSz="914400" rtl="0" eaLnBrk="1" latinLnBrk="0" hangingPunct="1">
+      <a:lvl1pPr algn="l" defTabSz="914400" rtl="0" eaLnBrk="1" latinLnBrk="0" hangingPunct="1">
         <a:spcBef>
           <a:spcPct val="0"/>
         </a:spcBef>
         <a:buNone/>
-        <a:defRPr sz="4400" kern="1200">
+        <a:defRPr sz="4000" kern="1200">
           <a:solidFill>
-            <a:schemeClr val="tx1"/>
+            <a:schemeClr val="tx2"/>
           </a:solidFill>
           <a:latin typeface="+mj-lt"/>
           <a:ea typeface="+mj-ea"/>
           <a:cs typeface="+mj-cs"/>
         </a:defRPr>
       </a:lvl1pPr>
+      <a:lvl2pPr eaLnBrk="1" hangingPunct="1">
+        <a:defRPr>
+          <a:solidFill>
+            <a:schemeClr val="tx2"/>
+          </a:solidFill>
+        </a:defRPr>
+      </a:lvl2pPr>
+      <a:lvl3pPr eaLnBrk="1" hangingPunct="1">
+        <a:defRPr>
+          <a:solidFill>
+            <a:schemeClr val="tx2"/>
+          </a:solidFill>
+        </a:defRPr>
+      </a:lvl3pPr>
+      <a:lvl4pPr eaLnBrk="1" hangingPunct="1">
+        <a:defRPr>
+          <a:solidFill>
+            <a:schemeClr val="tx2"/>
+          </a:solidFill>
+        </a:defRPr>
+      </a:lvl4pPr>
+      <a:lvl5pPr eaLnBrk="1" hangingPunct="1">
+        <a:defRPr>
+          <a:solidFill>
+            <a:schemeClr val="tx2"/>
+          </a:solidFill>
+        </a:defRPr>
+      </a:lvl5pPr>
+      <a:lvl6pPr eaLnBrk="1" hangingPunct="1">
+        <a:defRPr>
+          <a:solidFill>
+            <a:schemeClr val="tx2"/>
+          </a:solidFill>
+        </a:defRPr>
+      </a:lvl6pPr>
+      <a:lvl7pPr eaLnBrk="1" hangingPunct="1">
+        <a:defRPr>
+          <a:solidFill>
+            <a:schemeClr val="tx2"/>
+          </a:solidFill>
+        </a:defRPr>
+      </a:lvl7pPr>
+      <a:lvl8pPr eaLnBrk="1" hangingPunct="1">
+        <a:defRPr>
+          <a:solidFill>
+            <a:schemeClr val="tx2"/>
+          </a:solidFill>
+        </a:defRPr>
+      </a:lvl8pPr>
+      <a:lvl9pPr eaLnBrk="1" hangingPunct="1">
+        <a:defRPr>
+          <a:solidFill>
+            <a:schemeClr val="tx2"/>
+          </a:solidFill>
+        </a:defRPr>
+      </a:lvl9pPr>
     </p:titleStyle>
     <p:bodyStyle>
-      <a:lvl1pPr marL="342900" indent="-342900" algn="l" defTabSz="914400" rtl="0" eaLnBrk="1" latinLnBrk="0" hangingPunct="1">
+      <a:lvl1pPr marL="228600" indent="-182880" algn="l" defTabSz="914400" rtl="0" eaLnBrk="1" latinLnBrk="0" hangingPunct="1">
         <a:spcBef>
           <a:spcPct val="20000"/>
         </a:spcBef>
-        <a:buFont typeface="Arial" pitchFamily="34" charset="0"/>
-        <a:buChar char="•"/>
-        <a:defRPr sz="3200" kern="1200">
+        <a:buClr>
+          <a:schemeClr val="tx2"/>
+        </a:buClr>
+        <a:buFont typeface="Wingdings" charset="2"/>
+        <a:buChar char="§"/>
+        <a:defRPr sz="2000" kern="1200">
           <a:solidFill>
             <a:schemeClr val="tx1"/>
           </a:solidFill>
@@ -2795,13 +2899,16 @@
           <a:cs typeface="+mn-cs"/>
         </a:defRPr>
       </a:lvl1pPr>
-      <a:lvl2pPr marL="742950" indent="-285750" algn="l" defTabSz="914400" rtl="0" eaLnBrk="1" latinLnBrk="0" hangingPunct="1">
+      <a:lvl2pPr marL="502920" indent="-182880" algn="l" defTabSz="914400" rtl="0" eaLnBrk="1" latinLnBrk="0" hangingPunct="1">
         <a:spcBef>
           <a:spcPct val="20000"/>
         </a:spcBef>
-        <a:buFont typeface="Arial" pitchFamily="34" charset="0"/>
-        <a:buChar char="–"/>
-        <a:defRPr sz="2800" kern="1200">
+        <a:buClr>
+          <a:schemeClr val="tx2"/>
+        </a:buClr>
+        <a:buFont typeface="Wingdings" charset="2"/>
+        <a:buChar char="§"/>
+        <a:defRPr sz="1800" kern="1200">
           <a:solidFill>
             <a:schemeClr val="tx1"/>
           </a:solidFill>
@@ -2810,13 +2917,16 @@
           <a:cs typeface="+mn-cs"/>
         </a:defRPr>
       </a:lvl2pPr>
-      <a:lvl3pPr marL="1143000" indent="-228600" algn="l" defTabSz="914400" rtl="0" eaLnBrk="1" latinLnBrk="0" hangingPunct="1">
+      <a:lvl3pPr marL="685800" indent="-182880" algn="l" defTabSz="914400" rtl="0" eaLnBrk="1" latinLnBrk="0" hangingPunct="1">
         <a:spcBef>
           <a:spcPct val="20000"/>
         </a:spcBef>
-        <a:buFont typeface="Arial" pitchFamily="34" charset="0"/>
-        <a:buChar char="•"/>
-        <a:defRPr sz="2400" kern="1200">
+        <a:buClr>
+          <a:schemeClr val="tx2"/>
+        </a:buClr>
+        <a:buFont typeface="Wingdings" charset="2"/>
+        <a:buChar char="§"/>
+        <a:defRPr sz="1600" kern="1200">
           <a:solidFill>
             <a:schemeClr val="tx1"/>
           </a:solidFill>
@@ -2825,13 +2935,16 @@
           <a:cs typeface="+mn-cs"/>
         </a:defRPr>
       </a:lvl3pPr>
-      <a:lvl4pPr marL="1600200" indent="-228600" algn="l" defTabSz="914400" rtl="0" eaLnBrk="1" latinLnBrk="0" hangingPunct="1">
+      <a:lvl4pPr marL="914400" indent="-182880" algn="l" defTabSz="914400" rtl="0" eaLnBrk="1" latinLnBrk="0" hangingPunct="1">
         <a:spcBef>
           <a:spcPct val="20000"/>
         </a:spcBef>
-        <a:buFont typeface="Arial" pitchFamily="34" charset="0"/>
-        <a:buChar char="–"/>
-        <a:defRPr sz="2000" kern="1200">
+        <a:buClr>
+          <a:schemeClr val="tx2"/>
+        </a:buClr>
+        <a:buFont typeface="Wingdings" charset="2"/>
+        <a:buChar char="§"/>
+        <a:defRPr sz="1400" kern="1200">
           <a:solidFill>
             <a:schemeClr val="tx1"/>
           </a:solidFill>
@@ -2840,13 +2953,16 @@
           <a:cs typeface="+mn-cs"/>
         </a:defRPr>
       </a:lvl4pPr>
-      <a:lvl5pPr marL="2057400" indent="-228600" algn="l" defTabSz="914400" rtl="0" eaLnBrk="1" latinLnBrk="0" hangingPunct="1">
+      <a:lvl5pPr marL="1143000" indent="-182880" algn="l" defTabSz="914400" rtl="0" eaLnBrk="1" latinLnBrk="0" hangingPunct="1">
         <a:spcBef>
           <a:spcPct val="20000"/>
         </a:spcBef>
-        <a:buFont typeface="Arial" pitchFamily="34" charset="0"/>
-        <a:buChar char="»"/>
-        <a:defRPr sz="2000" kern="1200">
+        <a:buClr>
+          <a:schemeClr val="tx2"/>
+        </a:buClr>
+        <a:buFont typeface="Wingdings" charset="2"/>
+        <a:buChar char="§"/>
+        <a:defRPr sz="1400" kern="1200">
           <a:solidFill>
             <a:schemeClr val="tx1"/>
           </a:solidFill>
@@ -2855,13 +2971,16 @@
           <a:cs typeface="+mn-cs"/>
         </a:defRPr>
       </a:lvl5pPr>
-      <a:lvl6pPr marL="2514600" indent="-228600" algn="l" defTabSz="914400" rtl="0" eaLnBrk="1" latinLnBrk="0" hangingPunct="1">
+      <a:lvl6pPr marL="1371600" indent="-182880" algn="l" defTabSz="914400" rtl="0" eaLnBrk="1" latinLnBrk="0" hangingPunct="1">
         <a:spcBef>
           <a:spcPct val="20000"/>
         </a:spcBef>
-        <a:buFont typeface="Arial" pitchFamily="34" charset="0"/>
-        <a:buChar char="•"/>
-        <a:defRPr sz="2000" kern="1200">
+        <a:buClr>
+          <a:schemeClr val="tx2"/>
+        </a:buClr>
+        <a:buFont typeface="Wingdings" pitchFamily="2" charset="2"/>
+        <a:buChar char="§"/>
+        <a:defRPr sz="1400" kern="1200">
           <a:solidFill>
             <a:schemeClr val="tx1"/>
           </a:solidFill>
@@ -2870,13 +2989,16 @@
           <a:cs typeface="+mn-cs"/>
         </a:defRPr>
       </a:lvl6pPr>
-      <a:lvl7pPr marL="2971800" indent="-228600" algn="l" defTabSz="914400" rtl="0" eaLnBrk="1" latinLnBrk="0" hangingPunct="1">
+      <a:lvl7pPr marL="1600200" indent="-182880" algn="l" defTabSz="914400" rtl="0" eaLnBrk="1" latinLnBrk="0" hangingPunct="1">
         <a:spcBef>
           <a:spcPct val="20000"/>
         </a:spcBef>
-        <a:buFont typeface="Arial" pitchFamily="34" charset="0"/>
-        <a:buChar char="•"/>
-        <a:defRPr sz="2000" kern="1200">
+        <a:buClr>
+          <a:schemeClr val="tx2"/>
+        </a:buClr>
+        <a:buFont typeface="Wingdings" pitchFamily="2" charset="2"/>
+        <a:buChar char="§"/>
+        <a:defRPr sz="1400" kern="1200">
           <a:solidFill>
             <a:schemeClr val="tx1"/>
           </a:solidFill>
@@ -2885,13 +3007,16 @@
           <a:cs typeface="+mn-cs"/>
         </a:defRPr>
       </a:lvl7pPr>
-      <a:lvl8pPr marL="3429000" indent="-228600" algn="l" defTabSz="914400" rtl="0" eaLnBrk="1" latinLnBrk="0" hangingPunct="1">
+      <a:lvl8pPr marL="1828800" indent="-182880" algn="l" defTabSz="914400" rtl="0" eaLnBrk="1" latinLnBrk="0" hangingPunct="1">
         <a:spcBef>
           <a:spcPct val="20000"/>
         </a:spcBef>
-        <a:buFont typeface="Arial" pitchFamily="34" charset="0"/>
-        <a:buChar char="•"/>
-        <a:defRPr sz="2000" kern="1200">
+        <a:buClr>
+          <a:schemeClr val="tx2"/>
+        </a:buClr>
+        <a:buFont typeface="Wingdings" pitchFamily="2" charset="2"/>
+        <a:buChar char="§"/>
+        <a:defRPr sz="1400" kern="1200">
           <a:solidFill>
             <a:schemeClr val="tx1"/>
           </a:solidFill>
@@ -2900,13 +3025,16 @@
           <a:cs typeface="+mn-cs"/>
         </a:defRPr>
       </a:lvl8pPr>
-      <a:lvl9pPr marL="3886200" indent="-228600" algn="l" defTabSz="914400" rtl="0" eaLnBrk="1" latinLnBrk="0" hangingPunct="1">
+      <a:lvl9pPr marL="2057400" indent="-182880" algn="l" defTabSz="914400" rtl="0" eaLnBrk="1" latinLnBrk="0" hangingPunct="1">
         <a:spcBef>
           <a:spcPct val="20000"/>
         </a:spcBef>
-        <a:buFont typeface="Arial" pitchFamily="34" charset="0"/>
-        <a:buChar char="•"/>
-        <a:defRPr sz="2000" kern="1200">
+        <a:buClr>
+          <a:schemeClr val="tx2"/>
+        </a:buClr>
+        <a:buFont typeface="Wingdings" pitchFamily="2" charset="2"/>
+        <a:buChar char="§"/>
+        <a:defRPr sz="1400" kern="1200">
           <a:solidFill>
             <a:schemeClr val="tx1"/>
           </a:solidFill>
@@ -2918,7 +3046,7 @@
     </p:bodyStyle>
     <p:otherStyle>
       <a:defPPr>
-        <a:defRPr lang="de-DE"/>
+        <a:defRPr lang="en-US"/>
       </a:defPPr>
       <a:lvl1pPr marL="0" algn="l" defTabSz="914400" rtl="0" eaLnBrk="1" latinLnBrk="0" hangingPunct="1">
         <a:defRPr sz="1800" kern="1200">
@@ -3015,90 +3143,3001 @@
 </p:sldMaster>
 </file>
 
+<file path=ppt/slides/slide1.xml><?xml version="1.0" encoding="utf-8"?>
+<p:sld xmlns:a="http://schemas.openxmlformats.org/drawingml/2006/main" xmlns:r="http://schemas.openxmlformats.org/officeDocument/2006/relationships" xmlns:p="http://schemas.openxmlformats.org/presentationml/2006/main">
+  <p:cSld>
+    <p:spTree>
+      <p:nvGrpSpPr>
+        <p:cNvPr id="1" name=""/>
+        <p:cNvGrpSpPr/>
+        <p:nvPr/>
+      </p:nvGrpSpPr>
+      <p:grpSpPr>
+        <a:xfrm>
+          <a:off x="0" y="0"/>
+          <a:ext cx="0" cy="0"/>
+          <a:chOff x="0" y="0"/>
+          <a:chExt cx="0" cy="0"/>
+        </a:xfrm>
+      </p:grpSpPr>
+      <p:sp>
+        <p:nvSpPr>
+          <p:cNvPr id="2" name="Titel 1"/>
+          <p:cNvSpPr>
+            <a:spLocks noGrp="1"/>
+          </p:cNvSpPr>
+          <p:nvPr>
+            <p:ph type="ctrTitle"/>
+          </p:nvPr>
+        </p:nvSpPr>
+        <p:spPr/>
+        <p:txBody>
+          <a:bodyPr/>
+          <a:lstStyle/>
+          <a:p>
+            <a:endParaRPr lang="de-DE" dirty="0"/>
+          </a:p>
+        </p:txBody>
+      </p:sp>
+      <p:sp>
+        <p:nvSpPr>
+          <p:cNvPr id="3" name="Untertitel 2"/>
+          <p:cNvSpPr>
+            <a:spLocks noGrp="1"/>
+          </p:cNvSpPr>
+          <p:nvPr>
+            <p:ph type="subTitle" idx="1"/>
+          </p:nvPr>
+        </p:nvSpPr>
+        <p:spPr/>
+        <p:txBody>
+          <a:bodyPr/>
+          <a:lstStyle/>
+          <a:p>
+            <a:endParaRPr lang="de-DE"/>
+          </a:p>
+        </p:txBody>
+      </p:sp>
+    </p:spTree>
+    <p:extLst>
+      <p:ext uri="{BB962C8B-B14F-4D97-AF65-F5344CB8AC3E}">
+        <p14:creationId xmlns:p14="http://schemas.microsoft.com/office/powerpoint/2010/main" val="2750235839"/>
+      </p:ext>
+    </p:extLst>
+  </p:cSld>
+  <p:clrMapOvr>
+    <a:masterClrMapping/>
+  </p:clrMapOvr>
+  <p:timing>
+    <p:tnLst>
+      <p:par>
+        <p:cTn id="1" dur="indefinite" restart="never" nodeType="tmRoot"/>
+      </p:par>
+    </p:tnLst>
+  </p:timing>
+</p:sld>
+</file>
+
+<file path=ppt/slides/slide10.xml><?xml version="1.0" encoding="utf-8"?>
+<p:sld xmlns:a="http://schemas.openxmlformats.org/drawingml/2006/main" xmlns:r="http://schemas.openxmlformats.org/officeDocument/2006/relationships" xmlns:p="http://schemas.openxmlformats.org/presentationml/2006/main">
+  <p:cSld>
+    <p:spTree>
+      <p:nvGrpSpPr>
+        <p:cNvPr id="1" name=""/>
+        <p:cNvGrpSpPr/>
+        <p:nvPr/>
+      </p:nvGrpSpPr>
+      <p:grpSpPr>
+        <a:xfrm>
+          <a:off x="0" y="0"/>
+          <a:ext cx="0" cy="0"/>
+          <a:chOff x="0" y="0"/>
+          <a:chExt cx="0" cy="0"/>
+        </a:xfrm>
+      </p:grpSpPr>
+      <p:sp>
+        <p:nvSpPr>
+          <p:cNvPr id="2" name="Titel 1"/>
+          <p:cNvSpPr>
+            <a:spLocks noGrp="1"/>
+          </p:cNvSpPr>
+          <p:nvPr>
+            <p:ph type="ctrTitle"/>
+          </p:nvPr>
+        </p:nvSpPr>
+        <p:spPr/>
+        <p:txBody>
+          <a:bodyPr/>
+          <a:lstStyle/>
+          <a:p>
+            <a:r>
+              <a:rPr lang="de-DE" dirty="0" smtClean="0"/>
+              <a:t>VERSCHROTTEN</a:t>
+            </a:r>
+            <a:endParaRPr lang="de-DE" dirty="0"/>
+          </a:p>
+        </p:txBody>
+      </p:sp>
+      <p:sp>
+        <p:nvSpPr>
+          <p:cNvPr id="3" name="Untertitel 2"/>
+          <p:cNvSpPr>
+            <a:spLocks noGrp="1"/>
+          </p:cNvSpPr>
+          <p:nvPr>
+            <p:ph type="subTitle" idx="1"/>
+          </p:nvPr>
+        </p:nvSpPr>
+        <p:spPr/>
+        <p:txBody>
+          <a:bodyPr/>
+          <a:lstStyle/>
+          <a:p>
+            <a:endParaRPr lang="de-DE"/>
+          </a:p>
+        </p:txBody>
+      </p:sp>
+    </p:spTree>
+    <p:extLst>
+      <p:ext uri="{BB962C8B-B14F-4D97-AF65-F5344CB8AC3E}">
+        <p14:creationId xmlns:p14="http://schemas.microsoft.com/office/powerpoint/2010/main" val="2338706847"/>
+      </p:ext>
+    </p:extLst>
+  </p:cSld>
+  <p:clrMapOvr>
+    <a:masterClrMapping/>
+  </p:clrMapOvr>
+  <p:timing>
+    <p:tnLst>
+      <p:par>
+        <p:cTn id="1" dur="indefinite" restart="never" nodeType="tmRoot"/>
+      </p:par>
+    </p:tnLst>
+  </p:timing>
+</p:sld>
+</file>
+
+<file path=ppt/slides/slide11.xml><?xml version="1.0" encoding="utf-8"?>
+<p:sld xmlns:a="http://schemas.openxmlformats.org/drawingml/2006/main" xmlns:r="http://schemas.openxmlformats.org/officeDocument/2006/relationships" xmlns:p="http://schemas.openxmlformats.org/presentationml/2006/main">
+  <p:cSld>
+    <p:spTree>
+      <p:nvGrpSpPr>
+        <p:cNvPr id="1" name=""/>
+        <p:cNvGrpSpPr/>
+        <p:nvPr/>
+      </p:nvGrpSpPr>
+      <p:grpSpPr>
+        <a:xfrm>
+          <a:off x="0" y="0"/>
+          <a:ext cx="0" cy="0"/>
+          <a:chOff x="0" y="0"/>
+          <a:chExt cx="0" cy="0"/>
+        </a:xfrm>
+      </p:grpSpPr>
+      <p:sp>
+        <p:nvSpPr>
+          <p:cNvPr id="2" name="Titel 1"/>
+          <p:cNvSpPr>
+            <a:spLocks noGrp="1"/>
+          </p:cNvSpPr>
+          <p:nvPr>
+            <p:ph type="ctrTitle"/>
+          </p:nvPr>
+        </p:nvSpPr>
+        <p:spPr/>
+        <p:txBody>
+          <a:bodyPr/>
+          <a:lstStyle/>
+          <a:p>
+            <a:r>
+              <a:rPr lang="de-DE" dirty="0" smtClean="0"/>
+              <a:t>Problem:</a:t>
+            </a:r>
+            <a:br>
+              <a:rPr lang="de-DE" dirty="0" smtClean="0"/>
+            </a:br>
+            <a:r>
+              <a:rPr lang="de-DE" dirty="0" smtClean="0"/>
+              <a:t>Problemmüll im Handy verseucht die Umwelt </a:t>
+            </a:r>
+            <a:endParaRPr lang="de-DE" dirty="0"/>
+          </a:p>
+        </p:txBody>
+      </p:sp>
+      <p:sp>
+        <p:nvSpPr>
+          <p:cNvPr id="3" name="Untertitel 2"/>
+          <p:cNvSpPr>
+            <a:spLocks noGrp="1"/>
+          </p:cNvSpPr>
+          <p:nvPr>
+            <p:ph type="subTitle" idx="1"/>
+          </p:nvPr>
+        </p:nvSpPr>
+        <p:spPr/>
+        <p:txBody>
+          <a:bodyPr/>
+          <a:lstStyle/>
+          <a:p>
+            <a:endParaRPr lang="de-DE"/>
+          </a:p>
+        </p:txBody>
+      </p:sp>
+    </p:spTree>
+    <p:extLst>
+      <p:ext uri="{BB962C8B-B14F-4D97-AF65-F5344CB8AC3E}">
+        <p14:creationId xmlns:p14="http://schemas.microsoft.com/office/powerpoint/2010/main" val="3137354978"/>
+      </p:ext>
+    </p:extLst>
+  </p:cSld>
+  <p:clrMapOvr>
+    <a:masterClrMapping/>
+  </p:clrMapOvr>
+  <p:timing>
+    <p:tnLst>
+      <p:par>
+        <p:cTn id="1" dur="indefinite" restart="never" nodeType="tmRoot"/>
+      </p:par>
+    </p:tnLst>
+  </p:timing>
+</p:sld>
+</file>
+
+<file path=ppt/slides/slide12.xml><?xml version="1.0" encoding="utf-8"?>
+<p:sld xmlns:a="http://schemas.openxmlformats.org/drawingml/2006/main" xmlns:r="http://schemas.openxmlformats.org/officeDocument/2006/relationships" xmlns:p="http://schemas.openxmlformats.org/presentationml/2006/main">
+  <p:cSld>
+    <p:spTree>
+      <p:nvGrpSpPr>
+        <p:cNvPr id="1" name=""/>
+        <p:cNvGrpSpPr/>
+        <p:nvPr/>
+      </p:nvGrpSpPr>
+      <p:grpSpPr>
+        <a:xfrm>
+          <a:off x="0" y="0"/>
+          <a:ext cx="0" cy="0"/>
+          <a:chOff x="0" y="0"/>
+          <a:chExt cx="0" cy="0"/>
+        </a:xfrm>
+      </p:grpSpPr>
+      <p:sp>
+        <p:nvSpPr>
+          <p:cNvPr id="6" name="Titel 5"/>
+          <p:cNvSpPr>
+            <a:spLocks noGrp="1"/>
+          </p:cNvSpPr>
+          <p:nvPr>
+            <p:ph type="title"/>
+          </p:nvPr>
+        </p:nvSpPr>
+        <p:spPr/>
+        <p:txBody>
+          <a:bodyPr>
+            <a:noAutofit/>
+          </a:bodyPr>
+          <a:lstStyle/>
+          <a:p>
+            <a:r>
+              <a:rPr lang="de-DE" sz="3600" dirty="0" smtClean="0"/>
+              <a:t>Was für Problemmüll gibt es im Handy?</a:t>
+            </a:r>
+            <a:endParaRPr lang="de-DE" sz="3600" dirty="0"/>
+          </a:p>
+        </p:txBody>
+      </p:sp>
+      <p:sp>
+        <p:nvSpPr>
+          <p:cNvPr id="7" name="Inhaltsplatzhalter 6"/>
+          <p:cNvSpPr>
+            <a:spLocks noGrp="1"/>
+          </p:cNvSpPr>
+          <p:nvPr>
+            <p:ph idx="1"/>
+          </p:nvPr>
+        </p:nvSpPr>
+        <p:spPr/>
+        <p:txBody>
+          <a:bodyPr/>
+          <a:lstStyle/>
+          <a:p>
+            <a:r>
+              <a:rPr lang="de-DE" dirty="0" smtClean="0"/>
+              <a:t>Handys zählen allgemein als Problemmüll, wie fast jedes Elektronisches Gerät</a:t>
+            </a:r>
+          </a:p>
+          <a:p>
+            <a:r>
+              <a:rPr lang="de-DE" dirty="0"/>
+              <a:t>Brom </a:t>
+            </a:r>
+          </a:p>
+          <a:p>
+            <a:r>
+              <a:rPr lang="de-DE" dirty="0"/>
+              <a:t>Chrom </a:t>
+            </a:r>
+          </a:p>
+          <a:p>
+            <a:r>
+              <a:rPr lang="de-DE" dirty="0"/>
+              <a:t>Akkus</a:t>
+            </a:r>
+          </a:p>
+          <a:p>
+            <a:pPr lvl="1"/>
+            <a:r>
+              <a:rPr lang="de-DE" dirty="0"/>
+              <a:t>Cadmium</a:t>
+            </a:r>
+          </a:p>
+          <a:p>
+            <a:pPr lvl="1"/>
+            <a:r>
+              <a:rPr lang="de-DE" dirty="0"/>
+              <a:t>Quecksilber</a:t>
+            </a:r>
+          </a:p>
+          <a:p>
+            <a:pPr lvl="1"/>
+            <a:r>
+              <a:rPr lang="de-DE" dirty="0"/>
+              <a:t>Blei </a:t>
+            </a:r>
+          </a:p>
+          <a:p>
+            <a:endParaRPr lang="de-DE" dirty="0"/>
+          </a:p>
+        </p:txBody>
+      </p:sp>
+    </p:spTree>
+    <p:extLst>
+      <p:ext uri="{BB962C8B-B14F-4D97-AF65-F5344CB8AC3E}">
+        <p14:creationId xmlns:p14="http://schemas.microsoft.com/office/powerpoint/2010/main" val="1756688733"/>
+      </p:ext>
+    </p:extLst>
+  </p:cSld>
+  <p:clrMapOvr>
+    <a:masterClrMapping/>
+  </p:clrMapOvr>
+  <p:timing>
+    <p:tnLst>
+      <p:par>
+        <p:cTn id="1" dur="indefinite" restart="never" nodeType="tmRoot">
+          <p:childTnLst>
+            <p:seq concurrent="1" nextAc="seek">
+              <p:cTn id="2" dur="indefinite" nodeType="mainSeq">
+                <p:childTnLst>
+                  <p:par>
+                    <p:cTn id="3" fill="hold">
+                      <p:stCondLst>
+                        <p:cond delay="indefinite"/>
+                      </p:stCondLst>
+                      <p:childTnLst>
+                        <p:par>
+                          <p:cTn id="4" fill="hold">
+                            <p:stCondLst>
+                              <p:cond delay="0"/>
+                            </p:stCondLst>
+                            <p:childTnLst>
+                              <p:par>
+                                <p:cTn id="5" presetID="1" presetClass="entr" presetSubtype="0" fill="hold" grpId="0" nodeType="clickEffect">
+                                  <p:stCondLst>
+                                    <p:cond delay="0"/>
+                                  </p:stCondLst>
+                                  <p:childTnLst>
+                                    <p:set>
+                                      <p:cBhvr>
+                                        <p:cTn id="6" dur="1" fill="hold">
+                                          <p:stCondLst>
+                                            <p:cond delay="0"/>
+                                          </p:stCondLst>
+                                        </p:cTn>
+                                        <p:tgtEl>
+                                          <p:spTgt spid="6"/>
+                                        </p:tgtEl>
+                                        <p:attrNameLst>
+                                          <p:attrName>style.visibility</p:attrName>
+                                        </p:attrNameLst>
+                                      </p:cBhvr>
+                                      <p:to>
+                                        <p:strVal val="visible"/>
+                                      </p:to>
+                                    </p:set>
+                                  </p:childTnLst>
+                                </p:cTn>
+                              </p:par>
+                            </p:childTnLst>
+                          </p:cTn>
+                        </p:par>
+                      </p:childTnLst>
+                    </p:cTn>
+                  </p:par>
+                  <p:par>
+                    <p:cTn id="7" fill="hold">
+                      <p:stCondLst>
+                        <p:cond delay="indefinite"/>
+                      </p:stCondLst>
+                      <p:childTnLst>
+                        <p:par>
+                          <p:cTn id="8" fill="hold">
+                            <p:stCondLst>
+                              <p:cond delay="0"/>
+                            </p:stCondLst>
+                            <p:childTnLst>
+                              <p:par>
+                                <p:cTn id="9" presetID="1" presetClass="entr" presetSubtype="0" fill="hold" grpId="0" nodeType="clickEffect">
+                                  <p:stCondLst>
+                                    <p:cond delay="0"/>
+                                  </p:stCondLst>
+                                  <p:childTnLst>
+                                    <p:set>
+                                      <p:cBhvr>
+                                        <p:cTn id="10" dur="1" fill="hold">
+                                          <p:stCondLst>
+                                            <p:cond delay="0"/>
+                                          </p:stCondLst>
+                                        </p:cTn>
+                                        <p:tgtEl>
+                                          <p:spTgt spid="7">
+                                            <p:txEl>
+                                              <p:pRg st="0" end="0"/>
+                                            </p:txEl>
+                                          </p:spTgt>
+                                        </p:tgtEl>
+                                        <p:attrNameLst>
+                                          <p:attrName>style.visibility</p:attrName>
+                                        </p:attrNameLst>
+                                      </p:cBhvr>
+                                      <p:to>
+                                        <p:strVal val="visible"/>
+                                      </p:to>
+                                    </p:set>
+                                  </p:childTnLst>
+                                </p:cTn>
+                              </p:par>
+                            </p:childTnLst>
+                          </p:cTn>
+                        </p:par>
+                      </p:childTnLst>
+                    </p:cTn>
+                  </p:par>
+                </p:childTnLst>
+              </p:cTn>
+              <p:prevCondLst>
+                <p:cond evt="onPrev" delay="0">
+                  <p:tgtEl>
+                    <p:sldTgt/>
+                  </p:tgtEl>
+                </p:cond>
+              </p:prevCondLst>
+              <p:nextCondLst>
+                <p:cond evt="onNext" delay="0">
+                  <p:tgtEl>
+                    <p:sldTgt/>
+                  </p:tgtEl>
+                </p:cond>
+              </p:nextCondLst>
+            </p:seq>
+          </p:childTnLst>
+        </p:cTn>
+      </p:par>
+    </p:tnLst>
+    <p:bldLst>
+      <p:bldP spid="6" grpId="0"/>
+      <p:bldP spid="7" grpId="0" build="p"/>
+    </p:bldLst>
+  </p:timing>
+</p:sld>
+</file>
+
+<file path=ppt/slides/slide13.xml><?xml version="1.0" encoding="utf-8"?>
+<p:sld xmlns:a="http://schemas.openxmlformats.org/drawingml/2006/main" xmlns:r="http://schemas.openxmlformats.org/officeDocument/2006/relationships" xmlns:p="http://schemas.openxmlformats.org/presentationml/2006/main">
+  <p:cSld>
+    <p:spTree>
+      <p:nvGrpSpPr>
+        <p:cNvPr id="1" name=""/>
+        <p:cNvGrpSpPr/>
+        <p:nvPr/>
+      </p:nvGrpSpPr>
+      <p:grpSpPr>
+        <a:xfrm>
+          <a:off x="0" y="0"/>
+          <a:ext cx="0" cy="0"/>
+          <a:chOff x="0" y="0"/>
+          <a:chExt cx="0" cy="0"/>
+        </a:xfrm>
+      </p:grpSpPr>
+      <p:sp>
+        <p:nvSpPr>
+          <p:cNvPr id="2" name="Titel 1"/>
+          <p:cNvSpPr>
+            <a:spLocks noGrp="1"/>
+          </p:cNvSpPr>
+          <p:nvPr>
+            <p:ph type="title"/>
+          </p:nvPr>
+        </p:nvSpPr>
+        <p:spPr/>
+        <p:txBody>
+          <a:bodyPr/>
+          <a:lstStyle/>
+          <a:p>
+            <a:r>
+              <a:rPr lang="de-DE" dirty="0" smtClean="0"/>
+              <a:t>Giftige Stoffe im Handy…</a:t>
+            </a:r>
+            <a:endParaRPr lang="de-DE" dirty="0"/>
+          </a:p>
+        </p:txBody>
+      </p:sp>
+      <p:sp>
+        <p:nvSpPr>
+          <p:cNvPr id="3" name="Inhaltsplatzhalter 2"/>
+          <p:cNvSpPr>
+            <a:spLocks noGrp="1"/>
+          </p:cNvSpPr>
+          <p:nvPr>
+            <p:ph idx="1"/>
+          </p:nvPr>
+        </p:nvSpPr>
+        <p:spPr/>
+        <p:txBody>
+          <a:bodyPr>
+            <a:normAutofit/>
+          </a:bodyPr>
+          <a:lstStyle/>
+          <a:p>
+            <a:r>
+              <a:rPr lang="de-DE" dirty="0" smtClean="0"/>
+              <a:t>Brom </a:t>
+            </a:r>
+          </a:p>
+          <a:p>
+            <a:r>
+              <a:rPr lang="de-DE" dirty="0" smtClean="0"/>
+              <a:t>Chrom </a:t>
+            </a:r>
+          </a:p>
+          <a:p>
+            <a:r>
+              <a:rPr lang="de-DE" dirty="0" smtClean="0"/>
+              <a:t>Akkus</a:t>
+            </a:r>
+          </a:p>
+          <a:p>
+            <a:pPr lvl="1"/>
+            <a:r>
+              <a:rPr lang="de-DE" dirty="0" smtClean="0"/>
+              <a:t>Cadmium</a:t>
+            </a:r>
+          </a:p>
+          <a:p>
+            <a:pPr lvl="1"/>
+            <a:r>
+              <a:rPr lang="de-DE" dirty="0" smtClean="0"/>
+              <a:t>Quecksilber</a:t>
+            </a:r>
+          </a:p>
+          <a:p>
+            <a:pPr lvl="1"/>
+            <a:r>
+              <a:rPr lang="de-DE" dirty="0" smtClean="0"/>
+              <a:t>Blei </a:t>
+            </a:r>
+          </a:p>
+          <a:p>
+            <a:pPr lvl="1"/>
+            <a:endParaRPr lang="de-DE" dirty="0" smtClean="0"/>
+          </a:p>
+        </p:txBody>
+      </p:sp>
+    </p:spTree>
+    <p:extLst>
+      <p:ext uri="{BB962C8B-B14F-4D97-AF65-F5344CB8AC3E}">
+        <p14:creationId xmlns:p14="http://schemas.microsoft.com/office/powerpoint/2010/main" val="515835595"/>
+      </p:ext>
+    </p:extLst>
+  </p:cSld>
+  <p:clrMapOvr>
+    <a:masterClrMapping/>
+  </p:clrMapOvr>
+  <p:timing>
+    <p:tnLst>
+      <p:par>
+        <p:cTn id="1" dur="indefinite" restart="never" nodeType="tmRoot">
+          <p:childTnLst>
+            <p:seq concurrent="1" nextAc="seek">
+              <p:cTn id="2" dur="indefinite" nodeType="mainSeq">
+                <p:childTnLst>
+                  <p:par>
+                    <p:cTn id="3" fill="hold">
+                      <p:stCondLst>
+                        <p:cond delay="indefinite"/>
+                        <p:cond evt="onBegin" delay="0">
+                          <p:tn val="2"/>
+                        </p:cond>
+                      </p:stCondLst>
+                      <p:childTnLst>
+                        <p:par>
+                          <p:cTn id="4" fill="hold">
+                            <p:stCondLst>
+                              <p:cond delay="0"/>
+                            </p:stCondLst>
+                            <p:childTnLst>
+                              <p:par>
+                                <p:cTn id="5" presetID="1" presetClass="entr" presetSubtype="0" fill="hold" grpId="0" nodeType="withEffect">
+                                  <p:stCondLst>
+                                    <p:cond delay="0"/>
+                                  </p:stCondLst>
+                                  <p:childTnLst>
+                                    <p:set>
+                                      <p:cBhvr>
+                                        <p:cTn id="6" dur="1" fill="hold">
+                                          <p:stCondLst>
+                                            <p:cond delay="0"/>
+                                          </p:stCondLst>
+                                        </p:cTn>
+                                        <p:tgtEl>
+                                          <p:spTgt spid="2"/>
+                                        </p:tgtEl>
+                                        <p:attrNameLst>
+                                          <p:attrName>style.visibility</p:attrName>
+                                        </p:attrNameLst>
+                                      </p:cBhvr>
+                                      <p:to>
+                                        <p:strVal val="visible"/>
+                                      </p:to>
+                                    </p:set>
+                                  </p:childTnLst>
+                                </p:cTn>
+                              </p:par>
+                            </p:childTnLst>
+                          </p:cTn>
+                        </p:par>
+                      </p:childTnLst>
+                    </p:cTn>
+                  </p:par>
+                  <p:par>
+                    <p:cTn id="7" fill="hold">
+                      <p:stCondLst>
+                        <p:cond delay="indefinite"/>
+                      </p:stCondLst>
+                      <p:childTnLst>
+                        <p:par>
+                          <p:cTn id="8" fill="hold">
+                            <p:stCondLst>
+                              <p:cond delay="0"/>
+                            </p:stCondLst>
+                            <p:childTnLst>
+                              <p:par>
+                                <p:cTn id="9" presetID="1" presetClass="entr" presetSubtype="0" fill="hold" grpId="0" nodeType="clickEffect">
+                                  <p:stCondLst>
+                                    <p:cond delay="0"/>
+                                  </p:stCondLst>
+                                  <p:childTnLst>
+                                    <p:set>
+                                      <p:cBhvr>
+                                        <p:cTn id="10" dur="1" fill="hold">
+                                          <p:stCondLst>
+                                            <p:cond delay="0"/>
+                                          </p:stCondLst>
+                                        </p:cTn>
+                                        <p:tgtEl>
+                                          <p:spTgt spid="3">
+                                            <p:txEl>
+                                              <p:pRg st="0" end="0"/>
+                                            </p:txEl>
+                                          </p:spTgt>
+                                        </p:tgtEl>
+                                        <p:attrNameLst>
+                                          <p:attrName>style.visibility</p:attrName>
+                                        </p:attrNameLst>
+                                      </p:cBhvr>
+                                      <p:to>
+                                        <p:strVal val="visible"/>
+                                      </p:to>
+                                    </p:set>
+                                  </p:childTnLst>
+                                </p:cTn>
+                              </p:par>
+                            </p:childTnLst>
+                          </p:cTn>
+                        </p:par>
+                      </p:childTnLst>
+                    </p:cTn>
+                  </p:par>
+                  <p:par>
+                    <p:cTn id="11" fill="hold">
+                      <p:stCondLst>
+                        <p:cond delay="indefinite"/>
+                      </p:stCondLst>
+                      <p:childTnLst>
+                        <p:par>
+                          <p:cTn id="12" fill="hold">
+                            <p:stCondLst>
+                              <p:cond delay="0"/>
+                            </p:stCondLst>
+                            <p:childTnLst>
+                              <p:par>
+                                <p:cTn id="13" presetID="1" presetClass="entr" presetSubtype="0" fill="hold" grpId="0" nodeType="clickEffect">
+                                  <p:stCondLst>
+                                    <p:cond delay="0"/>
+                                  </p:stCondLst>
+                                  <p:childTnLst>
+                                    <p:set>
+                                      <p:cBhvr>
+                                        <p:cTn id="14" dur="1" fill="hold">
+                                          <p:stCondLst>
+                                            <p:cond delay="0"/>
+                                          </p:stCondLst>
+                                        </p:cTn>
+                                        <p:tgtEl>
+                                          <p:spTgt spid="3">
+                                            <p:txEl>
+                                              <p:pRg st="1" end="1"/>
+                                            </p:txEl>
+                                          </p:spTgt>
+                                        </p:tgtEl>
+                                        <p:attrNameLst>
+                                          <p:attrName>style.visibility</p:attrName>
+                                        </p:attrNameLst>
+                                      </p:cBhvr>
+                                      <p:to>
+                                        <p:strVal val="visible"/>
+                                      </p:to>
+                                    </p:set>
+                                  </p:childTnLst>
+                                </p:cTn>
+                              </p:par>
+                            </p:childTnLst>
+                          </p:cTn>
+                        </p:par>
+                      </p:childTnLst>
+                    </p:cTn>
+                  </p:par>
+                  <p:par>
+                    <p:cTn id="15" fill="hold">
+                      <p:stCondLst>
+                        <p:cond delay="indefinite"/>
+                      </p:stCondLst>
+                      <p:childTnLst>
+                        <p:par>
+                          <p:cTn id="16" fill="hold">
+                            <p:stCondLst>
+                              <p:cond delay="0"/>
+                            </p:stCondLst>
+                            <p:childTnLst>
+                              <p:par>
+                                <p:cTn id="17" presetID="1" presetClass="entr" presetSubtype="0" fill="hold" grpId="0" nodeType="clickEffect">
+                                  <p:stCondLst>
+                                    <p:cond delay="0"/>
+                                  </p:stCondLst>
+                                  <p:childTnLst>
+                                    <p:set>
+                                      <p:cBhvr>
+                                        <p:cTn id="18" dur="1" fill="hold">
+                                          <p:stCondLst>
+                                            <p:cond delay="0"/>
+                                          </p:stCondLst>
+                                        </p:cTn>
+                                        <p:tgtEl>
+                                          <p:spTgt spid="3">
+                                            <p:txEl>
+                                              <p:pRg st="2" end="2"/>
+                                            </p:txEl>
+                                          </p:spTgt>
+                                        </p:tgtEl>
+                                        <p:attrNameLst>
+                                          <p:attrName>style.visibility</p:attrName>
+                                        </p:attrNameLst>
+                                      </p:cBhvr>
+                                      <p:to>
+                                        <p:strVal val="visible"/>
+                                      </p:to>
+                                    </p:set>
+                                  </p:childTnLst>
+                                </p:cTn>
+                              </p:par>
+                              <p:par>
+                                <p:cTn id="19" presetID="1" presetClass="entr" presetSubtype="0" fill="hold" grpId="0" nodeType="withEffect">
+                                  <p:stCondLst>
+                                    <p:cond delay="0"/>
+                                  </p:stCondLst>
+                                  <p:childTnLst>
+                                    <p:set>
+                                      <p:cBhvr>
+                                        <p:cTn id="20" dur="1" fill="hold">
+                                          <p:stCondLst>
+                                            <p:cond delay="0"/>
+                                          </p:stCondLst>
+                                        </p:cTn>
+                                        <p:tgtEl>
+                                          <p:spTgt spid="3">
+                                            <p:txEl>
+                                              <p:pRg st="3" end="3"/>
+                                            </p:txEl>
+                                          </p:spTgt>
+                                        </p:tgtEl>
+                                        <p:attrNameLst>
+                                          <p:attrName>style.visibility</p:attrName>
+                                        </p:attrNameLst>
+                                      </p:cBhvr>
+                                      <p:to>
+                                        <p:strVal val="visible"/>
+                                      </p:to>
+                                    </p:set>
+                                  </p:childTnLst>
+                                </p:cTn>
+                              </p:par>
+                              <p:par>
+                                <p:cTn id="21" presetID="1" presetClass="entr" presetSubtype="0" fill="hold" grpId="0" nodeType="withEffect">
+                                  <p:stCondLst>
+                                    <p:cond delay="0"/>
+                                  </p:stCondLst>
+                                  <p:childTnLst>
+                                    <p:set>
+                                      <p:cBhvr>
+                                        <p:cTn id="22" dur="1" fill="hold">
+                                          <p:stCondLst>
+                                            <p:cond delay="0"/>
+                                          </p:stCondLst>
+                                        </p:cTn>
+                                        <p:tgtEl>
+                                          <p:spTgt spid="3">
+                                            <p:txEl>
+                                              <p:pRg st="4" end="4"/>
+                                            </p:txEl>
+                                          </p:spTgt>
+                                        </p:tgtEl>
+                                        <p:attrNameLst>
+                                          <p:attrName>style.visibility</p:attrName>
+                                        </p:attrNameLst>
+                                      </p:cBhvr>
+                                      <p:to>
+                                        <p:strVal val="visible"/>
+                                      </p:to>
+                                    </p:set>
+                                  </p:childTnLst>
+                                </p:cTn>
+                              </p:par>
+                              <p:par>
+                                <p:cTn id="23" presetID="1" presetClass="entr" presetSubtype="0" fill="hold" grpId="0" nodeType="withEffect">
+                                  <p:stCondLst>
+                                    <p:cond delay="0"/>
+                                  </p:stCondLst>
+                                  <p:childTnLst>
+                                    <p:set>
+                                      <p:cBhvr>
+                                        <p:cTn id="24" dur="1" fill="hold">
+                                          <p:stCondLst>
+                                            <p:cond delay="0"/>
+                                          </p:stCondLst>
+                                        </p:cTn>
+                                        <p:tgtEl>
+                                          <p:spTgt spid="3">
+                                            <p:txEl>
+                                              <p:pRg st="5" end="5"/>
+                                            </p:txEl>
+                                          </p:spTgt>
+                                        </p:tgtEl>
+                                        <p:attrNameLst>
+                                          <p:attrName>style.visibility</p:attrName>
+                                        </p:attrNameLst>
+                                      </p:cBhvr>
+                                      <p:to>
+                                        <p:strVal val="visible"/>
+                                      </p:to>
+                                    </p:set>
+                                  </p:childTnLst>
+                                </p:cTn>
+                              </p:par>
+                            </p:childTnLst>
+                          </p:cTn>
+                        </p:par>
+                      </p:childTnLst>
+                    </p:cTn>
+                  </p:par>
+                </p:childTnLst>
+              </p:cTn>
+              <p:prevCondLst>
+                <p:cond evt="onPrev" delay="0">
+                  <p:tgtEl>
+                    <p:sldTgt/>
+                  </p:tgtEl>
+                </p:cond>
+              </p:prevCondLst>
+              <p:nextCondLst>
+                <p:cond evt="onNext" delay="0">
+                  <p:tgtEl>
+                    <p:sldTgt/>
+                  </p:tgtEl>
+                </p:cond>
+              </p:nextCondLst>
+            </p:seq>
+          </p:childTnLst>
+        </p:cTn>
+      </p:par>
+    </p:tnLst>
+    <p:bldLst>
+      <p:bldP spid="2" grpId="0"/>
+      <p:bldP spid="3" grpId="0" build="p"/>
+    </p:bldLst>
+  </p:timing>
+</p:sld>
+</file>
+
+<file path=ppt/slides/slide14.xml><?xml version="1.0" encoding="utf-8"?>
+<p:sld xmlns:a="http://schemas.openxmlformats.org/drawingml/2006/main" xmlns:r="http://schemas.openxmlformats.org/officeDocument/2006/relationships" xmlns:p="http://schemas.openxmlformats.org/presentationml/2006/main">
+  <p:cSld>
+    <p:spTree>
+      <p:nvGrpSpPr>
+        <p:cNvPr id="1" name=""/>
+        <p:cNvGrpSpPr/>
+        <p:nvPr/>
+      </p:nvGrpSpPr>
+      <p:grpSpPr>
+        <a:xfrm>
+          <a:off x="0" y="0"/>
+          <a:ext cx="0" cy="0"/>
+          <a:chOff x="0" y="0"/>
+          <a:chExt cx="0" cy="0"/>
+        </a:xfrm>
+      </p:grpSpPr>
+      <p:sp>
+        <p:nvSpPr>
+          <p:cNvPr id="2" name="Titel 1"/>
+          <p:cNvSpPr>
+            <a:spLocks noGrp="1"/>
+          </p:cNvSpPr>
+          <p:nvPr>
+            <p:ph type="title"/>
+          </p:nvPr>
+        </p:nvSpPr>
+        <p:spPr/>
+        <p:txBody>
+          <a:bodyPr/>
+          <a:lstStyle/>
+          <a:p>
+            <a:r>
+              <a:rPr lang="de-DE" dirty="0" smtClean="0"/>
+              <a:t>…und ihre Auswirkungen</a:t>
+            </a:r>
+            <a:endParaRPr lang="de-DE" dirty="0"/>
+          </a:p>
+        </p:txBody>
+      </p:sp>
+      <p:sp>
+        <p:nvSpPr>
+          <p:cNvPr id="3" name="Inhaltsplatzhalter 2"/>
+          <p:cNvSpPr>
+            <a:spLocks noGrp="1"/>
+          </p:cNvSpPr>
+          <p:nvPr>
+            <p:ph idx="1"/>
+          </p:nvPr>
+        </p:nvSpPr>
+        <p:spPr/>
+        <p:txBody>
+          <a:bodyPr/>
+          <a:lstStyle/>
+          <a:p>
+            <a:r>
+              <a:rPr lang="de-DE" dirty="0" smtClean="0"/>
+              <a:t>Diese Chemikalien können bei Mensch und Tier zu Geburtsdefekten und Gesundheitsstörungen führen</a:t>
+            </a:r>
+          </a:p>
+          <a:p>
+            <a:r>
+              <a:rPr lang="de-DE" dirty="0" smtClean="0"/>
+              <a:t>ABER: Nutzung eines Handys an sich nicht gefährlich</a:t>
+            </a:r>
+          </a:p>
+          <a:p>
+            <a:r>
+              <a:rPr lang="de-DE" dirty="0" smtClean="0"/>
+              <a:t>Extremes Beispiel: </a:t>
+            </a:r>
+            <a:r>
+              <a:rPr lang="de-DE" dirty="0" err="1" smtClean="0"/>
+              <a:t>Agbogbloshie</a:t>
+            </a:r>
+            <a:r>
+              <a:rPr lang="de-DE" dirty="0" smtClean="0"/>
+              <a:t>, ein Vorort der ghanaischen Accra ist komplett verseucht</a:t>
+            </a:r>
+          </a:p>
+          <a:p>
+            <a:endParaRPr lang="de-DE" dirty="0"/>
+          </a:p>
+        </p:txBody>
+      </p:sp>
+      <p:pic>
+        <p:nvPicPr>
+          <p:cNvPr id="1026" name="Picture 2" descr="U:\Schule\Robotics\Agbogbloshie.jpg"/>
+          <p:cNvPicPr>
+            <a:picLocks noChangeAspect="1" noChangeArrowheads="1"/>
+          </p:cNvPicPr>
+          <p:nvPr/>
+        </p:nvPicPr>
+        <p:blipFill>
+          <a:blip r:embed="rId2">
+            <a:extLst>
+              <a:ext uri="{28A0092B-C50C-407E-A947-70E740481C1C}">
+                <a14:useLocalDpi xmlns:a14="http://schemas.microsoft.com/office/drawing/2010/main" val="0"/>
+              </a:ext>
+            </a:extLst>
+          </a:blip>
+          <a:srcRect/>
+          <a:stretch>
+            <a:fillRect/>
+          </a:stretch>
+        </p:blipFill>
+        <p:spPr bwMode="auto">
+          <a:xfrm>
+            <a:off x="395536" y="980728"/>
+            <a:ext cx="7883319" cy="4440163"/>
+          </a:xfrm>
+          <a:prstGeom prst="rect">
+            <a:avLst/>
+          </a:prstGeom>
+          <a:noFill/>
+          <a:extLst>
+            <a:ext uri="{909E8E84-426E-40DD-AFC4-6F175D3DCCD1}">
+              <a14:hiddenFill xmlns:a14="http://schemas.microsoft.com/office/drawing/2010/main">
+                <a:solidFill>
+                  <a:srgbClr val="FFFFFF"/>
+                </a:solidFill>
+              </a14:hiddenFill>
+            </a:ext>
+          </a:extLst>
+        </p:spPr>
+      </p:pic>
+    </p:spTree>
+    <p:extLst>
+      <p:ext uri="{BB962C8B-B14F-4D97-AF65-F5344CB8AC3E}">
+        <p14:creationId xmlns:p14="http://schemas.microsoft.com/office/powerpoint/2010/main" val="516410537"/>
+      </p:ext>
+    </p:extLst>
+  </p:cSld>
+  <p:clrMapOvr>
+    <a:masterClrMapping/>
+  </p:clrMapOvr>
+  <p:timing>
+    <p:tnLst>
+      <p:par>
+        <p:cTn id="1" dur="indefinite" restart="never" nodeType="tmRoot">
+          <p:childTnLst>
+            <p:seq concurrent="1" nextAc="seek">
+              <p:cTn id="2" dur="indefinite" nodeType="mainSeq">
+                <p:childTnLst>
+                  <p:par>
+                    <p:cTn id="3" fill="hold">
+                      <p:stCondLst>
+                        <p:cond delay="indefinite"/>
+                        <p:cond evt="onBegin" delay="0">
+                          <p:tn val="2"/>
+                        </p:cond>
+                      </p:stCondLst>
+                      <p:childTnLst>
+                        <p:par>
+                          <p:cTn id="4" fill="hold">
+                            <p:stCondLst>
+                              <p:cond delay="0"/>
+                            </p:stCondLst>
+                            <p:childTnLst>
+                              <p:par>
+                                <p:cTn id="5" presetID="1" presetClass="entr" presetSubtype="0" fill="hold" grpId="0" nodeType="withEffect">
+                                  <p:stCondLst>
+                                    <p:cond delay="0"/>
+                                  </p:stCondLst>
+                                  <p:childTnLst>
+                                    <p:set>
+                                      <p:cBhvr>
+                                        <p:cTn id="6" dur="1" fill="hold">
+                                          <p:stCondLst>
+                                            <p:cond delay="0"/>
+                                          </p:stCondLst>
+                                        </p:cTn>
+                                        <p:tgtEl>
+                                          <p:spTgt spid="2"/>
+                                        </p:tgtEl>
+                                        <p:attrNameLst>
+                                          <p:attrName>style.visibility</p:attrName>
+                                        </p:attrNameLst>
+                                      </p:cBhvr>
+                                      <p:to>
+                                        <p:strVal val="visible"/>
+                                      </p:to>
+                                    </p:set>
+                                  </p:childTnLst>
+                                </p:cTn>
+                              </p:par>
+                            </p:childTnLst>
+                          </p:cTn>
+                        </p:par>
+                      </p:childTnLst>
+                    </p:cTn>
+                  </p:par>
+                  <p:par>
+                    <p:cTn id="7" fill="hold">
+                      <p:stCondLst>
+                        <p:cond delay="indefinite"/>
+                      </p:stCondLst>
+                      <p:childTnLst>
+                        <p:par>
+                          <p:cTn id="8" fill="hold">
+                            <p:stCondLst>
+                              <p:cond delay="0"/>
+                            </p:stCondLst>
+                            <p:childTnLst>
+                              <p:par>
+                                <p:cTn id="9" presetID="1" presetClass="entr" presetSubtype="0" fill="hold" grpId="0" nodeType="clickEffect">
+                                  <p:stCondLst>
+                                    <p:cond delay="0"/>
+                                  </p:stCondLst>
+                                  <p:childTnLst>
+                                    <p:set>
+                                      <p:cBhvr>
+                                        <p:cTn id="10" dur="1" fill="hold">
+                                          <p:stCondLst>
+                                            <p:cond delay="0"/>
+                                          </p:stCondLst>
+                                        </p:cTn>
+                                        <p:tgtEl>
+                                          <p:spTgt spid="3">
+                                            <p:txEl>
+                                              <p:pRg st="0" end="0"/>
+                                            </p:txEl>
+                                          </p:spTgt>
+                                        </p:tgtEl>
+                                        <p:attrNameLst>
+                                          <p:attrName>style.visibility</p:attrName>
+                                        </p:attrNameLst>
+                                      </p:cBhvr>
+                                      <p:to>
+                                        <p:strVal val="visible"/>
+                                      </p:to>
+                                    </p:set>
+                                  </p:childTnLst>
+                                </p:cTn>
+                              </p:par>
+                            </p:childTnLst>
+                          </p:cTn>
+                        </p:par>
+                      </p:childTnLst>
+                    </p:cTn>
+                  </p:par>
+                  <p:par>
+                    <p:cTn id="11" fill="hold">
+                      <p:stCondLst>
+                        <p:cond delay="indefinite"/>
+                      </p:stCondLst>
+                      <p:childTnLst>
+                        <p:par>
+                          <p:cTn id="12" fill="hold">
+                            <p:stCondLst>
+                              <p:cond delay="0"/>
+                            </p:stCondLst>
+                            <p:childTnLst>
+                              <p:par>
+                                <p:cTn id="13" presetID="1" presetClass="entr" presetSubtype="0" fill="hold" grpId="0" nodeType="clickEffect">
+                                  <p:stCondLst>
+                                    <p:cond delay="0"/>
+                                  </p:stCondLst>
+                                  <p:childTnLst>
+                                    <p:set>
+                                      <p:cBhvr>
+                                        <p:cTn id="14" dur="1" fill="hold">
+                                          <p:stCondLst>
+                                            <p:cond delay="0"/>
+                                          </p:stCondLst>
+                                        </p:cTn>
+                                        <p:tgtEl>
+                                          <p:spTgt spid="3">
+                                            <p:txEl>
+                                              <p:pRg st="1" end="1"/>
+                                            </p:txEl>
+                                          </p:spTgt>
+                                        </p:tgtEl>
+                                        <p:attrNameLst>
+                                          <p:attrName>style.visibility</p:attrName>
+                                        </p:attrNameLst>
+                                      </p:cBhvr>
+                                      <p:to>
+                                        <p:strVal val="visible"/>
+                                      </p:to>
+                                    </p:set>
+                                  </p:childTnLst>
+                                </p:cTn>
+                              </p:par>
+                            </p:childTnLst>
+                          </p:cTn>
+                        </p:par>
+                      </p:childTnLst>
+                    </p:cTn>
+                  </p:par>
+                  <p:par>
+                    <p:cTn id="15" fill="hold">
+                      <p:stCondLst>
+                        <p:cond delay="indefinite"/>
+                      </p:stCondLst>
+                      <p:childTnLst>
+                        <p:par>
+                          <p:cTn id="16" fill="hold">
+                            <p:stCondLst>
+                              <p:cond delay="0"/>
+                            </p:stCondLst>
+                            <p:childTnLst>
+                              <p:par>
+                                <p:cTn id="17" presetID="1" presetClass="entr" presetSubtype="0" fill="hold" grpId="0" nodeType="clickEffect">
+                                  <p:stCondLst>
+                                    <p:cond delay="0"/>
+                                  </p:stCondLst>
+                                  <p:childTnLst>
+                                    <p:set>
+                                      <p:cBhvr>
+                                        <p:cTn id="18" dur="1" fill="hold">
+                                          <p:stCondLst>
+                                            <p:cond delay="0"/>
+                                          </p:stCondLst>
+                                        </p:cTn>
+                                        <p:tgtEl>
+                                          <p:spTgt spid="3">
+                                            <p:txEl>
+                                              <p:pRg st="2" end="2"/>
+                                            </p:txEl>
+                                          </p:spTgt>
+                                        </p:tgtEl>
+                                        <p:attrNameLst>
+                                          <p:attrName>style.visibility</p:attrName>
+                                        </p:attrNameLst>
+                                      </p:cBhvr>
+                                      <p:to>
+                                        <p:strVal val="visible"/>
+                                      </p:to>
+                                    </p:set>
+                                  </p:childTnLst>
+                                </p:cTn>
+                              </p:par>
+                            </p:childTnLst>
+                          </p:cTn>
+                        </p:par>
+                      </p:childTnLst>
+                    </p:cTn>
+                  </p:par>
+                  <p:par>
+                    <p:cTn id="19" fill="hold">
+                      <p:stCondLst>
+                        <p:cond delay="indefinite"/>
+                      </p:stCondLst>
+                      <p:childTnLst>
+                        <p:par>
+                          <p:cTn id="20" fill="hold">
+                            <p:stCondLst>
+                              <p:cond delay="0"/>
+                            </p:stCondLst>
+                            <p:childTnLst>
+                              <p:par>
+                                <p:cTn id="21" presetID="1" presetClass="exit" presetSubtype="0" fill="hold" nodeType="clickEffect">
+                                  <p:stCondLst>
+                                    <p:cond delay="0"/>
+                                  </p:stCondLst>
+                                  <p:childTnLst>
+                                    <p:set>
+                                      <p:cBhvr>
+                                        <p:cTn id="22" dur="1" fill="hold">
+                                          <p:stCondLst>
+                                            <p:cond delay="0"/>
+                                          </p:stCondLst>
+                                        </p:cTn>
+                                        <p:tgtEl>
+                                          <p:spTgt spid="1026"/>
+                                        </p:tgtEl>
+                                        <p:attrNameLst>
+                                          <p:attrName>style.visibility</p:attrName>
+                                        </p:attrNameLst>
+                                      </p:cBhvr>
+                                      <p:to>
+                                        <p:strVal val="hidden"/>
+                                      </p:to>
+                                    </p:set>
+                                  </p:childTnLst>
+                                </p:cTn>
+                              </p:par>
+                            </p:childTnLst>
+                          </p:cTn>
+                        </p:par>
+                      </p:childTnLst>
+                    </p:cTn>
+                  </p:par>
+                </p:childTnLst>
+              </p:cTn>
+              <p:prevCondLst>
+                <p:cond evt="onPrev" delay="0">
+                  <p:tgtEl>
+                    <p:sldTgt/>
+                  </p:tgtEl>
+                </p:cond>
+              </p:prevCondLst>
+              <p:nextCondLst>
+                <p:cond evt="onNext" delay="0">
+                  <p:tgtEl>
+                    <p:sldTgt/>
+                  </p:tgtEl>
+                </p:cond>
+              </p:nextCondLst>
+            </p:seq>
+          </p:childTnLst>
+        </p:cTn>
+      </p:par>
+    </p:tnLst>
+    <p:bldLst>
+      <p:bldP spid="2" grpId="0"/>
+      <p:bldP spid="3" grpId="0" build="p"/>
+    </p:bldLst>
+  </p:timing>
+</p:sld>
+</file>
+
+<file path=ppt/slides/slide15.xml><?xml version="1.0" encoding="utf-8"?>
+<p:sld xmlns:a="http://schemas.openxmlformats.org/drawingml/2006/main" xmlns:r="http://schemas.openxmlformats.org/officeDocument/2006/relationships" xmlns:p="http://schemas.openxmlformats.org/presentationml/2006/main">
+  <p:cSld>
+    <p:spTree>
+      <p:nvGrpSpPr>
+        <p:cNvPr id="1" name=""/>
+        <p:cNvGrpSpPr/>
+        <p:nvPr/>
+      </p:nvGrpSpPr>
+      <p:grpSpPr>
+        <a:xfrm>
+          <a:off x="0" y="0"/>
+          <a:ext cx="0" cy="0"/>
+          <a:chOff x="0" y="0"/>
+          <a:chExt cx="0" cy="0"/>
+        </a:xfrm>
+      </p:grpSpPr>
+      <p:sp>
+        <p:nvSpPr>
+          <p:cNvPr id="2" name="Titel 1"/>
+          <p:cNvSpPr>
+            <a:spLocks noGrp="1"/>
+          </p:cNvSpPr>
+          <p:nvPr>
+            <p:ph type="title"/>
+          </p:nvPr>
+        </p:nvSpPr>
+        <p:spPr/>
+        <p:txBody>
+          <a:bodyPr>
+            <a:normAutofit fontScale="90000"/>
+          </a:bodyPr>
+          <a:lstStyle/>
+          <a:p>
+            <a:r>
+              <a:rPr lang="de-DE" dirty="0" smtClean="0"/>
+              <a:t>Alternative Nutzung dieser Smartphones</a:t>
+            </a:r>
+            <a:endParaRPr lang="de-DE" dirty="0"/>
+          </a:p>
+        </p:txBody>
+      </p:sp>
+      <p:sp>
+        <p:nvSpPr>
+          <p:cNvPr id="3" name="Inhaltsplatzhalter 2"/>
+          <p:cNvSpPr>
+            <a:spLocks noGrp="1"/>
+          </p:cNvSpPr>
+          <p:nvPr>
+            <p:ph idx="1"/>
+          </p:nvPr>
+        </p:nvSpPr>
+        <p:spPr/>
+        <p:txBody>
+          <a:bodyPr/>
+          <a:lstStyle/>
+          <a:p>
+            <a:r>
+              <a:rPr lang="de-DE" dirty="0" smtClean="0"/>
+              <a:t>Projekt: </a:t>
+            </a:r>
+            <a:r>
+              <a:rPr lang="de-DE" dirty="0" err="1" smtClean="0"/>
+              <a:t>TeamPhonePC</a:t>
+            </a:r>
+            <a:endParaRPr lang="de-DE" dirty="0" smtClean="0"/>
+          </a:p>
+          <a:p>
+            <a:pPr lvl="1"/>
+            <a:r>
+              <a:rPr lang="de-DE" dirty="0" smtClean="0"/>
+              <a:t>Programm auf PC</a:t>
+            </a:r>
+          </a:p>
+          <a:p>
+            <a:pPr lvl="1"/>
+            <a:r>
+              <a:rPr lang="de-DE" dirty="0" smtClean="0"/>
+              <a:t>Smartphone anschließen (normales Handyladekabel)</a:t>
+            </a:r>
+          </a:p>
+          <a:p>
+            <a:pPr lvl="1"/>
+            <a:r>
+              <a:rPr lang="de-DE" dirty="0" smtClean="0"/>
+              <a:t>PC starten</a:t>
+            </a:r>
+          </a:p>
+          <a:p>
+            <a:pPr lvl="1"/>
+            <a:r>
+              <a:rPr lang="de-DE" dirty="0" smtClean="0"/>
+              <a:t>Auf Verbindung warten</a:t>
+            </a:r>
+          </a:p>
+          <a:p>
+            <a:pPr lvl="1"/>
+            <a:r>
+              <a:rPr lang="de-DE" dirty="0" smtClean="0"/>
+              <a:t>Leistung nutzen</a:t>
+            </a:r>
+            <a:endParaRPr lang="de-DE" dirty="0"/>
+          </a:p>
+          <a:p>
+            <a:r>
+              <a:rPr lang="de-DE" dirty="0" smtClean="0"/>
+              <a:t>Laufendes Beispiel:</a:t>
+            </a:r>
+            <a:endParaRPr lang="de-DE" dirty="0"/>
+          </a:p>
+          <a:p>
+            <a:pPr marL="457200" lvl="1" indent="0">
+              <a:buNone/>
+            </a:pPr>
+            <a:endParaRPr lang="de-DE" dirty="0" smtClean="0"/>
+          </a:p>
+        </p:txBody>
+      </p:sp>
+    </p:spTree>
+    <p:extLst>
+      <p:ext uri="{BB962C8B-B14F-4D97-AF65-F5344CB8AC3E}">
+        <p14:creationId xmlns:p14="http://schemas.microsoft.com/office/powerpoint/2010/main" val="1256861537"/>
+      </p:ext>
+    </p:extLst>
+  </p:cSld>
+  <p:clrMapOvr>
+    <a:masterClrMapping/>
+  </p:clrMapOvr>
+  <p:timing>
+    <p:tnLst>
+      <p:par>
+        <p:cTn id="1" dur="indefinite" restart="never" nodeType="tmRoot"/>
+      </p:par>
+    </p:tnLst>
+  </p:timing>
+</p:sld>
+</file>
+
+<file path=ppt/slides/slide16.xml><?xml version="1.0" encoding="utf-8"?>
+<p:sld xmlns:a="http://schemas.openxmlformats.org/drawingml/2006/main" xmlns:r="http://schemas.openxmlformats.org/officeDocument/2006/relationships" xmlns:p="http://schemas.openxmlformats.org/presentationml/2006/main">
+  <p:cSld>
+    <p:spTree>
+      <p:nvGrpSpPr>
+        <p:cNvPr id="1" name=""/>
+        <p:cNvGrpSpPr/>
+        <p:nvPr/>
+      </p:nvGrpSpPr>
+      <p:grpSpPr>
+        <a:xfrm>
+          <a:off x="0" y="0"/>
+          <a:ext cx="0" cy="0"/>
+          <a:chOff x="0" y="0"/>
+          <a:chExt cx="0" cy="0"/>
+        </a:xfrm>
+      </p:grpSpPr>
+      <p:sp>
+        <p:nvSpPr>
+          <p:cNvPr id="2" name="Titel 1"/>
+          <p:cNvSpPr>
+            <a:spLocks noGrp="1"/>
+          </p:cNvSpPr>
+          <p:nvPr>
+            <p:ph type="title"/>
+          </p:nvPr>
+        </p:nvSpPr>
+        <p:spPr/>
+        <p:txBody>
+          <a:bodyPr>
+            <a:normAutofit fontScale="90000"/>
+          </a:bodyPr>
+          <a:lstStyle/>
+          <a:p>
+            <a:r>
+              <a:rPr lang="de-DE" dirty="0" smtClean="0"/>
+              <a:t>Alternative Nutzung dieser Smartphones</a:t>
+            </a:r>
+            <a:endParaRPr lang="de-DE" dirty="0"/>
+          </a:p>
+        </p:txBody>
+      </p:sp>
+      <p:sp>
+        <p:nvSpPr>
+          <p:cNvPr id="3" name="Inhaltsplatzhalter 2"/>
+          <p:cNvSpPr>
+            <a:spLocks noGrp="1"/>
+          </p:cNvSpPr>
+          <p:nvPr>
+            <p:ph idx="1"/>
+          </p:nvPr>
+        </p:nvSpPr>
+        <p:spPr/>
+        <p:txBody>
+          <a:bodyPr/>
+          <a:lstStyle/>
+          <a:p>
+            <a:r>
+              <a:rPr lang="de-DE" dirty="0" smtClean="0"/>
+              <a:t>Vorteile:</a:t>
+            </a:r>
+          </a:p>
+          <a:p>
+            <a:pPr lvl="1"/>
+            <a:r>
+              <a:rPr lang="de-DE" dirty="0" smtClean="0"/>
+              <a:t>Günstig</a:t>
+            </a:r>
+          </a:p>
+          <a:p>
+            <a:pPr lvl="1"/>
+            <a:r>
+              <a:rPr lang="de-DE" dirty="0" smtClean="0"/>
+              <a:t>Mehr Leistung an einem PC</a:t>
+            </a:r>
+          </a:p>
+          <a:p>
+            <a:pPr lvl="1"/>
+            <a:r>
+              <a:rPr lang="de-DE" dirty="0" smtClean="0"/>
+              <a:t>Einfach</a:t>
+            </a:r>
+          </a:p>
+          <a:p>
+            <a:pPr lvl="1"/>
+            <a:r>
+              <a:rPr lang="de-DE" smtClean="0"/>
+              <a:t>Schnelle Nutzung</a:t>
+            </a:r>
+            <a:endParaRPr lang="de-DE" dirty="0" smtClean="0"/>
+          </a:p>
+        </p:txBody>
+      </p:sp>
+    </p:spTree>
+    <p:extLst>
+      <p:ext uri="{BB962C8B-B14F-4D97-AF65-F5344CB8AC3E}">
+        <p14:creationId xmlns:p14="http://schemas.microsoft.com/office/powerpoint/2010/main" val="176253136"/>
+      </p:ext>
+    </p:extLst>
+  </p:cSld>
+  <p:clrMapOvr>
+    <a:masterClrMapping/>
+  </p:clrMapOvr>
+  <p:timing>
+    <p:tnLst>
+      <p:par>
+        <p:cTn id="1" dur="indefinite" restart="never" nodeType="tmRoot"/>
+      </p:par>
+    </p:tnLst>
+  </p:timing>
+</p:sld>
+</file>
+
+<file path=ppt/slides/slide17.xml><?xml version="1.0" encoding="utf-8"?>
+<p:sld xmlns:a="http://schemas.openxmlformats.org/drawingml/2006/main" xmlns:r="http://schemas.openxmlformats.org/officeDocument/2006/relationships" xmlns:p="http://schemas.openxmlformats.org/presentationml/2006/main">
+  <p:cSld>
+    <p:spTree>
+      <p:nvGrpSpPr>
+        <p:cNvPr id="1" name=""/>
+        <p:cNvGrpSpPr/>
+        <p:nvPr/>
+      </p:nvGrpSpPr>
+      <p:grpSpPr>
+        <a:xfrm>
+          <a:off x="0" y="0"/>
+          <a:ext cx="0" cy="0"/>
+          <a:chOff x="0" y="0"/>
+          <a:chExt cx="0" cy="0"/>
+        </a:xfrm>
+      </p:grpSpPr>
+      <p:sp>
+        <p:nvSpPr>
+          <p:cNvPr id="2" name="Titel 1"/>
+          <p:cNvSpPr>
+            <a:spLocks noGrp="1"/>
+          </p:cNvSpPr>
+          <p:nvPr>
+            <p:ph type="title"/>
+          </p:nvPr>
+        </p:nvSpPr>
+        <p:spPr/>
+        <p:txBody>
+          <a:bodyPr>
+            <a:normAutofit fontScale="90000"/>
+          </a:bodyPr>
+          <a:lstStyle/>
+          <a:p>
+            <a:r>
+              <a:rPr lang="de-DE" dirty="0" smtClean="0"/>
+              <a:t>Alternative Nutzung dieser Smartphones</a:t>
+            </a:r>
+            <a:endParaRPr lang="de-DE" dirty="0"/>
+          </a:p>
+        </p:txBody>
+      </p:sp>
+      <p:sp>
+        <p:nvSpPr>
+          <p:cNvPr id="3" name="Inhaltsplatzhalter 2"/>
+          <p:cNvSpPr>
+            <a:spLocks noGrp="1"/>
+          </p:cNvSpPr>
+          <p:nvPr>
+            <p:ph idx="1"/>
+          </p:nvPr>
+        </p:nvSpPr>
+        <p:spPr/>
+        <p:txBody>
+          <a:bodyPr/>
+          <a:lstStyle/>
+          <a:p>
+            <a:r>
+              <a:rPr lang="de-DE" dirty="0" smtClean="0"/>
+              <a:t>Nachteile:</a:t>
+            </a:r>
+          </a:p>
+          <a:p>
+            <a:pPr lvl="1"/>
+            <a:r>
+              <a:rPr lang="de-DE" dirty="0" smtClean="0"/>
+              <a:t>Rechenfehler</a:t>
+            </a:r>
+          </a:p>
+          <a:p>
+            <a:pPr lvl="1"/>
+            <a:r>
+              <a:rPr lang="de-DE" dirty="0" smtClean="0"/>
+              <a:t>Übertragungsfehler</a:t>
+            </a:r>
+          </a:p>
+          <a:p>
+            <a:pPr lvl="1"/>
+            <a:r>
+              <a:rPr lang="de-DE" dirty="0" smtClean="0"/>
+              <a:t>Vollständige Inkompatibilität möglich</a:t>
+            </a:r>
+          </a:p>
+          <a:p>
+            <a:pPr lvl="1"/>
+            <a:endParaRPr lang="de-DE" dirty="0" smtClean="0"/>
+          </a:p>
+        </p:txBody>
+      </p:sp>
+    </p:spTree>
+    <p:extLst>
+      <p:ext uri="{BB962C8B-B14F-4D97-AF65-F5344CB8AC3E}">
+        <p14:creationId xmlns:p14="http://schemas.microsoft.com/office/powerpoint/2010/main" val="2353640350"/>
+      </p:ext>
+    </p:extLst>
+  </p:cSld>
+  <p:clrMapOvr>
+    <a:masterClrMapping/>
+  </p:clrMapOvr>
+  <p:timing>
+    <p:tnLst>
+      <p:par>
+        <p:cTn id="1" dur="indefinite" restart="never" nodeType="tmRoot"/>
+      </p:par>
+    </p:tnLst>
+  </p:timing>
+</p:sld>
+</file>
+
+<file path=ppt/slides/slide18.xml><?xml version="1.0" encoding="utf-8"?>
+<p:sld xmlns:a="http://schemas.openxmlformats.org/drawingml/2006/main" xmlns:r="http://schemas.openxmlformats.org/officeDocument/2006/relationships" xmlns:p="http://schemas.openxmlformats.org/presentationml/2006/main">
+  <p:cSld>
+    <p:spTree>
+      <p:nvGrpSpPr>
+        <p:cNvPr id="1" name=""/>
+        <p:cNvGrpSpPr/>
+        <p:nvPr/>
+      </p:nvGrpSpPr>
+      <p:grpSpPr>
+        <a:xfrm>
+          <a:off x="0" y="0"/>
+          <a:ext cx="0" cy="0"/>
+          <a:chOff x="0" y="0"/>
+          <a:chExt cx="0" cy="0"/>
+        </a:xfrm>
+      </p:grpSpPr>
+      <p:sp>
+        <p:nvSpPr>
+          <p:cNvPr id="2" name="Titel 1"/>
+          <p:cNvSpPr>
+            <a:spLocks noGrp="1"/>
+          </p:cNvSpPr>
+          <p:nvPr>
+            <p:ph type="title"/>
+          </p:nvPr>
+        </p:nvSpPr>
+        <p:spPr/>
+        <p:txBody>
+          <a:bodyPr>
+            <a:normAutofit fontScale="90000"/>
+          </a:bodyPr>
+          <a:lstStyle/>
+          <a:p>
+            <a:r>
+              <a:rPr lang="de-DE" dirty="0" smtClean="0"/>
+              <a:t>Alternative Nutzung dieser Smartphones</a:t>
+            </a:r>
+            <a:endParaRPr lang="de-DE" dirty="0"/>
+          </a:p>
+        </p:txBody>
+      </p:sp>
+      <p:sp>
+        <p:nvSpPr>
+          <p:cNvPr id="3" name="Inhaltsplatzhalter 2"/>
+          <p:cNvSpPr>
+            <a:spLocks noGrp="1"/>
+          </p:cNvSpPr>
+          <p:nvPr>
+            <p:ph idx="1"/>
+          </p:nvPr>
+        </p:nvSpPr>
+        <p:spPr/>
+        <p:txBody>
+          <a:bodyPr/>
+          <a:lstStyle/>
+          <a:p>
+            <a:r>
+              <a:rPr lang="de-DE" dirty="0" smtClean="0"/>
+              <a:t>Wo sind wir zu finden?</a:t>
+            </a:r>
+          </a:p>
+          <a:p>
+            <a:endParaRPr lang="de-DE" dirty="0"/>
+          </a:p>
+          <a:p>
+            <a:r>
+              <a:rPr lang="de-DE" dirty="0" smtClean="0"/>
+              <a:t>Github.com</a:t>
+            </a:r>
+          </a:p>
+          <a:p>
+            <a:r>
+              <a:rPr lang="de-DE" smtClean="0"/>
+              <a:t>Gym-wen.de</a:t>
+            </a:r>
+            <a:endParaRPr lang="de-DE"/>
+          </a:p>
+        </p:txBody>
+      </p:sp>
+    </p:spTree>
+    <p:extLst>
+      <p:ext uri="{BB962C8B-B14F-4D97-AF65-F5344CB8AC3E}">
+        <p14:creationId xmlns:p14="http://schemas.microsoft.com/office/powerpoint/2010/main" val="2841437216"/>
+      </p:ext>
+    </p:extLst>
+  </p:cSld>
+  <p:clrMapOvr>
+    <a:masterClrMapping/>
+  </p:clrMapOvr>
+  <p:timing>
+    <p:tnLst>
+      <p:par>
+        <p:cTn id="1" dur="indefinite" restart="never" nodeType="tmRoot"/>
+      </p:par>
+    </p:tnLst>
+  </p:timing>
+</p:sld>
+</file>
+
+<file path=ppt/slides/slide19.xml><?xml version="1.0" encoding="utf-8"?>
+<p:sld xmlns:a="http://schemas.openxmlformats.org/drawingml/2006/main" xmlns:r="http://schemas.openxmlformats.org/officeDocument/2006/relationships" xmlns:p="http://schemas.openxmlformats.org/presentationml/2006/main">
+  <p:cSld>
+    <p:spTree>
+      <p:nvGrpSpPr>
+        <p:cNvPr id="1" name=""/>
+        <p:cNvGrpSpPr/>
+        <p:nvPr/>
+      </p:nvGrpSpPr>
+      <p:grpSpPr>
+        <a:xfrm>
+          <a:off x="0" y="0"/>
+          <a:ext cx="0" cy="0"/>
+          <a:chOff x="0" y="0"/>
+          <a:chExt cx="0" cy="0"/>
+        </a:xfrm>
+      </p:grpSpPr>
+      <p:sp>
+        <p:nvSpPr>
+          <p:cNvPr id="2" name="Titel 1"/>
+          <p:cNvSpPr>
+            <a:spLocks noGrp="1"/>
+          </p:cNvSpPr>
+          <p:nvPr>
+            <p:ph type="title"/>
+          </p:nvPr>
+        </p:nvSpPr>
+        <p:spPr/>
+        <p:txBody>
+          <a:bodyPr/>
+          <a:lstStyle/>
+          <a:p>
+            <a:r>
+              <a:rPr lang="de-DE" dirty="0" smtClean="0"/>
+              <a:t>Quellen</a:t>
+            </a:r>
+            <a:endParaRPr lang="de-DE" dirty="0"/>
+          </a:p>
+        </p:txBody>
+      </p:sp>
+      <p:sp>
+        <p:nvSpPr>
+          <p:cNvPr id="3" name="Inhaltsplatzhalter 2"/>
+          <p:cNvSpPr>
+            <a:spLocks noGrp="1"/>
+          </p:cNvSpPr>
+          <p:nvPr>
+            <p:ph idx="1"/>
+          </p:nvPr>
+        </p:nvSpPr>
+        <p:spPr/>
+        <p:txBody>
+          <a:bodyPr/>
+          <a:lstStyle/>
+          <a:p>
+            <a:r>
+              <a:rPr lang="de-DE" dirty="0" smtClean="0">
+                <a:hlinkClick r:id="rId2"/>
+              </a:rPr>
+              <a:t>http://www.bild.de/digital/smartphone-und-tablet/smartphone/smartphone-studie-chemische-schadstoffe-in-iphone-und-co-26606292.bild.html</a:t>
+            </a:r>
+            <a:endParaRPr lang="de-DE" dirty="0" smtClean="0"/>
+          </a:p>
+          <a:p>
+            <a:r>
+              <a:rPr lang="de-DE" dirty="0" smtClean="0"/>
+              <a:t>http://www.ecocenter.org/healthy-stuff/</a:t>
+            </a:r>
+            <a:endParaRPr lang="de-DE" dirty="0"/>
+          </a:p>
+        </p:txBody>
+      </p:sp>
+    </p:spTree>
+    <p:extLst>
+      <p:ext uri="{BB962C8B-B14F-4D97-AF65-F5344CB8AC3E}">
+        <p14:creationId xmlns:p14="http://schemas.microsoft.com/office/powerpoint/2010/main" val="3250250346"/>
+      </p:ext>
+    </p:extLst>
+  </p:cSld>
+  <p:clrMapOvr>
+    <a:masterClrMapping/>
+  </p:clrMapOvr>
+  <p:timing>
+    <p:tnLst>
+      <p:par>
+        <p:cTn id="1" dur="indefinite" restart="never" nodeType="tmRoot"/>
+      </p:par>
+    </p:tnLst>
+  </p:timing>
+</p:sld>
+</file>
+
+<file path=ppt/slides/slide2.xml><?xml version="1.0" encoding="utf-8"?>
+<p:sld xmlns:a="http://schemas.openxmlformats.org/drawingml/2006/main" xmlns:r="http://schemas.openxmlformats.org/officeDocument/2006/relationships" xmlns:p="http://schemas.openxmlformats.org/presentationml/2006/main">
+  <p:cSld>
+    <p:spTree>
+      <p:nvGrpSpPr>
+        <p:cNvPr id="1" name=""/>
+        <p:cNvGrpSpPr/>
+        <p:nvPr/>
+      </p:nvGrpSpPr>
+      <p:grpSpPr>
+        <a:xfrm>
+          <a:off x="0" y="0"/>
+          <a:ext cx="0" cy="0"/>
+          <a:chOff x="0" y="0"/>
+          <a:chExt cx="0" cy="0"/>
+        </a:xfrm>
+      </p:grpSpPr>
+      <p:sp>
+        <p:nvSpPr>
+          <p:cNvPr id="2" name="Titel 1"/>
+          <p:cNvSpPr>
+            <a:spLocks noGrp="1"/>
+          </p:cNvSpPr>
+          <p:nvPr>
+            <p:ph type="title"/>
+          </p:nvPr>
+        </p:nvSpPr>
+        <p:spPr>
+          <a:xfrm>
+            <a:off x="899592" y="1556792"/>
+            <a:ext cx="7315200" cy="1154097"/>
+          </a:xfrm>
+        </p:spPr>
+        <p:txBody>
+          <a:bodyPr>
+            <a:normAutofit fontScale="90000"/>
+          </a:bodyPr>
+          <a:lstStyle/>
+          <a:p>
+            <a:r>
+              <a:rPr lang="de-DE" dirty="0" smtClean="0"/>
+              <a:t>Problem:</a:t>
+            </a:r>
+            <a:br>
+              <a:rPr lang="de-DE" dirty="0" smtClean="0"/>
+            </a:br>
+            <a:r>
+              <a:rPr lang="de-DE" dirty="0" smtClean="0"/>
+              <a:t>105 Mio. gebrauchte und nicht mehr genutzte Handys</a:t>
+            </a:r>
+            <a:endParaRPr lang="de-DE" dirty="0"/>
+          </a:p>
+        </p:txBody>
+      </p:sp>
+      <p:sp>
+        <p:nvSpPr>
+          <p:cNvPr id="4" name="Inhaltsplatzhalter 2"/>
+          <p:cNvSpPr txBox="1">
+            <a:spLocks/>
+          </p:cNvSpPr>
+          <p:nvPr/>
+        </p:nvSpPr>
+        <p:spPr>
+          <a:xfrm>
+            <a:off x="914400" y="2769833"/>
+            <a:ext cx="7315200" cy="3539527"/>
+          </a:xfrm>
+          <a:prstGeom prst="rect">
+            <a:avLst/>
+          </a:prstGeom>
+        </p:spPr>
+        <p:txBody>
+          <a:bodyPr/>
+          <a:lstStyle>
+            <a:lvl1pPr marL="228600" indent="-182880" algn="l" defTabSz="914400" rtl="0" eaLnBrk="1" latinLnBrk="0" hangingPunct="1">
+              <a:spcBef>
+                <a:spcPct val="20000"/>
+              </a:spcBef>
+              <a:buClr>
+                <a:schemeClr val="tx2"/>
+              </a:buClr>
+              <a:buFont typeface="Wingdings" charset="2"/>
+              <a:buChar char="§"/>
+              <a:defRPr sz="2000" kern="1200">
+                <a:solidFill>
+                  <a:schemeClr val="tx1"/>
+                </a:solidFill>
+                <a:latin typeface="+mn-lt"/>
+                <a:ea typeface="+mn-ea"/>
+                <a:cs typeface="+mn-cs"/>
+              </a:defRPr>
+            </a:lvl1pPr>
+            <a:lvl2pPr marL="502920" indent="-182880" algn="l" defTabSz="914400" rtl="0" eaLnBrk="1" latinLnBrk="0" hangingPunct="1">
+              <a:spcBef>
+                <a:spcPct val="20000"/>
+              </a:spcBef>
+              <a:buClr>
+                <a:schemeClr val="tx2"/>
+              </a:buClr>
+              <a:buFont typeface="Wingdings" charset="2"/>
+              <a:buChar char="§"/>
+              <a:defRPr sz="1800" kern="1200">
+                <a:solidFill>
+                  <a:schemeClr val="tx1"/>
+                </a:solidFill>
+                <a:latin typeface="+mn-lt"/>
+                <a:ea typeface="+mn-ea"/>
+                <a:cs typeface="+mn-cs"/>
+              </a:defRPr>
+            </a:lvl2pPr>
+            <a:lvl3pPr marL="685800" indent="-182880" algn="l" defTabSz="914400" rtl="0" eaLnBrk="1" latinLnBrk="0" hangingPunct="1">
+              <a:spcBef>
+                <a:spcPct val="20000"/>
+              </a:spcBef>
+              <a:buClr>
+                <a:schemeClr val="tx2"/>
+              </a:buClr>
+              <a:buFont typeface="Wingdings" charset="2"/>
+              <a:buChar char="§"/>
+              <a:defRPr sz="1600" kern="1200">
+                <a:solidFill>
+                  <a:schemeClr val="tx1"/>
+                </a:solidFill>
+                <a:latin typeface="+mn-lt"/>
+                <a:ea typeface="+mn-ea"/>
+                <a:cs typeface="+mn-cs"/>
+              </a:defRPr>
+            </a:lvl3pPr>
+            <a:lvl4pPr marL="914400" indent="-182880" algn="l" defTabSz="914400" rtl="0" eaLnBrk="1" latinLnBrk="0" hangingPunct="1">
+              <a:spcBef>
+                <a:spcPct val="20000"/>
+              </a:spcBef>
+              <a:buClr>
+                <a:schemeClr val="tx2"/>
+              </a:buClr>
+              <a:buFont typeface="Wingdings" charset="2"/>
+              <a:buChar char="§"/>
+              <a:defRPr sz="1400" kern="1200">
+                <a:solidFill>
+                  <a:schemeClr val="tx1"/>
+                </a:solidFill>
+                <a:latin typeface="+mn-lt"/>
+                <a:ea typeface="+mn-ea"/>
+                <a:cs typeface="+mn-cs"/>
+              </a:defRPr>
+            </a:lvl4pPr>
+            <a:lvl5pPr marL="1143000" indent="-182880" algn="l" defTabSz="914400" rtl="0" eaLnBrk="1" latinLnBrk="0" hangingPunct="1">
+              <a:spcBef>
+                <a:spcPct val="20000"/>
+              </a:spcBef>
+              <a:buClr>
+                <a:schemeClr val="tx2"/>
+              </a:buClr>
+              <a:buFont typeface="Wingdings" charset="2"/>
+              <a:buChar char="§"/>
+              <a:defRPr sz="1400" kern="1200">
+                <a:solidFill>
+                  <a:schemeClr val="tx1"/>
+                </a:solidFill>
+                <a:latin typeface="+mn-lt"/>
+                <a:ea typeface="+mn-ea"/>
+                <a:cs typeface="+mn-cs"/>
+              </a:defRPr>
+            </a:lvl5pPr>
+            <a:lvl6pPr marL="1371600" indent="-182880" algn="l" defTabSz="914400" rtl="0" eaLnBrk="1" latinLnBrk="0" hangingPunct="1">
+              <a:spcBef>
+                <a:spcPct val="20000"/>
+              </a:spcBef>
+              <a:buClr>
+                <a:schemeClr val="tx2"/>
+              </a:buClr>
+              <a:buFont typeface="Wingdings" pitchFamily="2" charset="2"/>
+              <a:buChar char="§"/>
+              <a:defRPr sz="1400" kern="1200">
+                <a:solidFill>
+                  <a:schemeClr val="tx1"/>
+                </a:solidFill>
+                <a:latin typeface="+mn-lt"/>
+                <a:ea typeface="+mn-ea"/>
+                <a:cs typeface="+mn-cs"/>
+              </a:defRPr>
+            </a:lvl6pPr>
+            <a:lvl7pPr marL="1600200" indent="-182880" algn="l" defTabSz="914400" rtl="0" eaLnBrk="1" latinLnBrk="0" hangingPunct="1">
+              <a:spcBef>
+                <a:spcPct val="20000"/>
+              </a:spcBef>
+              <a:buClr>
+                <a:schemeClr val="tx2"/>
+              </a:buClr>
+              <a:buFont typeface="Wingdings" pitchFamily="2" charset="2"/>
+              <a:buChar char="§"/>
+              <a:defRPr sz="1400" kern="1200">
+                <a:solidFill>
+                  <a:schemeClr val="tx1"/>
+                </a:solidFill>
+                <a:latin typeface="+mn-lt"/>
+                <a:ea typeface="+mn-ea"/>
+                <a:cs typeface="+mn-cs"/>
+              </a:defRPr>
+            </a:lvl7pPr>
+            <a:lvl8pPr marL="1828800" indent="-182880" algn="l" defTabSz="914400" rtl="0" eaLnBrk="1" latinLnBrk="0" hangingPunct="1">
+              <a:spcBef>
+                <a:spcPct val="20000"/>
+              </a:spcBef>
+              <a:buClr>
+                <a:schemeClr val="tx2"/>
+              </a:buClr>
+              <a:buFont typeface="Wingdings" pitchFamily="2" charset="2"/>
+              <a:buChar char="§"/>
+              <a:defRPr sz="1400" kern="1200">
+                <a:solidFill>
+                  <a:schemeClr val="tx1"/>
+                </a:solidFill>
+                <a:latin typeface="+mn-lt"/>
+                <a:ea typeface="+mn-ea"/>
+                <a:cs typeface="+mn-cs"/>
+              </a:defRPr>
+            </a:lvl8pPr>
+            <a:lvl9pPr marL="2057400" indent="-182880" algn="l" defTabSz="914400" rtl="0" eaLnBrk="1" latinLnBrk="0" hangingPunct="1">
+              <a:spcBef>
+                <a:spcPct val="20000"/>
+              </a:spcBef>
+              <a:buClr>
+                <a:schemeClr val="tx2"/>
+              </a:buClr>
+              <a:buFont typeface="Wingdings" pitchFamily="2" charset="2"/>
+              <a:buChar char="§"/>
+              <a:defRPr sz="1400" kern="1200">
+                <a:solidFill>
+                  <a:schemeClr val="tx1"/>
+                </a:solidFill>
+                <a:latin typeface="+mn-lt"/>
+                <a:ea typeface="+mn-ea"/>
+                <a:cs typeface="+mn-cs"/>
+              </a:defRPr>
+            </a:lvl9pPr>
+          </a:lstStyle>
+          <a:p>
+            <a:pPr marL="45720" indent="0">
+              <a:buNone/>
+            </a:pPr>
+            <a:r>
+              <a:rPr lang="de-DE" dirty="0" smtClean="0"/>
+              <a:t> Lösungsmöglichkeiten: </a:t>
+            </a:r>
+          </a:p>
+          <a:p>
+            <a:r>
+              <a:rPr lang="de-DE" dirty="0" err="1" smtClean="0"/>
+              <a:t>Recyclen</a:t>
+            </a:r>
+            <a:endParaRPr lang="de-DE" dirty="0" smtClean="0"/>
+          </a:p>
+          <a:p>
+            <a:pPr lvl="1"/>
+            <a:r>
+              <a:rPr lang="de-DE" dirty="0" smtClean="0"/>
+              <a:t>Ressourcen herausfiltern</a:t>
+            </a:r>
+          </a:p>
+          <a:p>
+            <a:pPr lvl="1"/>
+            <a:r>
+              <a:rPr lang="de-DE" dirty="0" smtClean="0"/>
+              <a:t>Projekt </a:t>
+            </a:r>
+            <a:r>
+              <a:rPr lang="de-DE" dirty="0" err="1" smtClean="0"/>
+              <a:t>TeamPhonePC</a:t>
+            </a:r>
+            <a:endParaRPr lang="de-DE" dirty="0" smtClean="0"/>
+          </a:p>
+          <a:p>
+            <a:r>
+              <a:rPr lang="de-DE" dirty="0" smtClean="0"/>
+              <a:t>Verschrotten</a:t>
+            </a:r>
+          </a:p>
+        </p:txBody>
+      </p:sp>
+    </p:spTree>
+    <p:extLst>
+      <p:ext uri="{BB962C8B-B14F-4D97-AF65-F5344CB8AC3E}">
+        <p14:creationId xmlns:p14="http://schemas.microsoft.com/office/powerpoint/2010/main" val="73009126"/>
+      </p:ext>
+    </p:extLst>
+  </p:cSld>
+  <p:clrMapOvr>
+    <a:masterClrMapping/>
+  </p:clrMapOvr>
+  <p:timing>
+    <p:tnLst>
+      <p:par>
+        <p:cTn id="1" dur="indefinite" restart="never" nodeType="tmRoot"/>
+      </p:par>
+    </p:tnLst>
+  </p:timing>
+</p:sld>
+</file>
+
+<file path=ppt/slides/slide3.xml><?xml version="1.0" encoding="utf-8"?>
+<p:sld xmlns:a="http://schemas.openxmlformats.org/drawingml/2006/main" xmlns:r="http://schemas.openxmlformats.org/officeDocument/2006/relationships" xmlns:p="http://schemas.openxmlformats.org/presentationml/2006/main">
+  <p:cSld>
+    <p:spTree>
+      <p:nvGrpSpPr>
+        <p:cNvPr id="1" name=""/>
+        <p:cNvGrpSpPr/>
+        <p:nvPr/>
+      </p:nvGrpSpPr>
+      <p:grpSpPr>
+        <a:xfrm>
+          <a:off x="0" y="0"/>
+          <a:ext cx="0" cy="0"/>
+          <a:chOff x="0" y="0"/>
+          <a:chExt cx="0" cy="0"/>
+        </a:xfrm>
+      </p:grpSpPr>
+      <p:sp>
+        <p:nvSpPr>
+          <p:cNvPr id="2" name="Titel 1"/>
+          <p:cNvSpPr>
+            <a:spLocks noGrp="1"/>
+          </p:cNvSpPr>
+          <p:nvPr>
+            <p:ph type="ctrTitle"/>
+          </p:nvPr>
+        </p:nvSpPr>
+        <p:spPr/>
+        <p:txBody>
+          <a:bodyPr/>
+          <a:lstStyle/>
+          <a:p>
+            <a:r>
+              <a:rPr lang="de-DE" dirty="0" smtClean="0"/>
+              <a:t>RECYCLEN</a:t>
+            </a:r>
+            <a:endParaRPr lang="de-DE" dirty="0"/>
+          </a:p>
+        </p:txBody>
+      </p:sp>
+      <p:sp>
+        <p:nvSpPr>
+          <p:cNvPr id="3" name="Untertitel 2"/>
+          <p:cNvSpPr>
+            <a:spLocks noGrp="1"/>
+          </p:cNvSpPr>
+          <p:nvPr>
+            <p:ph type="subTitle" idx="1"/>
+          </p:nvPr>
+        </p:nvSpPr>
+        <p:spPr/>
+        <p:txBody>
+          <a:bodyPr/>
+          <a:lstStyle/>
+          <a:p>
+            <a:endParaRPr lang="de-DE"/>
+          </a:p>
+        </p:txBody>
+      </p:sp>
+    </p:spTree>
+    <p:extLst>
+      <p:ext uri="{BB962C8B-B14F-4D97-AF65-F5344CB8AC3E}">
+        <p14:creationId xmlns:p14="http://schemas.microsoft.com/office/powerpoint/2010/main" val="3266412672"/>
+      </p:ext>
+    </p:extLst>
+  </p:cSld>
+  <p:clrMapOvr>
+    <a:masterClrMapping/>
+  </p:clrMapOvr>
+  <p:timing>
+    <p:tnLst>
+      <p:par>
+        <p:cTn id="1" dur="indefinite" restart="never" nodeType="tmRoot"/>
+      </p:par>
+    </p:tnLst>
+  </p:timing>
+</p:sld>
+</file>
+
+<file path=ppt/slides/slide4.xml><?xml version="1.0" encoding="utf-8"?>
+<p:sld xmlns:a="http://schemas.openxmlformats.org/drawingml/2006/main" xmlns:r="http://schemas.openxmlformats.org/officeDocument/2006/relationships" xmlns:p="http://schemas.openxmlformats.org/presentationml/2006/main">
+  <p:cSld>
+    <p:spTree>
+      <p:nvGrpSpPr>
+        <p:cNvPr id="1" name=""/>
+        <p:cNvGrpSpPr/>
+        <p:nvPr/>
+      </p:nvGrpSpPr>
+      <p:grpSpPr>
+        <a:xfrm>
+          <a:off x="0" y="0"/>
+          <a:ext cx="0" cy="0"/>
+          <a:chOff x="0" y="0"/>
+          <a:chExt cx="0" cy="0"/>
+        </a:xfrm>
+      </p:grpSpPr>
+      <p:sp>
+        <p:nvSpPr>
+          <p:cNvPr id="2" name="Titel 1"/>
+          <p:cNvSpPr>
+            <a:spLocks noGrp="1"/>
+          </p:cNvSpPr>
+          <p:nvPr>
+            <p:ph type="ctrTitle"/>
+          </p:nvPr>
+        </p:nvSpPr>
+        <p:spPr/>
+        <p:txBody>
+          <a:bodyPr/>
+          <a:lstStyle/>
+          <a:p>
+            <a:r>
+              <a:rPr lang="de-DE" dirty="0" smtClean="0"/>
+              <a:t>Ressourcen herausfiltern</a:t>
+            </a:r>
+            <a:endParaRPr lang="de-DE" dirty="0"/>
+          </a:p>
+        </p:txBody>
+      </p:sp>
+      <p:sp>
+        <p:nvSpPr>
+          <p:cNvPr id="3" name="Untertitel 2"/>
+          <p:cNvSpPr>
+            <a:spLocks noGrp="1"/>
+          </p:cNvSpPr>
+          <p:nvPr>
+            <p:ph type="subTitle" idx="1"/>
+          </p:nvPr>
+        </p:nvSpPr>
+        <p:spPr/>
+        <p:txBody>
+          <a:bodyPr/>
+          <a:lstStyle/>
+          <a:p>
+            <a:endParaRPr lang="de-DE" dirty="0"/>
+          </a:p>
+        </p:txBody>
+      </p:sp>
+    </p:spTree>
+    <p:extLst>
+      <p:ext uri="{BB962C8B-B14F-4D97-AF65-F5344CB8AC3E}">
+        <p14:creationId xmlns:p14="http://schemas.microsoft.com/office/powerpoint/2010/main" val="4096253130"/>
+      </p:ext>
+    </p:extLst>
+  </p:cSld>
+  <p:clrMapOvr>
+    <a:masterClrMapping/>
+  </p:clrMapOvr>
+  <p:timing>
+    <p:tnLst>
+      <p:par>
+        <p:cTn id="1" dur="indefinite" restart="never" nodeType="tmRoot"/>
+      </p:par>
+    </p:tnLst>
+  </p:timing>
+</p:sld>
+</file>
+
+<file path=ppt/slides/slide5.xml><?xml version="1.0" encoding="utf-8"?>
+<p:sld xmlns:a="http://schemas.openxmlformats.org/drawingml/2006/main" xmlns:r="http://schemas.openxmlformats.org/officeDocument/2006/relationships" xmlns:p="http://schemas.openxmlformats.org/presentationml/2006/main">
+  <p:cSld>
+    <p:spTree>
+      <p:nvGrpSpPr>
+        <p:cNvPr id="1" name=""/>
+        <p:cNvGrpSpPr/>
+        <p:nvPr/>
+      </p:nvGrpSpPr>
+      <p:grpSpPr>
+        <a:xfrm>
+          <a:off x="0" y="0"/>
+          <a:ext cx="0" cy="0"/>
+          <a:chOff x="0" y="0"/>
+          <a:chExt cx="0" cy="0"/>
+        </a:xfrm>
+      </p:grpSpPr>
+      <p:sp>
+        <p:nvSpPr>
+          <p:cNvPr id="2" name="Titel 1"/>
+          <p:cNvSpPr>
+            <a:spLocks noGrp="1"/>
+          </p:cNvSpPr>
+          <p:nvPr>
+            <p:ph type="ctrTitle"/>
+          </p:nvPr>
+        </p:nvSpPr>
+        <p:spPr/>
+        <p:txBody>
+          <a:bodyPr>
+            <a:normAutofit/>
+          </a:bodyPr>
+          <a:lstStyle/>
+          <a:p>
+            <a:r>
+              <a:rPr lang="de-DE" dirty="0" smtClean="0"/>
+              <a:t>Doch welche Ressourcen gibt es überhaupt in Handys?</a:t>
+            </a:r>
+            <a:endParaRPr lang="de-DE" dirty="0"/>
+          </a:p>
+        </p:txBody>
+      </p:sp>
+      <p:sp>
+        <p:nvSpPr>
+          <p:cNvPr id="3" name="Untertitel 2"/>
+          <p:cNvSpPr>
+            <a:spLocks noGrp="1"/>
+          </p:cNvSpPr>
+          <p:nvPr>
+            <p:ph type="subTitle" idx="1"/>
+          </p:nvPr>
+        </p:nvSpPr>
+        <p:spPr/>
+        <p:txBody>
+          <a:bodyPr/>
+          <a:lstStyle/>
+          <a:p>
+            <a:endParaRPr lang="de-DE"/>
+          </a:p>
+        </p:txBody>
+      </p:sp>
+    </p:spTree>
+    <p:extLst>
+      <p:ext uri="{BB962C8B-B14F-4D97-AF65-F5344CB8AC3E}">
+        <p14:creationId xmlns:p14="http://schemas.microsoft.com/office/powerpoint/2010/main" val="3575923647"/>
+      </p:ext>
+    </p:extLst>
+  </p:cSld>
+  <p:clrMapOvr>
+    <a:masterClrMapping/>
+  </p:clrMapOvr>
+  <p:timing>
+    <p:tnLst>
+      <p:par>
+        <p:cTn id="1" dur="indefinite" restart="never" nodeType="tmRoot"/>
+      </p:par>
+    </p:tnLst>
+  </p:timing>
+</p:sld>
+</file>
+
+<file path=ppt/slides/slide6.xml><?xml version="1.0" encoding="utf-8"?>
+<p:sld xmlns:a="http://schemas.openxmlformats.org/drawingml/2006/main" xmlns:r="http://schemas.openxmlformats.org/officeDocument/2006/relationships" xmlns:p="http://schemas.openxmlformats.org/presentationml/2006/main">
+  <p:cSld>
+    <p:spTree>
+      <p:nvGrpSpPr>
+        <p:cNvPr id="1" name=""/>
+        <p:cNvGrpSpPr/>
+        <p:nvPr/>
+      </p:nvGrpSpPr>
+      <p:grpSpPr>
+        <a:xfrm>
+          <a:off x="0" y="0"/>
+          <a:ext cx="0" cy="0"/>
+          <a:chOff x="0" y="0"/>
+          <a:chExt cx="0" cy="0"/>
+        </a:xfrm>
+      </p:grpSpPr>
+      <p:sp>
+        <p:nvSpPr>
+          <p:cNvPr id="2" name="Titel 1"/>
+          <p:cNvSpPr>
+            <a:spLocks noGrp="1"/>
+          </p:cNvSpPr>
+          <p:nvPr>
+            <p:ph type="title"/>
+          </p:nvPr>
+        </p:nvSpPr>
+        <p:spPr/>
+        <p:txBody>
+          <a:bodyPr>
+            <a:normAutofit/>
+          </a:bodyPr>
+          <a:lstStyle/>
+          <a:p>
+            <a:r>
+              <a:rPr lang="de-DE" dirty="0" smtClean="0"/>
+              <a:t>Metalle in Handys</a:t>
+            </a:r>
+            <a:endParaRPr lang="de-DE" dirty="0"/>
+          </a:p>
+        </p:txBody>
+      </p:sp>
+      <p:sp>
+        <p:nvSpPr>
+          <p:cNvPr id="3" name="Inhaltsplatzhalter 2"/>
+          <p:cNvSpPr>
+            <a:spLocks noGrp="1"/>
+          </p:cNvSpPr>
+          <p:nvPr>
+            <p:ph idx="1"/>
+          </p:nvPr>
+        </p:nvSpPr>
+        <p:spPr/>
+        <p:txBody>
+          <a:bodyPr/>
+          <a:lstStyle/>
+          <a:p>
+            <a:r>
+              <a:rPr lang="de-DE" dirty="0" smtClean="0"/>
+              <a:t>In </a:t>
+            </a:r>
+            <a:r>
+              <a:rPr lang="de-DE" dirty="0" smtClean="0"/>
+              <a:t>1000 Handys stecken</a:t>
+            </a:r>
+            <a:r>
+              <a:rPr lang="de-DE" dirty="0" smtClean="0"/>
+              <a:t>:</a:t>
+            </a:r>
+          </a:p>
+          <a:p>
+            <a:pPr lvl="1"/>
+            <a:r>
+              <a:rPr lang="de-DE" dirty="0" smtClean="0"/>
+              <a:t>115kg Kupfer</a:t>
+            </a:r>
+          </a:p>
+          <a:p>
+            <a:pPr lvl="1"/>
+            <a:r>
+              <a:rPr lang="de-DE" dirty="0" smtClean="0"/>
+              <a:t>1,375kg Silber</a:t>
+            </a:r>
+            <a:endParaRPr lang="de-DE" dirty="0"/>
+          </a:p>
+          <a:p>
+            <a:pPr lvl="1"/>
+            <a:r>
+              <a:rPr lang="de-DE" dirty="0"/>
+              <a:t>0,3g </a:t>
+            </a:r>
+            <a:r>
+              <a:rPr lang="de-DE" dirty="0" smtClean="0"/>
+              <a:t>Gold</a:t>
+            </a:r>
+          </a:p>
+          <a:p>
+            <a:pPr lvl="1"/>
+            <a:r>
+              <a:rPr lang="de-DE" dirty="0"/>
+              <a:t>0,065 g  </a:t>
+            </a:r>
+            <a:r>
+              <a:rPr lang="de-DE" dirty="0" smtClean="0"/>
+              <a:t>Palladium</a:t>
+            </a:r>
+          </a:p>
+          <a:p>
+            <a:pPr lvl="1"/>
+            <a:r>
+              <a:rPr lang="de-DE" dirty="0" err="1" smtClean="0"/>
+              <a:t>u.w</a:t>
+            </a:r>
+            <a:r>
+              <a:rPr lang="de-DE" dirty="0"/>
+              <a:t/>
+            </a:r>
+            <a:br>
+              <a:rPr lang="de-DE" dirty="0"/>
+            </a:br>
+            <a:endParaRPr lang="de-DE" dirty="0" smtClean="0"/>
+          </a:p>
+        </p:txBody>
+      </p:sp>
+    </p:spTree>
+    <p:extLst>
+      <p:ext uri="{BB962C8B-B14F-4D97-AF65-F5344CB8AC3E}">
+        <p14:creationId xmlns:p14="http://schemas.microsoft.com/office/powerpoint/2010/main" val="2363126831"/>
+      </p:ext>
+    </p:extLst>
+  </p:cSld>
+  <p:clrMapOvr>
+    <a:masterClrMapping/>
+  </p:clrMapOvr>
+  <p:timing>
+    <p:tnLst>
+      <p:par>
+        <p:cTn id="1" dur="indefinite" restart="never" nodeType="tmRoot"/>
+      </p:par>
+    </p:tnLst>
+  </p:timing>
+</p:sld>
+</file>
+
+<file path=ppt/slides/slide7.xml><?xml version="1.0" encoding="utf-8"?>
+<p:sld xmlns:a="http://schemas.openxmlformats.org/drawingml/2006/main" xmlns:r="http://schemas.openxmlformats.org/officeDocument/2006/relationships" xmlns:p="http://schemas.openxmlformats.org/presentationml/2006/main">
+  <p:cSld>
+    <p:spTree>
+      <p:nvGrpSpPr>
+        <p:cNvPr id="1" name=""/>
+        <p:cNvGrpSpPr/>
+        <p:nvPr/>
+      </p:nvGrpSpPr>
+      <p:grpSpPr>
+        <a:xfrm>
+          <a:off x="0" y="0"/>
+          <a:ext cx="0" cy="0"/>
+          <a:chOff x="0" y="0"/>
+          <a:chExt cx="0" cy="0"/>
+        </a:xfrm>
+      </p:grpSpPr>
+      <p:sp>
+        <p:nvSpPr>
+          <p:cNvPr id="2" name="Titel 1"/>
+          <p:cNvSpPr>
+            <a:spLocks noGrp="1"/>
+          </p:cNvSpPr>
+          <p:nvPr>
+            <p:ph type="title"/>
+          </p:nvPr>
+        </p:nvSpPr>
+        <p:spPr/>
+        <p:txBody>
+          <a:bodyPr>
+            <a:normAutofit fontScale="90000"/>
+          </a:bodyPr>
+          <a:lstStyle/>
+          <a:p>
+            <a:r>
+              <a:rPr lang="de-DE" dirty="0" smtClean="0"/>
+              <a:t>Werte der Enthaltenen </a:t>
+            </a:r>
+            <a:r>
+              <a:rPr lang="de-DE" dirty="0" smtClean="0"/>
+              <a:t>Metalle</a:t>
+            </a:r>
+            <a:br>
+              <a:rPr lang="de-DE" dirty="0" smtClean="0"/>
+            </a:br>
+            <a:r>
+              <a:rPr lang="de-DE" dirty="0" smtClean="0"/>
+              <a:t>pro </a:t>
+            </a:r>
+            <a:r>
+              <a:rPr lang="de-DE" dirty="0" smtClean="0"/>
+              <a:t>KG … </a:t>
+            </a:r>
+            <a:endParaRPr lang="de-DE" dirty="0"/>
+          </a:p>
+        </p:txBody>
+      </p:sp>
+      <p:sp>
+        <p:nvSpPr>
+          <p:cNvPr id="3" name="Inhaltsplatzhalter 2"/>
+          <p:cNvSpPr>
+            <a:spLocks noGrp="1"/>
+          </p:cNvSpPr>
+          <p:nvPr>
+            <p:ph idx="1"/>
+          </p:nvPr>
+        </p:nvSpPr>
+        <p:spPr/>
+        <p:txBody>
+          <a:bodyPr/>
+          <a:lstStyle/>
+          <a:p>
+            <a:pPr>
+              <a:tabLst>
+                <a:tab pos="1792288" algn="l"/>
+              </a:tabLst>
+            </a:pPr>
+            <a:r>
+              <a:rPr lang="de-DE" dirty="0" smtClean="0"/>
+              <a:t>Kupfer:	4,61  €/KG</a:t>
+            </a:r>
+            <a:endParaRPr lang="de-DE" dirty="0" smtClean="0"/>
+          </a:p>
+          <a:p>
+            <a:r>
+              <a:rPr lang="de-DE" dirty="0" smtClean="0"/>
+              <a:t>Silber:	434,68  €</a:t>
+            </a:r>
+            <a:r>
+              <a:rPr lang="de-DE" dirty="0" smtClean="0"/>
+              <a:t>/KG </a:t>
+            </a:r>
+          </a:p>
+          <a:p>
+            <a:pPr>
+              <a:tabLst>
+                <a:tab pos="1792288" algn="l"/>
+              </a:tabLst>
+            </a:pPr>
+            <a:r>
+              <a:rPr lang="de-DE" dirty="0" smtClean="0"/>
+              <a:t>Gold:	</a:t>
+            </a:r>
+            <a:r>
+              <a:rPr lang="de-DE" dirty="0" smtClean="0"/>
+              <a:t>32.830,41  €</a:t>
+            </a:r>
+            <a:r>
+              <a:rPr lang="de-DE" dirty="0" smtClean="0"/>
+              <a:t>/KG</a:t>
+            </a:r>
+          </a:p>
+          <a:p>
+            <a:pPr>
+              <a:tabLst>
+                <a:tab pos="1792288" algn="l"/>
+              </a:tabLst>
+            </a:pPr>
+            <a:r>
+              <a:rPr lang="de-DE" dirty="0" smtClean="0"/>
+              <a:t>Palladium:	18.215,33  €</a:t>
+            </a:r>
+            <a:r>
+              <a:rPr lang="de-DE" dirty="0" smtClean="0"/>
+              <a:t>/KG</a:t>
+            </a:r>
+          </a:p>
+          <a:p>
+            <a:endParaRPr lang="de-DE" dirty="0" smtClean="0"/>
+          </a:p>
+          <a:p>
+            <a:endParaRPr lang="de-DE" dirty="0"/>
+          </a:p>
+          <a:p>
+            <a:endParaRPr lang="de-DE" dirty="0" smtClean="0"/>
+          </a:p>
+          <a:p>
+            <a:endParaRPr lang="de-DE" dirty="0"/>
+          </a:p>
+          <a:p>
+            <a:r>
+              <a:rPr lang="de-DE" dirty="0" smtClean="0"/>
+              <a:t>Stand: 10.11.15</a:t>
+            </a:r>
+            <a:endParaRPr lang="de-DE" dirty="0"/>
+          </a:p>
+        </p:txBody>
+      </p:sp>
+    </p:spTree>
+    <p:extLst>
+      <p:ext uri="{BB962C8B-B14F-4D97-AF65-F5344CB8AC3E}">
+        <p14:creationId xmlns:p14="http://schemas.microsoft.com/office/powerpoint/2010/main" val="1252053973"/>
+      </p:ext>
+    </p:extLst>
+  </p:cSld>
+  <p:clrMapOvr>
+    <a:masterClrMapping/>
+  </p:clrMapOvr>
+  <p:timing>
+    <p:tnLst>
+      <p:par>
+        <p:cTn id="1" dur="indefinite" restart="never" nodeType="tmRoot"/>
+      </p:par>
+    </p:tnLst>
+  </p:timing>
+</p:sld>
+</file>
+
+<file path=ppt/slides/slide8.xml><?xml version="1.0" encoding="utf-8"?>
+<p:sld xmlns:a="http://schemas.openxmlformats.org/drawingml/2006/main" xmlns:r="http://schemas.openxmlformats.org/officeDocument/2006/relationships" xmlns:p="http://schemas.openxmlformats.org/presentationml/2006/main">
+  <p:cSld>
+    <p:spTree>
+      <p:nvGrpSpPr>
+        <p:cNvPr id="1" name=""/>
+        <p:cNvGrpSpPr/>
+        <p:nvPr/>
+      </p:nvGrpSpPr>
+      <p:grpSpPr>
+        <a:xfrm>
+          <a:off x="0" y="0"/>
+          <a:ext cx="0" cy="0"/>
+          <a:chOff x="0" y="0"/>
+          <a:chExt cx="0" cy="0"/>
+        </a:xfrm>
+      </p:grpSpPr>
+      <p:sp>
+        <p:nvSpPr>
+          <p:cNvPr id="2" name="Titel 1"/>
+          <p:cNvSpPr>
+            <a:spLocks noGrp="1"/>
+          </p:cNvSpPr>
+          <p:nvPr>
+            <p:ph type="title"/>
+          </p:nvPr>
+        </p:nvSpPr>
+        <p:spPr/>
+        <p:txBody>
+          <a:bodyPr/>
+          <a:lstStyle/>
+          <a:p>
+            <a:r>
+              <a:rPr lang="de-DE" dirty="0" smtClean="0"/>
+              <a:t>…und insgesamt</a:t>
+            </a:r>
+            <a:endParaRPr lang="de-DE" dirty="0"/>
+          </a:p>
+        </p:txBody>
+      </p:sp>
+      <p:sp>
+        <p:nvSpPr>
+          <p:cNvPr id="3" name="Inhaltsplatzhalter 2"/>
+          <p:cNvSpPr>
+            <a:spLocks noGrp="1"/>
+          </p:cNvSpPr>
+          <p:nvPr>
+            <p:ph idx="1"/>
+          </p:nvPr>
+        </p:nvSpPr>
+        <p:spPr/>
+        <p:txBody>
+          <a:bodyPr/>
+          <a:lstStyle/>
+          <a:p>
+            <a:pPr>
+              <a:tabLst>
+                <a:tab pos="1792288" algn="l"/>
+              </a:tabLst>
+            </a:pPr>
+            <a:r>
+              <a:rPr lang="de-DE" dirty="0" smtClean="0"/>
+              <a:t>Kupfer:	55.665.750€</a:t>
+            </a:r>
+            <a:endParaRPr lang="de-DE" dirty="0"/>
+          </a:p>
+          <a:p>
+            <a:pPr>
+              <a:tabLst>
+                <a:tab pos="1792288" algn="l"/>
+              </a:tabLst>
+            </a:pPr>
+            <a:r>
+              <a:rPr lang="de-DE" dirty="0" smtClean="0"/>
+              <a:t>Silber:	62.756.925 € </a:t>
+            </a:r>
+            <a:endParaRPr lang="de-DE" dirty="0"/>
+          </a:p>
+          <a:p>
+            <a:pPr>
+              <a:tabLst>
+                <a:tab pos="1792288" algn="l"/>
+              </a:tabLst>
+            </a:pPr>
+            <a:r>
+              <a:rPr lang="de-DE" dirty="0" smtClean="0"/>
+              <a:t>Gold:	1.034.157.915€</a:t>
+            </a:r>
+            <a:endParaRPr lang="de-DE" dirty="0"/>
+          </a:p>
+          <a:p>
+            <a:pPr>
+              <a:tabLst>
+                <a:tab pos="1792288" algn="l"/>
+              </a:tabLst>
+            </a:pPr>
+            <a:r>
+              <a:rPr lang="de-DE" dirty="0" smtClean="0"/>
+              <a:t>Palladium:	124.319.627,3€</a:t>
+            </a:r>
+            <a:endParaRPr lang="de-DE" dirty="0"/>
+          </a:p>
+          <a:p>
+            <a:endParaRPr lang="de-DE" dirty="0"/>
+          </a:p>
+        </p:txBody>
+      </p:sp>
+    </p:spTree>
+    <p:extLst>
+      <p:ext uri="{BB962C8B-B14F-4D97-AF65-F5344CB8AC3E}">
+        <p14:creationId xmlns:p14="http://schemas.microsoft.com/office/powerpoint/2010/main" val="4149867639"/>
+      </p:ext>
+    </p:extLst>
+  </p:cSld>
+  <p:clrMapOvr>
+    <a:masterClrMapping/>
+  </p:clrMapOvr>
+  <p:timing>
+    <p:tnLst>
+      <p:par>
+        <p:cTn id="1" dur="indefinite" restart="never" nodeType="tmRoot"/>
+      </p:par>
+    </p:tnLst>
+  </p:timing>
+</p:sld>
+</file>
+
+<file path=ppt/slides/slide9.xml><?xml version="1.0" encoding="utf-8"?>
+<p:sld xmlns:a="http://schemas.openxmlformats.org/drawingml/2006/main" xmlns:r="http://schemas.openxmlformats.org/officeDocument/2006/relationships" xmlns:p="http://schemas.openxmlformats.org/presentationml/2006/main">
+  <p:cSld>
+    <p:spTree>
+      <p:nvGrpSpPr>
+        <p:cNvPr id="1" name=""/>
+        <p:cNvGrpSpPr/>
+        <p:nvPr/>
+      </p:nvGrpSpPr>
+      <p:grpSpPr>
+        <a:xfrm>
+          <a:off x="0" y="0"/>
+          <a:ext cx="0" cy="0"/>
+          <a:chOff x="0" y="0"/>
+          <a:chExt cx="0" cy="0"/>
+        </a:xfrm>
+      </p:grpSpPr>
+      <p:sp>
+        <p:nvSpPr>
+          <p:cNvPr id="2" name="Titel 1"/>
+          <p:cNvSpPr>
+            <a:spLocks noGrp="1"/>
+          </p:cNvSpPr>
+          <p:nvPr>
+            <p:ph type="title"/>
+          </p:nvPr>
+        </p:nvSpPr>
+        <p:spPr/>
+        <p:txBody>
+          <a:bodyPr/>
+          <a:lstStyle/>
+          <a:p>
+            <a:r>
+              <a:rPr lang="de-DE" dirty="0" smtClean="0"/>
+              <a:t>CARINAS TEIL!</a:t>
+            </a:r>
+            <a:endParaRPr lang="de-DE" dirty="0"/>
+          </a:p>
+        </p:txBody>
+      </p:sp>
+      <p:sp>
+        <p:nvSpPr>
+          <p:cNvPr id="3" name="Inhaltsplatzhalter 2"/>
+          <p:cNvSpPr>
+            <a:spLocks noGrp="1"/>
+          </p:cNvSpPr>
+          <p:nvPr>
+            <p:ph idx="1"/>
+          </p:nvPr>
+        </p:nvSpPr>
+        <p:spPr/>
+        <p:txBody>
+          <a:bodyPr/>
+          <a:lstStyle/>
+          <a:p>
+            <a:endParaRPr lang="de-DE"/>
+          </a:p>
+        </p:txBody>
+      </p:sp>
+    </p:spTree>
+    <p:extLst>
+      <p:ext uri="{BB962C8B-B14F-4D97-AF65-F5344CB8AC3E}">
+        <p14:creationId xmlns:p14="http://schemas.microsoft.com/office/powerpoint/2010/main" val="740944800"/>
+      </p:ext>
+    </p:extLst>
+  </p:cSld>
+  <p:clrMapOvr>
+    <a:masterClrMapping/>
+  </p:clrMapOvr>
+  <p:timing>
+    <p:tnLst>
+      <p:par>
+        <p:cTn id="1" dur="indefinite" restart="never" nodeType="tmRoot"/>
+      </p:par>
+    </p:tnLst>
+  </p:timing>
+</p:sld>
+</file>
+
 <file path=ppt/theme/theme1.xml><?xml version="1.0" encoding="utf-8"?>
-<a:theme xmlns:a="http://schemas.openxmlformats.org/drawingml/2006/main" name="Larissa-Design">
+<a:theme xmlns:a="http://schemas.openxmlformats.org/drawingml/2006/main" name="Perspektive">
   <a:themeElements>
-    <a:clrScheme name="Larissa">
+    <a:clrScheme name="Perspektive">
       <a:dk1>
-        <a:sysClr val="windowText"/>
+        <a:sysClr val="windowText" lastClr="000000"/>
       </a:dk1>
       <a:lt1>
-        <a:sysClr val="window"/>
+        <a:sysClr val="window" lastClr="FFFFFF"/>
       </a:lt1>
       <a:dk2>
-        <a:srgbClr val="1F497D"/>
+        <a:srgbClr val="283138"/>
       </a:dk2>
       <a:lt2>
-        <a:srgbClr val="EEECE1"/>
+        <a:srgbClr val="FF8600"/>
       </a:lt2>
       <a:accent1>
-        <a:srgbClr val="4F81BD"/>
+        <a:srgbClr val="838D9B"/>
       </a:accent1>
       <a:accent2>
-        <a:srgbClr val="C0504D"/>
+        <a:srgbClr val="D2610C"/>
       </a:accent2>
       <a:accent3>
-        <a:srgbClr val="9BBB59"/>
+        <a:srgbClr val="80716A"/>
       </a:accent3>
       <a:accent4>
-        <a:srgbClr val="8064A2"/>
+        <a:srgbClr val="94147C"/>
       </a:accent4>
       <a:accent5>
-        <a:srgbClr val="4BACC6"/>
+        <a:srgbClr val="5D5AD2"/>
       </a:accent5>
       <a:accent6>
-        <a:srgbClr val="F79646"/>
+        <a:srgbClr val="6F6C7D"/>
       </a:accent6>
       <a:hlink>
-        <a:srgbClr val="0000FF"/>
+        <a:srgbClr val="6187E3"/>
       </a:hlink>
       <a:folHlink>
-        <a:srgbClr val="800080"/>
+        <a:srgbClr val="7B8EB8"/>
       </a:folHlink>
     </a:clrScheme>
-    <a:fontScheme name="Larissa">
+    <a:fontScheme name="Larissa Klassisch 2">
       <a:majorFont>
-        <a:latin typeface="Calibri"/>
+        <a:latin typeface="Arial"/>
         <a:ea typeface=""/>
         <a:cs typeface=""/>
         <a:font script="Jpan" typeface="ＭＳ Ｐゴシック"/>
-        <a:font script="Hang" typeface="맑은 고딕"/>
-        <a:font script="Hans" typeface="宋体"/>
-        <a:font script="Hant" typeface="新細明體"/>
-        <a:font script="Arab" typeface="Times New Roman"/>
-        <a:font script="Hebr" typeface="Times New Roman"/>
-        <a:font script="Thai" typeface="Angsana New"/>
-        <a:font script="Ethi" typeface="Nyala"/>
-        <a:font script="Beng" typeface="Vrinda"/>
-        <a:font script="Gujr" typeface="Shruti"/>
-        <a:font script="Khmr" typeface="MoolBoran"/>
-        <a:font script="Knda" typeface="Tunga"/>
-        <a:font script="Guru" typeface="Raavi"/>
-        <a:font script="Cans" typeface="Euphemia"/>
-        <a:font script="Cher" typeface="Plantagenet Cherokee"/>
-        <a:font script="Yiii" typeface="Microsoft Yi Baiti"/>
-        <a:font script="Tibt" typeface="Microsoft Himalaya"/>
-        <a:font script="Thaa" typeface="MV Boli"/>
-        <a:font script="Deva" typeface="Mangal"/>
-        <a:font script="Telu" typeface="Gautami"/>
-        <a:font script="Taml" typeface="Latha"/>
-        <a:font script="Syrc" typeface="Estrangelo Edessa"/>
-        <a:font script="Orya" typeface="Kalinga"/>
-        <a:font script="Mlym" typeface="Kartika"/>
-        <a:font script="Laoo" typeface="DokChampa"/>
-        <a:font script="Sinh" typeface="Iskoola Pota"/>
-        <a:font script="Mong" typeface="Mongolian Baiti"/>
-        <a:font script="Viet" typeface="Times New Roman"/>
-        <a:font script="Uigh" typeface="Microsoft Uighur"/>
-      </a:majorFont>
-      <a:minorFont>
-        <a:latin typeface="Calibri"/>
-        <a:ea typeface=""/>
-        <a:cs typeface=""/>
-        <a:font script="Jpan" typeface="ＭＳ Ｐゴシック"/>
-        <a:font script="Hang" typeface="맑은 고딕"/>
-        <a:font script="Hans" typeface="宋体"/>
-        <a:font script="Hant" typeface="新細明體"/>
+        <a:font script="Hang" typeface="돋움"/>
+        <a:font script="Hans" typeface="方正舒体"/>
+        <a:font script="Hant" typeface="微軟正黑體"/>
         <a:font script="Arab" typeface="Arial"/>
         <a:font script="Hebr" typeface="Arial"/>
         <a:font script="Thai" typeface="Cordia New"/>
@@ -3124,9 +6163,45 @@
         <a:font script="Mong" typeface="Mongolian Baiti"/>
         <a:font script="Viet" typeface="Arial"/>
         <a:font script="Uigh" typeface="Microsoft Uighur"/>
+        <a:font script="Geor" typeface="Sylfaen"/>
+      </a:majorFont>
+      <a:minorFont>
+        <a:latin typeface="Arial"/>
+        <a:ea typeface=""/>
+        <a:cs typeface=""/>
+        <a:font script="Jpan" typeface="ＭＳ Ｐゴシック"/>
+        <a:font script="Hang" typeface="돋움"/>
+        <a:font script="Hans" typeface="方正舒体"/>
+        <a:font script="Hant" typeface="微軟正黑體"/>
+        <a:font script="Arab" typeface="Arial"/>
+        <a:font script="Hebr" typeface="Arial"/>
+        <a:font script="Thai" typeface="Cordia New"/>
+        <a:font script="Ethi" typeface="Nyala"/>
+        <a:font script="Beng" typeface="Vrinda"/>
+        <a:font script="Gujr" typeface="Shruti"/>
+        <a:font script="Khmr" typeface="DaunPenh"/>
+        <a:font script="Knda" typeface="Tunga"/>
+        <a:font script="Guru" typeface="Raavi"/>
+        <a:font script="Cans" typeface="Euphemia"/>
+        <a:font script="Cher" typeface="Plantagenet Cherokee"/>
+        <a:font script="Yiii" typeface="Microsoft Yi Baiti"/>
+        <a:font script="Tibt" typeface="Microsoft Himalaya"/>
+        <a:font script="Thaa" typeface="MV Boli"/>
+        <a:font script="Deva" typeface="Mangal"/>
+        <a:font script="Telu" typeface="Gautami"/>
+        <a:font script="Taml" typeface="Latha"/>
+        <a:font script="Syrc" typeface="Estrangelo Edessa"/>
+        <a:font script="Orya" typeface="Kalinga"/>
+        <a:font script="Mlym" typeface="Kartika"/>
+        <a:font script="Laoo" typeface="DokChampa"/>
+        <a:font script="Sinh" typeface="Iskoola Pota"/>
+        <a:font script="Mong" typeface="Mongolian Baiti"/>
+        <a:font script="Viet" typeface="Arial"/>
+        <a:font script="Uigh" typeface="Microsoft Uighur"/>
+        <a:font script="Geor" typeface="Sylfaen"/>
       </a:minorFont>
     </a:fontScheme>
-    <a:fmtScheme name="Larissa">
+    <a:fmtScheme name="Perspektive">
       <a:fillStyleLst>
         <a:solidFill>
           <a:schemeClr val="phClr"/>
@@ -3136,65 +6211,65 @@
             <a:gs pos="0">
               <a:schemeClr val="phClr">
                 <a:tint val="50000"/>
-                <a:satMod val="300000"/>
+                <a:alpha val="100000"/>
+                <a:satMod val="160000"/>
+                <a:lumMod val="105000"/>
               </a:schemeClr>
             </a:gs>
-            <a:gs pos="35000">
+            <a:gs pos="41000">
               <a:schemeClr val="phClr">
-                <a:tint val="37000"/>
-                <a:satMod val="300000"/>
+                <a:tint val="57000"/>
+                <a:satMod val="180000"/>
+                <a:lumMod val="99000"/>
               </a:schemeClr>
             </a:gs>
             <a:gs pos="100000">
               <a:schemeClr val="phClr">
-                <a:tint val="15000"/>
-                <a:satMod val="350000"/>
+                <a:tint val="80000"/>
+                <a:satMod val="200000"/>
+                <a:lumMod val="104000"/>
               </a:schemeClr>
             </a:gs>
           </a:gsLst>
-          <a:lin ang="16200000" scaled="1"/>
+          <a:lin ang="5400000" scaled="1"/>
         </a:gradFill>
         <a:gradFill rotWithShape="1">
           <a:gsLst>
             <a:gs pos="0">
               <a:schemeClr val="phClr">
-                <a:shade val="51000"/>
+                <a:tint val="96000"/>
                 <a:satMod val="130000"/>
+                <a:lumMod val="114000"/>
               </a:schemeClr>
             </a:gs>
-            <a:gs pos="80000">
+            <a:gs pos="60000">
               <a:schemeClr val="phClr">
-                <a:shade val="93000"/>
-                <a:satMod val="130000"/>
+                <a:tint val="100000"/>
+                <a:satMod val="106000"/>
+                <a:lumMod val="110000"/>
               </a:schemeClr>
             </a:gs>
             <a:gs pos="100000">
-              <a:schemeClr val="phClr">
-                <a:shade val="94000"/>
-                <a:satMod val="135000"/>
-              </a:schemeClr>
+              <a:schemeClr val="phClr"/>
             </a:gs>
           </a:gsLst>
-          <a:lin ang="16200000" scaled="0"/>
+          <a:lin ang="5400000" scaled="0"/>
         </a:gradFill>
       </a:fillStyleLst>
       <a:lnStyleLst>
-        <a:ln w="9525" cap="rnd" cmpd="sng" algn="ctr">
-          <a:solidFill>
-            <a:schemeClr val="phClr">
-              <a:shade val="95000"/>
-              <a:satMod val="105000"/>
-            </a:schemeClr>
-          </a:solidFill>
-          <a:prstDash val="solid"/>
-        </a:ln>
-        <a:ln w="25400" cap="rnd" cmpd="sng" algn="ctr">
+        <a:ln w="12700" cap="flat" cmpd="sng" algn="ctr">
           <a:solidFill>
             <a:schemeClr val="phClr"/>
           </a:solidFill>
           <a:prstDash val="solid"/>
         </a:ln>
-        <a:ln w="38100" cap="rnd" cmpd="sng" algn="ctr">
+        <a:ln w="19050" cap="flat" cmpd="sng" algn="ctr">
+          <a:solidFill>
+            <a:schemeClr val="phClr"/>
+          </a:solidFill>
+          <a:prstDash val="solid"/>
+        </a:ln>
+        <a:ln w="28575" cap="flat" cmpd="sng" algn="ctr">
           <a:solidFill>
             <a:schemeClr val="phClr"/>
           </a:solidFill>
@@ -3204,27 +6279,18 @@
       <a:effectStyleLst>
         <a:effectStyle>
           <a:effectLst>
-            <a:outerShdw blurRad="40000" dist="20000" dir="5400000">
+            <a:outerShdw blurRad="50800" dist="38100" dir="5400000" rotWithShape="0">
               <a:srgbClr val="000000">
-                <a:alpha val="38000"/>
+                <a:alpha val="28000"/>
               </a:srgbClr>
             </a:outerShdw>
           </a:effectLst>
         </a:effectStyle>
         <a:effectStyle>
           <a:effectLst>
-            <a:outerShdw blurRad="40000" dist="23000" dir="5400000">
+            <a:outerShdw blurRad="47625" dist="38100" dir="5400000" sy="98000" rotWithShape="0">
               <a:srgbClr val="000000">
-                <a:alpha val="35000"/>
-              </a:srgbClr>
-            </a:outerShdw>
-          </a:effectLst>
-        </a:effectStyle>
-        <a:effectStyle>
-          <a:effectLst>
-            <a:outerShdw blurRad="40000" dist="23000" dir="5400000">
-              <a:srgbClr val="000000">
-                <a:alpha val="35000"/>
+                <a:alpha val="48000"/>
               </a:srgbClr>
             </a:outerShdw>
           </a:effectLst>
@@ -3232,12 +6298,28 @@
             <a:camera prst="orthographicFront">
               <a:rot lat="0" lon="0" rev="0"/>
             </a:camera>
+            <a:lightRig rig="twoPt" dir="br">
+              <a:rot lat="0" lon="0" rev="8700000"/>
+            </a:lightRig>
+          </a:scene3d>
+          <a:sp3d prstMaterial="matte">
+            <a:bevelT w="25400" h="53975"/>
+          </a:sp3d>
+        </a:effectStyle>
+        <a:effectStyle>
+          <a:effectLst>
+            <a:reflection blurRad="12700" stA="24000" endPos="28000" dist="50800" dir="5400000" sy="-100000" rotWithShape="0"/>
+          </a:effectLst>
+          <a:scene3d>
+            <a:camera prst="orthographicFront">
+              <a:rot lat="0" lon="0" rev="0"/>
+            </a:camera>
             <a:lightRig rig="threePt" dir="t">
-              <a:rot lat="0" lon="0" rev="1200000"/>
+              <a:rot lat="0" lon="0" rev="4800000"/>
             </a:lightRig>
           </a:scene3d>
           <a:sp3d>
-            <a:bevelT w="63500" h="25400"/>
+            <a:bevelT w="69850" h="31750"/>
           </a:sp3d>
         </a:effectStyle>
       </a:effectStyleLst>
@@ -3249,47 +6331,45 @@
           <a:gsLst>
             <a:gs pos="0">
               <a:schemeClr val="phClr">
-                <a:tint val="40000"/>
-                <a:satMod val="350000"/>
+                <a:tint val="100000"/>
+                <a:shade val="80000"/>
+                <a:satMod val="100000"/>
+                <a:lumMod val="100000"/>
               </a:schemeClr>
             </a:gs>
-            <a:gs pos="40000">
+            <a:gs pos="65000">
               <a:schemeClr val="phClr">
-                <a:tint val="45000"/>
-                <a:shade val="99000"/>
-                <a:satMod val="350000"/>
+                <a:tint val="100000"/>
+                <a:shade val="95000"/>
+                <a:satMod val="100000"/>
+                <a:lumMod val="100000"/>
               </a:schemeClr>
             </a:gs>
             <a:gs pos="100000">
               <a:schemeClr val="phClr">
-                <a:shade val="20000"/>
-                <a:satMod val="255000"/>
+                <a:tint val="88000"/>
+                <a:shade val="100000"/>
+                <a:satMod val="400000"/>
+                <a:lumMod val="100000"/>
               </a:schemeClr>
             </a:gs>
           </a:gsLst>
-          <a:path path="circle">
-            <a:fillToRect l="100000" t="-60000" r="100000" b="200000"/>
-          </a:path>
+          <a:lin ang="5400000" scaled="0"/>
         </a:gradFill>
-        <a:gradFill rotWithShape="1">
-          <a:gsLst>
-            <a:gs pos="0">
+        <a:blipFill rotWithShape="1">
+          <a:blip xmlns:r="http://schemas.openxmlformats.org/officeDocument/2006/relationships" r:embed="rId1">
+            <a:duotone>
               <a:schemeClr val="phClr">
-                <a:tint val="80000"/>
-                <a:satMod val="300000"/>
+                <a:tint val="95000"/>
+                <a:satMod val="90000"/>
               </a:schemeClr>
-            </a:gs>
-            <a:gs pos="100000">
               <a:schemeClr val="phClr">
-                <a:shade val="30000"/>
-                <a:satMod val="200000"/>
+                <a:shade val="92000"/>
               </a:schemeClr>
-            </a:gs>
-          </a:gsLst>
-          <a:path path="circle">
-            <a:fillToRect l="100000" t="100000" r="100000" b="100000"/>
-          </a:path>
-        </a:gradFill>
+            </a:duotone>
+          </a:blip>
+          <a:tile tx="0" ty="0" sx="100000" sy="100000" flip="none" algn="tl"/>
+        </a:blipFill>
       </a:bgFillStyleLst>
     </a:fmtScheme>
   </a:themeElements>

--- a/Gesamtpräsentation.pptx
+++ b/Gesamtpräsentation.pptx
@@ -122,6 +122,22 @@
       </a:defRPr>
     </a:lvl9pPr>
   </p:defaultTextStyle>
+  <p:extLst>
+    <p:ext uri="{EFAFB233-063F-42B5-8137-9DF3F51BA10A}">
+      <p15:sldGuideLst xmlns:p15="http://schemas.microsoft.com/office/powerpoint/2012/main">
+        <p15:guide id="1" orient="horz" pos="2160">
+          <p15:clr>
+            <a:srgbClr val="A4A3A4"/>
+          </p15:clr>
+        </p15:guide>
+        <p15:guide id="2" pos="2880">
+          <p15:clr>
+            <a:srgbClr val="A4A3A4"/>
+          </p15:clr>
+        </p15:guide>
+      </p15:sldGuideLst>
+    </p:ext>
+  </p:extLst>
 </p:presentation>
 </file>
 
@@ -312,7 +328,7 @@
           <a:p>
             <a:fld id="{1BA50D42-C9CD-4801-B293-61D1F53EC57E}" type="datetimeFigureOut">
               <a:rPr lang="de-DE" smtClean="0"/>
-              <a:t>10.11.2015</a:t>
+              <a:t>11.11.2015</a:t>
             </a:fld>
             <a:endParaRPr lang="de-DE"/>
           </a:p>
@@ -477,7 +493,7 @@
           <a:p>
             <a:fld id="{1BA50D42-C9CD-4801-B293-61D1F53EC57E}" type="datetimeFigureOut">
               <a:rPr lang="de-DE" smtClean="0"/>
-              <a:t>10.11.2015</a:t>
+              <a:t>11.11.2015</a:t>
             </a:fld>
             <a:endParaRPr lang="de-DE"/>
           </a:p>
@@ -652,7 +668,7 @@
           <a:p>
             <a:fld id="{1BA50D42-C9CD-4801-B293-61D1F53EC57E}" type="datetimeFigureOut">
               <a:rPr lang="de-DE" smtClean="0"/>
-              <a:t>10.11.2015</a:t>
+              <a:t>11.11.2015</a:t>
             </a:fld>
             <a:endParaRPr lang="de-DE"/>
           </a:p>
@@ -817,7 +833,7 @@
           <a:p>
             <a:fld id="{1BA50D42-C9CD-4801-B293-61D1F53EC57E}" type="datetimeFigureOut">
               <a:rPr lang="de-DE" smtClean="0"/>
-              <a:t>10.11.2015</a:t>
+              <a:t>11.11.2015</a:t>
             </a:fld>
             <a:endParaRPr lang="de-DE"/>
           </a:p>
@@ -1056,7 +1072,7 @@
           <a:p>
             <a:fld id="{1BA50D42-C9CD-4801-B293-61D1F53EC57E}" type="datetimeFigureOut">
               <a:rPr lang="de-DE" smtClean="0"/>
-              <a:t>10.11.2015</a:t>
+              <a:t>11.11.2015</a:t>
             </a:fld>
             <a:endParaRPr lang="de-DE"/>
           </a:p>
@@ -1146,7 +1162,7 @@
           <a:p>
             <a:fld id="{1BA50D42-C9CD-4801-B293-61D1F53EC57E}" type="datetimeFigureOut">
               <a:rPr lang="de-DE" smtClean="0"/>
-              <a:t>10.11.2015</a:t>
+              <a:t>11.11.2015</a:t>
             </a:fld>
             <a:endParaRPr lang="de-DE"/>
           </a:p>
@@ -1520,7 +1536,7 @@
           <a:p>
             <a:fld id="{1BA50D42-C9CD-4801-B293-61D1F53EC57E}" type="datetimeFigureOut">
               <a:rPr lang="de-DE" smtClean="0"/>
-              <a:t>10.11.2015</a:t>
+              <a:t>11.11.2015</a:t>
             </a:fld>
             <a:endParaRPr lang="de-DE"/>
           </a:p>
@@ -1775,7 +1791,7 @@
           <a:p>
             <a:fld id="{1BA50D42-C9CD-4801-B293-61D1F53EC57E}" type="datetimeFigureOut">
               <a:rPr lang="de-DE" smtClean="0"/>
-              <a:t>10.11.2015</a:t>
+              <a:t>11.11.2015</a:t>
             </a:fld>
             <a:endParaRPr lang="de-DE"/>
           </a:p>
@@ -1865,7 +1881,7 @@
           <a:p>
             <a:fld id="{1BA50D42-C9CD-4801-B293-61D1F53EC57E}" type="datetimeFigureOut">
               <a:rPr lang="de-DE" smtClean="0"/>
-              <a:t>10.11.2015</a:t>
+              <a:t>11.11.2015</a:t>
             </a:fld>
             <a:endParaRPr lang="de-DE"/>
           </a:p>
@@ -2139,7 +2155,7 @@
           <a:p>
             <a:fld id="{1BA50D42-C9CD-4801-B293-61D1F53EC57E}" type="datetimeFigureOut">
               <a:rPr lang="de-DE" smtClean="0"/>
-              <a:t>10.11.2015</a:t>
+              <a:t>11.11.2015</a:t>
             </a:fld>
             <a:endParaRPr lang="de-DE"/>
           </a:p>
@@ -2411,7 +2427,7 @@
           <a:p>
             <a:fld id="{1BA50D42-C9CD-4801-B293-61D1F53EC57E}" type="datetimeFigureOut">
               <a:rPr lang="de-DE" smtClean="0"/>
-              <a:t>10.11.2015</a:t>
+              <a:t>11.11.2015</a:t>
             </a:fld>
             <a:endParaRPr lang="de-DE"/>
           </a:p>
@@ -2711,7 +2727,7 @@
           <a:p>
             <a:fld id="{1BA50D42-C9CD-4801-B293-61D1F53EC57E}" type="datetimeFigureOut">
               <a:rPr lang="de-DE" smtClean="0"/>
-              <a:t>10.11.2015</a:t>
+              <a:t>11.11.2015</a:t>
             </a:fld>
             <a:endParaRPr lang="de-DE"/>
           </a:p>
@@ -4550,8 +4566,13 @@
             <a:pPr lvl="1"/>
             <a:r>
               <a:rPr lang="de-DE" dirty="0" smtClean="0"/>
-              <a:t>Programm auf PC</a:t>
-            </a:r>
+              <a:t>Programm auf </a:t>
+            </a:r>
+            <a:r>
+              <a:rPr lang="de-DE" dirty="0" smtClean="0"/>
+              <a:t>PC installieren</a:t>
+            </a:r>
+            <a:endParaRPr lang="de-DE" dirty="0" smtClean="0"/>
           </a:p>
           <a:p>
             <a:pPr lvl="1"/>
@@ -4571,8 +4592,13 @@
             <a:pPr lvl="1"/>
             <a:r>
               <a:rPr lang="de-DE" dirty="0" smtClean="0"/>
-              <a:t>Auf Verbindung warten</a:t>
-            </a:r>
+              <a:t>Auf Verbindung </a:t>
+            </a:r>
+            <a:r>
+              <a:rPr lang="de-DE" dirty="0" smtClean="0"/>
+              <a:t>warten (passiert bei PC-Start)</a:t>
+            </a:r>
+            <a:endParaRPr lang="de-DE" dirty="0" smtClean="0"/>
           </a:p>
           <a:p>
             <a:pPr lvl="1"/>
@@ -4585,7 +4611,11 @@
           <a:p>
             <a:r>
               <a:rPr lang="de-DE" dirty="0" smtClean="0"/>
-              <a:t>Laufendes Beispiel:</a:t>
+              <a:t>Laufendes Beispiel</a:t>
+            </a:r>
+            <a:r>
+              <a:rPr lang="de-DE" dirty="0" smtClean="0"/>
+              <a:t>:</a:t>
             </a:r>
             <a:endParaRPr lang="de-DE" dirty="0"/>
           </a:p>
@@ -4610,9 +4640,360 @@
   <p:timing>
     <p:tnLst>
       <p:par>
-        <p:cTn id="1" dur="indefinite" restart="never" nodeType="tmRoot"/>
+        <p:cTn id="1" dur="indefinite" restart="never" nodeType="tmRoot">
+          <p:childTnLst>
+            <p:seq concurrent="1" nextAc="seek">
+              <p:cTn id="2" dur="indefinite" nodeType="mainSeq">
+                <p:childTnLst>
+                  <p:par>
+                    <p:cTn id="3" fill="hold">
+                      <p:stCondLst>
+                        <p:cond delay="indefinite"/>
+                      </p:stCondLst>
+                      <p:childTnLst>
+                        <p:par>
+                          <p:cTn id="4" fill="hold">
+                            <p:stCondLst>
+                              <p:cond delay="0"/>
+                            </p:stCondLst>
+                            <p:childTnLst>
+                              <p:par>
+                                <p:cTn id="5" presetID="1" presetClass="entr" presetSubtype="0" fill="hold" grpId="0" nodeType="clickEffect">
+                                  <p:stCondLst>
+                                    <p:cond delay="0"/>
+                                  </p:stCondLst>
+                                  <p:childTnLst>
+                                    <p:set>
+                                      <p:cBhvr>
+                                        <p:cTn id="6" dur="1" fill="hold">
+                                          <p:stCondLst>
+                                            <p:cond delay="0"/>
+                                          </p:stCondLst>
+                                        </p:cTn>
+                                        <p:tgtEl>
+                                          <p:spTgt spid="3">
+                                            <p:txEl>
+                                              <p:pRg st="0" end="0"/>
+                                            </p:txEl>
+                                          </p:spTgt>
+                                        </p:tgtEl>
+                                        <p:attrNameLst>
+                                          <p:attrName>style.visibility</p:attrName>
+                                        </p:attrNameLst>
+                                      </p:cBhvr>
+                                      <p:to>
+                                        <p:strVal val="visible"/>
+                                      </p:to>
+                                    </p:set>
+                                  </p:childTnLst>
+                                </p:cTn>
+                              </p:par>
+                            </p:childTnLst>
+                          </p:cTn>
+                        </p:par>
+                      </p:childTnLst>
+                    </p:cTn>
+                  </p:par>
+                  <p:par>
+                    <p:cTn id="7" fill="hold">
+                      <p:stCondLst>
+                        <p:cond delay="indefinite"/>
+                      </p:stCondLst>
+                      <p:childTnLst>
+                        <p:par>
+                          <p:cTn id="8" fill="hold">
+                            <p:stCondLst>
+                              <p:cond delay="0"/>
+                            </p:stCondLst>
+                            <p:childTnLst>
+                              <p:par>
+                                <p:cTn id="9" presetID="1" presetClass="entr" presetSubtype="0" fill="hold" grpId="0" nodeType="clickEffect">
+                                  <p:stCondLst>
+                                    <p:cond delay="0"/>
+                                  </p:stCondLst>
+                                  <p:childTnLst>
+                                    <p:set>
+                                      <p:cBhvr>
+                                        <p:cTn id="10" dur="1" fill="hold">
+                                          <p:stCondLst>
+                                            <p:cond delay="0"/>
+                                          </p:stCondLst>
+                                        </p:cTn>
+                                        <p:tgtEl>
+                                          <p:spTgt spid="3">
+                                            <p:txEl>
+                                              <p:pRg st="1" end="1"/>
+                                            </p:txEl>
+                                          </p:spTgt>
+                                        </p:tgtEl>
+                                        <p:attrNameLst>
+                                          <p:attrName>style.visibility</p:attrName>
+                                        </p:attrNameLst>
+                                      </p:cBhvr>
+                                      <p:to>
+                                        <p:strVal val="visible"/>
+                                      </p:to>
+                                    </p:set>
+                                  </p:childTnLst>
+                                </p:cTn>
+                              </p:par>
+                            </p:childTnLst>
+                          </p:cTn>
+                        </p:par>
+                      </p:childTnLst>
+                    </p:cTn>
+                  </p:par>
+                  <p:par>
+                    <p:cTn id="11" fill="hold">
+                      <p:stCondLst>
+                        <p:cond delay="indefinite"/>
+                      </p:stCondLst>
+                      <p:childTnLst>
+                        <p:par>
+                          <p:cTn id="12" fill="hold">
+                            <p:stCondLst>
+                              <p:cond delay="0"/>
+                            </p:stCondLst>
+                            <p:childTnLst>
+                              <p:par>
+                                <p:cTn id="13" presetID="1" presetClass="entr" presetSubtype="0" fill="hold" grpId="0" nodeType="clickEffect">
+                                  <p:stCondLst>
+                                    <p:cond delay="0"/>
+                                  </p:stCondLst>
+                                  <p:childTnLst>
+                                    <p:set>
+                                      <p:cBhvr>
+                                        <p:cTn id="14" dur="1" fill="hold">
+                                          <p:stCondLst>
+                                            <p:cond delay="0"/>
+                                          </p:stCondLst>
+                                        </p:cTn>
+                                        <p:tgtEl>
+                                          <p:spTgt spid="3">
+                                            <p:txEl>
+                                              <p:pRg st="2" end="2"/>
+                                            </p:txEl>
+                                          </p:spTgt>
+                                        </p:tgtEl>
+                                        <p:attrNameLst>
+                                          <p:attrName>style.visibility</p:attrName>
+                                        </p:attrNameLst>
+                                      </p:cBhvr>
+                                      <p:to>
+                                        <p:strVal val="visible"/>
+                                      </p:to>
+                                    </p:set>
+                                  </p:childTnLst>
+                                </p:cTn>
+                              </p:par>
+                            </p:childTnLst>
+                          </p:cTn>
+                        </p:par>
+                      </p:childTnLst>
+                    </p:cTn>
+                  </p:par>
+                  <p:par>
+                    <p:cTn id="15" fill="hold">
+                      <p:stCondLst>
+                        <p:cond delay="indefinite"/>
+                      </p:stCondLst>
+                      <p:childTnLst>
+                        <p:par>
+                          <p:cTn id="16" fill="hold">
+                            <p:stCondLst>
+                              <p:cond delay="0"/>
+                            </p:stCondLst>
+                            <p:childTnLst>
+                              <p:par>
+                                <p:cTn id="17" presetID="1" presetClass="entr" presetSubtype="0" fill="hold" grpId="0" nodeType="clickEffect">
+                                  <p:stCondLst>
+                                    <p:cond delay="0"/>
+                                  </p:stCondLst>
+                                  <p:childTnLst>
+                                    <p:set>
+                                      <p:cBhvr>
+                                        <p:cTn id="18" dur="1" fill="hold">
+                                          <p:stCondLst>
+                                            <p:cond delay="0"/>
+                                          </p:stCondLst>
+                                        </p:cTn>
+                                        <p:tgtEl>
+                                          <p:spTgt spid="3">
+                                            <p:txEl>
+                                              <p:pRg st="3" end="3"/>
+                                            </p:txEl>
+                                          </p:spTgt>
+                                        </p:tgtEl>
+                                        <p:attrNameLst>
+                                          <p:attrName>style.visibility</p:attrName>
+                                        </p:attrNameLst>
+                                      </p:cBhvr>
+                                      <p:to>
+                                        <p:strVal val="visible"/>
+                                      </p:to>
+                                    </p:set>
+                                  </p:childTnLst>
+                                </p:cTn>
+                              </p:par>
+                              <p:par>
+                                <p:cTn id="19" presetID="1" presetClass="entr" presetSubtype="0" fill="hold" grpId="0" nodeType="withEffect">
+                                  <p:stCondLst>
+                                    <p:cond delay="0"/>
+                                  </p:stCondLst>
+                                  <p:childTnLst>
+                                    <p:set>
+                                      <p:cBhvr>
+                                        <p:cTn id="20" dur="1" fill="hold">
+                                          <p:stCondLst>
+                                            <p:cond delay="0"/>
+                                          </p:stCondLst>
+                                        </p:cTn>
+                                        <p:tgtEl>
+                                          <p:spTgt spid="3">
+                                            <p:txEl>
+                                              <p:pRg st="4" end="4"/>
+                                            </p:txEl>
+                                          </p:spTgt>
+                                        </p:tgtEl>
+                                        <p:attrNameLst>
+                                          <p:attrName>style.visibility</p:attrName>
+                                        </p:attrNameLst>
+                                      </p:cBhvr>
+                                      <p:to>
+                                        <p:strVal val="visible"/>
+                                      </p:to>
+                                    </p:set>
+                                  </p:childTnLst>
+                                </p:cTn>
+                              </p:par>
+                            </p:childTnLst>
+                          </p:cTn>
+                        </p:par>
+                      </p:childTnLst>
+                    </p:cTn>
+                  </p:par>
+                  <p:par>
+                    <p:cTn id="21" fill="hold">
+                      <p:stCondLst>
+                        <p:cond delay="indefinite"/>
+                      </p:stCondLst>
+                      <p:childTnLst>
+                        <p:par>
+                          <p:cTn id="22" fill="hold">
+                            <p:stCondLst>
+                              <p:cond delay="0"/>
+                            </p:stCondLst>
+                            <p:childTnLst>
+                              <p:par>
+                                <p:cTn id="23" presetID="1" presetClass="entr" presetSubtype="0" fill="hold" grpId="0" nodeType="clickEffect">
+                                  <p:stCondLst>
+                                    <p:cond delay="0"/>
+                                  </p:stCondLst>
+                                  <p:childTnLst>
+                                    <p:set>
+                                      <p:cBhvr>
+                                        <p:cTn id="24" dur="1" fill="hold">
+                                          <p:stCondLst>
+                                            <p:cond delay="0"/>
+                                          </p:stCondLst>
+                                        </p:cTn>
+                                        <p:tgtEl>
+                                          <p:spTgt spid="3">
+                                            <p:txEl>
+                                              <p:pRg st="5" end="5"/>
+                                            </p:txEl>
+                                          </p:spTgt>
+                                        </p:tgtEl>
+                                        <p:attrNameLst>
+                                          <p:attrName>style.visibility</p:attrName>
+                                        </p:attrNameLst>
+                                      </p:cBhvr>
+                                      <p:to>
+                                        <p:strVal val="visible"/>
+                                      </p:to>
+                                    </p:set>
+                                  </p:childTnLst>
+                                </p:cTn>
+                              </p:par>
+                            </p:childTnLst>
+                          </p:cTn>
+                        </p:par>
+                      </p:childTnLst>
+                    </p:cTn>
+                  </p:par>
+                  <p:par>
+                    <p:cTn id="25" fill="hold">
+                      <p:stCondLst>
+                        <p:cond delay="indefinite"/>
+                      </p:stCondLst>
+                      <p:childTnLst>
+                        <p:par>
+                          <p:cTn id="26" fill="hold">
+                            <p:stCondLst>
+                              <p:cond delay="0"/>
+                            </p:stCondLst>
+                            <p:childTnLst>
+                              <p:par>
+                                <p:cTn id="27" presetID="1" presetClass="entr" presetSubtype="0" fill="hold" grpId="0" nodeType="clickEffect">
+                                  <p:stCondLst>
+                                    <p:cond delay="0"/>
+                                  </p:stCondLst>
+                                  <p:childTnLst>
+                                    <p:set>
+                                      <p:cBhvr>
+                                        <p:cTn id="28" dur="1" fill="hold">
+                                          <p:stCondLst>
+                                            <p:cond delay="0"/>
+                                          </p:stCondLst>
+                                        </p:cTn>
+                                        <p:tgtEl>
+                                          <p:spTgt spid="3">
+                                            <p:txEl>
+                                              <p:pRg st="6" end="6"/>
+                                            </p:txEl>
+                                          </p:spTgt>
+                                        </p:tgtEl>
+                                        <p:attrNameLst>
+                                          <p:attrName>style.visibility</p:attrName>
+                                        </p:attrNameLst>
+                                      </p:cBhvr>
+                                      <p:to>
+                                        <p:strVal val="visible"/>
+                                      </p:to>
+                                    </p:set>
+                                  </p:childTnLst>
+                                </p:cTn>
+                              </p:par>
+                            </p:childTnLst>
+                          </p:cTn>
+                        </p:par>
+                      </p:childTnLst>
+                    </p:cTn>
+                  </p:par>
+                </p:childTnLst>
+              </p:cTn>
+              <p:prevCondLst>
+                <p:cond evt="onPrev" delay="0">
+                  <p:tgtEl>
+                    <p:sldTgt/>
+                  </p:tgtEl>
+                </p:cond>
+              </p:prevCondLst>
+              <p:nextCondLst>
+                <p:cond evt="onNext" delay="0">
+                  <p:tgtEl>
+                    <p:sldTgt/>
+                  </p:tgtEl>
+                </p:cond>
+              </p:nextCondLst>
+            </p:seq>
+          </p:childTnLst>
+        </p:cTn>
       </p:par>
     </p:tnLst>
+    <p:bldLst>
+      <p:bldP spid="3" grpId="0" uiExpand="1" build="p"/>
+    </p:bldLst>
   </p:timing>
 </p:sld>
 </file>
@@ -4703,10 +5084,9 @@
           <a:p>
             <a:pPr lvl="1"/>
             <a:r>
-              <a:rPr lang="de-DE" smtClean="0"/>
+              <a:rPr lang="de-DE" dirty="0" smtClean="0"/>
               <a:t>Schnelle Nutzung</a:t>
             </a:r>
-            <a:endParaRPr lang="de-DE" dirty="0" smtClean="0"/>
           </a:p>
         </p:txBody>
       </p:sp>
@@ -4723,9 +5103,262 @@
   <p:timing>
     <p:tnLst>
       <p:par>
-        <p:cTn id="1" dur="indefinite" restart="never" nodeType="tmRoot"/>
+        <p:cTn id="1" dur="indefinite" restart="never" nodeType="tmRoot">
+          <p:childTnLst>
+            <p:seq concurrent="1" nextAc="seek">
+              <p:cTn id="2" dur="indefinite" nodeType="mainSeq">
+                <p:childTnLst>
+                  <p:par>
+                    <p:cTn id="3" fill="hold">
+                      <p:stCondLst>
+                        <p:cond delay="indefinite"/>
+                      </p:stCondLst>
+                      <p:childTnLst>
+                        <p:par>
+                          <p:cTn id="4" fill="hold">
+                            <p:stCondLst>
+                              <p:cond delay="0"/>
+                            </p:stCondLst>
+                            <p:childTnLst>
+                              <p:par>
+                                <p:cTn id="5" presetID="1" presetClass="entr" presetSubtype="0" fill="hold" grpId="0" nodeType="clickEffect">
+                                  <p:stCondLst>
+                                    <p:cond delay="0"/>
+                                  </p:stCondLst>
+                                  <p:childTnLst>
+                                    <p:set>
+                                      <p:cBhvr>
+                                        <p:cTn id="6" dur="1" fill="hold">
+                                          <p:stCondLst>
+                                            <p:cond delay="0"/>
+                                          </p:stCondLst>
+                                        </p:cTn>
+                                        <p:tgtEl>
+                                          <p:spTgt spid="3">
+                                            <p:txEl>
+                                              <p:pRg st="0" end="0"/>
+                                            </p:txEl>
+                                          </p:spTgt>
+                                        </p:tgtEl>
+                                        <p:attrNameLst>
+                                          <p:attrName>style.visibility</p:attrName>
+                                        </p:attrNameLst>
+                                      </p:cBhvr>
+                                      <p:to>
+                                        <p:strVal val="visible"/>
+                                      </p:to>
+                                    </p:set>
+                                  </p:childTnLst>
+                                </p:cTn>
+                              </p:par>
+                              <p:par>
+                                <p:cTn id="7" presetID="1" presetClass="entr" presetSubtype="0" fill="hold" grpId="0" nodeType="withEffect">
+                                  <p:stCondLst>
+                                    <p:cond delay="0"/>
+                                  </p:stCondLst>
+                                  <p:childTnLst>
+                                    <p:set>
+                                      <p:cBhvr>
+                                        <p:cTn id="8" dur="1" fill="hold">
+                                          <p:stCondLst>
+                                            <p:cond delay="0"/>
+                                          </p:stCondLst>
+                                        </p:cTn>
+                                        <p:tgtEl>
+                                          <p:spTgt spid="3">
+                                            <p:txEl>
+                                              <p:pRg st="1" end="1"/>
+                                            </p:txEl>
+                                          </p:spTgt>
+                                        </p:tgtEl>
+                                        <p:attrNameLst>
+                                          <p:attrName>style.visibility</p:attrName>
+                                        </p:attrNameLst>
+                                      </p:cBhvr>
+                                      <p:to>
+                                        <p:strVal val="visible"/>
+                                      </p:to>
+                                    </p:set>
+                                  </p:childTnLst>
+                                </p:cTn>
+                              </p:par>
+                            </p:childTnLst>
+                          </p:cTn>
+                        </p:par>
+                      </p:childTnLst>
+                    </p:cTn>
+                  </p:par>
+                  <p:par>
+                    <p:cTn id="9" fill="hold">
+                      <p:stCondLst>
+                        <p:cond delay="indefinite"/>
+                      </p:stCondLst>
+                      <p:childTnLst>
+                        <p:par>
+                          <p:cTn id="10" fill="hold">
+                            <p:stCondLst>
+                              <p:cond delay="0"/>
+                            </p:stCondLst>
+                            <p:childTnLst>
+                              <p:par>
+                                <p:cTn id="11" presetID="1" presetClass="entr" presetSubtype="0" fill="hold" grpId="0" nodeType="clickEffect">
+                                  <p:stCondLst>
+                                    <p:cond delay="0"/>
+                                  </p:stCondLst>
+                                  <p:childTnLst>
+                                    <p:set>
+                                      <p:cBhvr>
+                                        <p:cTn id="12" dur="1" fill="hold">
+                                          <p:stCondLst>
+                                            <p:cond delay="0"/>
+                                          </p:stCondLst>
+                                        </p:cTn>
+                                        <p:tgtEl>
+                                          <p:spTgt spid="3">
+                                            <p:txEl>
+                                              <p:pRg st="2" end="2"/>
+                                            </p:txEl>
+                                          </p:spTgt>
+                                        </p:tgtEl>
+                                        <p:attrNameLst>
+                                          <p:attrName>style.visibility</p:attrName>
+                                        </p:attrNameLst>
+                                      </p:cBhvr>
+                                      <p:to>
+                                        <p:strVal val="visible"/>
+                                      </p:to>
+                                    </p:set>
+                                  </p:childTnLst>
+                                </p:cTn>
+                              </p:par>
+                            </p:childTnLst>
+                          </p:cTn>
+                        </p:par>
+                      </p:childTnLst>
+                    </p:cTn>
+                  </p:par>
+                  <p:par>
+                    <p:cTn id="13" fill="hold">
+                      <p:stCondLst>
+                        <p:cond delay="indefinite"/>
+                      </p:stCondLst>
+                      <p:childTnLst>
+                        <p:par>
+                          <p:cTn id="14" fill="hold">
+                            <p:stCondLst>
+                              <p:cond delay="0"/>
+                            </p:stCondLst>
+                            <p:childTnLst>
+                              <p:par>
+                                <p:cTn id="15" presetID="1" presetClass="entr" presetSubtype="0" fill="hold" grpId="0" nodeType="clickEffect">
+                                  <p:stCondLst>
+                                    <p:cond delay="0"/>
+                                  </p:stCondLst>
+                                  <p:childTnLst>
+                                    <p:set>
+                                      <p:cBhvr>
+                                        <p:cTn id="16" dur="1" fill="hold">
+                                          <p:stCondLst>
+                                            <p:cond delay="0"/>
+                                          </p:stCondLst>
+                                        </p:cTn>
+                                        <p:tgtEl>
+                                          <p:spTgt spid="3">
+                                            <p:txEl>
+                                              <p:pRg st="3" end="3"/>
+                                            </p:txEl>
+                                          </p:spTgt>
+                                        </p:tgtEl>
+                                        <p:attrNameLst>
+                                          <p:attrName>style.visibility</p:attrName>
+                                        </p:attrNameLst>
+                                      </p:cBhvr>
+                                      <p:to>
+                                        <p:strVal val="visible"/>
+                                      </p:to>
+                                    </p:set>
+                                  </p:childTnLst>
+                                </p:cTn>
+                              </p:par>
+                            </p:childTnLst>
+                          </p:cTn>
+                        </p:par>
+                      </p:childTnLst>
+                    </p:cTn>
+                  </p:par>
+                  <p:par>
+                    <p:cTn id="17" fill="hold">
+                      <p:stCondLst>
+                        <p:cond delay="indefinite"/>
+                      </p:stCondLst>
+                      <p:childTnLst>
+                        <p:par>
+                          <p:cTn id="18" fill="hold">
+                            <p:stCondLst>
+                              <p:cond delay="0"/>
+                            </p:stCondLst>
+                            <p:childTnLst>
+                              <p:par>
+                                <p:cTn id="19" presetID="1" presetClass="entr" presetSubtype="0" fill="hold" grpId="0" nodeType="clickEffect">
+                                  <p:stCondLst>
+                                    <p:cond delay="0"/>
+                                  </p:stCondLst>
+                                  <p:childTnLst>
+                                    <p:set>
+                                      <p:cBhvr>
+                                        <p:cTn id="20" dur="1" fill="hold">
+                                          <p:stCondLst>
+                                            <p:cond delay="0"/>
+                                          </p:stCondLst>
+                                        </p:cTn>
+                                        <p:tgtEl>
+                                          <p:spTgt spid="3">
+                                            <p:txEl>
+                                              <p:pRg st="4" end="4"/>
+                                            </p:txEl>
+                                          </p:spTgt>
+                                        </p:tgtEl>
+                                        <p:attrNameLst>
+                                          <p:attrName>style.visibility</p:attrName>
+                                        </p:attrNameLst>
+                                      </p:cBhvr>
+                                      <p:to>
+                                        <p:strVal val="visible"/>
+                                      </p:to>
+                                    </p:set>
+                                  </p:childTnLst>
+                                </p:cTn>
+                              </p:par>
+                            </p:childTnLst>
+                          </p:cTn>
+                        </p:par>
+                      </p:childTnLst>
+                    </p:cTn>
+                  </p:par>
+                </p:childTnLst>
+              </p:cTn>
+              <p:prevCondLst>
+                <p:cond evt="onPrev" delay="0">
+                  <p:tgtEl>
+                    <p:sldTgt/>
+                  </p:tgtEl>
+                </p:cond>
+              </p:prevCondLst>
+              <p:nextCondLst>
+                <p:cond evt="onNext" delay="0">
+                  <p:tgtEl>
+                    <p:sldTgt/>
+                  </p:tgtEl>
+                </p:cond>
+              </p:nextCondLst>
+            </p:seq>
+          </p:childTnLst>
+        </p:cTn>
       </p:par>
     </p:tnLst>
+    <p:bldLst>
+      <p:bldP spid="3" grpId="0" uiExpand="1" build="p"/>
+    </p:bldLst>
   </p:timing>
 </p:sld>
 </file>
@@ -4832,9 +5465,213 @@
   <p:timing>
     <p:tnLst>
       <p:par>
-        <p:cTn id="1" dur="indefinite" restart="never" nodeType="tmRoot"/>
+        <p:cTn id="1" dur="indefinite" restart="never" nodeType="tmRoot">
+          <p:childTnLst>
+            <p:seq concurrent="1" nextAc="seek">
+              <p:cTn id="2" dur="indefinite" nodeType="mainSeq">
+                <p:childTnLst>
+                  <p:par>
+                    <p:cTn id="3" fill="hold">
+                      <p:stCondLst>
+                        <p:cond delay="indefinite"/>
+                      </p:stCondLst>
+                      <p:childTnLst>
+                        <p:par>
+                          <p:cTn id="4" fill="hold">
+                            <p:stCondLst>
+                              <p:cond delay="0"/>
+                            </p:stCondLst>
+                            <p:childTnLst>
+                              <p:par>
+                                <p:cTn id="5" presetID="1" presetClass="entr" presetSubtype="0" fill="hold" grpId="0" nodeType="clickEffect">
+                                  <p:stCondLst>
+                                    <p:cond delay="0"/>
+                                  </p:stCondLst>
+                                  <p:childTnLst>
+                                    <p:set>
+                                      <p:cBhvr>
+                                        <p:cTn id="6" dur="1" fill="hold">
+                                          <p:stCondLst>
+                                            <p:cond delay="0"/>
+                                          </p:stCondLst>
+                                        </p:cTn>
+                                        <p:tgtEl>
+                                          <p:spTgt spid="3">
+                                            <p:txEl>
+                                              <p:pRg st="0" end="0"/>
+                                            </p:txEl>
+                                          </p:spTgt>
+                                        </p:tgtEl>
+                                        <p:attrNameLst>
+                                          <p:attrName>style.visibility</p:attrName>
+                                        </p:attrNameLst>
+                                      </p:cBhvr>
+                                      <p:to>
+                                        <p:strVal val="visible"/>
+                                      </p:to>
+                                    </p:set>
+                                  </p:childTnLst>
+                                </p:cTn>
+                              </p:par>
+                              <p:par>
+                                <p:cTn id="7" presetID="1" presetClass="entr" presetSubtype="0" fill="hold" grpId="0" nodeType="withEffect">
+                                  <p:stCondLst>
+                                    <p:cond delay="0"/>
+                                  </p:stCondLst>
+                                  <p:childTnLst>
+                                    <p:set>
+                                      <p:cBhvr>
+                                        <p:cTn id="8" dur="1" fill="hold">
+                                          <p:stCondLst>
+                                            <p:cond delay="0"/>
+                                          </p:stCondLst>
+                                        </p:cTn>
+                                        <p:tgtEl>
+                                          <p:spTgt spid="3">
+                                            <p:txEl>
+                                              <p:pRg st="1" end="1"/>
+                                            </p:txEl>
+                                          </p:spTgt>
+                                        </p:tgtEl>
+                                        <p:attrNameLst>
+                                          <p:attrName>style.visibility</p:attrName>
+                                        </p:attrNameLst>
+                                      </p:cBhvr>
+                                      <p:to>
+                                        <p:strVal val="visible"/>
+                                      </p:to>
+                                    </p:set>
+                                  </p:childTnLst>
+                                </p:cTn>
+                              </p:par>
+                            </p:childTnLst>
+                          </p:cTn>
+                        </p:par>
+                      </p:childTnLst>
+                    </p:cTn>
+                  </p:par>
+                  <p:par>
+                    <p:cTn id="9" fill="hold">
+                      <p:stCondLst>
+                        <p:cond delay="indefinite"/>
+                      </p:stCondLst>
+                      <p:childTnLst>
+                        <p:par>
+                          <p:cTn id="10" fill="hold">
+                            <p:stCondLst>
+                              <p:cond delay="0"/>
+                            </p:stCondLst>
+                            <p:childTnLst>
+                              <p:par>
+                                <p:cTn id="11" presetID="1" presetClass="entr" presetSubtype="0" fill="hold" grpId="0" nodeType="clickEffect">
+                                  <p:stCondLst>
+                                    <p:cond delay="0"/>
+                                  </p:stCondLst>
+                                  <p:childTnLst>
+                                    <p:set>
+                                      <p:cBhvr>
+                                        <p:cTn id="12" dur="1" fill="hold">
+                                          <p:stCondLst>
+                                            <p:cond delay="0"/>
+                                          </p:stCondLst>
+                                        </p:cTn>
+                                        <p:tgtEl>
+                                          <p:spTgt spid="3">
+                                            <p:txEl>
+                                              <p:pRg st="2" end="2"/>
+                                            </p:txEl>
+                                          </p:spTgt>
+                                        </p:tgtEl>
+                                        <p:attrNameLst>
+                                          <p:attrName>style.visibility</p:attrName>
+                                        </p:attrNameLst>
+                                      </p:cBhvr>
+                                      <p:to>
+                                        <p:strVal val="visible"/>
+                                      </p:to>
+                                    </p:set>
+                                  </p:childTnLst>
+                                </p:cTn>
+                              </p:par>
+                            </p:childTnLst>
+                          </p:cTn>
+                        </p:par>
+                      </p:childTnLst>
+                    </p:cTn>
+                  </p:par>
+                  <p:par>
+                    <p:cTn id="13" fill="hold">
+                      <p:stCondLst>
+                        <p:cond delay="indefinite"/>
+                      </p:stCondLst>
+                      <p:childTnLst>
+                        <p:par>
+                          <p:cTn id="14" fill="hold">
+                            <p:stCondLst>
+                              <p:cond delay="0"/>
+                            </p:stCondLst>
+                            <p:childTnLst>
+                              <p:par>
+                                <p:cTn id="15" presetID="1" presetClass="entr" presetSubtype="0" fill="hold" grpId="0" nodeType="clickEffect">
+                                  <p:stCondLst>
+                                    <p:cond delay="0"/>
+                                  </p:stCondLst>
+                                  <p:childTnLst>
+                                    <p:set>
+                                      <p:cBhvr>
+                                        <p:cTn id="16" dur="1" fill="hold">
+                                          <p:stCondLst>
+                                            <p:cond delay="0"/>
+                                          </p:stCondLst>
+                                        </p:cTn>
+                                        <p:tgtEl>
+                                          <p:spTgt spid="3">
+                                            <p:txEl>
+                                              <p:pRg st="3" end="3"/>
+                                            </p:txEl>
+                                          </p:spTgt>
+                                        </p:tgtEl>
+                                        <p:attrNameLst>
+                                          <p:attrName>style.visibility</p:attrName>
+                                        </p:attrNameLst>
+                                      </p:cBhvr>
+                                      <p:to>
+                                        <p:strVal val="visible"/>
+                                      </p:to>
+                                    </p:set>
+                                  </p:childTnLst>
+                                </p:cTn>
+                              </p:par>
+                            </p:childTnLst>
+                          </p:cTn>
+                        </p:par>
+                      </p:childTnLst>
+                    </p:cTn>
+                  </p:par>
+                </p:childTnLst>
+              </p:cTn>
+              <p:prevCondLst>
+                <p:cond evt="onPrev" delay="0">
+                  <p:tgtEl>
+                    <p:sldTgt/>
+                  </p:tgtEl>
+                </p:cond>
+              </p:prevCondLst>
+              <p:nextCondLst>
+                <p:cond evt="onNext" delay="0">
+                  <p:tgtEl>
+                    <p:sldTgt/>
+                  </p:tgtEl>
+                </p:cond>
+              </p:nextCondLst>
+            </p:seq>
+          </p:childTnLst>
+        </p:cTn>
       </p:par>
     </p:tnLst>
+    <p:bldLst>
+      <p:bldP spid="3" grpId="0" uiExpand="1" build="p"/>
+    </p:bldLst>
   </p:timing>
 </p:sld>
 </file>
@@ -4896,9 +5733,20 @@
           <a:bodyPr/>
           <a:lstStyle/>
           <a:p>
-            <a:r>
-              <a:rPr lang="de-DE" dirty="0" smtClean="0"/>
-              <a:t>Wo sind wir zu finden?</a:t>
+            <a:pPr marL="45720" indent="0">
+              <a:buNone/>
+            </a:pPr>
+            <a:r>
+              <a:rPr lang="de-DE" dirty="0" smtClean="0"/>
+              <a:t>Wo </a:t>
+            </a:r>
+            <a:r>
+              <a:rPr lang="de-DE" dirty="0" smtClean="0"/>
+              <a:t>ist dieses Projekt zu </a:t>
+            </a:r>
+            <a:r>
+              <a:rPr lang="de-DE" dirty="0" smtClean="0"/>
+              <a:t>finden?</a:t>
             </a:r>
           </a:p>
           <a:p>
@@ -4906,16 +5754,31 @@
           </a:p>
           <a:p>
             <a:r>
-              <a:rPr lang="de-DE" dirty="0" smtClean="0"/>
-              <a:t>Github.com</a:t>
-            </a:r>
-          </a:p>
-          <a:p>
-            <a:r>
-              <a:rPr lang="de-DE" smtClean="0"/>
-              <a:t>Gym-wen.de</a:t>
-            </a:r>
-            <a:endParaRPr lang="de-DE"/>
+              <a:rPr lang="de-DE" dirty="0"/>
+              <a:t>g</a:t>
+            </a:r>
+            <a:r>
+              <a:rPr lang="de-DE" dirty="0" smtClean="0"/>
+              <a:t>ithub.com</a:t>
+            </a:r>
+            <a:endParaRPr lang="de-DE" dirty="0" smtClean="0"/>
+          </a:p>
+          <a:p>
+            <a:r>
+              <a:rPr lang="de-DE" dirty="0"/>
+              <a:t>g</a:t>
+            </a:r>
+            <a:r>
+              <a:rPr lang="de-DE" dirty="0" smtClean="0"/>
+              <a:t>ym-wen.de</a:t>
+            </a:r>
+          </a:p>
+          <a:p>
+            <a:r>
+              <a:rPr lang="de-DE" dirty="0" smtClean="0"/>
+              <a:t>tppwiki.miraheze.net</a:t>
+            </a:r>
+            <a:endParaRPr lang="de-DE" dirty="0"/>
           </a:p>
         </p:txBody>
       </p:sp>
@@ -5004,8 +5867,31 @@
           </a:p>
           <a:p>
             <a:r>
-              <a:rPr lang="de-DE" dirty="0" smtClean="0"/>
-              <a:t>http://www.ecocenter.org/healthy-stuff/</a:t>
+              <a:rPr lang="de-DE" dirty="0" smtClean="0">
+                <a:hlinkClick r:id="rId3"/>
+              </a:rPr>
+              <a:t>http://www.ecocenter.org/healthy-stuff</a:t>
+            </a:r>
+            <a:r>
+              <a:rPr lang="de-DE" dirty="0" smtClean="0">
+                <a:hlinkClick r:id="rId3"/>
+              </a:rPr>
+              <a:t>/</a:t>
+            </a:r>
+            <a:endParaRPr lang="de-DE" dirty="0" smtClean="0"/>
+          </a:p>
+          <a:p>
+            <a:r>
+              <a:rPr lang="de-DE" dirty="0" smtClean="0"/>
+              <a:t>Tom </a:t>
+            </a:r>
+            <a:r>
+              <a:rPr lang="de-DE" dirty="0" err="1" smtClean="0"/>
+              <a:t>Loff</a:t>
+            </a:r>
+            <a:r>
+              <a:rPr lang="de-DE" dirty="0" smtClean="0"/>
+              <a:t> (EDV-Management, Dipl.-Ing. Informationselektronik) (loff-edv.de)</a:t>
             </a:r>
             <a:endParaRPr lang="de-DE" dirty="0"/>
           </a:p>
@@ -5629,15 +6515,7 @@
           <a:p>
             <a:r>
               <a:rPr lang="de-DE" dirty="0" smtClean="0"/>
-              <a:t>In </a:t>
-            </a:r>
-            <a:r>
-              <a:rPr lang="de-DE" dirty="0" smtClean="0"/>
-              <a:t>1000 Handys stecken</a:t>
-            </a:r>
-            <a:r>
-              <a:rPr lang="de-DE" dirty="0" smtClean="0"/>
-              <a:t>:</a:t>
+              <a:t>In 1000 Handys stecken:</a:t>
             </a:r>
           </a:p>
           <a:p>
@@ -5680,8 +6558,8 @@
           <a:p>
             <a:pPr lvl="1"/>
             <a:r>
-              <a:rPr lang="de-DE" dirty="0" err="1" smtClean="0"/>
-              <a:t>u.w</a:t>
+              <a:rPr lang="de-DE" dirty="0" smtClean="0"/>
+              <a:t>usw.</a:t>
             </a:r>
             <a:r>
               <a:rPr lang="de-DE" dirty="0"/>
@@ -5750,22 +6628,14 @@
           <a:p>
             <a:r>
               <a:rPr lang="de-DE" dirty="0" smtClean="0"/>
-              <a:t>Werte der Enthaltenen </a:t>
-            </a:r>
-            <a:r>
-              <a:rPr lang="de-DE" dirty="0" smtClean="0"/>
-              <a:t>Metalle</a:t>
+              <a:t>Werte der Enthaltenen Metalle</a:t>
             </a:r>
             <a:br>
               <a:rPr lang="de-DE" dirty="0" smtClean="0"/>
             </a:br>
             <a:r>
               <a:rPr lang="de-DE" dirty="0" smtClean="0"/>
-              <a:t>pro </a:t>
-            </a:r>
-            <a:r>
-              <a:rPr lang="de-DE" dirty="0" smtClean="0"/>
-              <a:t>KG … </a:t>
+              <a:t>pro KG … </a:t>
             </a:r>
             <a:endParaRPr lang="de-DE" dirty="0"/>
           </a:p>
@@ -5795,16 +6665,11 @@
               <a:rPr lang="de-DE" dirty="0" smtClean="0"/>
               <a:t>Kupfer:	4,61  €/KG</a:t>
             </a:r>
-            <a:endParaRPr lang="de-DE" dirty="0" smtClean="0"/>
-          </a:p>
-          <a:p>
-            <a:r>
-              <a:rPr lang="de-DE" dirty="0" smtClean="0"/>
-              <a:t>Silber:	434,68  €</a:t>
-            </a:r>
-            <a:r>
-              <a:rPr lang="de-DE" dirty="0" smtClean="0"/>
-              <a:t>/KG </a:t>
+          </a:p>
+          <a:p>
+            <a:r>
+              <a:rPr lang="de-DE" dirty="0" smtClean="0"/>
+              <a:t>Silber:	434,68  €/KG </a:t>
             </a:r>
           </a:p>
           <a:p>
@@ -5815,15 +6680,7 @@
             </a:pPr>
             <a:r>
               <a:rPr lang="de-DE" dirty="0" smtClean="0"/>
-              <a:t>Gold:	</a:t>
-            </a:r>
-            <a:r>
-              <a:rPr lang="de-DE" dirty="0" smtClean="0"/>
-              <a:t>32.830,41  €</a:t>
-            </a:r>
-            <a:r>
-              <a:rPr lang="de-DE" dirty="0" smtClean="0"/>
-              <a:t>/KG</a:t>
+              <a:t>Gold:	32.830,41  €/KG</a:t>
             </a:r>
           </a:p>
           <a:p>
@@ -5834,11 +6691,7 @@
             </a:pPr>
             <a:r>
               <a:rPr lang="de-DE" dirty="0" smtClean="0"/>
-              <a:t>Palladium:	18.215,33  €</a:t>
-            </a:r>
-            <a:r>
-              <a:rPr lang="de-DE" dirty="0" smtClean="0"/>
-              <a:t>/KG</a:t>
+              <a:t>Palladium:	18.215,33  €/KG</a:t>
             </a:r>
           </a:p>
           <a:p>

--- a/Gesamtpräsentation.pptx
+++ b/Gesamtpräsentation.pptx
@@ -7,23 +7,27 @@
   <p:sldIdLst>
     <p:sldId id="256" r:id="rId2"/>
     <p:sldId id="270" r:id="rId3"/>
-    <p:sldId id="275" r:id="rId4"/>
-    <p:sldId id="262" r:id="rId5"/>
-    <p:sldId id="272" r:id="rId6"/>
-    <p:sldId id="263" r:id="rId7"/>
-    <p:sldId id="264" r:id="rId8"/>
-    <p:sldId id="265" r:id="rId9"/>
-    <p:sldId id="273" r:id="rId10"/>
-    <p:sldId id="274" r:id="rId11"/>
-    <p:sldId id="276" r:id="rId12"/>
-    <p:sldId id="266" r:id="rId13"/>
-    <p:sldId id="267" r:id="rId14"/>
-    <p:sldId id="268" r:id="rId15"/>
-    <p:sldId id="271" r:id="rId16"/>
-    <p:sldId id="259" r:id="rId17"/>
-    <p:sldId id="260" r:id="rId18"/>
-    <p:sldId id="261" r:id="rId19"/>
-    <p:sldId id="269" r:id="rId20"/>
+    <p:sldId id="282" r:id="rId4"/>
+    <p:sldId id="283" r:id="rId5"/>
+    <p:sldId id="284" r:id="rId6"/>
+    <p:sldId id="262" r:id="rId7"/>
+    <p:sldId id="272" r:id="rId8"/>
+    <p:sldId id="263" r:id="rId9"/>
+    <p:sldId id="264" r:id="rId10"/>
+    <p:sldId id="265" r:id="rId11"/>
+    <p:sldId id="292" r:id="rId12"/>
+    <p:sldId id="294" r:id="rId13"/>
+    <p:sldId id="295" r:id="rId14"/>
+    <p:sldId id="296" r:id="rId15"/>
+    <p:sldId id="291" r:id="rId16"/>
+    <p:sldId id="293" r:id="rId17"/>
+    <p:sldId id="278" r:id="rId18"/>
+    <p:sldId id="279" r:id="rId19"/>
+    <p:sldId id="271" r:id="rId20"/>
+    <p:sldId id="259" r:id="rId21"/>
+    <p:sldId id="261" r:id="rId22"/>
+    <p:sldId id="280" r:id="rId23"/>
+    <p:sldId id="269" r:id="rId24"/>
   </p:sldIdLst>
   <p:sldSz cx="9144000" cy="6858000" type="screen4x3"/>
   <p:notesSz cx="6858000" cy="9144000"/>
@@ -122,22 +126,6 @@
       </a:defRPr>
     </a:lvl9pPr>
   </p:defaultTextStyle>
-  <p:extLst>
-    <p:ext uri="{EFAFB233-063F-42B5-8137-9DF3F51BA10A}">
-      <p15:sldGuideLst xmlns:p15="http://schemas.microsoft.com/office/powerpoint/2012/main">
-        <p15:guide id="1" orient="horz" pos="2160">
-          <p15:clr>
-            <a:srgbClr val="A4A3A4"/>
-          </p15:clr>
-        </p15:guide>
-        <p15:guide id="2" pos="2880">
-          <p15:clr>
-            <a:srgbClr val="A4A3A4"/>
-          </p15:clr>
-        </p15:guide>
-      </p15:sldGuideLst>
-    </p:ext>
-  </p:extLst>
 </p:presentation>
 </file>
 
@@ -328,7 +316,7 @@
           <a:p>
             <a:fld id="{1BA50D42-C9CD-4801-B293-61D1F53EC57E}" type="datetimeFigureOut">
               <a:rPr lang="de-DE" smtClean="0"/>
-              <a:t>11.11.2015</a:t>
+              <a:t>18.11.2015</a:t>
             </a:fld>
             <a:endParaRPr lang="de-DE"/>
           </a:p>
@@ -493,7 +481,7 @@
           <a:p>
             <a:fld id="{1BA50D42-C9CD-4801-B293-61D1F53EC57E}" type="datetimeFigureOut">
               <a:rPr lang="de-DE" smtClean="0"/>
-              <a:t>11.11.2015</a:t>
+              <a:t>18.11.2015</a:t>
             </a:fld>
             <a:endParaRPr lang="de-DE"/>
           </a:p>
@@ -668,7 +656,7 @@
           <a:p>
             <a:fld id="{1BA50D42-C9CD-4801-B293-61D1F53EC57E}" type="datetimeFigureOut">
               <a:rPr lang="de-DE" smtClean="0"/>
-              <a:t>11.11.2015</a:t>
+              <a:t>18.11.2015</a:t>
             </a:fld>
             <a:endParaRPr lang="de-DE"/>
           </a:p>
@@ -833,7 +821,7 @@
           <a:p>
             <a:fld id="{1BA50D42-C9CD-4801-B293-61D1F53EC57E}" type="datetimeFigureOut">
               <a:rPr lang="de-DE" smtClean="0"/>
-              <a:t>11.11.2015</a:t>
+              <a:t>18.11.2015</a:t>
             </a:fld>
             <a:endParaRPr lang="de-DE"/>
           </a:p>
@@ -1072,7 +1060,7 @@
           <a:p>
             <a:fld id="{1BA50D42-C9CD-4801-B293-61D1F53EC57E}" type="datetimeFigureOut">
               <a:rPr lang="de-DE" smtClean="0"/>
-              <a:t>11.11.2015</a:t>
+              <a:t>18.11.2015</a:t>
             </a:fld>
             <a:endParaRPr lang="de-DE"/>
           </a:p>
@@ -1162,7 +1150,7 @@
           <a:p>
             <a:fld id="{1BA50D42-C9CD-4801-B293-61D1F53EC57E}" type="datetimeFigureOut">
               <a:rPr lang="de-DE" smtClean="0"/>
-              <a:t>11.11.2015</a:t>
+              <a:t>18.11.2015</a:t>
             </a:fld>
             <a:endParaRPr lang="de-DE"/>
           </a:p>
@@ -1536,7 +1524,7 @@
           <a:p>
             <a:fld id="{1BA50D42-C9CD-4801-B293-61D1F53EC57E}" type="datetimeFigureOut">
               <a:rPr lang="de-DE" smtClean="0"/>
-              <a:t>11.11.2015</a:t>
+              <a:t>18.11.2015</a:t>
             </a:fld>
             <a:endParaRPr lang="de-DE"/>
           </a:p>
@@ -1791,7 +1779,7 @@
           <a:p>
             <a:fld id="{1BA50D42-C9CD-4801-B293-61D1F53EC57E}" type="datetimeFigureOut">
               <a:rPr lang="de-DE" smtClean="0"/>
-              <a:t>11.11.2015</a:t>
+              <a:t>18.11.2015</a:t>
             </a:fld>
             <a:endParaRPr lang="de-DE"/>
           </a:p>
@@ -1881,7 +1869,7 @@
           <a:p>
             <a:fld id="{1BA50D42-C9CD-4801-B293-61D1F53EC57E}" type="datetimeFigureOut">
               <a:rPr lang="de-DE" smtClean="0"/>
-              <a:t>11.11.2015</a:t>
+              <a:t>18.11.2015</a:t>
             </a:fld>
             <a:endParaRPr lang="de-DE"/>
           </a:p>
@@ -2155,7 +2143,7 @@
           <a:p>
             <a:fld id="{1BA50D42-C9CD-4801-B293-61D1F53EC57E}" type="datetimeFigureOut">
               <a:rPr lang="de-DE" smtClean="0"/>
-              <a:t>11.11.2015</a:t>
+              <a:t>18.11.2015</a:t>
             </a:fld>
             <a:endParaRPr lang="de-DE"/>
           </a:p>
@@ -2427,7 +2415,7 @@
           <a:p>
             <a:fld id="{1BA50D42-C9CD-4801-B293-61D1F53EC57E}" type="datetimeFigureOut">
               <a:rPr lang="de-DE" smtClean="0"/>
-              <a:t>11.11.2015</a:t>
+              <a:t>18.11.2015</a:t>
             </a:fld>
             <a:endParaRPr lang="de-DE"/>
           </a:p>
@@ -2727,7 +2715,7 @@
           <a:p>
             <a:fld id="{1BA50D42-C9CD-4801-B293-61D1F53EC57E}" type="datetimeFigureOut">
               <a:rPr lang="de-DE" smtClean="0"/>
-              <a:t>11.11.2015</a:t>
+              <a:t>18.11.2015</a:t>
             </a:fld>
             <a:endParaRPr lang="de-DE"/>
           </a:p>
@@ -3186,11 +3174,27 @@
             <p:ph type="ctrTitle"/>
           </p:nvPr>
         </p:nvSpPr>
-        <p:spPr/>
+        <p:spPr>
+          <a:xfrm>
+            <a:off x="914400" y="113895"/>
+            <a:ext cx="7315200" cy="2595025"/>
+          </a:xfrm>
+        </p:spPr>
         <p:txBody>
           <a:bodyPr/>
           <a:lstStyle/>
           <a:p>
+            <a:r>
+              <a:rPr lang="de-DE" dirty="0" smtClean="0"/>
+              <a:t>Forschungsfrage:</a:t>
+            </a:r>
+            <a:br>
+              <a:rPr lang="de-DE" dirty="0" smtClean="0"/>
+            </a:br>
+            <a:r>
+              <a:rPr lang="de-DE" dirty="0" smtClean="0"/>
+              <a:t>Was tun mit alten Handys?</a:t>
+            </a:r>
             <a:endParaRPr lang="de-DE" dirty="0"/>
           </a:p>
         </p:txBody>
@@ -3205,12 +3209,25 @@
             <p:ph type="subTitle" idx="1"/>
           </p:nvPr>
         </p:nvSpPr>
-        <p:spPr/>
+        <p:spPr>
+          <a:xfrm>
+            <a:off x="914400" y="5668744"/>
+            <a:ext cx="7315200" cy="1144632"/>
+          </a:xfrm>
+        </p:spPr>
         <p:txBody>
           <a:bodyPr/>
           <a:lstStyle/>
           <a:p>
-            <a:endParaRPr lang="de-DE"/>
+            <a:r>
+              <a:rPr lang="de-DE" dirty="0" smtClean="0"/>
+              <a:t>Ein Referat des Teams </a:t>
+            </a:r>
+            <a:r>
+              <a:rPr lang="de-DE" dirty="0" err="1" smtClean="0"/>
+              <a:t>Robonator</a:t>
+            </a:r>
+            <a:endParaRPr lang="de-DE" dirty="0"/>
           </a:p>
         </p:txBody>
       </p:sp>
@@ -3218,297 +3235,6 @@
     <p:extLst>
       <p:ext uri="{BB962C8B-B14F-4D97-AF65-F5344CB8AC3E}">
         <p14:creationId xmlns:p14="http://schemas.microsoft.com/office/powerpoint/2010/main" val="2750235839"/>
-      </p:ext>
-    </p:extLst>
-  </p:cSld>
-  <p:clrMapOvr>
-    <a:masterClrMapping/>
-  </p:clrMapOvr>
-  <p:timing>
-    <p:tnLst>
-      <p:par>
-        <p:cTn id="1" dur="indefinite" restart="never" nodeType="tmRoot"/>
-      </p:par>
-    </p:tnLst>
-  </p:timing>
-</p:sld>
-</file>
-
-<file path=ppt/slides/slide10.xml><?xml version="1.0" encoding="utf-8"?>
-<p:sld xmlns:a="http://schemas.openxmlformats.org/drawingml/2006/main" xmlns:r="http://schemas.openxmlformats.org/officeDocument/2006/relationships" xmlns:p="http://schemas.openxmlformats.org/presentationml/2006/main">
-  <p:cSld>
-    <p:spTree>
-      <p:nvGrpSpPr>
-        <p:cNvPr id="1" name=""/>
-        <p:cNvGrpSpPr/>
-        <p:nvPr/>
-      </p:nvGrpSpPr>
-      <p:grpSpPr>
-        <a:xfrm>
-          <a:off x="0" y="0"/>
-          <a:ext cx="0" cy="0"/>
-          <a:chOff x="0" y="0"/>
-          <a:chExt cx="0" cy="0"/>
-        </a:xfrm>
-      </p:grpSpPr>
-      <p:sp>
-        <p:nvSpPr>
-          <p:cNvPr id="2" name="Titel 1"/>
-          <p:cNvSpPr>
-            <a:spLocks noGrp="1"/>
-          </p:cNvSpPr>
-          <p:nvPr>
-            <p:ph type="ctrTitle"/>
-          </p:nvPr>
-        </p:nvSpPr>
-        <p:spPr/>
-        <p:txBody>
-          <a:bodyPr/>
-          <a:lstStyle/>
-          <a:p>
-            <a:r>
-              <a:rPr lang="de-DE" dirty="0" smtClean="0"/>
-              <a:t>VERSCHROTTEN</a:t>
-            </a:r>
-            <a:endParaRPr lang="de-DE" dirty="0"/>
-          </a:p>
-        </p:txBody>
-      </p:sp>
-      <p:sp>
-        <p:nvSpPr>
-          <p:cNvPr id="3" name="Untertitel 2"/>
-          <p:cNvSpPr>
-            <a:spLocks noGrp="1"/>
-          </p:cNvSpPr>
-          <p:nvPr>
-            <p:ph type="subTitle" idx="1"/>
-          </p:nvPr>
-        </p:nvSpPr>
-        <p:spPr/>
-        <p:txBody>
-          <a:bodyPr/>
-          <a:lstStyle/>
-          <a:p>
-            <a:endParaRPr lang="de-DE"/>
-          </a:p>
-        </p:txBody>
-      </p:sp>
-    </p:spTree>
-    <p:extLst>
-      <p:ext uri="{BB962C8B-B14F-4D97-AF65-F5344CB8AC3E}">
-        <p14:creationId xmlns:p14="http://schemas.microsoft.com/office/powerpoint/2010/main" val="2338706847"/>
-      </p:ext>
-    </p:extLst>
-  </p:cSld>
-  <p:clrMapOvr>
-    <a:masterClrMapping/>
-  </p:clrMapOvr>
-  <p:timing>
-    <p:tnLst>
-      <p:par>
-        <p:cTn id="1" dur="indefinite" restart="never" nodeType="tmRoot"/>
-      </p:par>
-    </p:tnLst>
-  </p:timing>
-</p:sld>
-</file>
-
-<file path=ppt/slides/slide11.xml><?xml version="1.0" encoding="utf-8"?>
-<p:sld xmlns:a="http://schemas.openxmlformats.org/drawingml/2006/main" xmlns:r="http://schemas.openxmlformats.org/officeDocument/2006/relationships" xmlns:p="http://schemas.openxmlformats.org/presentationml/2006/main">
-  <p:cSld>
-    <p:spTree>
-      <p:nvGrpSpPr>
-        <p:cNvPr id="1" name=""/>
-        <p:cNvGrpSpPr/>
-        <p:nvPr/>
-      </p:nvGrpSpPr>
-      <p:grpSpPr>
-        <a:xfrm>
-          <a:off x="0" y="0"/>
-          <a:ext cx="0" cy="0"/>
-          <a:chOff x="0" y="0"/>
-          <a:chExt cx="0" cy="0"/>
-        </a:xfrm>
-      </p:grpSpPr>
-      <p:sp>
-        <p:nvSpPr>
-          <p:cNvPr id="2" name="Titel 1"/>
-          <p:cNvSpPr>
-            <a:spLocks noGrp="1"/>
-          </p:cNvSpPr>
-          <p:nvPr>
-            <p:ph type="ctrTitle"/>
-          </p:nvPr>
-        </p:nvSpPr>
-        <p:spPr/>
-        <p:txBody>
-          <a:bodyPr/>
-          <a:lstStyle/>
-          <a:p>
-            <a:r>
-              <a:rPr lang="de-DE" dirty="0" smtClean="0"/>
-              <a:t>Problem:</a:t>
-            </a:r>
-            <a:br>
-              <a:rPr lang="de-DE" dirty="0" smtClean="0"/>
-            </a:br>
-            <a:r>
-              <a:rPr lang="de-DE" dirty="0" smtClean="0"/>
-              <a:t>Problemmüll im Handy verseucht die Umwelt </a:t>
-            </a:r>
-            <a:endParaRPr lang="de-DE" dirty="0"/>
-          </a:p>
-        </p:txBody>
-      </p:sp>
-      <p:sp>
-        <p:nvSpPr>
-          <p:cNvPr id="3" name="Untertitel 2"/>
-          <p:cNvSpPr>
-            <a:spLocks noGrp="1"/>
-          </p:cNvSpPr>
-          <p:nvPr>
-            <p:ph type="subTitle" idx="1"/>
-          </p:nvPr>
-        </p:nvSpPr>
-        <p:spPr/>
-        <p:txBody>
-          <a:bodyPr/>
-          <a:lstStyle/>
-          <a:p>
-            <a:endParaRPr lang="de-DE"/>
-          </a:p>
-        </p:txBody>
-      </p:sp>
-    </p:spTree>
-    <p:extLst>
-      <p:ext uri="{BB962C8B-B14F-4D97-AF65-F5344CB8AC3E}">
-        <p14:creationId xmlns:p14="http://schemas.microsoft.com/office/powerpoint/2010/main" val="3137354978"/>
-      </p:ext>
-    </p:extLst>
-  </p:cSld>
-  <p:clrMapOvr>
-    <a:masterClrMapping/>
-  </p:clrMapOvr>
-  <p:timing>
-    <p:tnLst>
-      <p:par>
-        <p:cTn id="1" dur="indefinite" restart="never" nodeType="tmRoot"/>
-      </p:par>
-    </p:tnLst>
-  </p:timing>
-</p:sld>
-</file>
-
-<file path=ppt/slides/slide12.xml><?xml version="1.0" encoding="utf-8"?>
-<p:sld xmlns:a="http://schemas.openxmlformats.org/drawingml/2006/main" xmlns:r="http://schemas.openxmlformats.org/officeDocument/2006/relationships" xmlns:p="http://schemas.openxmlformats.org/presentationml/2006/main">
-  <p:cSld>
-    <p:spTree>
-      <p:nvGrpSpPr>
-        <p:cNvPr id="1" name=""/>
-        <p:cNvGrpSpPr/>
-        <p:nvPr/>
-      </p:nvGrpSpPr>
-      <p:grpSpPr>
-        <a:xfrm>
-          <a:off x="0" y="0"/>
-          <a:ext cx="0" cy="0"/>
-          <a:chOff x="0" y="0"/>
-          <a:chExt cx="0" cy="0"/>
-        </a:xfrm>
-      </p:grpSpPr>
-      <p:sp>
-        <p:nvSpPr>
-          <p:cNvPr id="6" name="Titel 5"/>
-          <p:cNvSpPr>
-            <a:spLocks noGrp="1"/>
-          </p:cNvSpPr>
-          <p:nvPr>
-            <p:ph type="title"/>
-          </p:nvPr>
-        </p:nvSpPr>
-        <p:spPr/>
-        <p:txBody>
-          <a:bodyPr>
-            <a:noAutofit/>
-          </a:bodyPr>
-          <a:lstStyle/>
-          <a:p>
-            <a:r>
-              <a:rPr lang="de-DE" sz="3600" dirty="0" smtClean="0"/>
-              <a:t>Was für Problemmüll gibt es im Handy?</a:t>
-            </a:r>
-            <a:endParaRPr lang="de-DE" sz="3600" dirty="0"/>
-          </a:p>
-        </p:txBody>
-      </p:sp>
-      <p:sp>
-        <p:nvSpPr>
-          <p:cNvPr id="7" name="Inhaltsplatzhalter 6"/>
-          <p:cNvSpPr>
-            <a:spLocks noGrp="1"/>
-          </p:cNvSpPr>
-          <p:nvPr>
-            <p:ph idx="1"/>
-          </p:nvPr>
-        </p:nvSpPr>
-        <p:spPr/>
-        <p:txBody>
-          <a:bodyPr/>
-          <a:lstStyle/>
-          <a:p>
-            <a:r>
-              <a:rPr lang="de-DE" dirty="0" smtClean="0"/>
-              <a:t>Handys zählen allgemein als Problemmüll, wie fast jedes Elektronisches Gerät</a:t>
-            </a:r>
-          </a:p>
-          <a:p>
-            <a:r>
-              <a:rPr lang="de-DE" dirty="0"/>
-              <a:t>Brom </a:t>
-            </a:r>
-          </a:p>
-          <a:p>
-            <a:r>
-              <a:rPr lang="de-DE" dirty="0"/>
-              <a:t>Chrom </a:t>
-            </a:r>
-          </a:p>
-          <a:p>
-            <a:r>
-              <a:rPr lang="de-DE" dirty="0"/>
-              <a:t>Akkus</a:t>
-            </a:r>
-          </a:p>
-          <a:p>
-            <a:pPr lvl="1"/>
-            <a:r>
-              <a:rPr lang="de-DE" dirty="0"/>
-              <a:t>Cadmium</a:t>
-            </a:r>
-          </a:p>
-          <a:p>
-            <a:pPr lvl="1"/>
-            <a:r>
-              <a:rPr lang="de-DE" dirty="0"/>
-              <a:t>Quecksilber</a:t>
-            </a:r>
-          </a:p>
-          <a:p>
-            <a:pPr lvl="1"/>
-            <a:r>
-              <a:rPr lang="de-DE" dirty="0"/>
-              <a:t>Blei </a:t>
-            </a:r>
-          </a:p>
-          <a:p>
-            <a:endParaRPr lang="de-DE" dirty="0"/>
-          </a:p>
-        </p:txBody>
-      </p:sp>
-    </p:spTree>
-    <p:extLst>
-      <p:ext uri="{BB962C8B-B14F-4D97-AF65-F5344CB8AC3E}">
-        <p14:creationId xmlns:p14="http://schemas.microsoft.com/office/powerpoint/2010/main" val="1756688733"/>
       </p:ext>
     </p:extLst>
   </p:cSld>
@@ -3549,7 +3275,7 @@
                                           </p:stCondLst>
                                         </p:cTn>
                                         <p:tgtEl>
-                                          <p:spTgt spid="6"/>
+                                          <p:spTgt spid="2"/>
                                         </p:tgtEl>
                                         <p:attrNameLst>
                                           <p:attrName>style.visibility</p:attrName>
@@ -3594,7 +3320,7 @@
                                           </p:stCondLst>
                                         </p:cTn>
                                         <p:tgtEl>
-                                          <p:spTgt spid="7">
+                                          <p:spTgt spid="3">
                                             <p:txEl>
                                               <p:pRg st="0" end="0"/>
                                             </p:txEl>
@@ -3639,8 +3365,1071 @@
       </p:par>
     </p:tnLst>
     <p:bldLst>
-      <p:bldP spid="6" grpId="0"/>
-      <p:bldP spid="7" grpId="0" build="p"/>
+      <p:bldP spid="2" grpId="0"/>
+      <p:bldP spid="3" grpId="0" build="p"/>
+    </p:bldLst>
+  </p:timing>
+</p:sld>
+</file>
+
+<file path=ppt/slides/slide10.xml><?xml version="1.0" encoding="utf-8"?>
+<p:sld xmlns:a="http://schemas.openxmlformats.org/drawingml/2006/main" xmlns:r="http://schemas.openxmlformats.org/officeDocument/2006/relationships" xmlns:p="http://schemas.openxmlformats.org/presentationml/2006/main">
+  <p:cSld>
+    <p:spTree>
+      <p:nvGrpSpPr>
+        <p:cNvPr id="1" name=""/>
+        <p:cNvGrpSpPr/>
+        <p:nvPr/>
+      </p:nvGrpSpPr>
+      <p:grpSpPr>
+        <a:xfrm>
+          <a:off x="0" y="0"/>
+          <a:ext cx="0" cy="0"/>
+          <a:chOff x="0" y="0"/>
+          <a:chExt cx="0" cy="0"/>
+        </a:xfrm>
+      </p:grpSpPr>
+      <p:sp>
+        <p:nvSpPr>
+          <p:cNvPr id="2" name="Titel 1"/>
+          <p:cNvSpPr>
+            <a:spLocks noGrp="1"/>
+          </p:cNvSpPr>
+          <p:nvPr>
+            <p:ph type="title"/>
+          </p:nvPr>
+        </p:nvSpPr>
+        <p:spPr>
+          <a:xfrm>
+            <a:off x="914400" y="42655"/>
+            <a:ext cx="7315200" cy="1154097"/>
+          </a:xfrm>
+        </p:spPr>
+        <p:txBody>
+          <a:bodyPr>
+            <a:normAutofit fontScale="90000"/>
+          </a:bodyPr>
+          <a:lstStyle/>
+          <a:p>
+            <a:r>
+              <a:rPr lang="de-DE" dirty="0" smtClean="0"/>
+              <a:t>…und insgesamt in allen Handys</a:t>
+            </a:r>
+            <a:endParaRPr lang="de-DE" dirty="0"/>
+          </a:p>
+        </p:txBody>
+      </p:sp>
+      <p:sp>
+        <p:nvSpPr>
+          <p:cNvPr id="3" name="Inhaltsplatzhalter 2"/>
+          <p:cNvSpPr>
+            <a:spLocks noGrp="1"/>
+          </p:cNvSpPr>
+          <p:nvPr>
+            <p:ph idx="1"/>
+          </p:nvPr>
+        </p:nvSpPr>
+        <p:spPr>
+          <a:xfrm>
+            <a:off x="914400" y="1340768"/>
+            <a:ext cx="7315200" cy="3539527"/>
+          </a:xfrm>
+        </p:spPr>
+        <p:txBody>
+          <a:bodyPr>
+            <a:normAutofit/>
+          </a:bodyPr>
+          <a:lstStyle/>
+          <a:p>
+            <a:pPr>
+              <a:tabLst>
+                <a:tab pos="1792288" algn="l"/>
+              </a:tabLst>
+            </a:pPr>
+            <a:r>
+              <a:rPr lang="de-DE" sz="2400" dirty="0" smtClean="0"/>
+              <a:t>Kupfer:	55.665.750€</a:t>
+            </a:r>
+            <a:endParaRPr lang="de-DE" sz="2400" dirty="0"/>
+          </a:p>
+          <a:p>
+            <a:pPr>
+              <a:tabLst>
+                <a:tab pos="1792288" algn="l"/>
+              </a:tabLst>
+            </a:pPr>
+            <a:r>
+              <a:rPr lang="de-DE" sz="2400" dirty="0" smtClean="0"/>
+              <a:t>Silber:	62.756.925 € </a:t>
+            </a:r>
+            <a:endParaRPr lang="de-DE" sz="2400" dirty="0"/>
+          </a:p>
+          <a:p>
+            <a:pPr>
+              <a:tabLst>
+                <a:tab pos="1792288" algn="l"/>
+              </a:tabLst>
+            </a:pPr>
+            <a:r>
+              <a:rPr lang="de-DE" sz="2400" dirty="0" smtClean="0"/>
+              <a:t>Gold:	1.034.157.915€</a:t>
+            </a:r>
+            <a:endParaRPr lang="de-DE" sz="2400" dirty="0"/>
+          </a:p>
+          <a:p>
+            <a:pPr>
+              <a:tabLst>
+                <a:tab pos="1792288" algn="l"/>
+              </a:tabLst>
+            </a:pPr>
+            <a:r>
+              <a:rPr lang="de-DE" sz="2400" dirty="0" smtClean="0"/>
+              <a:t>Palladium:	</a:t>
+            </a:r>
+            <a:r>
+              <a:rPr lang="de-DE" sz="2400" dirty="0" smtClean="0"/>
+              <a:t>124.319.627€</a:t>
+            </a:r>
+            <a:endParaRPr lang="de-DE" sz="2400" dirty="0"/>
+          </a:p>
+          <a:p>
+            <a:endParaRPr lang="de-DE" sz="2400" dirty="0"/>
+          </a:p>
+        </p:txBody>
+      </p:sp>
+    </p:spTree>
+    <p:extLst>
+      <p:ext uri="{BB962C8B-B14F-4D97-AF65-F5344CB8AC3E}">
+        <p14:creationId xmlns:p14="http://schemas.microsoft.com/office/powerpoint/2010/main" val="4149867639"/>
+      </p:ext>
+    </p:extLst>
+  </p:cSld>
+  <p:clrMapOvr>
+    <a:masterClrMapping/>
+  </p:clrMapOvr>
+  <p:timing>
+    <p:tnLst>
+      <p:par>
+        <p:cTn id="1" dur="indefinite" restart="never" nodeType="tmRoot">
+          <p:childTnLst>
+            <p:seq concurrent="1" nextAc="seek">
+              <p:cTn id="2" dur="indefinite" nodeType="mainSeq">
+                <p:childTnLst>
+                  <p:par>
+                    <p:cTn id="3" fill="hold">
+                      <p:stCondLst>
+                        <p:cond delay="indefinite"/>
+                      </p:stCondLst>
+                      <p:childTnLst>
+                        <p:par>
+                          <p:cTn id="4" fill="hold">
+                            <p:stCondLst>
+                              <p:cond delay="0"/>
+                            </p:stCondLst>
+                            <p:childTnLst>
+                              <p:par>
+                                <p:cTn id="5" presetID="1" presetClass="entr" presetSubtype="0" fill="hold" grpId="0" nodeType="clickEffect">
+                                  <p:stCondLst>
+                                    <p:cond delay="0"/>
+                                  </p:stCondLst>
+                                  <p:childTnLst>
+                                    <p:set>
+                                      <p:cBhvr>
+                                        <p:cTn id="6" dur="1" fill="hold">
+                                          <p:stCondLst>
+                                            <p:cond delay="0"/>
+                                          </p:stCondLst>
+                                        </p:cTn>
+                                        <p:tgtEl>
+                                          <p:spTgt spid="2"/>
+                                        </p:tgtEl>
+                                        <p:attrNameLst>
+                                          <p:attrName>style.visibility</p:attrName>
+                                        </p:attrNameLst>
+                                      </p:cBhvr>
+                                      <p:to>
+                                        <p:strVal val="visible"/>
+                                      </p:to>
+                                    </p:set>
+                                  </p:childTnLst>
+                                </p:cTn>
+                              </p:par>
+                            </p:childTnLst>
+                          </p:cTn>
+                        </p:par>
+                      </p:childTnLst>
+                    </p:cTn>
+                  </p:par>
+                  <p:par>
+                    <p:cTn id="7" fill="hold">
+                      <p:stCondLst>
+                        <p:cond delay="indefinite"/>
+                      </p:stCondLst>
+                      <p:childTnLst>
+                        <p:par>
+                          <p:cTn id="8" fill="hold">
+                            <p:stCondLst>
+                              <p:cond delay="0"/>
+                            </p:stCondLst>
+                            <p:childTnLst>
+                              <p:par>
+                                <p:cTn id="9" presetID="1" presetClass="entr" presetSubtype="0" fill="hold" grpId="0" nodeType="clickEffect">
+                                  <p:stCondLst>
+                                    <p:cond delay="0"/>
+                                  </p:stCondLst>
+                                  <p:childTnLst>
+                                    <p:set>
+                                      <p:cBhvr>
+                                        <p:cTn id="10" dur="1" fill="hold">
+                                          <p:stCondLst>
+                                            <p:cond delay="0"/>
+                                          </p:stCondLst>
+                                        </p:cTn>
+                                        <p:tgtEl>
+                                          <p:spTgt spid="3">
+                                            <p:txEl>
+                                              <p:pRg st="0" end="0"/>
+                                            </p:txEl>
+                                          </p:spTgt>
+                                        </p:tgtEl>
+                                        <p:attrNameLst>
+                                          <p:attrName>style.visibility</p:attrName>
+                                        </p:attrNameLst>
+                                      </p:cBhvr>
+                                      <p:to>
+                                        <p:strVal val="visible"/>
+                                      </p:to>
+                                    </p:set>
+                                  </p:childTnLst>
+                                </p:cTn>
+                              </p:par>
+                              <p:par>
+                                <p:cTn id="11" presetID="1" presetClass="entr" presetSubtype="0" fill="hold" grpId="0" nodeType="withEffect">
+                                  <p:stCondLst>
+                                    <p:cond delay="0"/>
+                                  </p:stCondLst>
+                                  <p:childTnLst>
+                                    <p:set>
+                                      <p:cBhvr>
+                                        <p:cTn id="12" dur="1" fill="hold">
+                                          <p:stCondLst>
+                                            <p:cond delay="0"/>
+                                          </p:stCondLst>
+                                        </p:cTn>
+                                        <p:tgtEl>
+                                          <p:spTgt spid="3">
+                                            <p:txEl>
+                                              <p:pRg st="1" end="1"/>
+                                            </p:txEl>
+                                          </p:spTgt>
+                                        </p:tgtEl>
+                                        <p:attrNameLst>
+                                          <p:attrName>style.visibility</p:attrName>
+                                        </p:attrNameLst>
+                                      </p:cBhvr>
+                                      <p:to>
+                                        <p:strVal val="visible"/>
+                                      </p:to>
+                                    </p:set>
+                                  </p:childTnLst>
+                                </p:cTn>
+                              </p:par>
+                              <p:par>
+                                <p:cTn id="13" presetID="1" presetClass="entr" presetSubtype="0" fill="hold" grpId="0" nodeType="withEffect">
+                                  <p:stCondLst>
+                                    <p:cond delay="0"/>
+                                  </p:stCondLst>
+                                  <p:childTnLst>
+                                    <p:set>
+                                      <p:cBhvr>
+                                        <p:cTn id="14" dur="1" fill="hold">
+                                          <p:stCondLst>
+                                            <p:cond delay="0"/>
+                                          </p:stCondLst>
+                                        </p:cTn>
+                                        <p:tgtEl>
+                                          <p:spTgt spid="3">
+                                            <p:txEl>
+                                              <p:pRg st="2" end="2"/>
+                                            </p:txEl>
+                                          </p:spTgt>
+                                        </p:tgtEl>
+                                        <p:attrNameLst>
+                                          <p:attrName>style.visibility</p:attrName>
+                                        </p:attrNameLst>
+                                      </p:cBhvr>
+                                      <p:to>
+                                        <p:strVal val="visible"/>
+                                      </p:to>
+                                    </p:set>
+                                  </p:childTnLst>
+                                </p:cTn>
+                              </p:par>
+                              <p:par>
+                                <p:cTn id="15" presetID="1" presetClass="entr" presetSubtype="0" fill="hold" grpId="0" nodeType="withEffect">
+                                  <p:stCondLst>
+                                    <p:cond delay="0"/>
+                                  </p:stCondLst>
+                                  <p:childTnLst>
+                                    <p:set>
+                                      <p:cBhvr>
+                                        <p:cTn id="16" dur="1" fill="hold">
+                                          <p:stCondLst>
+                                            <p:cond delay="0"/>
+                                          </p:stCondLst>
+                                        </p:cTn>
+                                        <p:tgtEl>
+                                          <p:spTgt spid="3">
+                                            <p:txEl>
+                                              <p:pRg st="3" end="3"/>
+                                            </p:txEl>
+                                          </p:spTgt>
+                                        </p:tgtEl>
+                                        <p:attrNameLst>
+                                          <p:attrName>style.visibility</p:attrName>
+                                        </p:attrNameLst>
+                                      </p:cBhvr>
+                                      <p:to>
+                                        <p:strVal val="visible"/>
+                                      </p:to>
+                                    </p:set>
+                                  </p:childTnLst>
+                                </p:cTn>
+                              </p:par>
+                            </p:childTnLst>
+                          </p:cTn>
+                        </p:par>
+                      </p:childTnLst>
+                    </p:cTn>
+                  </p:par>
+                </p:childTnLst>
+              </p:cTn>
+              <p:prevCondLst>
+                <p:cond evt="onPrev" delay="0">
+                  <p:tgtEl>
+                    <p:sldTgt/>
+                  </p:tgtEl>
+                </p:cond>
+              </p:prevCondLst>
+              <p:nextCondLst>
+                <p:cond evt="onNext" delay="0">
+                  <p:tgtEl>
+                    <p:sldTgt/>
+                  </p:tgtEl>
+                </p:cond>
+              </p:nextCondLst>
+            </p:seq>
+          </p:childTnLst>
+        </p:cTn>
+      </p:par>
+    </p:tnLst>
+    <p:bldLst>
+      <p:bldP spid="2" grpId="0"/>
+      <p:bldP spid="3" grpId="0" uiExpand="1" build="p"/>
+    </p:bldLst>
+  </p:timing>
+</p:sld>
+</file>
+
+<file path=ppt/slides/slide11.xml><?xml version="1.0" encoding="utf-8"?>
+<p:sld xmlns:a="http://schemas.openxmlformats.org/drawingml/2006/main" xmlns:r="http://schemas.openxmlformats.org/officeDocument/2006/relationships" xmlns:p="http://schemas.openxmlformats.org/presentationml/2006/main">
+  <p:cSld>
+    <p:spTree>
+      <p:nvGrpSpPr>
+        <p:cNvPr id="1" name=""/>
+        <p:cNvGrpSpPr/>
+        <p:nvPr/>
+      </p:nvGrpSpPr>
+      <p:grpSpPr>
+        <a:xfrm>
+          <a:off x="0" y="0"/>
+          <a:ext cx="0" cy="0"/>
+          <a:chOff x="0" y="0"/>
+          <a:chExt cx="0" cy="0"/>
+        </a:xfrm>
+      </p:grpSpPr>
+      <p:sp>
+        <p:nvSpPr>
+          <p:cNvPr id="2" name="Titel 1"/>
+          <p:cNvSpPr>
+            <a:spLocks noGrp="1"/>
+          </p:cNvSpPr>
+          <p:nvPr>
+            <p:ph type="title"/>
+          </p:nvPr>
+        </p:nvSpPr>
+        <p:spPr>
+          <a:xfrm>
+            <a:off x="914400" y="44624"/>
+            <a:ext cx="7315200" cy="1154097"/>
+          </a:xfrm>
+        </p:spPr>
+        <p:txBody>
+          <a:bodyPr/>
+          <a:lstStyle/>
+          <a:p>
+            <a:r>
+              <a:rPr lang="de-DE" dirty="0" smtClean="0"/>
+              <a:t>Recycling von Edelmetallen</a:t>
+            </a:r>
+            <a:endParaRPr lang="de-DE" dirty="0"/>
+          </a:p>
+        </p:txBody>
+      </p:sp>
+      <p:sp>
+        <p:nvSpPr>
+          <p:cNvPr id="3" name="Inhaltsplatzhalter 2"/>
+          <p:cNvSpPr>
+            <a:spLocks noGrp="1"/>
+          </p:cNvSpPr>
+          <p:nvPr>
+            <p:ph idx="1"/>
+          </p:nvPr>
+        </p:nvSpPr>
+        <p:spPr>
+          <a:xfrm>
+            <a:off x="914400" y="1268760"/>
+            <a:ext cx="7315200" cy="3539527"/>
+          </a:xfrm>
+        </p:spPr>
+        <p:txBody>
+          <a:bodyPr>
+            <a:normAutofit/>
+          </a:bodyPr>
+          <a:lstStyle/>
+          <a:p>
+            <a:r>
+              <a:rPr lang="de-DE" sz="2400" dirty="0" smtClean="0"/>
+              <a:t>Ausfällen: Lösen in Königswasser (Salzsäure)</a:t>
+            </a:r>
+          </a:p>
+          <a:p>
+            <a:r>
+              <a:rPr lang="de-DE" sz="2400" dirty="0" smtClean="0"/>
+              <a:t>Filtern</a:t>
+            </a:r>
+          </a:p>
+          <a:p>
+            <a:r>
+              <a:rPr lang="de-DE" sz="2400" dirty="0" smtClean="0"/>
+              <a:t>Waschen</a:t>
+            </a:r>
+          </a:p>
+          <a:p>
+            <a:r>
+              <a:rPr lang="de-DE" sz="2400" dirty="0" smtClean="0"/>
+              <a:t>Wiederverwendung</a:t>
+            </a:r>
+            <a:endParaRPr lang="de-DE" sz="2400" dirty="0"/>
+          </a:p>
+        </p:txBody>
+      </p:sp>
+    </p:spTree>
+    <p:extLst>
+      <p:ext uri="{BB962C8B-B14F-4D97-AF65-F5344CB8AC3E}">
+        <p14:creationId xmlns:p14="http://schemas.microsoft.com/office/powerpoint/2010/main" val="1317145971"/>
+      </p:ext>
+    </p:extLst>
+  </p:cSld>
+  <p:clrMapOvr>
+    <a:masterClrMapping/>
+  </p:clrMapOvr>
+  <p:timing>
+    <p:tnLst>
+      <p:par>
+        <p:cTn id="1" dur="indefinite" restart="never" nodeType="tmRoot">
+          <p:childTnLst>
+            <p:seq concurrent="1" nextAc="seek">
+              <p:cTn id="2" dur="indefinite" nodeType="mainSeq">
+                <p:childTnLst>
+                  <p:par>
+                    <p:cTn id="3" fill="hold">
+                      <p:stCondLst>
+                        <p:cond delay="indefinite"/>
+                      </p:stCondLst>
+                      <p:childTnLst>
+                        <p:par>
+                          <p:cTn id="4" fill="hold">
+                            <p:stCondLst>
+                              <p:cond delay="0"/>
+                            </p:stCondLst>
+                            <p:childTnLst>
+                              <p:par>
+                                <p:cTn id="5" presetID="1" presetClass="entr" presetSubtype="0" fill="hold" grpId="0" nodeType="clickEffect">
+                                  <p:stCondLst>
+                                    <p:cond delay="0"/>
+                                  </p:stCondLst>
+                                  <p:childTnLst>
+                                    <p:set>
+                                      <p:cBhvr>
+                                        <p:cTn id="6" dur="1" fill="hold">
+                                          <p:stCondLst>
+                                            <p:cond delay="0"/>
+                                          </p:stCondLst>
+                                        </p:cTn>
+                                        <p:tgtEl>
+                                          <p:spTgt spid="2"/>
+                                        </p:tgtEl>
+                                        <p:attrNameLst>
+                                          <p:attrName>style.visibility</p:attrName>
+                                        </p:attrNameLst>
+                                      </p:cBhvr>
+                                      <p:to>
+                                        <p:strVal val="visible"/>
+                                      </p:to>
+                                    </p:set>
+                                  </p:childTnLst>
+                                </p:cTn>
+                              </p:par>
+                            </p:childTnLst>
+                          </p:cTn>
+                        </p:par>
+                      </p:childTnLst>
+                    </p:cTn>
+                  </p:par>
+                  <p:par>
+                    <p:cTn id="7" fill="hold">
+                      <p:stCondLst>
+                        <p:cond delay="indefinite"/>
+                      </p:stCondLst>
+                      <p:childTnLst>
+                        <p:par>
+                          <p:cTn id="8" fill="hold">
+                            <p:stCondLst>
+                              <p:cond delay="0"/>
+                            </p:stCondLst>
+                            <p:childTnLst>
+                              <p:par>
+                                <p:cTn id="9" presetID="1" presetClass="entr" presetSubtype="0" fill="hold" grpId="0" nodeType="clickEffect">
+                                  <p:stCondLst>
+                                    <p:cond delay="0"/>
+                                  </p:stCondLst>
+                                  <p:childTnLst>
+                                    <p:set>
+                                      <p:cBhvr>
+                                        <p:cTn id="10" dur="1" fill="hold">
+                                          <p:stCondLst>
+                                            <p:cond delay="0"/>
+                                          </p:stCondLst>
+                                        </p:cTn>
+                                        <p:tgtEl>
+                                          <p:spTgt spid="3">
+                                            <p:txEl>
+                                              <p:pRg st="0" end="0"/>
+                                            </p:txEl>
+                                          </p:spTgt>
+                                        </p:tgtEl>
+                                        <p:attrNameLst>
+                                          <p:attrName>style.visibility</p:attrName>
+                                        </p:attrNameLst>
+                                      </p:cBhvr>
+                                      <p:to>
+                                        <p:strVal val="visible"/>
+                                      </p:to>
+                                    </p:set>
+                                  </p:childTnLst>
+                                </p:cTn>
+                              </p:par>
+                              <p:par>
+                                <p:cTn id="11" presetID="1" presetClass="entr" presetSubtype="0" fill="hold" grpId="0" nodeType="withEffect">
+                                  <p:stCondLst>
+                                    <p:cond delay="0"/>
+                                  </p:stCondLst>
+                                  <p:childTnLst>
+                                    <p:set>
+                                      <p:cBhvr>
+                                        <p:cTn id="12" dur="1" fill="hold">
+                                          <p:stCondLst>
+                                            <p:cond delay="0"/>
+                                          </p:stCondLst>
+                                        </p:cTn>
+                                        <p:tgtEl>
+                                          <p:spTgt spid="3">
+                                            <p:txEl>
+                                              <p:pRg st="1" end="1"/>
+                                            </p:txEl>
+                                          </p:spTgt>
+                                        </p:tgtEl>
+                                        <p:attrNameLst>
+                                          <p:attrName>style.visibility</p:attrName>
+                                        </p:attrNameLst>
+                                      </p:cBhvr>
+                                      <p:to>
+                                        <p:strVal val="visible"/>
+                                      </p:to>
+                                    </p:set>
+                                  </p:childTnLst>
+                                </p:cTn>
+                              </p:par>
+                              <p:par>
+                                <p:cTn id="13" presetID="1" presetClass="entr" presetSubtype="0" fill="hold" grpId="0" nodeType="withEffect">
+                                  <p:stCondLst>
+                                    <p:cond delay="0"/>
+                                  </p:stCondLst>
+                                  <p:childTnLst>
+                                    <p:set>
+                                      <p:cBhvr>
+                                        <p:cTn id="14" dur="1" fill="hold">
+                                          <p:stCondLst>
+                                            <p:cond delay="0"/>
+                                          </p:stCondLst>
+                                        </p:cTn>
+                                        <p:tgtEl>
+                                          <p:spTgt spid="3">
+                                            <p:txEl>
+                                              <p:pRg st="2" end="2"/>
+                                            </p:txEl>
+                                          </p:spTgt>
+                                        </p:tgtEl>
+                                        <p:attrNameLst>
+                                          <p:attrName>style.visibility</p:attrName>
+                                        </p:attrNameLst>
+                                      </p:cBhvr>
+                                      <p:to>
+                                        <p:strVal val="visible"/>
+                                      </p:to>
+                                    </p:set>
+                                  </p:childTnLst>
+                                </p:cTn>
+                              </p:par>
+                              <p:par>
+                                <p:cTn id="15" presetID="1" presetClass="entr" presetSubtype="0" fill="hold" grpId="0" nodeType="withEffect">
+                                  <p:stCondLst>
+                                    <p:cond delay="0"/>
+                                  </p:stCondLst>
+                                  <p:childTnLst>
+                                    <p:set>
+                                      <p:cBhvr>
+                                        <p:cTn id="16" dur="1" fill="hold">
+                                          <p:stCondLst>
+                                            <p:cond delay="0"/>
+                                          </p:stCondLst>
+                                        </p:cTn>
+                                        <p:tgtEl>
+                                          <p:spTgt spid="3">
+                                            <p:txEl>
+                                              <p:pRg st="3" end="3"/>
+                                            </p:txEl>
+                                          </p:spTgt>
+                                        </p:tgtEl>
+                                        <p:attrNameLst>
+                                          <p:attrName>style.visibility</p:attrName>
+                                        </p:attrNameLst>
+                                      </p:cBhvr>
+                                      <p:to>
+                                        <p:strVal val="visible"/>
+                                      </p:to>
+                                    </p:set>
+                                  </p:childTnLst>
+                                </p:cTn>
+                              </p:par>
+                            </p:childTnLst>
+                          </p:cTn>
+                        </p:par>
+                      </p:childTnLst>
+                    </p:cTn>
+                  </p:par>
+                </p:childTnLst>
+              </p:cTn>
+              <p:prevCondLst>
+                <p:cond evt="onPrev" delay="0">
+                  <p:tgtEl>
+                    <p:sldTgt/>
+                  </p:tgtEl>
+                </p:cond>
+              </p:prevCondLst>
+              <p:nextCondLst>
+                <p:cond evt="onNext" delay="0">
+                  <p:tgtEl>
+                    <p:sldTgt/>
+                  </p:tgtEl>
+                </p:cond>
+              </p:nextCondLst>
+            </p:seq>
+          </p:childTnLst>
+        </p:cTn>
+      </p:par>
+    </p:tnLst>
+    <p:bldLst>
+      <p:bldP spid="2" grpId="0"/>
+      <p:bldP spid="3" grpId="0" uiExpand="1" build="p"/>
+    </p:bldLst>
+  </p:timing>
+</p:sld>
+</file>
+
+<file path=ppt/slides/slide12.xml><?xml version="1.0" encoding="utf-8"?>
+<p:sld xmlns:a="http://schemas.openxmlformats.org/drawingml/2006/main" xmlns:r="http://schemas.openxmlformats.org/officeDocument/2006/relationships" xmlns:p="http://schemas.openxmlformats.org/presentationml/2006/main">
+  <p:cSld>
+    <p:spTree>
+      <p:nvGrpSpPr>
+        <p:cNvPr id="1" name=""/>
+        <p:cNvGrpSpPr/>
+        <p:nvPr/>
+      </p:nvGrpSpPr>
+      <p:grpSpPr>
+        <a:xfrm>
+          <a:off x="0" y="0"/>
+          <a:ext cx="0" cy="0"/>
+          <a:chOff x="0" y="0"/>
+          <a:chExt cx="0" cy="0"/>
+        </a:xfrm>
+      </p:grpSpPr>
+      <p:sp>
+        <p:nvSpPr>
+          <p:cNvPr id="2" name="Titel 1"/>
+          <p:cNvSpPr>
+            <a:spLocks noGrp="1"/>
+          </p:cNvSpPr>
+          <p:nvPr>
+            <p:ph type="title"/>
+          </p:nvPr>
+        </p:nvSpPr>
+        <p:spPr>
+          <a:xfrm>
+            <a:off x="914400" y="618719"/>
+            <a:ext cx="7315200" cy="1154097"/>
+          </a:xfrm>
+        </p:spPr>
+        <p:txBody>
+          <a:bodyPr>
+            <a:normAutofit fontScale="90000"/>
+          </a:bodyPr>
+          <a:lstStyle/>
+          <a:p>
+            <a:r>
+              <a:rPr lang="de-DE" dirty="0"/>
+              <a:t>Kunststoffe und Altmetalle im Handy</a:t>
+            </a:r>
+          </a:p>
+        </p:txBody>
+      </p:sp>
+      <p:sp>
+        <p:nvSpPr>
+          <p:cNvPr id="3" name="Inhaltsplatzhalter 2"/>
+          <p:cNvSpPr>
+            <a:spLocks noGrp="1"/>
+          </p:cNvSpPr>
+          <p:nvPr>
+            <p:ph idx="1"/>
+          </p:nvPr>
+        </p:nvSpPr>
+        <p:spPr>
+          <a:xfrm>
+            <a:off x="914400" y="1833689"/>
+            <a:ext cx="7315200" cy="3539527"/>
+          </a:xfrm>
+        </p:spPr>
+        <p:txBody>
+          <a:bodyPr>
+            <a:normAutofit/>
+          </a:bodyPr>
+          <a:lstStyle/>
+          <a:p>
+            <a:r>
+              <a:rPr lang="de-DE" sz="2400" dirty="0"/>
+              <a:t>Menge an Kunststoff in einem Handy: 27,75 g</a:t>
+            </a:r>
+          </a:p>
+          <a:p>
+            <a:r>
+              <a:rPr lang="de-DE" sz="2400" dirty="0"/>
+              <a:t>Menge an Kunststoff der Handys in Deutschland: </a:t>
+            </a:r>
+            <a:br>
+              <a:rPr lang="de-DE" sz="2400" dirty="0"/>
+            </a:br>
+            <a:r>
+              <a:rPr lang="de-DE" sz="2400" dirty="0"/>
+              <a:t> 105.000.000× 27,75g = 2913 t</a:t>
+            </a:r>
+          </a:p>
+          <a:p>
+            <a:pPr marL="45720" indent="0">
+              <a:buNone/>
+            </a:pPr>
+            <a:endParaRPr lang="de-DE" sz="2400" dirty="0"/>
+          </a:p>
+          <a:p>
+            <a:r>
+              <a:rPr lang="de-DE" sz="2400" dirty="0"/>
+              <a:t>Menge an Altmetall in einem Handy: 20,59 g</a:t>
+            </a:r>
+          </a:p>
+          <a:p>
+            <a:r>
+              <a:rPr lang="de-DE" sz="2400" dirty="0"/>
+              <a:t>Menge an Altmetall der Handys in Deutschland: </a:t>
+            </a:r>
+            <a:br>
+              <a:rPr lang="de-DE" sz="2400" dirty="0"/>
+            </a:br>
+            <a:r>
+              <a:rPr lang="de-DE" sz="2400" dirty="0"/>
+              <a:t>105.000.000× 20,59 g = 2162 t</a:t>
+            </a:r>
+          </a:p>
+          <a:p>
+            <a:endParaRPr lang="de-DE" sz="2400" dirty="0"/>
+          </a:p>
+          <a:p>
+            <a:pPr marL="45720" indent="0">
+              <a:buNone/>
+            </a:pPr>
+            <a:endParaRPr lang="de-DE" sz="2400" dirty="0"/>
+          </a:p>
+          <a:p>
+            <a:endParaRPr lang="de-DE" sz="2400" dirty="0"/>
+          </a:p>
+        </p:txBody>
+      </p:sp>
+    </p:spTree>
+    <p:extLst>
+      <p:ext uri="{BB962C8B-B14F-4D97-AF65-F5344CB8AC3E}">
+        <p14:creationId xmlns:p14="http://schemas.microsoft.com/office/powerpoint/2010/main" val="827849064"/>
+      </p:ext>
+    </p:extLst>
+  </p:cSld>
+  <p:clrMapOvr>
+    <a:masterClrMapping/>
+  </p:clrMapOvr>
+  <p:timing>
+    <p:tnLst>
+      <p:par>
+        <p:cTn id="1" dur="indefinite" restart="never" nodeType="tmRoot">
+          <p:childTnLst>
+            <p:seq concurrent="1" nextAc="seek">
+              <p:cTn id="2" dur="indefinite" nodeType="mainSeq">
+                <p:childTnLst>
+                  <p:par>
+                    <p:cTn id="3" fill="hold">
+                      <p:stCondLst>
+                        <p:cond delay="indefinite"/>
+                      </p:stCondLst>
+                      <p:childTnLst>
+                        <p:par>
+                          <p:cTn id="4" fill="hold">
+                            <p:stCondLst>
+                              <p:cond delay="0"/>
+                            </p:stCondLst>
+                            <p:childTnLst>
+                              <p:par>
+                                <p:cTn id="5" presetID="1" presetClass="entr" presetSubtype="0" fill="hold" grpId="0" nodeType="clickEffect">
+                                  <p:stCondLst>
+                                    <p:cond delay="0"/>
+                                  </p:stCondLst>
+                                  <p:childTnLst>
+                                    <p:set>
+                                      <p:cBhvr>
+                                        <p:cTn id="6" dur="1" fill="hold">
+                                          <p:stCondLst>
+                                            <p:cond delay="0"/>
+                                          </p:stCondLst>
+                                        </p:cTn>
+                                        <p:tgtEl>
+                                          <p:spTgt spid="2"/>
+                                        </p:tgtEl>
+                                        <p:attrNameLst>
+                                          <p:attrName>style.visibility</p:attrName>
+                                        </p:attrNameLst>
+                                      </p:cBhvr>
+                                      <p:to>
+                                        <p:strVal val="visible"/>
+                                      </p:to>
+                                    </p:set>
+                                  </p:childTnLst>
+                                </p:cTn>
+                              </p:par>
+                            </p:childTnLst>
+                          </p:cTn>
+                        </p:par>
+                      </p:childTnLst>
+                    </p:cTn>
+                  </p:par>
+                  <p:par>
+                    <p:cTn id="7" fill="hold">
+                      <p:stCondLst>
+                        <p:cond delay="indefinite"/>
+                      </p:stCondLst>
+                      <p:childTnLst>
+                        <p:par>
+                          <p:cTn id="8" fill="hold">
+                            <p:stCondLst>
+                              <p:cond delay="0"/>
+                            </p:stCondLst>
+                            <p:childTnLst>
+                              <p:par>
+                                <p:cTn id="9" presetID="1" presetClass="entr" presetSubtype="0" fill="hold" grpId="0" nodeType="clickEffect">
+                                  <p:stCondLst>
+                                    <p:cond delay="0"/>
+                                  </p:stCondLst>
+                                  <p:childTnLst>
+                                    <p:set>
+                                      <p:cBhvr>
+                                        <p:cTn id="10" dur="1" fill="hold">
+                                          <p:stCondLst>
+                                            <p:cond delay="0"/>
+                                          </p:stCondLst>
+                                        </p:cTn>
+                                        <p:tgtEl>
+                                          <p:spTgt spid="3">
+                                            <p:txEl>
+                                              <p:pRg st="0" end="0"/>
+                                            </p:txEl>
+                                          </p:spTgt>
+                                        </p:tgtEl>
+                                        <p:attrNameLst>
+                                          <p:attrName>style.visibility</p:attrName>
+                                        </p:attrNameLst>
+                                      </p:cBhvr>
+                                      <p:to>
+                                        <p:strVal val="visible"/>
+                                      </p:to>
+                                    </p:set>
+                                  </p:childTnLst>
+                                </p:cTn>
+                              </p:par>
+                              <p:par>
+                                <p:cTn id="11" presetID="1" presetClass="entr" presetSubtype="0" fill="hold" grpId="0" nodeType="withEffect">
+                                  <p:stCondLst>
+                                    <p:cond delay="0"/>
+                                  </p:stCondLst>
+                                  <p:childTnLst>
+                                    <p:set>
+                                      <p:cBhvr>
+                                        <p:cTn id="12" dur="1" fill="hold">
+                                          <p:stCondLst>
+                                            <p:cond delay="0"/>
+                                          </p:stCondLst>
+                                        </p:cTn>
+                                        <p:tgtEl>
+                                          <p:spTgt spid="3">
+                                            <p:txEl>
+                                              <p:pRg st="1" end="1"/>
+                                            </p:txEl>
+                                          </p:spTgt>
+                                        </p:tgtEl>
+                                        <p:attrNameLst>
+                                          <p:attrName>style.visibility</p:attrName>
+                                        </p:attrNameLst>
+                                      </p:cBhvr>
+                                      <p:to>
+                                        <p:strVal val="visible"/>
+                                      </p:to>
+                                    </p:set>
+                                  </p:childTnLst>
+                                </p:cTn>
+                              </p:par>
+                            </p:childTnLst>
+                          </p:cTn>
+                        </p:par>
+                      </p:childTnLst>
+                    </p:cTn>
+                  </p:par>
+                  <p:par>
+                    <p:cTn id="13" fill="hold">
+                      <p:stCondLst>
+                        <p:cond delay="indefinite"/>
+                      </p:stCondLst>
+                      <p:childTnLst>
+                        <p:par>
+                          <p:cTn id="14" fill="hold">
+                            <p:stCondLst>
+                              <p:cond delay="0"/>
+                            </p:stCondLst>
+                            <p:childTnLst>
+                              <p:par>
+                                <p:cTn id="15" presetID="1" presetClass="entr" presetSubtype="0" fill="hold" grpId="0" nodeType="clickEffect">
+                                  <p:stCondLst>
+                                    <p:cond delay="0"/>
+                                  </p:stCondLst>
+                                  <p:childTnLst>
+                                    <p:set>
+                                      <p:cBhvr>
+                                        <p:cTn id="16" dur="1" fill="hold">
+                                          <p:stCondLst>
+                                            <p:cond delay="0"/>
+                                          </p:stCondLst>
+                                        </p:cTn>
+                                        <p:tgtEl>
+                                          <p:spTgt spid="3">
+                                            <p:txEl>
+                                              <p:pRg st="3" end="3"/>
+                                            </p:txEl>
+                                          </p:spTgt>
+                                        </p:tgtEl>
+                                        <p:attrNameLst>
+                                          <p:attrName>style.visibility</p:attrName>
+                                        </p:attrNameLst>
+                                      </p:cBhvr>
+                                      <p:to>
+                                        <p:strVal val="visible"/>
+                                      </p:to>
+                                    </p:set>
+                                  </p:childTnLst>
+                                </p:cTn>
+                              </p:par>
+                              <p:par>
+                                <p:cTn id="17" presetID="1" presetClass="entr" presetSubtype="0" fill="hold" grpId="0" nodeType="withEffect">
+                                  <p:stCondLst>
+                                    <p:cond delay="0"/>
+                                  </p:stCondLst>
+                                  <p:childTnLst>
+                                    <p:set>
+                                      <p:cBhvr>
+                                        <p:cTn id="18" dur="1" fill="hold">
+                                          <p:stCondLst>
+                                            <p:cond delay="0"/>
+                                          </p:stCondLst>
+                                        </p:cTn>
+                                        <p:tgtEl>
+                                          <p:spTgt spid="3">
+                                            <p:txEl>
+                                              <p:pRg st="4" end="4"/>
+                                            </p:txEl>
+                                          </p:spTgt>
+                                        </p:tgtEl>
+                                        <p:attrNameLst>
+                                          <p:attrName>style.visibility</p:attrName>
+                                        </p:attrNameLst>
+                                      </p:cBhvr>
+                                      <p:to>
+                                        <p:strVal val="visible"/>
+                                      </p:to>
+                                    </p:set>
+                                  </p:childTnLst>
+                                </p:cTn>
+                              </p:par>
+                            </p:childTnLst>
+                          </p:cTn>
+                        </p:par>
+                      </p:childTnLst>
+                    </p:cTn>
+                  </p:par>
+                </p:childTnLst>
+              </p:cTn>
+              <p:prevCondLst>
+                <p:cond evt="onPrev" delay="0">
+                  <p:tgtEl>
+                    <p:sldTgt/>
+                  </p:tgtEl>
+                </p:cond>
+              </p:prevCondLst>
+              <p:nextCondLst>
+                <p:cond evt="onNext" delay="0">
+                  <p:tgtEl>
+                    <p:sldTgt/>
+                  </p:tgtEl>
+                </p:cond>
+              </p:nextCondLst>
+            </p:seq>
+          </p:childTnLst>
+        </p:cTn>
+      </p:par>
+    </p:tnLst>
+    <p:bldLst>
+      <p:bldP spid="2" grpId="0"/>
+      <p:bldP spid="3" grpId="0" uiExpand="1" build="p"/>
     </p:bldLst>
   </p:timing>
 </p:sld>
@@ -3673,16 +4462,20 @@
             <p:ph type="title"/>
           </p:nvPr>
         </p:nvSpPr>
-        <p:spPr/>
+        <p:spPr>
+          <a:xfrm>
+            <a:off x="914400" y="44624"/>
+            <a:ext cx="7315200" cy="1154097"/>
+          </a:xfrm>
+        </p:spPr>
         <p:txBody>
           <a:bodyPr/>
           <a:lstStyle/>
           <a:p>
             <a:r>
-              <a:rPr lang="de-DE" dirty="0" smtClean="0"/>
-              <a:t>Giftige Stoffe im Handy…</a:t>
-            </a:r>
-            <a:endParaRPr lang="de-DE" dirty="0"/>
+              <a:rPr lang="de-DE" dirty="0"/>
+              <a:t>Recycling der Kunststoffe</a:t>
+            </a:r>
           </a:p>
         </p:txBody>
       </p:sp>
@@ -3696,7 +4489,12 @@
             <p:ph idx="1"/>
           </p:nvPr>
         </p:nvSpPr>
-        <p:spPr/>
+        <p:spPr>
+          <a:xfrm>
+            <a:off x="914400" y="1268760"/>
+            <a:ext cx="7315200" cy="3539527"/>
+          </a:xfrm>
+        </p:spPr>
         <p:txBody>
           <a:bodyPr>
             <a:normAutofit/>
@@ -3704,53 +4502,39 @@
           <a:lstStyle/>
           <a:p>
             <a:r>
-              <a:rPr lang="de-DE" dirty="0" smtClean="0"/>
-              <a:t>Brom </a:t>
-            </a:r>
-          </a:p>
-          <a:p>
-            <a:r>
-              <a:rPr lang="de-DE" dirty="0" smtClean="0"/>
-              <a:t>Chrom </a:t>
-            </a:r>
-          </a:p>
-          <a:p>
-            <a:r>
-              <a:rPr lang="de-DE" dirty="0" smtClean="0"/>
-              <a:t>Akkus</a:t>
+              <a:rPr lang="de-DE" sz="2800" dirty="0"/>
+              <a:t>4 % der Kunststoffabfälle kommen aus der Elektronikindustrie</a:t>
+            </a:r>
+          </a:p>
+          <a:p>
+            <a:r>
+              <a:rPr lang="de-DE" sz="2800" dirty="0"/>
+              <a:t>Verwertung</a:t>
             </a:r>
           </a:p>
           <a:p>
             <a:pPr lvl="1"/>
             <a:r>
-              <a:rPr lang="de-DE" dirty="0" smtClean="0"/>
-              <a:t>Cadmium</a:t>
+              <a:rPr lang="de-DE" sz="2800" dirty="0"/>
+              <a:t>Energetische Verwertung</a:t>
             </a:r>
           </a:p>
           <a:p>
             <a:pPr lvl="1"/>
             <a:r>
-              <a:rPr lang="de-DE" dirty="0" smtClean="0"/>
-              <a:t>Quecksilber</a:t>
-            </a:r>
-          </a:p>
-          <a:p>
-            <a:pPr lvl="1"/>
-            <a:r>
-              <a:rPr lang="de-DE" dirty="0" smtClean="0"/>
-              <a:t>Blei </a:t>
-            </a:r>
-          </a:p>
-          <a:p>
-            <a:pPr lvl="1"/>
-            <a:endParaRPr lang="de-DE" dirty="0" smtClean="0"/>
+              <a:rPr lang="de-DE" sz="2800" dirty="0"/>
+              <a:t>Rohstoffliche (Chemische) Verwertung</a:t>
+            </a:r>
+          </a:p>
+          <a:p>
+            <a:endParaRPr lang="de-DE" sz="2800" dirty="0"/>
           </a:p>
         </p:txBody>
       </p:sp>
     </p:spTree>
     <p:extLst>
       <p:ext uri="{BB962C8B-B14F-4D97-AF65-F5344CB8AC3E}">
-        <p14:creationId xmlns:p14="http://schemas.microsoft.com/office/powerpoint/2010/main" val="515835595"/>
+        <p14:creationId xmlns:p14="http://schemas.microsoft.com/office/powerpoint/2010/main" val="2246608700"/>
       </p:ext>
     </p:extLst>
   </p:cSld>
@@ -3769,9 +4553,6 @@
                     <p:cTn id="3" fill="hold">
                       <p:stCondLst>
                         <p:cond delay="indefinite"/>
-                        <p:cond evt="onBegin" delay="0">
-                          <p:tn val="2"/>
-                        </p:cond>
                       </p:stCondLst>
                       <p:childTnLst>
                         <p:par>
@@ -3781,7 +4562,7 @@
                             </p:stCondLst>
                             <p:childTnLst>
                               <p:par>
-                                <p:cTn id="5" presetID="1" presetClass="entr" presetSubtype="0" fill="hold" grpId="0" nodeType="withEffect">
+                                <p:cTn id="5" presetID="1" presetClass="entr" presetSubtype="0" fill="hold" grpId="0" nodeType="clickEffect">
                                   <p:stCondLst>
                                     <p:cond delay="0"/>
                                   </p:stCondLst>
@@ -3905,33 +4686,15 @@
                                   </p:childTnLst>
                                 </p:cTn>
                               </p:par>
-                            </p:childTnLst>
-                          </p:cTn>
-                        </p:par>
-                      </p:childTnLst>
-                    </p:cTn>
-                  </p:par>
-                  <p:par>
-                    <p:cTn id="15" fill="hold">
-                      <p:stCondLst>
-                        <p:cond delay="indefinite"/>
-                      </p:stCondLst>
-                      <p:childTnLst>
-                        <p:par>
-                          <p:cTn id="16" fill="hold">
-                            <p:stCondLst>
-                              <p:cond delay="0"/>
-                            </p:stCondLst>
-                            <p:childTnLst>
                               <p:par>
-                                <p:cTn id="17" presetID="1" presetClass="entr" presetSubtype="0" fill="hold" grpId="0" nodeType="clickEffect">
+                                <p:cTn id="15" presetID="1" presetClass="entr" presetSubtype="0" fill="hold" grpId="0" nodeType="withEffect">
                                   <p:stCondLst>
                                     <p:cond delay="0"/>
                                   </p:stCondLst>
                                   <p:childTnLst>
                                     <p:set>
                                       <p:cBhvr>
-                                        <p:cTn id="18" dur="1" fill="hold">
+                                        <p:cTn id="16" dur="1" fill="hold">
                                           <p:stCondLst>
                                             <p:cond delay="0"/>
                                           </p:stCondLst>
@@ -3955,14 +4718,14 @@
                                 </p:cTn>
                               </p:par>
                               <p:par>
-                                <p:cTn id="19" presetID="1" presetClass="entr" presetSubtype="0" fill="hold" grpId="0" nodeType="withEffect">
+                                <p:cTn id="17" presetID="1" presetClass="entr" presetSubtype="0" fill="hold" grpId="0" nodeType="withEffect">
                                   <p:stCondLst>
                                     <p:cond delay="0"/>
                                   </p:stCondLst>
                                   <p:childTnLst>
                                     <p:set>
                                       <p:cBhvr>
-                                        <p:cTn id="20" dur="1" fill="hold">
+                                        <p:cTn id="18" dur="1" fill="hold">
                                           <p:stCondLst>
                                             <p:cond delay="0"/>
                                           </p:stCondLst>
@@ -3971,68 +4734,6 @@
                                           <p:spTgt spid="3">
                                             <p:txEl>
                                               <p:pRg st="3" end="3"/>
-                                            </p:txEl>
-                                          </p:spTgt>
-                                        </p:tgtEl>
-                                        <p:attrNameLst>
-                                          <p:attrName>style.visibility</p:attrName>
-                                        </p:attrNameLst>
-                                      </p:cBhvr>
-                                      <p:to>
-                                        <p:strVal val="visible"/>
-                                      </p:to>
-                                    </p:set>
-                                  </p:childTnLst>
-                                </p:cTn>
-                              </p:par>
-                              <p:par>
-                                <p:cTn id="21" presetID="1" presetClass="entr" presetSubtype="0" fill="hold" grpId="0" nodeType="withEffect">
-                                  <p:stCondLst>
-                                    <p:cond delay="0"/>
-                                  </p:stCondLst>
-                                  <p:childTnLst>
-                                    <p:set>
-                                      <p:cBhvr>
-                                        <p:cTn id="22" dur="1" fill="hold">
-                                          <p:stCondLst>
-                                            <p:cond delay="0"/>
-                                          </p:stCondLst>
-                                        </p:cTn>
-                                        <p:tgtEl>
-                                          <p:spTgt spid="3">
-                                            <p:txEl>
-                                              <p:pRg st="4" end="4"/>
-                                            </p:txEl>
-                                          </p:spTgt>
-                                        </p:tgtEl>
-                                        <p:attrNameLst>
-                                          <p:attrName>style.visibility</p:attrName>
-                                        </p:attrNameLst>
-                                      </p:cBhvr>
-                                      <p:to>
-                                        <p:strVal val="visible"/>
-                                      </p:to>
-                                    </p:set>
-                                  </p:childTnLst>
-                                </p:cTn>
-                              </p:par>
-                              <p:par>
-                                <p:cTn id="23" presetID="1" presetClass="entr" presetSubtype="0" fill="hold" grpId="0" nodeType="withEffect">
-                                  <p:stCondLst>
-                                    <p:cond delay="0"/>
-                                  </p:stCondLst>
-                                  <p:childTnLst>
-                                    <p:set>
-                                      <p:cBhvr>
-                                        <p:cTn id="24" dur="1" fill="hold">
-                                          <p:stCondLst>
-                                            <p:cond delay="0"/>
-                                          </p:stCondLst>
-                                        </p:cTn>
-                                        <p:tgtEl>
-                                          <p:spTgt spid="3">
-                                            <p:txEl>
-                                              <p:pRg st="5" end="5"/>
                                             </p:txEl>
                                           </p:spTgt>
                                         </p:tgtEl>
@@ -4109,16 +4810,20 @@
             <p:ph type="title"/>
           </p:nvPr>
         </p:nvSpPr>
-        <p:spPr/>
+        <p:spPr>
+          <a:xfrm>
+            <a:off x="914400" y="44624"/>
+            <a:ext cx="7315200" cy="1154097"/>
+          </a:xfrm>
+        </p:spPr>
         <p:txBody>
           <a:bodyPr/>
           <a:lstStyle/>
           <a:p>
             <a:r>
-              <a:rPr lang="de-DE" dirty="0" smtClean="0"/>
-              <a:t>…und ihre Auswirkungen</a:t>
-            </a:r>
-            <a:endParaRPr lang="de-DE" dirty="0"/>
+              <a:rPr lang="de-DE" dirty="0"/>
+              <a:t>Energetische Verwertung</a:t>
+            </a:r>
           </a:p>
         </p:txBody>
       </p:sp>
@@ -4132,44 +4837,4656 @@
             <p:ph idx="1"/>
           </p:nvPr>
         </p:nvSpPr>
-        <p:spPr/>
+        <p:spPr>
+          <a:xfrm>
+            <a:off x="914400" y="1340768"/>
+            <a:ext cx="7315200" cy="3539527"/>
+          </a:xfrm>
+        </p:spPr>
+        <p:txBody>
+          <a:bodyPr>
+            <a:normAutofit/>
+          </a:bodyPr>
+          <a:lstStyle/>
+          <a:p>
+            <a:r>
+              <a:rPr lang="de-DE" sz="2800" dirty="0"/>
+              <a:t>Verbrennung von Kunststoffen mit hohem Heizwert (zum Heizen)</a:t>
+            </a:r>
+          </a:p>
+          <a:p>
+            <a:r>
+              <a:rPr lang="de-DE" sz="2800" dirty="0"/>
+              <a:t>Meist aus ökonomischen Gründen</a:t>
+            </a:r>
+          </a:p>
+          <a:p>
+            <a:endParaRPr lang="de-DE" sz="2800" dirty="0"/>
+          </a:p>
+        </p:txBody>
+      </p:sp>
+    </p:spTree>
+    <p:extLst>
+      <p:ext uri="{BB962C8B-B14F-4D97-AF65-F5344CB8AC3E}">
+        <p14:creationId xmlns:p14="http://schemas.microsoft.com/office/powerpoint/2010/main" val="1206407563"/>
+      </p:ext>
+    </p:extLst>
+  </p:cSld>
+  <p:clrMapOvr>
+    <a:masterClrMapping/>
+  </p:clrMapOvr>
+  <p:timing>
+    <p:tnLst>
+      <p:par>
+        <p:cTn id="1" dur="indefinite" restart="never" nodeType="tmRoot">
+          <p:childTnLst>
+            <p:seq concurrent="1" nextAc="seek">
+              <p:cTn id="2" dur="indefinite" nodeType="mainSeq">
+                <p:childTnLst>
+                  <p:par>
+                    <p:cTn id="3" fill="hold">
+                      <p:stCondLst>
+                        <p:cond delay="indefinite"/>
+                      </p:stCondLst>
+                      <p:childTnLst>
+                        <p:par>
+                          <p:cTn id="4" fill="hold">
+                            <p:stCondLst>
+                              <p:cond delay="0"/>
+                            </p:stCondLst>
+                            <p:childTnLst>
+                              <p:par>
+                                <p:cTn id="5" presetID="1" presetClass="entr" presetSubtype="0" fill="hold" grpId="0" nodeType="clickEffect">
+                                  <p:stCondLst>
+                                    <p:cond delay="0"/>
+                                  </p:stCondLst>
+                                  <p:childTnLst>
+                                    <p:set>
+                                      <p:cBhvr>
+                                        <p:cTn id="6" dur="1" fill="hold">
+                                          <p:stCondLst>
+                                            <p:cond delay="0"/>
+                                          </p:stCondLst>
+                                        </p:cTn>
+                                        <p:tgtEl>
+                                          <p:spTgt spid="2"/>
+                                        </p:tgtEl>
+                                        <p:attrNameLst>
+                                          <p:attrName>style.visibility</p:attrName>
+                                        </p:attrNameLst>
+                                      </p:cBhvr>
+                                      <p:to>
+                                        <p:strVal val="visible"/>
+                                      </p:to>
+                                    </p:set>
+                                  </p:childTnLst>
+                                </p:cTn>
+                              </p:par>
+                            </p:childTnLst>
+                          </p:cTn>
+                        </p:par>
+                      </p:childTnLst>
+                    </p:cTn>
+                  </p:par>
+                  <p:par>
+                    <p:cTn id="7" fill="hold">
+                      <p:stCondLst>
+                        <p:cond delay="indefinite"/>
+                      </p:stCondLst>
+                      <p:childTnLst>
+                        <p:par>
+                          <p:cTn id="8" fill="hold">
+                            <p:stCondLst>
+                              <p:cond delay="0"/>
+                            </p:stCondLst>
+                            <p:childTnLst>
+                              <p:par>
+                                <p:cTn id="9" presetID="1" presetClass="entr" presetSubtype="0" fill="hold" grpId="0" nodeType="clickEffect">
+                                  <p:stCondLst>
+                                    <p:cond delay="0"/>
+                                  </p:stCondLst>
+                                  <p:childTnLst>
+                                    <p:set>
+                                      <p:cBhvr>
+                                        <p:cTn id="10" dur="1" fill="hold">
+                                          <p:stCondLst>
+                                            <p:cond delay="0"/>
+                                          </p:stCondLst>
+                                        </p:cTn>
+                                        <p:tgtEl>
+                                          <p:spTgt spid="3">
+                                            <p:txEl>
+                                              <p:pRg st="0" end="0"/>
+                                            </p:txEl>
+                                          </p:spTgt>
+                                        </p:tgtEl>
+                                        <p:attrNameLst>
+                                          <p:attrName>style.visibility</p:attrName>
+                                        </p:attrNameLst>
+                                      </p:cBhvr>
+                                      <p:to>
+                                        <p:strVal val="visible"/>
+                                      </p:to>
+                                    </p:set>
+                                  </p:childTnLst>
+                                </p:cTn>
+                              </p:par>
+                              <p:par>
+                                <p:cTn id="11" presetID="1" presetClass="entr" presetSubtype="0" fill="hold" grpId="0" nodeType="withEffect">
+                                  <p:stCondLst>
+                                    <p:cond delay="0"/>
+                                  </p:stCondLst>
+                                  <p:childTnLst>
+                                    <p:set>
+                                      <p:cBhvr>
+                                        <p:cTn id="12" dur="1" fill="hold">
+                                          <p:stCondLst>
+                                            <p:cond delay="0"/>
+                                          </p:stCondLst>
+                                        </p:cTn>
+                                        <p:tgtEl>
+                                          <p:spTgt spid="3">
+                                            <p:txEl>
+                                              <p:pRg st="1" end="1"/>
+                                            </p:txEl>
+                                          </p:spTgt>
+                                        </p:tgtEl>
+                                        <p:attrNameLst>
+                                          <p:attrName>style.visibility</p:attrName>
+                                        </p:attrNameLst>
+                                      </p:cBhvr>
+                                      <p:to>
+                                        <p:strVal val="visible"/>
+                                      </p:to>
+                                    </p:set>
+                                  </p:childTnLst>
+                                </p:cTn>
+                              </p:par>
+                            </p:childTnLst>
+                          </p:cTn>
+                        </p:par>
+                      </p:childTnLst>
+                    </p:cTn>
+                  </p:par>
+                </p:childTnLst>
+              </p:cTn>
+              <p:prevCondLst>
+                <p:cond evt="onPrev" delay="0">
+                  <p:tgtEl>
+                    <p:sldTgt/>
+                  </p:tgtEl>
+                </p:cond>
+              </p:prevCondLst>
+              <p:nextCondLst>
+                <p:cond evt="onNext" delay="0">
+                  <p:tgtEl>
+                    <p:sldTgt/>
+                  </p:tgtEl>
+                </p:cond>
+              </p:nextCondLst>
+            </p:seq>
+          </p:childTnLst>
+        </p:cTn>
+      </p:par>
+    </p:tnLst>
+    <p:bldLst>
+      <p:bldP spid="2" grpId="0"/>
+      <p:bldP spid="3" grpId="0" uiExpand="1" build="p"/>
+    </p:bldLst>
+  </p:timing>
+</p:sld>
+</file>
+
+<file path=ppt/slides/slide15.xml><?xml version="1.0" encoding="utf-8"?>
+<p:sld xmlns:a="http://schemas.openxmlformats.org/drawingml/2006/main" xmlns:r="http://schemas.openxmlformats.org/officeDocument/2006/relationships" xmlns:p="http://schemas.openxmlformats.org/presentationml/2006/main">
+  <p:cSld>
+    <p:spTree>
+      <p:nvGrpSpPr>
+        <p:cNvPr id="1" name=""/>
+        <p:cNvGrpSpPr/>
+        <p:nvPr/>
+      </p:nvGrpSpPr>
+      <p:grpSpPr>
+        <a:xfrm>
+          <a:off x="0" y="0"/>
+          <a:ext cx="0" cy="0"/>
+          <a:chOff x="0" y="0"/>
+          <a:chExt cx="0" cy="0"/>
+        </a:xfrm>
+      </p:grpSpPr>
+      <p:sp>
+        <p:nvSpPr>
+          <p:cNvPr id="2" name="Titel 1"/>
+          <p:cNvSpPr>
+            <a:spLocks noGrp="1"/>
+          </p:cNvSpPr>
+          <p:nvPr>
+            <p:ph type="title"/>
+          </p:nvPr>
+        </p:nvSpPr>
+        <p:spPr>
+          <a:xfrm>
+            <a:off x="914400" y="548680"/>
+            <a:ext cx="7315200" cy="1154097"/>
+          </a:xfrm>
+        </p:spPr>
+        <p:txBody>
+          <a:bodyPr>
+            <a:noAutofit/>
+          </a:bodyPr>
+          <a:lstStyle/>
+          <a:p>
+            <a:r>
+              <a:rPr lang="de-DE" sz="3600" dirty="0" smtClean="0"/>
+              <a:t>Rohstoffliche (Chemische) Verwertung</a:t>
+            </a:r>
+            <a:endParaRPr lang="de-DE" sz="3600" dirty="0"/>
+          </a:p>
+        </p:txBody>
+      </p:sp>
+      <p:sp>
+        <p:nvSpPr>
+          <p:cNvPr id="3" name="Inhaltsplatzhalter 2"/>
+          <p:cNvSpPr>
+            <a:spLocks noGrp="1"/>
+          </p:cNvSpPr>
+          <p:nvPr>
+            <p:ph idx="1"/>
+          </p:nvPr>
+        </p:nvSpPr>
+        <p:spPr>
+          <a:xfrm>
+            <a:off x="914400" y="1844824"/>
+            <a:ext cx="7315200" cy="3539527"/>
+          </a:xfrm>
+        </p:spPr>
+        <p:txBody>
+          <a:bodyPr>
+            <a:normAutofit/>
+          </a:bodyPr>
+          <a:lstStyle/>
+          <a:p>
+            <a:r>
+              <a:rPr lang="de-DE" sz="2400" dirty="0" smtClean="0"/>
+              <a:t>Hydrierung </a:t>
+            </a:r>
+            <a:r>
+              <a:rPr lang="de-DE" sz="2400" dirty="0" smtClean="0">
+                <a:sym typeface="Wingdings" panose="05000000000000000000" pitchFamily="2" charset="2"/>
+              </a:rPr>
+              <a:t> erdölähnliches Rohprodukt entsteht</a:t>
+            </a:r>
+            <a:endParaRPr lang="de-DE" sz="2400" dirty="0" smtClean="0"/>
+          </a:p>
+          <a:p>
+            <a:r>
+              <a:rPr lang="de-DE" sz="2400" dirty="0" smtClean="0"/>
+              <a:t>Hydrolyse </a:t>
+            </a:r>
+            <a:r>
+              <a:rPr lang="de-DE" sz="2400" dirty="0" smtClean="0">
+                <a:sym typeface="Wingdings" panose="05000000000000000000" pitchFamily="2" charset="2"/>
+              </a:rPr>
+              <a:t> Aufspaltung in alle Stoffe/Reinigung von Kunststoffen</a:t>
+            </a:r>
+            <a:endParaRPr lang="de-DE" sz="2400" dirty="0" smtClean="0"/>
+          </a:p>
+          <a:p>
+            <a:r>
+              <a:rPr lang="de-DE" sz="2400" dirty="0" smtClean="0"/>
+              <a:t>Pyrolyse </a:t>
+            </a:r>
+            <a:r>
+              <a:rPr lang="de-DE" sz="2400" dirty="0" smtClean="0">
+                <a:sym typeface="Wingdings" panose="05000000000000000000" pitchFamily="2" charset="2"/>
+              </a:rPr>
+              <a:t> Umwandlung in </a:t>
+            </a:r>
+            <a:r>
+              <a:rPr lang="de-DE" sz="2400" dirty="0" err="1" smtClean="0">
+                <a:sym typeface="Wingdings" panose="05000000000000000000" pitchFamily="2" charset="2"/>
+              </a:rPr>
+              <a:t>Methanöl</a:t>
+            </a:r>
+            <a:r>
+              <a:rPr lang="de-DE" sz="2400" dirty="0" smtClean="0">
+                <a:sym typeface="Wingdings" panose="05000000000000000000" pitchFamily="2" charset="2"/>
+              </a:rPr>
+              <a:t>; besonders Umweltfreundlich</a:t>
+            </a:r>
+            <a:endParaRPr lang="de-DE" sz="2400" dirty="0"/>
+          </a:p>
+        </p:txBody>
+      </p:sp>
+    </p:spTree>
+    <p:extLst>
+      <p:ext uri="{BB962C8B-B14F-4D97-AF65-F5344CB8AC3E}">
+        <p14:creationId xmlns:p14="http://schemas.microsoft.com/office/powerpoint/2010/main" val="3402749247"/>
+      </p:ext>
+    </p:extLst>
+  </p:cSld>
+  <p:clrMapOvr>
+    <a:masterClrMapping/>
+  </p:clrMapOvr>
+  <p:timing>
+    <p:tnLst>
+      <p:par>
+        <p:cTn id="1" dur="indefinite" restart="never" nodeType="tmRoot">
+          <p:childTnLst>
+            <p:seq concurrent="1" nextAc="seek">
+              <p:cTn id="2" dur="indefinite" nodeType="mainSeq">
+                <p:childTnLst>
+                  <p:par>
+                    <p:cTn id="3" fill="hold">
+                      <p:stCondLst>
+                        <p:cond delay="indefinite"/>
+                      </p:stCondLst>
+                      <p:childTnLst>
+                        <p:par>
+                          <p:cTn id="4" fill="hold">
+                            <p:stCondLst>
+                              <p:cond delay="0"/>
+                            </p:stCondLst>
+                            <p:childTnLst>
+                              <p:par>
+                                <p:cTn id="5" presetID="1" presetClass="entr" presetSubtype="0" fill="hold" grpId="0" nodeType="clickEffect">
+                                  <p:stCondLst>
+                                    <p:cond delay="0"/>
+                                  </p:stCondLst>
+                                  <p:childTnLst>
+                                    <p:set>
+                                      <p:cBhvr>
+                                        <p:cTn id="6" dur="1" fill="hold">
+                                          <p:stCondLst>
+                                            <p:cond delay="0"/>
+                                          </p:stCondLst>
+                                        </p:cTn>
+                                        <p:tgtEl>
+                                          <p:spTgt spid="2"/>
+                                        </p:tgtEl>
+                                        <p:attrNameLst>
+                                          <p:attrName>style.visibility</p:attrName>
+                                        </p:attrNameLst>
+                                      </p:cBhvr>
+                                      <p:to>
+                                        <p:strVal val="visible"/>
+                                      </p:to>
+                                    </p:set>
+                                  </p:childTnLst>
+                                </p:cTn>
+                              </p:par>
+                            </p:childTnLst>
+                          </p:cTn>
+                        </p:par>
+                      </p:childTnLst>
+                    </p:cTn>
+                  </p:par>
+                  <p:par>
+                    <p:cTn id="7" fill="hold">
+                      <p:stCondLst>
+                        <p:cond delay="indefinite"/>
+                      </p:stCondLst>
+                      <p:childTnLst>
+                        <p:par>
+                          <p:cTn id="8" fill="hold">
+                            <p:stCondLst>
+                              <p:cond delay="0"/>
+                            </p:stCondLst>
+                            <p:childTnLst>
+                              <p:par>
+                                <p:cTn id="9" presetID="1" presetClass="entr" presetSubtype="0" fill="hold" grpId="0" nodeType="clickEffect">
+                                  <p:stCondLst>
+                                    <p:cond delay="0"/>
+                                  </p:stCondLst>
+                                  <p:childTnLst>
+                                    <p:set>
+                                      <p:cBhvr>
+                                        <p:cTn id="10" dur="1" fill="hold">
+                                          <p:stCondLst>
+                                            <p:cond delay="0"/>
+                                          </p:stCondLst>
+                                        </p:cTn>
+                                        <p:tgtEl>
+                                          <p:spTgt spid="3">
+                                            <p:txEl>
+                                              <p:pRg st="0" end="0"/>
+                                            </p:txEl>
+                                          </p:spTgt>
+                                        </p:tgtEl>
+                                        <p:attrNameLst>
+                                          <p:attrName>style.visibility</p:attrName>
+                                        </p:attrNameLst>
+                                      </p:cBhvr>
+                                      <p:to>
+                                        <p:strVal val="visible"/>
+                                      </p:to>
+                                    </p:set>
+                                  </p:childTnLst>
+                                </p:cTn>
+                              </p:par>
+                              <p:par>
+                                <p:cTn id="11" presetID="1" presetClass="entr" presetSubtype="0" fill="hold" grpId="0" nodeType="withEffect">
+                                  <p:stCondLst>
+                                    <p:cond delay="0"/>
+                                  </p:stCondLst>
+                                  <p:childTnLst>
+                                    <p:set>
+                                      <p:cBhvr>
+                                        <p:cTn id="12" dur="1" fill="hold">
+                                          <p:stCondLst>
+                                            <p:cond delay="0"/>
+                                          </p:stCondLst>
+                                        </p:cTn>
+                                        <p:tgtEl>
+                                          <p:spTgt spid="3">
+                                            <p:txEl>
+                                              <p:pRg st="1" end="1"/>
+                                            </p:txEl>
+                                          </p:spTgt>
+                                        </p:tgtEl>
+                                        <p:attrNameLst>
+                                          <p:attrName>style.visibility</p:attrName>
+                                        </p:attrNameLst>
+                                      </p:cBhvr>
+                                      <p:to>
+                                        <p:strVal val="visible"/>
+                                      </p:to>
+                                    </p:set>
+                                  </p:childTnLst>
+                                </p:cTn>
+                              </p:par>
+                              <p:par>
+                                <p:cTn id="13" presetID="1" presetClass="entr" presetSubtype="0" fill="hold" grpId="0" nodeType="withEffect">
+                                  <p:stCondLst>
+                                    <p:cond delay="0"/>
+                                  </p:stCondLst>
+                                  <p:childTnLst>
+                                    <p:set>
+                                      <p:cBhvr>
+                                        <p:cTn id="14" dur="1" fill="hold">
+                                          <p:stCondLst>
+                                            <p:cond delay="0"/>
+                                          </p:stCondLst>
+                                        </p:cTn>
+                                        <p:tgtEl>
+                                          <p:spTgt spid="3">
+                                            <p:txEl>
+                                              <p:pRg st="2" end="2"/>
+                                            </p:txEl>
+                                          </p:spTgt>
+                                        </p:tgtEl>
+                                        <p:attrNameLst>
+                                          <p:attrName>style.visibility</p:attrName>
+                                        </p:attrNameLst>
+                                      </p:cBhvr>
+                                      <p:to>
+                                        <p:strVal val="visible"/>
+                                      </p:to>
+                                    </p:set>
+                                  </p:childTnLst>
+                                </p:cTn>
+                              </p:par>
+                            </p:childTnLst>
+                          </p:cTn>
+                        </p:par>
+                      </p:childTnLst>
+                    </p:cTn>
+                  </p:par>
+                </p:childTnLst>
+              </p:cTn>
+              <p:prevCondLst>
+                <p:cond evt="onPrev" delay="0">
+                  <p:tgtEl>
+                    <p:sldTgt/>
+                  </p:tgtEl>
+                </p:cond>
+              </p:prevCondLst>
+              <p:nextCondLst>
+                <p:cond evt="onNext" delay="0">
+                  <p:tgtEl>
+                    <p:sldTgt/>
+                  </p:tgtEl>
+                </p:cond>
+              </p:nextCondLst>
+            </p:seq>
+          </p:childTnLst>
+        </p:cTn>
+      </p:par>
+    </p:tnLst>
+    <p:bldLst>
+      <p:bldP spid="2" grpId="0"/>
+      <p:bldP spid="3" grpId="0" uiExpand="1" build="p"/>
+    </p:bldLst>
+  </p:timing>
+</p:sld>
+</file>
+
+<file path=ppt/slides/slide16.xml><?xml version="1.0" encoding="utf-8"?>
+<p:sld xmlns:a="http://schemas.openxmlformats.org/drawingml/2006/main" xmlns:r="http://schemas.openxmlformats.org/officeDocument/2006/relationships" xmlns:p="http://schemas.openxmlformats.org/presentationml/2006/main">
+  <p:cSld>
+    <p:spTree>
+      <p:nvGrpSpPr>
+        <p:cNvPr id="1" name=""/>
+        <p:cNvGrpSpPr/>
+        <p:nvPr/>
+      </p:nvGrpSpPr>
+      <p:grpSpPr>
+        <a:xfrm>
+          <a:off x="0" y="0"/>
+          <a:ext cx="0" cy="0"/>
+          <a:chOff x="0" y="0"/>
+          <a:chExt cx="0" cy="0"/>
+        </a:xfrm>
+      </p:grpSpPr>
+      <p:sp>
+        <p:nvSpPr>
+          <p:cNvPr id="2" name="Titel 1"/>
+          <p:cNvSpPr>
+            <a:spLocks noGrp="1"/>
+          </p:cNvSpPr>
+          <p:nvPr>
+            <p:ph type="title"/>
+          </p:nvPr>
+        </p:nvSpPr>
+        <p:spPr>
+          <a:xfrm>
+            <a:off x="914400" y="42655"/>
+            <a:ext cx="7315200" cy="1154097"/>
+          </a:xfrm>
+        </p:spPr>
         <p:txBody>
           <a:bodyPr/>
           <a:lstStyle/>
           <a:p>
             <a:r>
               <a:rPr lang="de-DE" dirty="0" smtClean="0"/>
+              <a:t>Recycling von Altmetallen</a:t>
+            </a:r>
+            <a:endParaRPr lang="de-DE" dirty="0"/>
+          </a:p>
+        </p:txBody>
+      </p:sp>
+      <p:sp>
+        <p:nvSpPr>
+          <p:cNvPr id="3" name="Inhaltsplatzhalter 2"/>
+          <p:cNvSpPr>
+            <a:spLocks noGrp="1"/>
+          </p:cNvSpPr>
+          <p:nvPr>
+            <p:ph idx="1"/>
+          </p:nvPr>
+        </p:nvSpPr>
+        <p:spPr>
+          <a:xfrm>
+            <a:off x="914400" y="1185617"/>
+            <a:ext cx="7315200" cy="3539527"/>
+          </a:xfrm>
+        </p:spPr>
+        <p:txBody>
+          <a:bodyPr>
+            <a:normAutofit/>
+          </a:bodyPr>
+          <a:lstStyle/>
+          <a:p>
+            <a:r>
+              <a:rPr lang="de-DE" sz="3200" dirty="0" smtClean="0"/>
+              <a:t>Einschmelzen</a:t>
+            </a:r>
+          </a:p>
+          <a:p>
+            <a:r>
+              <a:rPr lang="de-DE" sz="3200" dirty="0" smtClean="0"/>
+              <a:t>Wiederverwendung</a:t>
+            </a:r>
+            <a:endParaRPr lang="de-DE" sz="3200" dirty="0"/>
+          </a:p>
+        </p:txBody>
+      </p:sp>
+    </p:spTree>
+    <p:extLst>
+      <p:ext uri="{BB962C8B-B14F-4D97-AF65-F5344CB8AC3E}">
+        <p14:creationId xmlns:p14="http://schemas.microsoft.com/office/powerpoint/2010/main" val="1178668031"/>
+      </p:ext>
+    </p:extLst>
+  </p:cSld>
+  <p:clrMapOvr>
+    <a:masterClrMapping/>
+  </p:clrMapOvr>
+  <p:timing>
+    <p:tnLst>
+      <p:par>
+        <p:cTn id="1" dur="indefinite" restart="never" nodeType="tmRoot">
+          <p:childTnLst>
+            <p:seq concurrent="1" nextAc="seek">
+              <p:cTn id="2" dur="indefinite" nodeType="mainSeq">
+                <p:childTnLst>
+                  <p:par>
+                    <p:cTn id="3" fill="hold">
+                      <p:stCondLst>
+                        <p:cond delay="indefinite"/>
+                      </p:stCondLst>
+                      <p:childTnLst>
+                        <p:par>
+                          <p:cTn id="4" fill="hold">
+                            <p:stCondLst>
+                              <p:cond delay="0"/>
+                            </p:stCondLst>
+                            <p:childTnLst>
+                              <p:par>
+                                <p:cTn id="5" presetID="1" presetClass="entr" presetSubtype="0" fill="hold" grpId="0" nodeType="clickEffect">
+                                  <p:stCondLst>
+                                    <p:cond delay="0"/>
+                                  </p:stCondLst>
+                                  <p:childTnLst>
+                                    <p:set>
+                                      <p:cBhvr>
+                                        <p:cTn id="6" dur="1" fill="hold">
+                                          <p:stCondLst>
+                                            <p:cond delay="0"/>
+                                          </p:stCondLst>
+                                        </p:cTn>
+                                        <p:tgtEl>
+                                          <p:spTgt spid="3">
+                                            <p:txEl>
+                                              <p:pRg st="0" end="0"/>
+                                            </p:txEl>
+                                          </p:spTgt>
+                                        </p:tgtEl>
+                                        <p:attrNameLst>
+                                          <p:attrName>style.visibility</p:attrName>
+                                        </p:attrNameLst>
+                                      </p:cBhvr>
+                                      <p:to>
+                                        <p:strVal val="visible"/>
+                                      </p:to>
+                                    </p:set>
+                                  </p:childTnLst>
+                                </p:cTn>
+                              </p:par>
+                            </p:childTnLst>
+                          </p:cTn>
+                        </p:par>
+                      </p:childTnLst>
+                    </p:cTn>
+                  </p:par>
+                  <p:par>
+                    <p:cTn id="7" fill="hold">
+                      <p:stCondLst>
+                        <p:cond delay="indefinite"/>
+                      </p:stCondLst>
+                      <p:childTnLst>
+                        <p:par>
+                          <p:cTn id="8" fill="hold">
+                            <p:stCondLst>
+                              <p:cond delay="0"/>
+                            </p:stCondLst>
+                            <p:childTnLst>
+                              <p:par>
+                                <p:cTn id="9" presetID="1" presetClass="entr" presetSubtype="0" fill="hold" grpId="0" nodeType="clickEffect">
+                                  <p:stCondLst>
+                                    <p:cond delay="0"/>
+                                  </p:stCondLst>
+                                  <p:childTnLst>
+                                    <p:set>
+                                      <p:cBhvr>
+                                        <p:cTn id="10" dur="1" fill="hold">
+                                          <p:stCondLst>
+                                            <p:cond delay="0"/>
+                                          </p:stCondLst>
+                                        </p:cTn>
+                                        <p:tgtEl>
+                                          <p:spTgt spid="3">
+                                            <p:txEl>
+                                              <p:pRg st="1" end="1"/>
+                                            </p:txEl>
+                                          </p:spTgt>
+                                        </p:tgtEl>
+                                        <p:attrNameLst>
+                                          <p:attrName>style.visibility</p:attrName>
+                                        </p:attrNameLst>
+                                      </p:cBhvr>
+                                      <p:to>
+                                        <p:strVal val="visible"/>
+                                      </p:to>
+                                    </p:set>
+                                  </p:childTnLst>
+                                </p:cTn>
+                              </p:par>
+                            </p:childTnLst>
+                          </p:cTn>
+                        </p:par>
+                      </p:childTnLst>
+                    </p:cTn>
+                  </p:par>
+                </p:childTnLst>
+              </p:cTn>
+              <p:prevCondLst>
+                <p:cond evt="onPrev" delay="0">
+                  <p:tgtEl>
+                    <p:sldTgt/>
+                  </p:tgtEl>
+                </p:cond>
+              </p:prevCondLst>
+              <p:nextCondLst>
+                <p:cond evt="onNext" delay="0">
+                  <p:tgtEl>
+                    <p:sldTgt/>
+                  </p:tgtEl>
+                </p:cond>
+              </p:nextCondLst>
+            </p:seq>
+          </p:childTnLst>
+        </p:cTn>
+      </p:par>
+    </p:tnLst>
+    <p:bldLst>
+      <p:bldP spid="3" grpId="0" build="p"/>
+    </p:bldLst>
+  </p:timing>
+</p:sld>
+</file>
+
+<file path=ppt/slides/slide17.xml><?xml version="1.0" encoding="utf-8"?>
+<p:sld xmlns:a="http://schemas.openxmlformats.org/drawingml/2006/main" xmlns:r="http://schemas.openxmlformats.org/officeDocument/2006/relationships" xmlns:p="http://schemas.openxmlformats.org/presentationml/2006/main">
+  <p:cSld>
+    <p:spTree>
+      <p:nvGrpSpPr>
+        <p:cNvPr id="1" name=""/>
+        <p:cNvGrpSpPr/>
+        <p:nvPr/>
+      </p:nvGrpSpPr>
+      <p:grpSpPr>
+        <a:xfrm>
+          <a:off x="0" y="0"/>
+          <a:ext cx="0" cy="0"/>
+          <a:chOff x="0" y="0"/>
+          <a:chExt cx="0" cy="0"/>
+        </a:xfrm>
+      </p:grpSpPr>
+      <p:sp>
+        <p:nvSpPr>
+          <p:cNvPr id="2" name="Titel 1"/>
+          <p:cNvSpPr>
+            <a:spLocks noGrp="1"/>
+          </p:cNvSpPr>
+          <p:nvPr>
+            <p:ph type="ctrTitle"/>
+          </p:nvPr>
+        </p:nvSpPr>
+        <p:spPr/>
+        <p:txBody>
+          <a:bodyPr/>
+          <a:lstStyle/>
+          <a:p>
+            <a:r>
+              <a:rPr lang="de-DE" dirty="0" smtClean="0"/>
+              <a:t>Alternative Nutzung der Handys</a:t>
+            </a:r>
+            <a:endParaRPr lang="de-DE" dirty="0"/>
+          </a:p>
+        </p:txBody>
+      </p:sp>
+      <p:sp>
+        <p:nvSpPr>
+          <p:cNvPr id="3" name="Untertitel 2"/>
+          <p:cNvSpPr>
+            <a:spLocks noGrp="1"/>
+          </p:cNvSpPr>
+          <p:nvPr>
+            <p:ph type="subTitle" idx="1"/>
+          </p:nvPr>
+        </p:nvSpPr>
+        <p:spPr/>
+        <p:txBody>
+          <a:bodyPr/>
+          <a:lstStyle/>
+          <a:p>
+            <a:endParaRPr lang="de-DE"/>
+          </a:p>
+        </p:txBody>
+      </p:sp>
+      <p:sp>
+        <p:nvSpPr>
+          <p:cNvPr id="4" name="Titel 1"/>
+          <p:cNvSpPr txBox="1">
+            <a:spLocks/>
+          </p:cNvSpPr>
+          <p:nvPr/>
+        </p:nvSpPr>
+        <p:spPr>
+          <a:xfrm>
+            <a:off x="2555776" y="404664"/>
+            <a:ext cx="3960440" cy="794825"/>
+          </a:xfrm>
+          <a:prstGeom prst="rect">
+            <a:avLst/>
+          </a:prstGeom>
+        </p:spPr>
+        <p:txBody>
+          <a:bodyPr vert="horz" lIns="91440" tIns="45720" rIns="91440" bIns="45720" rtlCol="0" anchor="b">
+            <a:noAutofit/>
+          </a:bodyPr>
+          <a:lstStyle>
+            <a:lvl1pPr algn="l" defTabSz="914400" rtl="0" eaLnBrk="1" latinLnBrk="0" hangingPunct="1">
+              <a:spcBef>
+                <a:spcPct val="0"/>
+              </a:spcBef>
+              <a:buNone/>
+              <a:defRPr sz="4800" kern="1200">
+                <a:solidFill>
+                  <a:schemeClr val="tx2"/>
+                </a:solidFill>
+                <a:latin typeface="+mj-lt"/>
+                <a:ea typeface="+mj-ea"/>
+                <a:cs typeface="+mj-cs"/>
+              </a:defRPr>
+            </a:lvl1pPr>
+            <a:lvl2pPr eaLnBrk="1" hangingPunct="1">
+              <a:defRPr>
+                <a:solidFill>
+                  <a:schemeClr val="tx2"/>
+                </a:solidFill>
+              </a:defRPr>
+            </a:lvl2pPr>
+            <a:lvl3pPr eaLnBrk="1" hangingPunct="1">
+              <a:defRPr>
+                <a:solidFill>
+                  <a:schemeClr val="tx2"/>
+                </a:solidFill>
+              </a:defRPr>
+            </a:lvl3pPr>
+            <a:lvl4pPr eaLnBrk="1" hangingPunct="1">
+              <a:defRPr>
+                <a:solidFill>
+                  <a:schemeClr val="tx2"/>
+                </a:solidFill>
+              </a:defRPr>
+            </a:lvl4pPr>
+            <a:lvl5pPr eaLnBrk="1" hangingPunct="1">
+              <a:defRPr>
+                <a:solidFill>
+                  <a:schemeClr val="tx2"/>
+                </a:solidFill>
+              </a:defRPr>
+            </a:lvl5pPr>
+            <a:lvl6pPr eaLnBrk="1" hangingPunct="1">
+              <a:defRPr>
+                <a:solidFill>
+                  <a:schemeClr val="tx2"/>
+                </a:solidFill>
+              </a:defRPr>
+            </a:lvl6pPr>
+            <a:lvl7pPr eaLnBrk="1" hangingPunct="1">
+              <a:defRPr>
+                <a:solidFill>
+                  <a:schemeClr val="tx2"/>
+                </a:solidFill>
+              </a:defRPr>
+            </a:lvl7pPr>
+            <a:lvl8pPr eaLnBrk="1" hangingPunct="1">
+              <a:defRPr>
+                <a:solidFill>
+                  <a:schemeClr val="tx2"/>
+                </a:solidFill>
+              </a:defRPr>
+            </a:lvl8pPr>
+            <a:lvl9pPr eaLnBrk="1" hangingPunct="1">
+              <a:defRPr>
+                <a:solidFill>
+                  <a:schemeClr val="tx2"/>
+                </a:solidFill>
+              </a:defRPr>
+            </a:lvl9pPr>
+          </a:lstStyle>
+          <a:p>
+            <a:r>
+              <a:rPr lang="de-DE" sz="5400" dirty="0" smtClean="0"/>
+              <a:t>RECYCLEN</a:t>
+            </a:r>
+            <a:endParaRPr lang="de-DE" sz="5400" dirty="0"/>
+          </a:p>
+        </p:txBody>
+      </p:sp>
+    </p:spTree>
+    <p:extLst>
+      <p:ext uri="{BB962C8B-B14F-4D97-AF65-F5344CB8AC3E}">
+        <p14:creationId xmlns:p14="http://schemas.microsoft.com/office/powerpoint/2010/main" val="167915551"/>
+      </p:ext>
+    </p:extLst>
+  </p:cSld>
+  <p:clrMapOvr>
+    <a:masterClrMapping/>
+  </p:clrMapOvr>
+  <p:timing>
+    <p:tnLst>
+      <p:par>
+        <p:cTn id="1" dur="indefinite" restart="never" nodeType="tmRoot">
+          <p:childTnLst>
+            <p:seq concurrent="1" nextAc="seek">
+              <p:cTn id="2" dur="indefinite" nodeType="mainSeq">
+                <p:childTnLst>
+                  <p:par>
+                    <p:cTn id="3" fill="hold">
+                      <p:stCondLst>
+                        <p:cond delay="indefinite"/>
+                      </p:stCondLst>
+                      <p:childTnLst>
+                        <p:par>
+                          <p:cTn id="4" fill="hold">
+                            <p:stCondLst>
+                              <p:cond delay="0"/>
+                            </p:stCondLst>
+                            <p:childTnLst>
+                              <p:par>
+                                <p:cTn id="5" presetID="1" presetClass="entr" presetSubtype="0" fill="hold" grpId="0" nodeType="clickEffect">
+                                  <p:stCondLst>
+                                    <p:cond delay="0"/>
+                                  </p:stCondLst>
+                                  <p:childTnLst>
+                                    <p:set>
+                                      <p:cBhvr>
+                                        <p:cTn id="6" dur="1" fill="hold">
+                                          <p:stCondLst>
+                                            <p:cond delay="0"/>
+                                          </p:stCondLst>
+                                        </p:cTn>
+                                        <p:tgtEl>
+                                          <p:spTgt spid="2"/>
+                                        </p:tgtEl>
+                                        <p:attrNameLst>
+                                          <p:attrName>style.visibility</p:attrName>
+                                        </p:attrNameLst>
+                                      </p:cBhvr>
+                                      <p:to>
+                                        <p:strVal val="visible"/>
+                                      </p:to>
+                                    </p:set>
+                                  </p:childTnLst>
+                                </p:cTn>
+                              </p:par>
+                            </p:childTnLst>
+                          </p:cTn>
+                        </p:par>
+                      </p:childTnLst>
+                    </p:cTn>
+                  </p:par>
+                </p:childTnLst>
+              </p:cTn>
+              <p:prevCondLst>
+                <p:cond evt="onPrev" delay="0">
+                  <p:tgtEl>
+                    <p:sldTgt/>
+                  </p:tgtEl>
+                </p:cond>
+              </p:prevCondLst>
+              <p:nextCondLst>
+                <p:cond evt="onNext" delay="0">
+                  <p:tgtEl>
+                    <p:sldTgt/>
+                  </p:tgtEl>
+                </p:cond>
+              </p:nextCondLst>
+            </p:seq>
+          </p:childTnLst>
+        </p:cTn>
+      </p:par>
+    </p:tnLst>
+    <p:bldLst>
+      <p:bldP spid="2" grpId="0"/>
+    </p:bldLst>
+  </p:timing>
+</p:sld>
+</file>
+
+<file path=ppt/slides/slide18.xml><?xml version="1.0" encoding="utf-8"?>
+<p:sld xmlns:a="http://schemas.openxmlformats.org/drawingml/2006/main" xmlns:r="http://schemas.openxmlformats.org/officeDocument/2006/relationships" xmlns:p="http://schemas.openxmlformats.org/presentationml/2006/main">
+  <p:cSld>
+    <p:spTree>
+      <p:nvGrpSpPr>
+        <p:cNvPr id="1" name=""/>
+        <p:cNvGrpSpPr/>
+        <p:nvPr/>
+      </p:nvGrpSpPr>
+      <p:grpSpPr>
+        <a:xfrm>
+          <a:off x="0" y="0"/>
+          <a:ext cx="0" cy="0"/>
+          <a:chOff x="0" y="0"/>
+          <a:chExt cx="0" cy="0"/>
+        </a:xfrm>
+      </p:grpSpPr>
+      <p:sp>
+        <p:nvSpPr>
+          <p:cNvPr id="2" name="Titel 1"/>
+          <p:cNvSpPr>
+            <a:spLocks noGrp="1"/>
+          </p:cNvSpPr>
+          <p:nvPr>
+            <p:ph type="ctrTitle"/>
+          </p:nvPr>
+        </p:nvSpPr>
+        <p:spPr>
+          <a:xfrm>
+            <a:off x="899592" y="-678193"/>
+            <a:ext cx="7315200" cy="2595025"/>
+          </a:xfrm>
+        </p:spPr>
+        <p:txBody>
+          <a:bodyPr/>
+          <a:lstStyle/>
+          <a:p>
+            <a:r>
+              <a:rPr lang="de-DE" dirty="0" smtClean="0"/>
+              <a:t>Unsere Lösung:</a:t>
+            </a:r>
+            <a:br>
+              <a:rPr lang="de-DE" dirty="0" smtClean="0"/>
+            </a:br>
+            <a:r>
+              <a:rPr lang="de-DE" dirty="0" smtClean="0"/>
+              <a:t>Projekt </a:t>
+            </a:r>
+            <a:r>
+              <a:rPr lang="de-DE" dirty="0" err="1"/>
+              <a:t>TeamPhonePC</a:t>
+            </a:r>
+            <a:endParaRPr lang="de-DE" dirty="0"/>
+          </a:p>
+        </p:txBody>
+      </p:sp>
+      <p:sp>
+        <p:nvSpPr>
+          <p:cNvPr id="3" name="Untertitel 2"/>
+          <p:cNvSpPr>
+            <a:spLocks noGrp="1"/>
+          </p:cNvSpPr>
+          <p:nvPr>
+            <p:ph type="subTitle" idx="1"/>
+          </p:nvPr>
+        </p:nvSpPr>
+        <p:spPr/>
+        <p:txBody>
+          <a:bodyPr/>
+          <a:lstStyle/>
+          <a:p>
+            <a:endParaRPr lang="de-DE" dirty="0"/>
+          </a:p>
+        </p:txBody>
+      </p:sp>
+    </p:spTree>
+    <p:extLst>
+      <p:ext uri="{BB962C8B-B14F-4D97-AF65-F5344CB8AC3E}">
+        <p14:creationId xmlns:p14="http://schemas.microsoft.com/office/powerpoint/2010/main" val="3839536056"/>
+      </p:ext>
+    </p:extLst>
+  </p:cSld>
+  <p:clrMapOvr>
+    <a:masterClrMapping/>
+  </p:clrMapOvr>
+  <p:timing>
+    <p:tnLst>
+      <p:par>
+        <p:cTn id="1" dur="indefinite" restart="never" nodeType="tmRoot"/>
+      </p:par>
+    </p:tnLst>
+  </p:timing>
+</p:sld>
+</file>
+
+<file path=ppt/slides/slide19.xml><?xml version="1.0" encoding="utf-8"?>
+<p:sld xmlns:a="http://schemas.openxmlformats.org/drawingml/2006/main" xmlns:r="http://schemas.openxmlformats.org/officeDocument/2006/relationships" xmlns:p="http://schemas.openxmlformats.org/presentationml/2006/main">
+  <p:cSld>
+    <p:spTree>
+      <p:nvGrpSpPr>
+        <p:cNvPr id="1" name=""/>
+        <p:cNvGrpSpPr/>
+        <p:nvPr/>
+      </p:nvGrpSpPr>
+      <p:grpSpPr>
+        <a:xfrm>
+          <a:off x="0" y="0"/>
+          <a:ext cx="0" cy="0"/>
+          <a:chOff x="0" y="0"/>
+          <a:chExt cx="0" cy="0"/>
+        </a:xfrm>
+      </p:grpSpPr>
+      <p:sp>
+        <p:nvSpPr>
+          <p:cNvPr id="2" name="Titel 1"/>
+          <p:cNvSpPr>
+            <a:spLocks noGrp="1"/>
+          </p:cNvSpPr>
+          <p:nvPr>
+            <p:ph type="title"/>
+          </p:nvPr>
+        </p:nvSpPr>
+        <p:spPr>
+          <a:xfrm>
+            <a:off x="914400" y="42655"/>
+            <a:ext cx="7315200" cy="1154097"/>
+          </a:xfrm>
+        </p:spPr>
+        <p:txBody>
+          <a:bodyPr>
+            <a:normAutofit/>
+          </a:bodyPr>
+          <a:lstStyle/>
+          <a:p>
+            <a:r>
+              <a:rPr lang="de-DE" dirty="0" smtClean="0"/>
+              <a:t>Was ist die Idee?</a:t>
+            </a:r>
+            <a:endParaRPr lang="de-DE" dirty="0"/>
+          </a:p>
+        </p:txBody>
+      </p:sp>
+      <p:sp>
+        <p:nvSpPr>
+          <p:cNvPr id="3" name="Inhaltsplatzhalter 2"/>
+          <p:cNvSpPr>
+            <a:spLocks noGrp="1"/>
+          </p:cNvSpPr>
+          <p:nvPr>
+            <p:ph idx="1"/>
+          </p:nvPr>
+        </p:nvSpPr>
+        <p:spPr>
+          <a:xfrm>
+            <a:off x="914400" y="1185617"/>
+            <a:ext cx="7315200" cy="3539527"/>
+          </a:xfrm>
+        </p:spPr>
+        <p:txBody>
+          <a:bodyPr>
+            <a:normAutofit/>
+          </a:bodyPr>
+          <a:lstStyle/>
+          <a:p>
+            <a:r>
+              <a:rPr lang="de-DE" sz="2800" dirty="0" smtClean="0"/>
+              <a:t>Programm </a:t>
+            </a:r>
+            <a:r>
+              <a:rPr lang="de-DE" sz="2800" dirty="0"/>
+              <a:t>auf PC</a:t>
+            </a:r>
+          </a:p>
+          <a:p>
+            <a:r>
+              <a:rPr lang="de-DE" sz="2800" dirty="0"/>
+              <a:t>Smartphone anschließen (normales Handyladekabel)</a:t>
+            </a:r>
+          </a:p>
+          <a:p>
+            <a:r>
+              <a:rPr lang="de-DE" sz="2800" dirty="0"/>
+              <a:t>PC starten</a:t>
+            </a:r>
+          </a:p>
+          <a:p>
+            <a:r>
+              <a:rPr lang="de-DE" sz="2800" dirty="0"/>
+              <a:t>Auf Verbindung warten</a:t>
+            </a:r>
+          </a:p>
+          <a:p>
+            <a:r>
+              <a:rPr lang="de-DE" sz="2800" dirty="0" smtClean="0"/>
+              <a:t>Handyprozessor mitnutzen</a:t>
+            </a:r>
+            <a:endParaRPr lang="de-DE" sz="2800" dirty="0"/>
+          </a:p>
+          <a:p>
+            <a:endParaRPr lang="de-DE" sz="2800" dirty="0" smtClean="0"/>
+          </a:p>
+          <a:p>
+            <a:pPr marL="457200" lvl="1" indent="0">
+              <a:buNone/>
+            </a:pPr>
+            <a:endParaRPr lang="de-DE" sz="2400" dirty="0" smtClean="0"/>
+          </a:p>
+        </p:txBody>
+      </p:sp>
+    </p:spTree>
+    <p:extLst>
+      <p:ext uri="{BB962C8B-B14F-4D97-AF65-F5344CB8AC3E}">
+        <p14:creationId xmlns:p14="http://schemas.microsoft.com/office/powerpoint/2010/main" val="1256861537"/>
+      </p:ext>
+    </p:extLst>
+  </p:cSld>
+  <p:clrMapOvr>
+    <a:masterClrMapping/>
+  </p:clrMapOvr>
+  <p:timing>
+    <p:tnLst>
+      <p:par>
+        <p:cTn id="1" dur="indefinite" restart="never" nodeType="tmRoot">
+          <p:childTnLst>
+            <p:seq concurrent="1" nextAc="seek">
+              <p:cTn id="2" dur="indefinite" nodeType="mainSeq">
+                <p:childTnLst>
+                  <p:par>
+                    <p:cTn id="3" fill="hold">
+                      <p:stCondLst>
+                        <p:cond delay="indefinite"/>
+                      </p:stCondLst>
+                      <p:childTnLst>
+                        <p:par>
+                          <p:cTn id="4" fill="hold">
+                            <p:stCondLst>
+                              <p:cond delay="0"/>
+                            </p:stCondLst>
+                            <p:childTnLst>
+                              <p:par>
+                                <p:cTn id="5" presetID="1" presetClass="entr" presetSubtype="0" fill="hold" grpId="0" nodeType="clickEffect">
+                                  <p:stCondLst>
+                                    <p:cond delay="0"/>
+                                  </p:stCondLst>
+                                  <p:childTnLst>
+                                    <p:set>
+                                      <p:cBhvr>
+                                        <p:cTn id="6" dur="1" fill="hold">
+                                          <p:stCondLst>
+                                            <p:cond delay="0"/>
+                                          </p:stCondLst>
+                                        </p:cTn>
+                                        <p:tgtEl>
+                                          <p:spTgt spid="2"/>
+                                        </p:tgtEl>
+                                        <p:attrNameLst>
+                                          <p:attrName>style.visibility</p:attrName>
+                                        </p:attrNameLst>
+                                      </p:cBhvr>
+                                      <p:to>
+                                        <p:strVal val="visible"/>
+                                      </p:to>
+                                    </p:set>
+                                  </p:childTnLst>
+                                </p:cTn>
+                              </p:par>
+                            </p:childTnLst>
+                          </p:cTn>
+                        </p:par>
+                      </p:childTnLst>
+                    </p:cTn>
+                  </p:par>
+                  <p:par>
+                    <p:cTn id="7" fill="hold">
+                      <p:stCondLst>
+                        <p:cond delay="indefinite"/>
+                      </p:stCondLst>
+                      <p:childTnLst>
+                        <p:par>
+                          <p:cTn id="8" fill="hold">
+                            <p:stCondLst>
+                              <p:cond delay="0"/>
+                            </p:stCondLst>
+                            <p:childTnLst>
+                              <p:par>
+                                <p:cTn id="9" presetID="1" presetClass="entr" presetSubtype="0" fill="hold" grpId="0" nodeType="clickEffect">
+                                  <p:stCondLst>
+                                    <p:cond delay="0"/>
+                                  </p:stCondLst>
+                                  <p:childTnLst>
+                                    <p:set>
+                                      <p:cBhvr>
+                                        <p:cTn id="10" dur="1" fill="hold">
+                                          <p:stCondLst>
+                                            <p:cond delay="0"/>
+                                          </p:stCondLst>
+                                        </p:cTn>
+                                        <p:tgtEl>
+                                          <p:spTgt spid="3">
+                                            <p:txEl>
+                                              <p:pRg st="0" end="0"/>
+                                            </p:txEl>
+                                          </p:spTgt>
+                                        </p:tgtEl>
+                                        <p:attrNameLst>
+                                          <p:attrName>style.visibility</p:attrName>
+                                        </p:attrNameLst>
+                                      </p:cBhvr>
+                                      <p:to>
+                                        <p:strVal val="visible"/>
+                                      </p:to>
+                                    </p:set>
+                                  </p:childTnLst>
+                                </p:cTn>
+                              </p:par>
+                              <p:par>
+                                <p:cTn id="11" presetID="1" presetClass="entr" presetSubtype="0" fill="hold" grpId="0" nodeType="withEffect">
+                                  <p:stCondLst>
+                                    <p:cond delay="0"/>
+                                  </p:stCondLst>
+                                  <p:childTnLst>
+                                    <p:set>
+                                      <p:cBhvr>
+                                        <p:cTn id="12" dur="1" fill="hold">
+                                          <p:stCondLst>
+                                            <p:cond delay="0"/>
+                                          </p:stCondLst>
+                                        </p:cTn>
+                                        <p:tgtEl>
+                                          <p:spTgt spid="3">
+                                            <p:txEl>
+                                              <p:pRg st="1" end="1"/>
+                                            </p:txEl>
+                                          </p:spTgt>
+                                        </p:tgtEl>
+                                        <p:attrNameLst>
+                                          <p:attrName>style.visibility</p:attrName>
+                                        </p:attrNameLst>
+                                      </p:cBhvr>
+                                      <p:to>
+                                        <p:strVal val="visible"/>
+                                      </p:to>
+                                    </p:set>
+                                  </p:childTnLst>
+                                </p:cTn>
+                              </p:par>
+                              <p:par>
+                                <p:cTn id="13" presetID="1" presetClass="entr" presetSubtype="0" fill="hold" grpId="0" nodeType="withEffect">
+                                  <p:stCondLst>
+                                    <p:cond delay="0"/>
+                                  </p:stCondLst>
+                                  <p:childTnLst>
+                                    <p:set>
+                                      <p:cBhvr>
+                                        <p:cTn id="14" dur="1" fill="hold">
+                                          <p:stCondLst>
+                                            <p:cond delay="0"/>
+                                          </p:stCondLst>
+                                        </p:cTn>
+                                        <p:tgtEl>
+                                          <p:spTgt spid="3">
+                                            <p:txEl>
+                                              <p:pRg st="2" end="2"/>
+                                            </p:txEl>
+                                          </p:spTgt>
+                                        </p:tgtEl>
+                                        <p:attrNameLst>
+                                          <p:attrName>style.visibility</p:attrName>
+                                        </p:attrNameLst>
+                                      </p:cBhvr>
+                                      <p:to>
+                                        <p:strVal val="visible"/>
+                                      </p:to>
+                                    </p:set>
+                                  </p:childTnLst>
+                                </p:cTn>
+                              </p:par>
+                              <p:par>
+                                <p:cTn id="15" presetID="1" presetClass="entr" presetSubtype="0" fill="hold" grpId="0" nodeType="withEffect">
+                                  <p:stCondLst>
+                                    <p:cond delay="0"/>
+                                  </p:stCondLst>
+                                  <p:childTnLst>
+                                    <p:set>
+                                      <p:cBhvr>
+                                        <p:cTn id="16" dur="1" fill="hold">
+                                          <p:stCondLst>
+                                            <p:cond delay="0"/>
+                                          </p:stCondLst>
+                                        </p:cTn>
+                                        <p:tgtEl>
+                                          <p:spTgt spid="3">
+                                            <p:txEl>
+                                              <p:pRg st="3" end="3"/>
+                                            </p:txEl>
+                                          </p:spTgt>
+                                        </p:tgtEl>
+                                        <p:attrNameLst>
+                                          <p:attrName>style.visibility</p:attrName>
+                                        </p:attrNameLst>
+                                      </p:cBhvr>
+                                      <p:to>
+                                        <p:strVal val="visible"/>
+                                      </p:to>
+                                    </p:set>
+                                  </p:childTnLst>
+                                </p:cTn>
+                              </p:par>
+                              <p:par>
+                                <p:cTn id="17" presetID="1" presetClass="entr" presetSubtype="0" fill="hold" grpId="0" nodeType="withEffect">
+                                  <p:stCondLst>
+                                    <p:cond delay="0"/>
+                                  </p:stCondLst>
+                                  <p:childTnLst>
+                                    <p:set>
+                                      <p:cBhvr>
+                                        <p:cTn id="18" dur="1" fill="hold">
+                                          <p:stCondLst>
+                                            <p:cond delay="0"/>
+                                          </p:stCondLst>
+                                        </p:cTn>
+                                        <p:tgtEl>
+                                          <p:spTgt spid="3">
+                                            <p:txEl>
+                                              <p:pRg st="4" end="4"/>
+                                            </p:txEl>
+                                          </p:spTgt>
+                                        </p:tgtEl>
+                                        <p:attrNameLst>
+                                          <p:attrName>style.visibility</p:attrName>
+                                        </p:attrNameLst>
+                                      </p:cBhvr>
+                                      <p:to>
+                                        <p:strVal val="visible"/>
+                                      </p:to>
+                                    </p:set>
+                                  </p:childTnLst>
+                                </p:cTn>
+                              </p:par>
+                            </p:childTnLst>
+                          </p:cTn>
+                        </p:par>
+                      </p:childTnLst>
+                    </p:cTn>
+                  </p:par>
+                </p:childTnLst>
+              </p:cTn>
+              <p:prevCondLst>
+                <p:cond evt="onPrev" delay="0">
+                  <p:tgtEl>
+                    <p:sldTgt/>
+                  </p:tgtEl>
+                </p:cond>
+              </p:prevCondLst>
+              <p:nextCondLst>
+                <p:cond evt="onNext" delay="0">
+                  <p:tgtEl>
+                    <p:sldTgt/>
+                  </p:tgtEl>
+                </p:cond>
+              </p:nextCondLst>
+            </p:seq>
+          </p:childTnLst>
+        </p:cTn>
+      </p:par>
+    </p:tnLst>
+    <p:bldLst>
+      <p:bldP spid="2" grpId="0"/>
+      <p:bldP spid="3" grpId="0" uiExpand="1" build="p"/>
+    </p:bldLst>
+  </p:timing>
+</p:sld>
+</file>
+
+<file path=ppt/slides/slide2.xml><?xml version="1.0" encoding="utf-8"?>
+<p:sld xmlns:a="http://schemas.openxmlformats.org/drawingml/2006/main" xmlns:r="http://schemas.openxmlformats.org/officeDocument/2006/relationships" xmlns:p="http://schemas.openxmlformats.org/presentationml/2006/main">
+  <p:cSld>
+    <p:spTree>
+      <p:nvGrpSpPr>
+        <p:cNvPr id="1" name=""/>
+        <p:cNvGrpSpPr/>
+        <p:nvPr/>
+      </p:nvGrpSpPr>
+      <p:grpSpPr>
+        <a:xfrm>
+          <a:off x="0" y="0"/>
+          <a:ext cx="0" cy="0"/>
+          <a:chOff x="0" y="0"/>
+          <a:chExt cx="0" cy="0"/>
+        </a:xfrm>
+      </p:grpSpPr>
+      <p:sp>
+        <p:nvSpPr>
+          <p:cNvPr id="2" name="Titel 1"/>
+          <p:cNvSpPr>
+            <a:spLocks noGrp="1"/>
+          </p:cNvSpPr>
+          <p:nvPr>
+            <p:ph type="title"/>
+          </p:nvPr>
+        </p:nvSpPr>
+        <p:spPr>
+          <a:xfrm>
+            <a:off x="899592" y="1556792"/>
+            <a:ext cx="7315200" cy="1154097"/>
+          </a:xfrm>
+        </p:spPr>
+        <p:txBody>
+          <a:bodyPr>
+            <a:normAutofit fontScale="90000"/>
+          </a:bodyPr>
+          <a:lstStyle/>
+          <a:p>
+            <a:r>
+              <a:rPr lang="de-DE" dirty="0" smtClean="0"/>
+              <a:t>Problem:</a:t>
+            </a:r>
+            <a:br>
+              <a:rPr lang="de-DE" dirty="0" smtClean="0"/>
+            </a:br>
+            <a:r>
+              <a:rPr lang="de-DE" dirty="0" smtClean="0"/>
+              <a:t>105 Mio. gebrauchte und nicht mehr genutzte Handys</a:t>
+            </a:r>
+            <a:endParaRPr lang="de-DE" dirty="0"/>
+          </a:p>
+        </p:txBody>
+      </p:sp>
+      <p:sp>
+        <p:nvSpPr>
+          <p:cNvPr id="4" name="Inhaltsplatzhalter 2"/>
+          <p:cNvSpPr txBox="1">
+            <a:spLocks/>
+          </p:cNvSpPr>
+          <p:nvPr/>
+        </p:nvSpPr>
+        <p:spPr>
+          <a:xfrm>
+            <a:off x="914400" y="2769833"/>
+            <a:ext cx="7315200" cy="3539527"/>
+          </a:xfrm>
+          <a:prstGeom prst="rect">
+            <a:avLst/>
+          </a:prstGeom>
+        </p:spPr>
+        <p:txBody>
+          <a:bodyPr/>
+          <a:lstStyle>
+            <a:lvl1pPr marL="228600" indent="-182880" algn="l" defTabSz="914400" rtl="0" eaLnBrk="1" latinLnBrk="0" hangingPunct="1">
+              <a:spcBef>
+                <a:spcPct val="20000"/>
+              </a:spcBef>
+              <a:buClr>
+                <a:schemeClr val="tx2"/>
+              </a:buClr>
+              <a:buFont typeface="Wingdings" charset="2"/>
+              <a:buChar char="§"/>
+              <a:defRPr sz="2000" kern="1200">
+                <a:solidFill>
+                  <a:schemeClr val="tx1"/>
+                </a:solidFill>
+                <a:latin typeface="+mn-lt"/>
+                <a:ea typeface="+mn-ea"/>
+                <a:cs typeface="+mn-cs"/>
+              </a:defRPr>
+            </a:lvl1pPr>
+            <a:lvl2pPr marL="502920" indent="-182880" algn="l" defTabSz="914400" rtl="0" eaLnBrk="1" latinLnBrk="0" hangingPunct="1">
+              <a:spcBef>
+                <a:spcPct val="20000"/>
+              </a:spcBef>
+              <a:buClr>
+                <a:schemeClr val="tx2"/>
+              </a:buClr>
+              <a:buFont typeface="Wingdings" charset="2"/>
+              <a:buChar char="§"/>
+              <a:defRPr sz="1800" kern="1200">
+                <a:solidFill>
+                  <a:schemeClr val="tx1"/>
+                </a:solidFill>
+                <a:latin typeface="+mn-lt"/>
+                <a:ea typeface="+mn-ea"/>
+                <a:cs typeface="+mn-cs"/>
+              </a:defRPr>
+            </a:lvl2pPr>
+            <a:lvl3pPr marL="685800" indent="-182880" algn="l" defTabSz="914400" rtl="0" eaLnBrk="1" latinLnBrk="0" hangingPunct="1">
+              <a:spcBef>
+                <a:spcPct val="20000"/>
+              </a:spcBef>
+              <a:buClr>
+                <a:schemeClr val="tx2"/>
+              </a:buClr>
+              <a:buFont typeface="Wingdings" charset="2"/>
+              <a:buChar char="§"/>
+              <a:defRPr sz="1600" kern="1200">
+                <a:solidFill>
+                  <a:schemeClr val="tx1"/>
+                </a:solidFill>
+                <a:latin typeface="+mn-lt"/>
+                <a:ea typeface="+mn-ea"/>
+                <a:cs typeface="+mn-cs"/>
+              </a:defRPr>
+            </a:lvl3pPr>
+            <a:lvl4pPr marL="914400" indent="-182880" algn="l" defTabSz="914400" rtl="0" eaLnBrk="1" latinLnBrk="0" hangingPunct="1">
+              <a:spcBef>
+                <a:spcPct val="20000"/>
+              </a:spcBef>
+              <a:buClr>
+                <a:schemeClr val="tx2"/>
+              </a:buClr>
+              <a:buFont typeface="Wingdings" charset="2"/>
+              <a:buChar char="§"/>
+              <a:defRPr sz="1400" kern="1200">
+                <a:solidFill>
+                  <a:schemeClr val="tx1"/>
+                </a:solidFill>
+                <a:latin typeface="+mn-lt"/>
+                <a:ea typeface="+mn-ea"/>
+                <a:cs typeface="+mn-cs"/>
+              </a:defRPr>
+            </a:lvl4pPr>
+            <a:lvl5pPr marL="1143000" indent="-182880" algn="l" defTabSz="914400" rtl="0" eaLnBrk="1" latinLnBrk="0" hangingPunct="1">
+              <a:spcBef>
+                <a:spcPct val="20000"/>
+              </a:spcBef>
+              <a:buClr>
+                <a:schemeClr val="tx2"/>
+              </a:buClr>
+              <a:buFont typeface="Wingdings" charset="2"/>
+              <a:buChar char="§"/>
+              <a:defRPr sz="1400" kern="1200">
+                <a:solidFill>
+                  <a:schemeClr val="tx1"/>
+                </a:solidFill>
+                <a:latin typeface="+mn-lt"/>
+                <a:ea typeface="+mn-ea"/>
+                <a:cs typeface="+mn-cs"/>
+              </a:defRPr>
+            </a:lvl5pPr>
+            <a:lvl6pPr marL="1371600" indent="-182880" algn="l" defTabSz="914400" rtl="0" eaLnBrk="1" latinLnBrk="0" hangingPunct="1">
+              <a:spcBef>
+                <a:spcPct val="20000"/>
+              </a:spcBef>
+              <a:buClr>
+                <a:schemeClr val="tx2"/>
+              </a:buClr>
+              <a:buFont typeface="Wingdings" pitchFamily="2" charset="2"/>
+              <a:buChar char="§"/>
+              <a:defRPr sz="1400" kern="1200">
+                <a:solidFill>
+                  <a:schemeClr val="tx1"/>
+                </a:solidFill>
+                <a:latin typeface="+mn-lt"/>
+                <a:ea typeface="+mn-ea"/>
+                <a:cs typeface="+mn-cs"/>
+              </a:defRPr>
+            </a:lvl6pPr>
+            <a:lvl7pPr marL="1600200" indent="-182880" algn="l" defTabSz="914400" rtl="0" eaLnBrk="1" latinLnBrk="0" hangingPunct="1">
+              <a:spcBef>
+                <a:spcPct val="20000"/>
+              </a:spcBef>
+              <a:buClr>
+                <a:schemeClr val="tx2"/>
+              </a:buClr>
+              <a:buFont typeface="Wingdings" pitchFamily="2" charset="2"/>
+              <a:buChar char="§"/>
+              <a:defRPr sz="1400" kern="1200">
+                <a:solidFill>
+                  <a:schemeClr val="tx1"/>
+                </a:solidFill>
+                <a:latin typeface="+mn-lt"/>
+                <a:ea typeface="+mn-ea"/>
+                <a:cs typeface="+mn-cs"/>
+              </a:defRPr>
+            </a:lvl7pPr>
+            <a:lvl8pPr marL="1828800" indent="-182880" algn="l" defTabSz="914400" rtl="0" eaLnBrk="1" latinLnBrk="0" hangingPunct="1">
+              <a:spcBef>
+                <a:spcPct val="20000"/>
+              </a:spcBef>
+              <a:buClr>
+                <a:schemeClr val="tx2"/>
+              </a:buClr>
+              <a:buFont typeface="Wingdings" pitchFamily="2" charset="2"/>
+              <a:buChar char="§"/>
+              <a:defRPr sz="1400" kern="1200">
+                <a:solidFill>
+                  <a:schemeClr val="tx1"/>
+                </a:solidFill>
+                <a:latin typeface="+mn-lt"/>
+                <a:ea typeface="+mn-ea"/>
+                <a:cs typeface="+mn-cs"/>
+              </a:defRPr>
+            </a:lvl8pPr>
+            <a:lvl9pPr marL="2057400" indent="-182880" algn="l" defTabSz="914400" rtl="0" eaLnBrk="1" latinLnBrk="0" hangingPunct="1">
+              <a:spcBef>
+                <a:spcPct val="20000"/>
+              </a:spcBef>
+              <a:buClr>
+                <a:schemeClr val="tx2"/>
+              </a:buClr>
+              <a:buFont typeface="Wingdings" pitchFamily="2" charset="2"/>
+              <a:buChar char="§"/>
+              <a:defRPr sz="1400" kern="1200">
+                <a:solidFill>
+                  <a:schemeClr val="tx1"/>
+                </a:solidFill>
+                <a:latin typeface="+mn-lt"/>
+                <a:ea typeface="+mn-ea"/>
+                <a:cs typeface="+mn-cs"/>
+              </a:defRPr>
+            </a:lvl9pPr>
+          </a:lstStyle>
+          <a:p>
+            <a:pPr marL="45720" indent="0">
+              <a:buNone/>
+            </a:pPr>
+            <a:r>
+              <a:rPr lang="de-DE" sz="2400" dirty="0" smtClean="0"/>
+              <a:t> Lösungsmöglichkeiten: </a:t>
+            </a:r>
+          </a:p>
+          <a:p>
+            <a:r>
+              <a:rPr lang="de-DE" sz="2400" dirty="0" smtClean="0"/>
+              <a:t>Verschrotten</a:t>
+            </a:r>
+            <a:endParaRPr lang="de-DE" sz="2400" i="1" dirty="0" smtClean="0"/>
+          </a:p>
+          <a:p>
+            <a:r>
+              <a:rPr lang="de-DE" sz="2400" dirty="0" err="1" smtClean="0"/>
+              <a:t>Recyclen</a:t>
+            </a:r>
+            <a:endParaRPr lang="de-DE" sz="2400" dirty="0" smtClean="0"/>
+          </a:p>
+          <a:p>
+            <a:pPr lvl="1"/>
+            <a:r>
+              <a:rPr lang="de-DE" sz="2400" dirty="0" smtClean="0"/>
+              <a:t>Ressourcen herausfiltern</a:t>
+            </a:r>
+          </a:p>
+          <a:p>
+            <a:pPr lvl="1"/>
+            <a:r>
+              <a:rPr lang="de-DE" sz="2400" dirty="0" smtClean="0"/>
+              <a:t>Projekt </a:t>
+            </a:r>
+            <a:r>
+              <a:rPr lang="de-DE" sz="2400" dirty="0" err="1" smtClean="0"/>
+              <a:t>TeamPhonePC</a:t>
+            </a:r>
+            <a:endParaRPr lang="de-DE" sz="2400" dirty="0" smtClean="0"/>
+          </a:p>
+        </p:txBody>
+      </p:sp>
+    </p:spTree>
+    <p:extLst>
+      <p:ext uri="{BB962C8B-B14F-4D97-AF65-F5344CB8AC3E}">
+        <p14:creationId xmlns:p14="http://schemas.microsoft.com/office/powerpoint/2010/main" val="73009126"/>
+      </p:ext>
+    </p:extLst>
+  </p:cSld>
+  <p:clrMapOvr>
+    <a:masterClrMapping/>
+  </p:clrMapOvr>
+  <p:timing>
+    <p:tnLst>
+      <p:par>
+        <p:cTn id="1" dur="indefinite" restart="never" nodeType="tmRoot">
+          <p:childTnLst>
+            <p:seq concurrent="1" nextAc="seek">
+              <p:cTn id="2" dur="indefinite" nodeType="mainSeq">
+                <p:childTnLst>
+                  <p:par>
+                    <p:cTn id="3" fill="hold">
+                      <p:stCondLst>
+                        <p:cond delay="indefinite"/>
+                      </p:stCondLst>
+                      <p:childTnLst>
+                        <p:par>
+                          <p:cTn id="4" fill="hold">
+                            <p:stCondLst>
+                              <p:cond delay="0"/>
+                            </p:stCondLst>
+                            <p:childTnLst>
+                              <p:par>
+                                <p:cTn id="5" presetID="1" presetClass="entr" presetSubtype="0" fill="hold" grpId="0" nodeType="clickEffect">
+                                  <p:stCondLst>
+                                    <p:cond delay="0"/>
+                                  </p:stCondLst>
+                                  <p:childTnLst>
+                                    <p:set>
+                                      <p:cBhvr>
+                                        <p:cTn id="6" dur="1" fill="hold">
+                                          <p:stCondLst>
+                                            <p:cond delay="0"/>
+                                          </p:stCondLst>
+                                        </p:cTn>
+                                        <p:tgtEl>
+                                          <p:spTgt spid="2"/>
+                                        </p:tgtEl>
+                                        <p:attrNameLst>
+                                          <p:attrName>style.visibility</p:attrName>
+                                        </p:attrNameLst>
+                                      </p:cBhvr>
+                                      <p:to>
+                                        <p:strVal val="visible"/>
+                                      </p:to>
+                                    </p:set>
+                                  </p:childTnLst>
+                                </p:cTn>
+                              </p:par>
+                            </p:childTnLst>
+                          </p:cTn>
+                        </p:par>
+                      </p:childTnLst>
+                    </p:cTn>
+                  </p:par>
+                  <p:par>
+                    <p:cTn id="7" fill="hold">
+                      <p:stCondLst>
+                        <p:cond delay="indefinite"/>
+                      </p:stCondLst>
+                      <p:childTnLst>
+                        <p:par>
+                          <p:cTn id="8" fill="hold">
+                            <p:stCondLst>
+                              <p:cond delay="0"/>
+                            </p:stCondLst>
+                            <p:childTnLst>
+                              <p:par>
+                                <p:cTn id="9" presetID="1" presetClass="entr" presetSubtype="0" fill="hold" nodeType="clickEffect">
+                                  <p:stCondLst>
+                                    <p:cond delay="0"/>
+                                  </p:stCondLst>
+                                  <p:childTnLst>
+                                    <p:set>
+                                      <p:cBhvr>
+                                        <p:cTn id="10" dur="1" fill="hold">
+                                          <p:stCondLst>
+                                            <p:cond delay="0"/>
+                                          </p:stCondLst>
+                                        </p:cTn>
+                                        <p:tgtEl>
+                                          <p:spTgt spid="4">
+                                            <p:txEl>
+                                              <p:pRg st="0" end="0"/>
+                                            </p:txEl>
+                                          </p:spTgt>
+                                        </p:tgtEl>
+                                        <p:attrNameLst>
+                                          <p:attrName>style.visibility</p:attrName>
+                                        </p:attrNameLst>
+                                      </p:cBhvr>
+                                      <p:to>
+                                        <p:strVal val="visible"/>
+                                      </p:to>
+                                    </p:set>
+                                  </p:childTnLst>
+                                </p:cTn>
+                              </p:par>
+                            </p:childTnLst>
+                          </p:cTn>
+                        </p:par>
+                      </p:childTnLst>
+                    </p:cTn>
+                  </p:par>
+                  <p:par>
+                    <p:cTn id="11" fill="hold">
+                      <p:stCondLst>
+                        <p:cond delay="indefinite"/>
+                      </p:stCondLst>
+                      <p:childTnLst>
+                        <p:par>
+                          <p:cTn id="12" fill="hold">
+                            <p:stCondLst>
+                              <p:cond delay="0"/>
+                            </p:stCondLst>
+                            <p:childTnLst>
+                              <p:par>
+                                <p:cTn id="13" presetID="1" presetClass="entr" presetSubtype="0" fill="hold" nodeType="clickEffect">
+                                  <p:stCondLst>
+                                    <p:cond delay="0"/>
+                                  </p:stCondLst>
+                                  <p:childTnLst>
+                                    <p:set>
+                                      <p:cBhvr>
+                                        <p:cTn id="14" dur="1" fill="hold">
+                                          <p:stCondLst>
+                                            <p:cond delay="0"/>
+                                          </p:stCondLst>
+                                        </p:cTn>
+                                        <p:tgtEl>
+                                          <p:spTgt spid="4">
+                                            <p:txEl>
+                                              <p:pRg st="1" end="1"/>
+                                            </p:txEl>
+                                          </p:spTgt>
+                                        </p:tgtEl>
+                                        <p:attrNameLst>
+                                          <p:attrName>style.visibility</p:attrName>
+                                        </p:attrNameLst>
+                                      </p:cBhvr>
+                                      <p:to>
+                                        <p:strVal val="visible"/>
+                                      </p:to>
+                                    </p:set>
+                                  </p:childTnLst>
+                                </p:cTn>
+                              </p:par>
+                            </p:childTnLst>
+                          </p:cTn>
+                        </p:par>
+                      </p:childTnLst>
+                    </p:cTn>
+                  </p:par>
+                  <p:par>
+                    <p:cTn id="15" fill="hold">
+                      <p:stCondLst>
+                        <p:cond delay="indefinite"/>
+                      </p:stCondLst>
+                      <p:childTnLst>
+                        <p:par>
+                          <p:cTn id="16" fill="hold">
+                            <p:stCondLst>
+                              <p:cond delay="0"/>
+                            </p:stCondLst>
+                            <p:childTnLst>
+                              <p:par>
+                                <p:cTn id="17" presetID="1" presetClass="entr" presetSubtype="0" fill="hold" nodeType="clickEffect">
+                                  <p:stCondLst>
+                                    <p:cond delay="0"/>
+                                  </p:stCondLst>
+                                  <p:childTnLst>
+                                    <p:set>
+                                      <p:cBhvr>
+                                        <p:cTn id="18" dur="1" fill="hold">
+                                          <p:stCondLst>
+                                            <p:cond delay="0"/>
+                                          </p:stCondLst>
+                                        </p:cTn>
+                                        <p:tgtEl>
+                                          <p:spTgt spid="4">
+                                            <p:txEl>
+                                              <p:pRg st="2" end="2"/>
+                                            </p:txEl>
+                                          </p:spTgt>
+                                        </p:tgtEl>
+                                        <p:attrNameLst>
+                                          <p:attrName>style.visibility</p:attrName>
+                                        </p:attrNameLst>
+                                      </p:cBhvr>
+                                      <p:to>
+                                        <p:strVal val="visible"/>
+                                      </p:to>
+                                    </p:set>
+                                  </p:childTnLst>
+                                </p:cTn>
+                              </p:par>
+                            </p:childTnLst>
+                          </p:cTn>
+                        </p:par>
+                      </p:childTnLst>
+                    </p:cTn>
+                  </p:par>
+                  <p:par>
+                    <p:cTn id="19" fill="hold">
+                      <p:stCondLst>
+                        <p:cond delay="indefinite"/>
+                      </p:stCondLst>
+                      <p:childTnLst>
+                        <p:par>
+                          <p:cTn id="20" fill="hold">
+                            <p:stCondLst>
+                              <p:cond delay="0"/>
+                            </p:stCondLst>
+                            <p:childTnLst>
+                              <p:par>
+                                <p:cTn id="21" presetID="1" presetClass="entr" presetSubtype="0" fill="hold" nodeType="clickEffect">
+                                  <p:stCondLst>
+                                    <p:cond delay="0"/>
+                                  </p:stCondLst>
+                                  <p:childTnLst>
+                                    <p:set>
+                                      <p:cBhvr>
+                                        <p:cTn id="22" dur="1" fill="hold">
+                                          <p:stCondLst>
+                                            <p:cond delay="0"/>
+                                          </p:stCondLst>
+                                        </p:cTn>
+                                        <p:tgtEl>
+                                          <p:spTgt spid="4">
+                                            <p:txEl>
+                                              <p:pRg st="3" end="3"/>
+                                            </p:txEl>
+                                          </p:spTgt>
+                                        </p:tgtEl>
+                                        <p:attrNameLst>
+                                          <p:attrName>style.visibility</p:attrName>
+                                        </p:attrNameLst>
+                                      </p:cBhvr>
+                                      <p:to>
+                                        <p:strVal val="visible"/>
+                                      </p:to>
+                                    </p:set>
+                                  </p:childTnLst>
+                                </p:cTn>
+                              </p:par>
+                            </p:childTnLst>
+                          </p:cTn>
+                        </p:par>
+                      </p:childTnLst>
+                    </p:cTn>
+                  </p:par>
+                  <p:par>
+                    <p:cTn id="23" fill="hold">
+                      <p:stCondLst>
+                        <p:cond delay="indefinite"/>
+                      </p:stCondLst>
+                      <p:childTnLst>
+                        <p:par>
+                          <p:cTn id="24" fill="hold">
+                            <p:stCondLst>
+                              <p:cond delay="0"/>
+                            </p:stCondLst>
+                            <p:childTnLst>
+                              <p:par>
+                                <p:cTn id="25" presetID="1" presetClass="entr" presetSubtype="0" fill="hold" nodeType="clickEffect">
+                                  <p:stCondLst>
+                                    <p:cond delay="0"/>
+                                  </p:stCondLst>
+                                  <p:childTnLst>
+                                    <p:set>
+                                      <p:cBhvr>
+                                        <p:cTn id="26" dur="1" fill="hold">
+                                          <p:stCondLst>
+                                            <p:cond delay="0"/>
+                                          </p:stCondLst>
+                                        </p:cTn>
+                                        <p:tgtEl>
+                                          <p:spTgt spid="4">
+                                            <p:txEl>
+                                              <p:pRg st="4" end="4"/>
+                                            </p:txEl>
+                                          </p:spTgt>
+                                        </p:tgtEl>
+                                        <p:attrNameLst>
+                                          <p:attrName>style.visibility</p:attrName>
+                                        </p:attrNameLst>
+                                      </p:cBhvr>
+                                      <p:to>
+                                        <p:strVal val="visible"/>
+                                      </p:to>
+                                    </p:set>
+                                  </p:childTnLst>
+                                </p:cTn>
+                              </p:par>
+                            </p:childTnLst>
+                          </p:cTn>
+                        </p:par>
+                      </p:childTnLst>
+                    </p:cTn>
+                  </p:par>
+                </p:childTnLst>
+              </p:cTn>
+              <p:prevCondLst>
+                <p:cond evt="onPrev" delay="0">
+                  <p:tgtEl>
+                    <p:sldTgt/>
+                  </p:tgtEl>
+                </p:cond>
+              </p:prevCondLst>
+              <p:nextCondLst>
+                <p:cond evt="onNext" delay="0">
+                  <p:tgtEl>
+                    <p:sldTgt/>
+                  </p:tgtEl>
+                </p:cond>
+              </p:nextCondLst>
+            </p:seq>
+          </p:childTnLst>
+        </p:cTn>
+      </p:par>
+    </p:tnLst>
+    <p:bldLst>
+      <p:bldP spid="2" grpId="0"/>
+    </p:bldLst>
+  </p:timing>
+</p:sld>
+</file>
+
+<file path=ppt/slides/slide20.xml><?xml version="1.0" encoding="utf-8"?>
+<p:sld xmlns:a="http://schemas.openxmlformats.org/drawingml/2006/main" xmlns:r="http://schemas.openxmlformats.org/officeDocument/2006/relationships" xmlns:p="http://schemas.openxmlformats.org/presentationml/2006/main">
+  <p:cSld>
+    <p:spTree>
+      <p:nvGrpSpPr>
+        <p:cNvPr id="1" name=""/>
+        <p:cNvGrpSpPr/>
+        <p:nvPr/>
+      </p:nvGrpSpPr>
+      <p:grpSpPr>
+        <a:xfrm>
+          <a:off x="0" y="0"/>
+          <a:ext cx="0" cy="0"/>
+          <a:chOff x="0" y="0"/>
+          <a:chExt cx="0" cy="0"/>
+        </a:xfrm>
+      </p:grpSpPr>
+      <p:sp>
+        <p:nvSpPr>
+          <p:cNvPr id="2" name="Titel 1"/>
+          <p:cNvSpPr>
+            <a:spLocks noGrp="1"/>
+          </p:cNvSpPr>
+          <p:nvPr>
+            <p:ph type="title"/>
+          </p:nvPr>
+        </p:nvSpPr>
+        <p:spPr>
+          <a:xfrm>
+            <a:off x="914400" y="44624"/>
+            <a:ext cx="7315200" cy="1154097"/>
+          </a:xfrm>
+        </p:spPr>
+        <p:txBody>
+          <a:bodyPr>
+            <a:normAutofit/>
+          </a:bodyPr>
+          <a:lstStyle/>
+          <a:p>
+            <a:pPr>
+              <a:tabLst>
+                <a:tab pos="1976438" algn="l"/>
+                <a:tab pos="3048000" algn="l"/>
+              </a:tabLst>
+            </a:pPr>
+            <a:r>
+              <a:rPr lang="de-DE" dirty="0" smtClean="0"/>
+              <a:t>PRO 	und 	CONTRA</a:t>
+            </a:r>
+            <a:endParaRPr lang="de-DE" dirty="0"/>
+          </a:p>
+        </p:txBody>
+      </p:sp>
+      <p:graphicFrame>
+        <p:nvGraphicFramePr>
+          <p:cNvPr id="6" name="Tabelle 5"/>
+          <p:cNvGraphicFramePr>
+            <a:graphicFrameLocks noGrp="1"/>
+          </p:cNvGraphicFramePr>
+          <p:nvPr>
+            <p:extLst>
+              <p:ext uri="{D42A27DB-BD31-4B8C-83A1-F6EECF244321}">
+                <p14:modId xmlns:p14="http://schemas.microsoft.com/office/powerpoint/2010/main" val="1106062270"/>
+              </p:ext>
+            </p:extLst>
+          </p:nvPr>
+        </p:nvGraphicFramePr>
+        <p:xfrm>
+          <a:off x="971600" y="1340768"/>
+          <a:ext cx="6096000" cy="3291840"/>
+        </p:xfrm>
+        <a:graphic>
+          <a:graphicData uri="http://schemas.openxmlformats.org/drawingml/2006/table">
+            <a:tbl>
+              <a:tblPr>
+                <a:tableStyleId>{125E5076-3810-47DD-B79F-674D7AD40C01}</a:tableStyleId>
+              </a:tblPr>
+              <a:tblGrid>
+                <a:gridCol w="3048000"/>
+                <a:gridCol w="3048000"/>
+              </a:tblGrid>
+              <a:tr h="365760">
+                <a:tc>
+                  <a:txBody>
+                    <a:bodyPr/>
+                    <a:lstStyle/>
+                    <a:p>
+                      <a:pPr marL="0" indent="0">
+                        <a:buFont typeface="Arial" panose="020B0604020202020204" pitchFamily="34" charset="0"/>
+                        <a:buNone/>
+                      </a:pPr>
+                      <a:r>
+                        <a:rPr lang="de-DE" sz="2400" b="0" u="none" dirty="0" smtClean="0"/>
+                        <a:t>Günstig</a:t>
+                      </a:r>
+                      <a:endParaRPr lang="de-DE" sz="2400" b="0" u="none" dirty="0"/>
+                    </a:p>
+                  </a:txBody>
+                  <a:tcPr>
+                    <a:noFill/>
+                  </a:tcPr>
+                </a:tc>
+                <a:tc>
+                  <a:txBody>
+                    <a:bodyPr/>
+                    <a:lstStyle/>
+                    <a:p>
+                      <a:r>
+                        <a:rPr lang="de-DE" sz="2400" dirty="0" smtClean="0"/>
+                        <a:t>Mögliche Rechenfehler</a:t>
+                      </a:r>
+                      <a:endParaRPr lang="de-DE" sz="2400" b="0" dirty="0"/>
+                    </a:p>
+                  </a:txBody>
+                  <a:tcPr>
+                    <a:noFill/>
+                  </a:tcPr>
+                </a:tc>
+              </a:tr>
+              <a:tr h="370840">
+                <a:tc>
+                  <a:txBody>
+                    <a:bodyPr/>
+                    <a:lstStyle/>
+                    <a:p>
+                      <a:r>
+                        <a:rPr lang="de-DE" sz="2400" dirty="0" smtClean="0"/>
+                        <a:t>Mehr</a:t>
+                      </a:r>
+                      <a:r>
+                        <a:rPr lang="de-DE" sz="2400" baseline="0" dirty="0" smtClean="0"/>
+                        <a:t> Leistung</a:t>
+                      </a:r>
+                      <a:endParaRPr lang="de-DE" sz="2400" dirty="0"/>
+                    </a:p>
+                  </a:txBody>
+                  <a:tcPr>
+                    <a:noFill/>
+                  </a:tcPr>
+                </a:tc>
+                <a:tc>
+                  <a:txBody>
+                    <a:bodyPr/>
+                    <a:lstStyle/>
+                    <a:p>
+                      <a:r>
+                        <a:rPr lang="de-DE" sz="2400" dirty="0" smtClean="0"/>
+                        <a:t>Mögliche Übertragungsfehler</a:t>
+                      </a:r>
+                      <a:endParaRPr lang="de-DE" sz="2400" dirty="0"/>
+                    </a:p>
+                  </a:txBody>
+                  <a:tcPr>
+                    <a:noFill/>
+                  </a:tcPr>
+                </a:tc>
+              </a:tr>
+              <a:tr h="370840">
+                <a:tc>
+                  <a:txBody>
+                    <a:bodyPr/>
+                    <a:lstStyle/>
+                    <a:p>
+                      <a:r>
+                        <a:rPr lang="de-DE" sz="2400" dirty="0" smtClean="0"/>
+                        <a:t>Einfach</a:t>
+                      </a:r>
+                      <a:endParaRPr lang="de-DE" sz="2400" dirty="0"/>
+                    </a:p>
+                  </a:txBody>
+                  <a:tcPr>
+                    <a:noFill/>
+                  </a:tcPr>
+                </a:tc>
+                <a:tc>
+                  <a:txBody>
+                    <a:bodyPr/>
+                    <a:lstStyle/>
+                    <a:p>
+                      <a:r>
+                        <a:rPr lang="de-DE" sz="2400" dirty="0" smtClean="0"/>
+                        <a:t>Vollständige </a:t>
+                      </a:r>
+                      <a:r>
+                        <a:rPr lang="de-DE" sz="2400" dirty="0" smtClean="0"/>
+                        <a:t>Inkompatibilität möglich</a:t>
+                      </a:r>
+                      <a:endParaRPr lang="de-DE" sz="2400" dirty="0"/>
+                    </a:p>
+                  </a:txBody>
+                  <a:tcPr>
+                    <a:noFill/>
+                  </a:tcPr>
+                </a:tc>
+              </a:tr>
+              <a:tr h="370840">
+                <a:tc>
+                  <a:txBody>
+                    <a:bodyPr/>
+                    <a:lstStyle/>
+                    <a:p>
+                      <a:r>
+                        <a:rPr lang="de-DE" sz="2400" dirty="0" smtClean="0"/>
+                        <a:t>Schnelle Nutzung</a:t>
+                      </a:r>
+                      <a:endParaRPr lang="de-DE" sz="2400" dirty="0"/>
+                    </a:p>
+                  </a:txBody>
+                  <a:tcPr>
+                    <a:noFill/>
+                  </a:tcPr>
+                </a:tc>
+                <a:tc>
+                  <a:txBody>
+                    <a:bodyPr/>
+                    <a:lstStyle/>
+                    <a:p>
+                      <a:endParaRPr lang="de-DE" sz="2400" dirty="0"/>
+                    </a:p>
+                  </a:txBody>
+                  <a:tcPr>
+                    <a:noFill/>
+                  </a:tcPr>
+                </a:tc>
+              </a:tr>
+            </a:tbl>
+          </a:graphicData>
+        </a:graphic>
+      </p:graphicFrame>
+    </p:spTree>
+    <p:extLst>
+      <p:ext uri="{BB962C8B-B14F-4D97-AF65-F5344CB8AC3E}">
+        <p14:creationId xmlns:p14="http://schemas.microsoft.com/office/powerpoint/2010/main" val="176253136"/>
+      </p:ext>
+    </p:extLst>
+  </p:cSld>
+  <p:clrMapOvr>
+    <a:masterClrMapping/>
+  </p:clrMapOvr>
+  <p:timing>
+    <p:tnLst>
+      <p:par>
+        <p:cTn id="1" dur="indefinite" restart="never" nodeType="tmRoot">
+          <p:childTnLst>
+            <p:seq concurrent="1" nextAc="seek">
+              <p:cTn id="2" dur="indefinite" nodeType="mainSeq">
+                <p:childTnLst>
+                  <p:par>
+                    <p:cTn id="3" fill="hold">
+                      <p:stCondLst>
+                        <p:cond delay="indefinite"/>
+                      </p:stCondLst>
+                      <p:childTnLst>
+                        <p:par>
+                          <p:cTn id="4" fill="hold">
+                            <p:stCondLst>
+                              <p:cond delay="0"/>
+                            </p:stCondLst>
+                            <p:childTnLst>
+                              <p:par>
+                                <p:cTn id="5" presetID="1" presetClass="entr" presetSubtype="0" fill="hold" grpId="0" nodeType="clickEffect">
+                                  <p:stCondLst>
+                                    <p:cond delay="0"/>
+                                  </p:stCondLst>
+                                  <p:childTnLst>
+                                    <p:set>
+                                      <p:cBhvr>
+                                        <p:cTn id="6" dur="1" fill="hold">
+                                          <p:stCondLst>
+                                            <p:cond delay="0"/>
+                                          </p:stCondLst>
+                                        </p:cTn>
+                                        <p:tgtEl>
+                                          <p:spTgt spid="2"/>
+                                        </p:tgtEl>
+                                        <p:attrNameLst>
+                                          <p:attrName>style.visibility</p:attrName>
+                                        </p:attrNameLst>
+                                      </p:cBhvr>
+                                      <p:to>
+                                        <p:strVal val="visible"/>
+                                      </p:to>
+                                    </p:set>
+                                  </p:childTnLst>
+                                </p:cTn>
+                              </p:par>
+                            </p:childTnLst>
+                          </p:cTn>
+                        </p:par>
+                      </p:childTnLst>
+                    </p:cTn>
+                  </p:par>
+                  <p:par>
+                    <p:cTn id="7" fill="hold">
+                      <p:stCondLst>
+                        <p:cond delay="indefinite"/>
+                      </p:stCondLst>
+                      <p:childTnLst>
+                        <p:par>
+                          <p:cTn id="8" fill="hold">
+                            <p:stCondLst>
+                              <p:cond delay="0"/>
+                            </p:stCondLst>
+                            <p:childTnLst>
+                              <p:par>
+                                <p:cTn id="9" presetID="1" presetClass="entr" presetSubtype="0" fill="hold" nodeType="clickEffect">
+                                  <p:stCondLst>
+                                    <p:cond delay="0"/>
+                                  </p:stCondLst>
+                                  <p:childTnLst>
+                                    <p:set>
+                                      <p:cBhvr>
+                                        <p:cTn id="10" dur="1" fill="hold">
+                                          <p:stCondLst>
+                                            <p:cond delay="0"/>
+                                          </p:stCondLst>
+                                        </p:cTn>
+                                        <p:tgtEl>
+                                          <p:spTgt spid="6"/>
+                                        </p:tgtEl>
+                                        <p:attrNameLst>
+                                          <p:attrName>style.visibility</p:attrName>
+                                        </p:attrNameLst>
+                                      </p:cBhvr>
+                                      <p:to>
+                                        <p:strVal val="visible"/>
+                                      </p:to>
+                                    </p:set>
+                                  </p:childTnLst>
+                                </p:cTn>
+                              </p:par>
+                            </p:childTnLst>
+                          </p:cTn>
+                        </p:par>
+                      </p:childTnLst>
+                    </p:cTn>
+                  </p:par>
+                </p:childTnLst>
+              </p:cTn>
+              <p:prevCondLst>
+                <p:cond evt="onPrev" delay="0">
+                  <p:tgtEl>
+                    <p:sldTgt/>
+                  </p:tgtEl>
+                </p:cond>
+              </p:prevCondLst>
+              <p:nextCondLst>
+                <p:cond evt="onNext" delay="0">
+                  <p:tgtEl>
+                    <p:sldTgt/>
+                  </p:tgtEl>
+                </p:cond>
+              </p:nextCondLst>
+            </p:seq>
+          </p:childTnLst>
+        </p:cTn>
+      </p:par>
+    </p:tnLst>
+    <p:bldLst>
+      <p:bldP spid="2" grpId="0"/>
+    </p:bldLst>
+  </p:timing>
+</p:sld>
+</file>
+
+<file path=ppt/slides/slide21.xml><?xml version="1.0" encoding="utf-8"?>
+<p:sld xmlns:a="http://schemas.openxmlformats.org/drawingml/2006/main" xmlns:r="http://schemas.openxmlformats.org/officeDocument/2006/relationships" xmlns:p="http://schemas.openxmlformats.org/presentationml/2006/main">
+  <p:cSld>
+    <p:spTree>
+      <p:nvGrpSpPr>
+        <p:cNvPr id="1" name=""/>
+        <p:cNvGrpSpPr/>
+        <p:nvPr/>
+      </p:nvGrpSpPr>
+      <p:grpSpPr>
+        <a:xfrm>
+          <a:off x="0" y="0"/>
+          <a:ext cx="0" cy="0"/>
+          <a:chOff x="0" y="0"/>
+          <a:chExt cx="0" cy="0"/>
+        </a:xfrm>
+      </p:grpSpPr>
+      <p:sp>
+        <p:nvSpPr>
+          <p:cNvPr id="2" name="Titel 1"/>
+          <p:cNvSpPr>
+            <a:spLocks noGrp="1"/>
+          </p:cNvSpPr>
+          <p:nvPr>
+            <p:ph type="title"/>
+          </p:nvPr>
+        </p:nvSpPr>
+        <p:spPr>
+          <a:xfrm>
+            <a:off x="914400" y="42655"/>
+            <a:ext cx="7315200" cy="1154097"/>
+          </a:xfrm>
+        </p:spPr>
+        <p:txBody>
+          <a:bodyPr>
+            <a:normAutofit/>
+          </a:bodyPr>
+          <a:lstStyle/>
+          <a:p>
+            <a:r>
+              <a:rPr lang="de-DE" dirty="0" smtClean="0"/>
+              <a:t>Wo ist unser Projekt zu finden</a:t>
+            </a:r>
+            <a:r>
+              <a:rPr lang="de-DE" dirty="0"/>
+              <a:t>?</a:t>
+            </a:r>
+          </a:p>
+        </p:txBody>
+      </p:sp>
+      <p:sp>
+        <p:nvSpPr>
+          <p:cNvPr id="3" name="Inhaltsplatzhalter 2"/>
+          <p:cNvSpPr>
+            <a:spLocks noGrp="1"/>
+          </p:cNvSpPr>
+          <p:nvPr>
+            <p:ph idx="1"/>
+          </p:nvPr>
+        </p:nvSpPr>
+        <p:spPr>
+          <a:xfrm>
+            <a:off x="914400" y="1185617"/>
+            <a:ext cx="7315200" cy="3539527"/>
+          </a:xfrm>
+        </p:spPr>
+        <p:txBody>
+          <a:bodyPr>
+            <a:normAutofit/>
+          </a:bodyPr>
+          <a:lstStyle/>
+          <a:p>
+            <a:r>
+              <a:rPr lang="de-DE" sz="2800" dirty="0" smtClean="0"/>
+              <a:t>Github.com/</a:t>
+            </a:r>
+            <a:r>
+              <a:rPr lang="de-DE" sz="2800" dirty="0" err="1" smtClean="0"/>
+              <a:t>GymWenFLL</a:t>
+            </a:r>
+            <a:endParaRPr lang="de-DE" sz="2800" dirty="0" smtClean="0"/>
+          </a:p>
+          <a:p>
+            <a:r>
+              <a:rPr lang="de-DE" sz="2800" dirty="0" smtClean="0"/>
+              <a:t>Gym-wen.de</a:t>
+            </a:r>
+          </a:p>
+          <a:p>
+            <a:r>
+              <a:rPr lang="de-DE" sz="2800" dirty="0" smtClean="0"/>
+              <a:t>Tppwiki.miraheze.org</a:t>
+            </a:r>
+          </a:p>
+          <a:p>
+            <a:endParaRPr lang="de-DE" sz="2800" dirty="0"/>
+          </a:p>
+        </p:txBody>
+      </p:sp>
+    </p:spTree>
+    <p:extLst>
+      <p:ext uri="{BB962C8B-B14F-4D97-AF65-F5344CB8AC3E}">
+        <p14:creationId xmlns:p14="http://schemas.microsoft.com/office/powerpoint/2010/main" val="2841437216"/>
+      </p:ext>
+    </p:extLst>
+  </p:cSld>
+  <p:clrMapOvr>
+    <a:masterClrMapping/>
+  </p:clrMapOvr>
+  <p:timing>
+    <p:tnLst>
+      <p:par>
+        <p:cTn id="1" dur="indefinite" restart="never" nodeType="tmRoot">
+          <p:childTnLst>
+            <p:seq concurrent="1" nextAc="seek">
+              <p:cTn id="2" dur="indefinite" nodeType="mainSeq">
+                <p:childTnLst>
+                  <p:par>
+                    <p:cTn id="3" fill="hold">
+                      <p:stCondLst>
+                        <p:cond delay="indefinite"/>
+                      </p:stCondLst>
+                      <p:childTnLst>
+                        <p:par>
+                          <p:cTn id="4" fill="hold">
+                            <p:stCondLst>
+                              <p:cond delay="0"/>
+                            </p:stCondLst>
+                            <p:childTnLst>
+                              <p:par>
+                                <p:cTn id="5" presetID="1" presetClass="entr" presetSubtype="0" fill="hold" grpId="0" nodeType="clickEffect">
+                                  <p:stCondLst>
+                                    <p:cond delay="0"/>
+                                  </p:stCondLst>
+                                  <p:childTnLst>
+                                    <p:set>
+                                      <p:cBhvr>
+                                        <p:cTn id="6" dur="1" fill="hold">
+                                          <p:stCondLst>
+                                            <p:cond delay="0"/>
+                                          </p:stCondLst>
+                                        </p:cTn>
+                                        <p:tgtEl>
+                                          <p:spTgt spid="2"/>
+                                        </p:tgtEl>
+                                        <p:attrNameLst>
+                                          <p:attrName>style.visibility</p:attrName>
+                                        </p:attrNameLst>
+                                      </p:cBhvr>
+                                      <p:to>
+                                        <p:strVal val="visible"/>
+                                      </p:to>
+                                    </p:set>
+                                  </p:childTnLst>
+                                </p:cTn>
+                              </p:par>
+                            </p:childTnLst>
+                          </p:cTn>
+                        </p:par>
+                      </p:childTnLst>
+                    </p:cTn>
+                  </p:par>
+                  <p:par>
+                    <p:cTn id="7" fill="hold">
+                      <p:stCondLst>
+                        <p:cond delay="indefinite"/>
+                      </p:stCondLst>
+                      <p:childTnLst>
+                        <p:par>
+                          <p:cTn id="8" fill="hold">
+                            <p:stCondLst>
+                              <p:cond delay="0"/>
+                            </p:stCondLst>
+                            <p:childTnLst>
+                              <p:par>
+                                <p:cTn id="9" presetID="1" presetClass="entr" presetSubtype="0" fill="hold" grpId="0" nodeType="clickEffect">
+                                  <p:stCondLst>
+                                    <p:cond delay="0"/>
+                                  </p:stCondLst>
+                                  <p:childTnLst>
+                                    <p:set>
+                                      <p:cBhvr>
+                                        <p:cTn id="10" dur="1" fill="hold">
+                                          <p:stCondLst>
+                                            <p:cond delay="0"/>
+                                          </p:stCondLst>
+                                        </p:cTn>
+                                        <p:tgtEl>
+                                          <p:spTgt spid="3">
+                                            <p:txEl>
+                                              <p:pRg st="0" end="0"/>
+                                            </p:txEl>
+                                          </p:spTgt>
+                                        </p:tgtEl>
+                                        <p:attrNameLst>
+                                          <p:attrName>style.visibility</p:attrName>
+                                        </p:attrNameLst>
+                                      </p:cBhvr>
+                                      <p:to>
+                                        <p:strVal val="visible"/>
+                                      </p:to>
+                                    </p:set>
+                                  </p:childTnLst>
+                                </p:cTn>
+                              </p:par>
+                              <p:par>
+                                <p:cTn id="11" presetID="1" presetClass="entr" presetSubtype="0" fill="hold" grpId="0" nodeType="withEffect">
+                                  <p:stCondLst>
+                                    <p:cond delay="0"/>
+                                  </p:stCondLst>
+                                  <p:childTnLst>
+                                    <p:set>
+                                      <p:cBhvr>
+                                        <p:cTn id="12" dur="1" fill="hold">
+                                          <p:stCondLst>
+                                            <p:cond delay="0"/>
+                                          </p:stCondLst>
+                                        </p:cTn>
+                                        <p:tgtEl>
+                                          <p:spTgt spid="3">
+                                            <p:txEl>
+                                              <p:pRg st="1" end="1"/>
+                                            </p:txEl>
+                                          </p:spTgt>
+                                        </p:tgtEl>
+                                        <p:attrNameLst>
+                                          <p:attrName>style.visibility</p:attrName>
+                                        </p:attrNameLst>
+                                      </p:cBhvr>
+                                      <p:to>
+                                        <p:strVal val="visible"/>
+                                      </p:to>
+                                    </p:set>
+                                  </p:childTnLst>
+                                </p:cTn>
+                              </p:par>
+                              <p:par>
+                                <p:cTn id="13" presetID="1" presetClass="entr" presetSubtype="0" fill="hold" grpId="0" nodeType="withEffect">
+                                  <p:stCondLst>
+                                    <p:cond delay="0"/>
+                                  </p:stCondLst>
+                                  <p:childTnLst>
+                                    <p:set>
+                                      <p:cBhvr>
+                                        <p:cTn id="14" dur="1" fill="hold">
+                                          <p:stCondLst>
+                                            <p:cond delay="0"/>
+                                          </p:stCondLst>
+                                        </p:cTn>
+                                        <p:tgtEl>
+                                          <p:spTgt spid="3">
+                                            <p:txEl>
+                                              <p:pRg st="2" end="2"/>
+                                            </p:txEl>
+                                          </p:spTgt>
+                                        </p:tgtEl>
+                                        <p:attrNameLst>
+                                          <p:attrName>style.visibility</p:attrName>
+                                        </p:attrNameLst>
+                                      </p:cBhvr>
+                                      <p:to>
+                                        <p:strVal val="visible"/>
+                                      </p:to>
+                                    </p:set>
+                                  </p:childTnLst>
+                                </p:cTn>
+                              </p:par>
+                            </p:childTnLst>
+                          </p:cTn>
+                        </p:par>
+                      </p:childTnLst>
+                    </p:cTn>
+                  </p:par>
+                </p:childTnLst>
+              </p:cTn>
+              <p:prevCondLst>
+                <p:cond evt="onPrev" delay="0">
+                  <p:tgtEl>
+                    <p:sldTgt/>
+                  </p:tgtEl>
+                </p:cond>
+              </p:prevCondLst>
+              <p:nextCondLst>
+                <p:cond evt="onNext" delay="0">
+                  <p:tgtEl>
+                    <p:sldTgt/>
+                  </p:tgtEl>
+                </p:cond>
+              </p:nextCondLst>
+            </p:seq>
+          </p:childTnLst>
+        </p:cTn>
+      </p:par>
+    </p:tnLst>
+    <p:bldLst>
+      <p:bldP spid="2" grpId="0"/>
+      <p:bldP spid="3" grpId="0" uiExpand="1" build="p"/>
+    </p:bldLst>
+  </p:timing>
+</p:sld>
+</file>
+
+<file path=ppt/slides/slide22.xml><?xml version="1.0" encoding="utf-8"?>
+<p:sld xmlns:a="http://schemas.openxmlformats.org/drawingml/2006/main" xmlns:r="http://schemas.openxmlformats.org/officeDocument/2006/relationships" xmlns:p="http://schemas.openxmlformats.org/presentationml/2006/main">
+  <p:cSld>
+    <p:spTree>
+      <p:nvGrpSpPr>
+        <p:cNvPr id="1" name=""/>
+        <p:cNvGrpSpPr/>
+        <p:nvPr/>
+      </p:nvGrpSpPr>
+      <p:grpSpPr>
+        <a:xfrm>
+          <a:off x="0" y="0"/>
+          <a:ext cx="0" cy="0"/>
+          <a:chOff x="0" y="0"/>
+          <a:chExt cx="0" cy="0"/>
+        </a:xfrm>
+      </p:grpSpPr>
+      <p:sp>
+        <p:nvSpPr>
+          <p:cNvPr id="2" name="Titel 1"/>
+          <p:cNvSpPr>
+            <a:spLocks noGrp="1"/>
+          </p:cNvSpPr>
+          <p:nvPr>
+            <p:ph type="title"/>
+          </p:nvPr>
+        </p:nvSpPr>
+        <p:spPr>
+          <a:xfrm>
+            <a:off x="914400" y="42655"/>
+            <a:ext cx="7315200" cy="1154097"/>
+          </a:xfrm>
+        </p:spPr>
+        <p:txBody>
+          <a:bodyPr/>
+          <a:lstStyle/>
+          <a:p>
+            <a:r>
+              <a:rPr lang="de-DE" dirty="0" smtClean="0"/>
+              <a:t>Partner/Unterstützer</a:t>
+            </a:r>
+            <a:endParaRPr lang="de-DE" dirty="0"/>
+          </a:p>
+        </p:txBody>
+      </p:sp>
+      <p:sp>
+        <p:nvSpPr>
+          <p:cNvPr id="3" name="Inhaltsplatzhalter 2"/>
+          <p:cNvSpPr>
+            <a:spLocks noGrp="1"/>
+          </p:cNvSpPr>
+          <p:nvPr>
+            <p:ph idx="1"/>
+          </p:nvPr>
+        </p:nvSpPr>
+        <p:spPr>
+          <a:xfrm>
+            <a:off x="914400" y="1052736"/>
+            <a:ext cx="7315200" cy="3539527"/>
+          </a:xfrm>
+        </p:spPr>
+        <p:txBody>
+          <a:bodyPr>
+            <a:normAutofit/>
+          </a:bodyPr>
+          <a:lstStyle/>
+          <a:p>
+            <a:r>
+              <a:rPr lang="de-DE" sz="2800" dirty="0"/>
+              <a:t>Tom </a:t>
+            </a:r>
+            <a:r>
+              <a:rPr lang="de-DE" sz="2800" dirty="0" err="1"/>
+              <a:t>Loff</a:t>
+            </a:r>
+            <a:r>
+              <a:rPr lang="de-DE" sz="2800" dirty="0"/>
+              <a:t> EDV-Management (Nürnberg)</a:t>
+            </a:r>
+          </a:p>
+          <a:p>
+            <a:r>
+              <a:rPr lang="de-DE" sz="2800" dirty="0"/>
+              <a:t>Schrottplatz</a:t>
+            </a:r>
+          </a:p>
+          <a:p>
+            <a:endParaRPr lang="de-DE" sz="2800" dirty="0"/>
+          </a:p>
+        </p:txBody>
+      </p:sp>
+      <p:sp>
+        <p:nvSpPr>
+          <p:cNvPr id="4" name="Titel 1"/>
+          <p:cNvSpPr txBox="1">
+            <a:spLocks/>
+          </p:cNvSpPr>
+          <p:nvPr/>
+        </p:nvSpPr>
+        <p:spPr>
+          <a:xfrm>
+            <a:off x="857200" y="2492896"/>
+            <a:ext cx="7315200" cy="1154097"/>
+          </a:xfrm>
+          <a:prstGeom prst="rect">
+            <a:avLst/>
+          </a:prstGeom>
+        </p:spPr>
+        <p:txBody>
+          <a:bodyPr vert="horz" lIns="91440" tIns="45720" rIns="91440" bIns="45720" rtlCol="0" anchor="b">
+            <a:normAutofit/>
+          </a:bodyPr>
+          <a:lstStyle>
+            <a:lvl1pPr algn="l" defTabSz="914400" rtl="0" eaLnBrk="1" latinLnBrk="0" hangingPunct="1">
+              <a:spcBef>
+                <a:spcPct val="0"/>
+              </a:spcBef>
+              <a:buNone/>
+              <a:defRPr sz="4000" kern="1200">
+                <a:solidFill>
+                  <a:schemeClr val="tx2"/>
+                </a:solidFill>
+                <a:latin typeface="+mj-lt"/>
+                <a:ea typeface="+mj-ea"/>
+                <a:cs typeface="+mj-cs"/>
+              </a:defRPr>
+            </a:lvl1pPr>
+            <a:lvl2pPr eaLnBrk="1" hangingPunct="1">
+              <a:defRPr>
+                <a:solidFill>
+                  <a:schemeClr val="tx2"/>
+                </a:solidFill>
+              </a:defRPr>
+            </a:lvl2pPr>
+            <a:lvl3pPr eaLnBrk="1" hangingPunct="1">
+              <a:defRPr>
+                <a:solidFill>
+                  <a:schemeClr val="tx2"/>
+                </a:solidFill>
+              </a:defRPr>
+            </a:lvl3pPr>
+            <a:lvl4pPr eaLnBrk="1" hangingPunct="1">
+              <a:defRPr>
+                <a:solidFill>
+                  <a:schemeClr val="tx2"/>
+                </a:solidFill>
+              </a:defRPr>
+            </a:lvl4pPr>
+            <a:lvl5pPr eaLnBrk="1" hangingPunct="1">
+              <a:defRPr>
+                <a:solidFill>
+                  <a:schemeClr val="tx2"/>
+                </a:solidFill>
+              </a:defRPr>
+            </a:lvl5pPr>
+            <a:lvl6pPr eaLnBrk="1" hangingPunct="1">
+              <a:defRPr>
+                <a:solidFill>
+                  <a:schemeClr val="tx2"/>
+                </a:solidFill>
+              </a:defRPr>
+            </a:lvl6pPr>
+            <a:lvl7pPr eaLnBrk="1" hangingPunct="1">
+              <a:defRPr>
+                <a:solidFill>
+                  <a:schemeClr val="tx2"/>
+                </a:solidFill>
+              </a:defRPr>
+            </a:lvl7pPr>
+            <a:lvl8pPr eaLnBrk="1" hangingPunct="1">
+              <a:defRPr>
+                <a:solidFill>
+                  <a:schemeClr val="tx2"/>
+                </a:solidFill>
+              </a:defRPr>
+            </a:lvl8pPr>
+            <a:lvl9pPr eaLnBrk="1" hangingPunct="1">
+              <a:defRPr>
+                <a:solidFill>
+                  <a:schemeClr val="tx2"/>
+                </a:solidFill>
+              </a:defRPr>
+            </a:lvl9pPr>
+          </a:lstStyle>
+          <a:p>
+            <a:r>
+              <a:rPr lang="de-DE" dirty="0" smtClean="0"/>
+              <a:t>Ergebnispräsentation</a:t>
+            </a:r>
+            <a:endParaRPr lang="de-DE" dirty="0"/>
+          </a:p>
+        </p:txBody>
+      </p:sp>
+      <p:sp>
+        <p:nvSpPr>
+          <p:cNvPr id="5" name="Inhaltsplatzhalter 2"/>
+          <p:cNvSpPr txBox="1">
+            <a:spLocks/>
+          </p:cNvSpPr>
+          <p:nvPr/>
+        </p:nvSpPr>
+        <p:spPr>
+          <a:xfrm>
+            <a:off x="929208" y="3633889"/>
+            <a:ext cx="7315200" cy="3539527"/>
+          </a:xfrm>
+          <a:prstGeom prst="rect">
+            <a:avLst/>
+          </a:prstGeom>
+        </p:spPr>
+        <p:txBody>
+          <a:bodyPr vert="horz" lIns="91440" tIns="45720" rIns="91440" bIns="45720" rtlCol="0">
+            <a:normAutofit/>
+          </a:bodyPr>
+          <a:lstStyle>
+            <a:lvl1pPr marL="228600" indent="-182880" algn="l" defTabSz="914400" rtl="0" eaLnBrk="1" latinLnBrk="0" hangingPunct="1">
+              <a:spcBef>
+                <a:spcPct val="20000"/>
+              </a:spcBef>
+              <a:buClr>
+                <a:schemeClr val="tx2"/>
+              </a:buClr>
+              <a:buFont typeface="Wingdings" charset="2"/>
+              <a:buChar char="§"/>
+              <a:defRPr sz="2000" kern="1200">
+                <a:solidFill>
+                  <a:schemeClr val="tx1"/>
+                </a:solidFill>
+                <a:latin typeface="+mn-lt"/>
+                <a:ea typeface="+mn-ea"/>
+                <a:cs typeface="+mn-cs"/>
+              </a:defRPr>
+            </a:lvl1pPr>
+            <a:lvl2pPr marL="502920" indent="-182880" algn="l" defTabSz="914400" rtl="0" eaLnBrk="1" latinLnBrk="0" hangingPunct="1">
+              <a:spcBef>
+                <a:spcPct val="20000"/>
+              </a:spcBef>
+              <a:buClr>
+                <a:schemeClr val="tx2"/>
+              </a:buClr>
+              <a:buFont typeface="Wingdings" charset="2"/>
+              <a:buChar char="§"/>
+              <a:defRPr sz="1800" kern="1200">
+                <a:solidFill>
+                  <a:schemeClr val="tx1"/>
+                </a:solidFill>
+                <a:latin typeface="+mn-lt"/>
+                <a:ea typeface="+mn-ea"/>
+                <a:cs typeface="+mn-cs"/>
+              </a:defRPr>
+            </a:lvl2pPr>
+            <a:lvl3pPr marL="685800" indent="-182880" algn="l" defTabSz="914400" rtl="0" eaLnBrk="1" latinLnBrk="0" hangingPunct="1">
+              <a:spcBef>
+                <a:spcPct val="20000"/>
+              </a:spcBef>
+              <a:buClr>
+                <a:schemeClr val="tx2"/>
+              </a:buClr>
+              <a:buFont typeface="Wingdings" charset="2"/>
+              <a:buChar char="§"/>
+              <a:defRPr sz="1600" kern="1200">
+                <a:solidFill>
+                  <a:schemeClr val="tx1"/>
+                </a:solidFill>
+                <a:latin typeface="+mn-lt"/>
+                <a:ea typeface="+mn-ea"/>
+                <a:cs typeface="+mn-cs"/>
+              </a:defRPr>
+            </a:lvl3pPr>
+            <a:lvl4pPr marL="914400" indent="-182880" algn="l" defTabSz="914400" rtl="0" eaLnBrk="1" latinLnBrk="0" hangingPunct="1">
+              <a:spcBef>
+                <a:spcPct val="20000"/>
+              </a:spcBef>
+              <a:buClr>
+                <a:schemeClr val="tx2"/>
+              </a:buClr>
+              <a:buFont typeface="Wingdings" charset="2"/>
+              <a:buChar char="§"/>
+              <a:defRPr sz="1400" kern="1200">
+                <a:solidFill>
+                  <a:schemeClr val="tx1"/>
+                </a:solidFill>
+                <a:latin typeface="+mn-lt"/>
+                <a:ea typeface="+mn-ea"/>
+                <a:cs typeface="+mn-cs"/>
+              </a:defRPr>
+            </a:lvl4pPr>
+            <a:lvl5pPr marL="1143000" indent="-182880" algn="l" defTabSz="914400" rtl="0" eaLnBrk="1" latinLnBrk="0" hangingPunct="1">
+              <a:spcBef>
+                <a:spcPct val="20000"/>
+              </a:spcBef>
+              <a:buClr>
+                <a:schemeClr val="tx2"/>
+              </a:buClr>
+              <a:buFont typeface="Wingdings" charset="2"/>
+              <a:buChar char="§"/>
+              <a:defRPr sz="1400" kern="1200">
+                <a:solidFill>
+                  <a:schemeClr val="tx1"/>
+                </a:solidFill>
+                <a:latin typeface="+mn-lt"/>
+                <a:ea typeface="+mn-ea"/>
+                <a:cs typeface="+mn-cs"/>
+              </a:defRPr>
+            </a:lvl5pPr>
+            <a:lvl6pPr marL="1371600" indent="-182880" algn="l" defTabSz="914400" rtl="0" eaLnBrk="1" latinLnBrk="0" hangingPunct="1">
+              <a:spcBef>
+                <a:spcPct val="20000"/>
+              </a:spcBef>
+              <a:buClr>
+                <a:schemeClr val="tx2"/>
+              </a:buClr>
+              <a:buFont typeface="Wingdings" pitchFamily="2" charset="2"/>
+              <a:buChar char="§"/>
+              <a:defRPr sz="1400" kern="1200">
+                <a:solidFill>
+                  <a:schemeClr val="tx1"/>
+                </a:solidFill>
+                <a:latin typeface="+mn-lt"/>
+                <a:ea typeface="+mn-ea"/>
+                <a:cs typeface="+mn-cs"/>
+              </a:defRPr>
+            </a:lvl6pPr>
+            <a:lvl7pPr marL="1600200" indent="-182880" algn="l" defTabSz="914400" rtl="0" eaLnBrk="1" latinLnBrk="0" hangingPunct="1">
+              <a:spcBef>
+                <a:spcPct val="20000"/>
+              </a:spcBef>
+              <a:buClr>
+                <a:schemeClr val="tx2"/>
+              </a:buClr>
+              <a:buFont typeface="Wingdings" pitchFamily="2" charset="2"/>
+              <a:buChar char="§"/>
+              <a:defRPr sz="1400" kern="1200">
+                <a:solidFill>
+                  <a:schemeClr val="tx1"/>
+                </a:solidFill>
+                <a:latin typeface="+mn-lt"/>
+                <a:ea typeface="+mn-ea"/>
+                <a:cs typeface="+mn-cs"/>
+              </a:defRPr>
+            </a:lvl7pPr>
+            <a:lvl8pPr marL="1828800" indent="-182880" algn="l" defTabSz="914400" rtl="0" eaLnBrk="1" latinLnBrk="0" hangingPunct="1">
+              <a:spcBef>
+                <a:spcPct val="20000"/>
+              </a:spcBef>
+              <a:buClr>
+                <a:schemeClr val="tx2"/>
+              </a:buClr>
+              <a:buFont typeface="Wingdings" pitchFamily="2" charset="2"/>
+              <a:buChar char="§"/>
+              <a:defRPr sz="1400" kern="1200">
+                <a:solidFill>
+                  <a:schemeClr val="tx1"/>
+                </a:solidFill>
+                <a:latin typeface="+mn-lt"/>
+                <a:ea typeface="+mn-ea"/>
+                <a:cs typeface="+mn-cs"/>
+              </a:defRPr>
+            </a:lvl8pPr>
+            <a:lvl9pPr marL="2057400" indent="-182880" algn="l" defTabSz="914400" rtl="0" eaLnBrk="1" latinLnBrk="0" hangingPunct="1">
+              <a:spcBef>
+                <a:spcPct val="20000"/>
+              </a:spcBef>
+              <a:buClr>
+                <a:schemeClr val="tx2"/>
+              </a:buClr>
+              <a:buFont typeface="Wingdings" pitchFamily="2" charset="2"/>
+              <a:buChar char="§"/>
+              <a:defRPr sz="1400" kern="1200">
+                <a:solidFill>
+                  <a:schemeClr val="tx1"/>
+                </a:solidFill>
+                <a:latin typeface="+mn-lt"/>
+                <a:ea typeface="+mn-ea"/>
+                <a:cs typeface="+mn-cs"/>
+              </a:defRPr>
+            </a:lvl9pPr>
+          </a:lstStyle>
+          <a:p>
+            <a:r>
+              <a:rPr lang="de-DE" sz="2800" dirty="0" smtClean="0"/>
+              <a:t>Tom </a:t>
+            </a:r>
+            <a:r>
+              <a:rPr lang="de-DE" sz="2800" dirty="0" err="1" smtClean="0"/>
+              <a:t>Loff</a:t>
+            </a:r>
+            <a:r>
+              <a:rPr lang="de-DE" sz="2800" dirty="0" smtClean="0"/>
+              <a:t> </a:t>
+            </a:r>
+          </a:p>
+          <a:p>
+            <a:r>
+              <a:rPr lang="de-DE" sz="2800" dirty="0" err="1" smtClean="0"/>
+              <a:t>Github</a:t>
+            </a:r>
+            <a:endParaRPr lang="de-DE" sz="2800" dirty="0" smtClean="0"/>
+          </a:p>
+          <a:p>
+            <a:r>
+              <a:rPr lang="de-DE" sz="2800" dirty="0" smtClean="0"/>
+              <a:t>Twitter</a:t>
+            </a:r>
+          </a:p>
+          <a:p>
+            <a:r>
+              <a:rPr lang="de-DE" sz="2800" dirty="0" smtClean="0"/>
+              <a:t>Internet</a:t>
+            </a:r>
+          </a:p>
+          <a:p>
+            <a:r>
+              <a:rPr lang="de-DE" sz="2800" dirty="0" smtClean="0"/>
+              <a:t>Präsentation in der Klasse 10a</a:t>
+            </a:r>
+          </a:p>
+        </p:txBody>
+      </p:sp>
+    </p:spTree>
+    <p:extLst>
+      <p:ext uri="{BB962C8B-B14F-4D97-AF65-F5344CB8AC3E}">
+        <p14:creationId xmlns:p14="http://schemas.microsoft.com/office/powerpoint/2010/main" val="330574776"/>
+      </p:ext>
+    </p:extLst>
+  </p:cSld>
+  <p:clrMapOvr>
+    <a:masterClrMapping/>
+  </p:clrMapOvr>
+  <p:timing>
+    <p:tnLst>
+      <p:par>
+        <p:cTn id="1" dur="indefinite" restart="never" nodeType="tmRoot">
+          <p:childTnLst>
+            <p:seq concurrent="1" nextAc="seek">
+              <p:cTn id="2" dur="indefinite" nodeType="mainSeq">
+                <p:childTnLst>
+                  <p:par>
+                    <p:cTn id="3" fill="hold">
+                      <p:stCondLst>
+                        <p:cond delay="indefinite"/>
+                      </p:stCondLst>
+                      <p:childTnLst>
+                        <p:par>
+                          <p:cTn id="4" fill="hold">
+                            <p:stCondLst>
+                              <p:cond delay="0"/>
+                            </p:stCondLst>
+                            <p:childTnLst>
+                              <p:par>
+                                <p:cTn id="5" presetID="1" presetClass="entr" presetSubtype="0" fill="hold" grpId="0" nodeType="clickEffect">
+                                  <p:stCondLst>
+                                    <p:cond delay="0"/>
+                                  </p:stCondLst>
+                                  <p:childTnLst>
+                                    <p:set>
+                                      <p:cBhvr>
+                                        <p:cTn id="6" dur="1" fill="hold">
+                                          <p:stCondLst>
+                                            <p:cond delay="0"/>
+                                          </p:stCondLst>
+                                        </p:cTn>
+                                        <p:tgtEl>
+                                          <p:spTgt spid="2"/>
+                                        </p:tgtEl>
+                                        <p:attrNameLst>
+                                          <p:attrName>style.visibility</p:attrName>
+                                        </p:attrNameLst>
+                                      </p:cBhvr>
+                                      <p:to>
+                                        <p:strVal val="visible"/>
+                                      </p:to>
+                                    </p:set>
+                                  </p:childTnLst>
+                                </p:cTn>
+                              </p:par>
+                            </p:childTnLst>
+                          </p:cTn>
+                        </p:par>
+                      </p:childTnLst>
+                    </p:cTn>
+                  </p:par>
+                  <p:par>
+                    <p:cTn id="7" fill="hold">
+                      <p:stCondLst>
+                        <p:cond delay="indefinite"/>
+                      </p:stCondLst>
+                      <p:childTnLst>
+                        <p:par>
+                          <p:cTn id="8" fill="hold">
+                            <p:stCondLst>
+                              <p:cond delay="0"/>
+                            </p:stCondLst>
+                            <p:childTnLst>
+                              <p:par>
+                                <p:cTn id="9" presetID="1" presetClass="entr" presetSubtype="0" fill="hold" grpId="0" nodeType="clickEffect">
+                                  <p:stCondLst>
+                                    <p:cond delay="0"/>
+                                  </p:stCondLst>
+                                  <p:childTnLst>
+                                    <p:set>
+                                      <p:cBhvr>
+                                        <p:cTn id="10" dur="1" fill="hold">
+                                          <p:stCondLst>
+                                            <p:cond delay="0"/>
+                                          </p:stCondLst>
+                                        </p:cTn>
+                                        <p:tgtEl>
+                                          <p:spTgt spid="3">
+                                            <p:txEl>
+                                              <p:pRg st="0" end="0"/>
+                                            </p:txEl>
+                                          </p:spTgt>
+                                        </p:tgtEl>
+                                        <p:attrNameLst>
+                                          <p:attrName>style.visibility</p:attrName>
+                                        </p:attrNameLst>
+                                      </p:cBhvr>
+                                      <p:to>
+                                        <p:strVal val="visible"/>
+                                      </p:to>
+                                    </p:set>
+                                  </p:childTnLst>
+                                </p:cTn>
+                              </p:par>
+                              <p:par>
+                                <p:cTn id="11" presetID="1" presetClass="entr" presetSubtype="0" fill="hold" grpId="0" nodeType="withEffect">
+                                  <p:stCondLst>
+                                    <p:cond delay="0"/>
+                                  </p:stCondLst>
+                                  <p:childTnLst>
+                                    <p:set>
+                                      <p:cBhvr>
+                                        <p:cTn id="12" dur="1" fill="hold">
+                                          <p:stCondLst>
+                                            <p:cond delay="0"/>
+                                          </p:stCondLst>
+                                        </p:cTn>
+                                        <p:tgtEl>
+                                          <p:spTgt spid="3">
+                                            <p:txEl>
+                                              <p:pRg st="1" end="1"/>
+                                            </p:txEl>
+                                          </p:spTgt>
+                                        </p:tgtEl>
+                                        <p:attrNameLst>
+                                          <p:attrName>style.visibility</p:attrName>
+                                        </p:attrNameLst>
+                                      </p:cBhvr>
+                                      <p:to>
+                                        <p:strVal val="visible"/>
+                                      </p:to>
+                                    </p:set>
+                                  </p:childTnLst>
+                                </p:cTn>
+                              </p:par>
+                            </p:childTnLst>
+                          </p:cTn>
+                        </p:par>
+                      </p:childTnLst>
+                    </p:cTn>
+                  </p:par>
+                  <p:par>
+                    <p:cTn id="13" fill="hold">
+                      <p:stCondLst>
+                        <p:cond delay="indefinite"/>
+                      </p:stCondLst>
+                      <p:childTnLst>
+                        <p:par>
+                          <p:cTn id="14" fill="hold">
+                            <p:stCondLst>
+                              <p:cond delay="0"/>
+                            </p:stCondLst>
+                            <p:childTnLst>
+                              <p:par>
+                                <p:cTn id="15" presetID="1" presetClass="entr" presetSubtype="0" fill="hold" grpId="0" nodeType="clickEffect">
+                                  <p:stCondLst>
+                                    <p:cond delay="0"/>
+                                  </p:stCondLst>
+                                  <p:childTnLst>
+                                    <p:set>
+                                      <p:cBhvr>
+                                        <p:cTn id="16" dur="1" fill="hold">
+                                          <p:stCondLst>
+                                            <p:cond delay="0"/>
+                                          </p:stCondLst>
+                                        </p:cTn>
+                                        <p:tgtEl>
+                                          <p:spTgt spid="4"/>
+                                        </p:tgtEl>
+                                        <p:attrNameLst>
+                                          <p:attrName>style.visibility</p:attrName>
+                                        </p:attrNameLst>
+                                      </p:cBhvr>
+                                      <p:to>
+                                        <p:strVal val="visible"/>
+                                      </p:to>
+                                    </p:set>
+                                  </p:childTnLst>
+                                </p:cTn>
+                              </p:par>
+                            </p:childTnLst>
+                          </p:cTn>
+                        </p:par>
+                      </p:childTnLst>
+                    </p:cTn>
+                  </p:par>
+                  <p:par>
+                    <p:cTn id="17" fill="hold">
+                      <p:stCondLst>
+                        <p:cond delay="indefinite"/>
+                      </p:stCondLst>
+                      <p:childTnLst>
+                        <p:par>
+                          <p:cTn id="18" fill="hold">
+                            <p:stCondLst>
+                              <p:cond delay="0"/>
+                            </p:stCondLst>
+                            <p:childTnLst>
+                              <p:par>
+                                <p:cTn id="19" presetID="1" presetClass="entr" presetSubtype="0" fill="hold" grpId="0" nodeType="clickEffect">
+                                  <p:stCondLst>
+                                    <p:cond delay="0"/>
+                                  </p:stCondLst>
+                                  <p:childTnLst>
+                                    <p:set>
+                                      <p:cBhvr>
+                                        <p:cTn id="20" dur="1" fill="hold">
+                                          <p:stCondLst>
+                                            <p:cond delay="0"/>
+                                          </p:stCondLst>
+                                        </p:cTn>
+                                        <p:tgtEl>
+                                          <p:spTgt spid="5">
+                                            <p:txEl>
+                                              <p:pRg st="0" end="0"/>
+                                            </p:txEl>
+                                          </p:spTgt>
+                                        </p:tgtEl>
+                                        <p:attrNameLst>
+                                          <p:attrName>style.visibility</p:attrName>
+                                        </p:attrNameLst>
+                                      </p:cBhvr>
+                                      <p:to>
+                                        <p:strVal val="visible"/>
+                                      </p:to>
+                                    </p:set>
+                                  </p:childTnLst>
+                                </p:cTn>
+                              </p:par>
+                              <p:par>
+                                <p:cTn id="21" presetID="1" presetClass="entr" presetSubtype="0" fill="hold" grpId="0" nodeType="withEffect">
+                                  <p:stCondLst>
+                                    <p:cond delay="0"/>
+                                  </p:stCondLst>
+                                  <p:childTnLst>
+                                    <p:set>
+                                      <p:cBhvr>
+                                        <p:cTn id="22" dur="1" fill="hold">
+                                          <p:stCondLst>
+                                            <p:cond delay="0"/>
+                                          </p:stCondLst>
+                                        </p:cTn>
+                                        <p:tgtEl>
+                                          <p:spTgt spid="5">
+                                            <p:txEl>
+                                              <p:pRg st="1" end="1"/>
+                                            </p:txEl>
+                                          </p:spTgt>
+                                        </p:tgtEl>
+                                        <p:attrNameLst>
+                                          <p:attrName>style.visibility</p:attrName>
+                                        </p:attrNameLst>
+                                      </p:cBhvr>
+                                      <p:to>
+                                        <p:strVal val="visible"/>
+                                      </p:to>
+                                    </p:set>
+                                  </p:childTnLst>
+                                </p:cTn>
+                              </p:par>
+                              <p:par>
+                                <p:cTn id="23" presetID="1" presetClass="entr" presetSubtype="0" fill="hold" grpId="0" nodeType="withEffect">
+                                  <p:stCondLst>
+                                    <p:cond delay="0"/>
+                                  </p:stCondLst>
+                                  <p:childTnLst>
+                                    <p:set>
+                                      <p:cBhvr>
+                                        <p:cTn id="24" dur="1" fill="hold">
+                                          <p:stCondLst>
+                                            <p:cond delay="0"/>
+                                          </p:stCondLst>
+                                        </p:cTn>
+                                        <p:tgtEl>
+                                          <p:spTgt spid="5">
+                                            <p:txEl>
+                                              <p:pRg st="2" end="2"/>
+                                            </p:txEl>
+                                          </p:spTgt>
+                                        </p:tgtEl>
+                                        <p:attrNameLst>
+                                          <p:attrName>style.visibility</p:attrName>
+                                        </p:attrNameLst>
+                                      </p:cBhvr>
+                                      <p:to>
+                                        <p:strVal val="visible"/>
+                                      </p:to>
+                                    </p:set>
+                                  </p:childTnLst>
+                                </p:cTn>
+                              </p:par>
+                              <p:par>
+                                <p:cTn id="25" presetID="1" presetClass="entr" presetSubtype="0" fill="hold" grpId="0" nodeType="withEffect">
+                                  <p:stCondLst>
+                                    <p:cond delay="0"/>
+                                  </p:stCondLst>
+                                  <p:childTnLst>
+                                    <p:set>
+                                      <p:cBhvr>
+                                        <p:cTn id="26" dur="1" fill="hold">
+                                          <p:stCondLst>
+                                            <p:cond delay="0"/>
+                                          </p:stCondLst>
+                                        </p:cTn>
+                                        <p:tgtEl>
+                                          <p:spTgt spid="5">
+                                            <p:txEl>
+                                              <p:pRg st="3" end="3"/>
+                                            </p:txEl>
+                                          </p:spTgt>
+                                        </p:tgtEl>
+                                        <p:attrNameLst>
+                                          <p:attrName>style.visibility</p:attrName>
+                                        </p:attrNameLst>
+                                      </p:cBhvr>
+                                      <p:to>
+                                        <p:strVal val="visible"/>
+                                      </p:to>
+                                    </p:set>
+                                  </p:childTnLst>
+                                </p:cTn>
+                              </p:par>
+                              <p:par>
+                                <p:cTn id="27" presetID="1" presetClass="entr" presetSubtype="0" fill="hold" grpId="0" nodeType="withEffect">
+                                  <p:stCondLst>
+                                    <p:cond delay="0"/>
+                                  </p:stCondLst>
+                                  <p:childTnLst>
+                                    <p:set>
+                                      <p:cBhvr>
+                                        <p:cTn id="28" dur="1" fill="hold">
+                                          <p:stCondLst>
+                                            <p:cond delay="0"/>
+                                          </p:stCondLst>
+                                        </p:cTn>
+                                        <p:tgtEl>
+                                          <p:spTgt spid="5">
+                                            <p:txEl>
+                                              <p:pRg st="4" end="4"/>
+                                            </p:txEl>
+                                          </p:spTgt>
+                                        </p:tgtEl>
+                                        <p:attrNameLst>
+                                          <p:attrName>style.visibility</p:attrName>
+                                        </p:attrNameLst>
+                                      </p:cBhvr>
+                                      <p:to>
+                                        <p:strVal val="visible"/>
+                                      </p:to>
+                                    </p:set>
+                                  </p:childTnLst>
+                                </p:cTn>
+                              </p:par>
+                            </p:childTnLst>
+                          </p:cTn>
+                        </p:par>
+                      </p:childTnLst>
+                    </p:cTn>
+                  </p:par>
+                </p:childTnLst>
+              </p:cTn>
+              <p:prevCondLst>
+                <p:cond evt="onPrev" delay="0">
+                  <p:tgtEl>
+                    <p:sldTgt/>
+                  </p:tgtEl>
+                </p:cond>
+              </p:prevCondLst>
+              <p:nextCondLst>
+                <p:cond evt="onNext" delay="0">
+                  <p:tgtEl>
+                    <p:sldTgt/>
+                  </p:tgtEl>
+                </p:cond>
+              </p:nextCondLst>
+            </p:seq>
+          </p:childTnLst>
+        </p:cTn>
+      </p:par>
+    </p:tnLst>
+    <p:bldLst>
+      <p:bldP spid="2" grpId="0"/>
+      <p:bldP spid="3" grpId="0" uiExpand="1" build="p"/>
+      <p:bldP spid="4" grpId="0"/>
+      <p:bldP spid="5" grpId="0" uiExpand="1" build="p"/>
+    </p:bldLst>
+  </p:timing>
+</p:sld>
+</file>
+
+<file path=ppt/slides/slide23.xml><?xml version="1.0" encoding="utf-8"?>
+<p:sld xmlns:a="http://schemas.openxmlformats.org/drawingml/2006/main" xmlns:r="http://schemas.openxmlformats.org/officeDocument/2006/relationships" xmlns:p="http://schemas.openxmlformats.org/presentationml/2006/main">
+  <p:cSld>
+    <p:spTree>
+      <p:nvGrpSpPr>
+        <p:cNvPr id="1" name=""/>
+        <p:cNvGrpSpPr/>
+        <p:nvPr/>
+      </p:nvGrpSpPr>
+      <p:grpSpPr>
+        <a:xfrm>
+          <a:off x="0" y="0"/>
+          <a:ext cx="0" cy="0"/>
+          <a:chOff x="0" y="0"/>
+          <a:chExt cx="0" cy="0"/>
+        </a:xfrm>
+      </p:grpSpPr>
+      <p:sp>
+        <p:nvSpPr>
+          <p:cNvPr id="2" name="Titel 1"/>
+          <p:cNvSpPr>
+            <a:spLocks noGrp="1"/>
+          </p:cNvSpPr>
+          <p:nvPr>
+            <p:ph type="title"/>
+          </p:nvPr>
+        </p:nvSpPr>
+        <p:spPr>
+          <a:xfrm>
+            <a:off x="914400" y="42655"/>
+            <a:ext cx="7315200" cy="1154097"/>
+          </a:xfrm>
+        </p:spPr>
+        <p:txBody>
+          <a:bodyPr/>
+          <a:lstStyle/>
+          <a:p>
+            <a:r>
+              <a:rPr lang="de-DE" dirty="0" smtClean="0"/>
+              <a:t>Quellen</a:t>
+            </a:r>
+            <a:endParaRPr lang="de-DE" dirty="0"/>
+          </a:p>
+        </p:txBody>
+      </p:sp>
+      <p:sp>
+        <p:nvSpPr>
+          <p:cNvPr id="3" name="Inhaltsplatzhalter 2"/>
+          <p:cNvSpPr>
+            <a:spLocks noGrp="1"/>
+          </p:cNvSpPr>
+          <p:nvPr>
+            <p:ph idx="1"/>
+          </p:nvPr>
+        </p:nvSpPr>
+        <p:spPr>
+          <a:xfrm>
+            <a:off x="914400" y="1196752"/>
+            <a:ext cx="7315200" cy="3539527"/>
+          </a:xfrm>
+        </p:spPr>
+        <p:txBody>
+          <a:bodyPr>
+            <a:normAutofit/>
+          </a:bodyPr>
+          <a:lstStyle/>
+          <a:p>
+            <a:r>
+              <a:rPr lang="de-DE" sz="2800" dirty="0" smtClean="0"/>
+              <a:t>http://www.bild.de/digital/smartphone-und-tablet/smartphone/smartphone-studie-chemische-schadstoffe-in-iphone-und-co-26606292.bild.html</a:t>
+            </a:r>
+          </a:p>
+          <a:p>
+            <a:r>
+              <a:rPr lang="de-DE" sz="2800" dirty="0" smtClean="0"/>
+              <a:t>http://www.ecocenter.org/healthy-stuff/</a:t>
+            </a:r>
+          </a:p>
+          <a:p>
+            <a:r>
+              <a:rPr lang="de-DE" sz="2800" dirty="0" err="1" smtClean="0"/>
+              <a:t>GeldfürMüll</a:t>
+            </a:r>
+            <a:r>
+              <a:rPr lang="de-DE" sz="2800" dirty="0" smtClean="0"/>
+              <a:t>                                                                                                                                                                                                                </a:t>
+            </a:r>
+          </a:p>
+        </p:txBody>
+      </p:sp>
+    </p:spTree>
+    <p:extLst>
+      <p:ext uri="{BB962C8B-B14F-4D97-AF65-F5344CB8AC3E}">
+        <p14:creationId xmlns:p14="http://schemas.microsoft.com/office/powerpoint/2010/main" val="3250250346"/>
+      </p:ext>
+    </p:extLst>
+  </p:cSld>
+  <p:clrMapOvr>
+    <a:masterClrMapping/>
+  </p:clrMapOvr>
+  <p:timing>
+    <p:tnLst>
+      <p:par>
+        <p:cTn id="1" dur="indefinite" restart="never" nodeType="tmRoot">
+          <p:childTnLst>
+            <p:seq concurrent="1" nextAc="seek">
+              <p:cTn id="2" dur="indefinite" nodeType="mainSeq">
+                <p:childTnLst>
+                  <p:par>
+                    <p:cTn id="3" fill="hold">
+                      <p:stCondLst>
+                        <p:cond delay="indefinite"/>
+                      </p:stCondLst>
+                      <p:childTnLst>
+                        <p:par>
+                          <p:cTn id="4" fill="hold">
+                            <p:stCondLst>
+                              <p:cond delay="0"/>
+                            </p:stCondLst>
+                            <p:childTnLst>
+                              <p:par>
+                                <p:cTn id="5" presetID="1" presetClass="entr" presetSubtype="0" fill="hold" grpId="0" nodeType="clickEffect">
+                                  <p:stCondLst>
+                                    <p:cond delay="0"/>
+                                  </p:stCondLst>
+                                  <p:childTnLst>
+                                    <p:set>
+                                      <p:cBhvr>
+                                        <p:cTn id="6" dur="1" fill="hold">
+                                          <p:stCondLst>
+                                            <p:cond delay="0"/>
+                                          </p:stCondLst>
+                                        </p:cTn>
+                                        <p:tgtEl>
+                                          <p:spTgt spid="2"/>
+                                        </p:tgtEl>
+                                        <p:attrNameLst>
+                                          <p:attrName>style.visibility</p:attrName>
+                                        </p:attrNameLst>
+                                      </p:cBhvr>
+                                      <p:to>
+                                        <p:strVal val="visible"/>
+                                      </p:to>
+                                    </p:set>
+                                  </p:childTnLst>
+                                </p:cTn>
+                              </p:par>
+                            </p:childTnLst>
+                          </p:cTn>
+                        </p:par>
+                      </p:childTnLst>
+                    </p:cTn>
+                  </p:par>
+                  <p:par>
+                    <p:cTn id="7" fill="hold">
+                      <p:stCondLst>
+                        <p:cond delay="indefinite"/>
+                      </p:stCondLst>
+                      <p:childTnLst>
+                        <p:par>
+                          <p:cTn id="8" fill="hold">
+                            <p:stCondLst>
+                              <p:cond delay="0"/>
+                            </p:stCondLst>
+                            <p:childTnLst>
+                              <p:par>
+                                <p:cTn id="9" presetID="1" presetClass="entr" presetSubtype="0" fill="hold" grpId="0" nodeType="clickEffect">
+                                  <p:stCondLst>
+                                    <p:cond delay="0"/>
+                                  </p:stCondLst>
+                                  <p:childTnLst>
+                                    <p:set>
+                                      <p:cBhvr>
+                                        <p:cTn id="10" dur="1" fill="hold">
+                                          <p:stCondLst>
+                                            <p:cond delay="0"/>
+                                          </p:stCondLst>
+                                        </p:cTn>
+                                        <p:tgtEl>
+                                          <p:spTgt spid="3">
+                                            <p:txEl>
+                                              <p:pRg st="0" end="0"/>
+                                            </p:txEl>
+                                          </p:spTgt>
+                                        </p:tgtEl>
+                                        <p:attrNameLst>
+                                          <p:attrName>style.visibility</p:attrName>
+                                        </p:attrNameLst>
+                                      </p:cBhvr>
+                                      <p:to>
+                                        <p:strVal val="visible"/>
+                                      </p:to>
+                                    </p:set>
+                                  </p:childTnLst>
+                                </p:cTn>
+                              </p:par>
+                              <p:par>
+                                <p:cTn id="11" presetID="1" presetClass="entr" presetSubtype="0" fill="hold" grpId="0" nodeType="withEffect">
+                                  <p:stCondLst>
+                                    <p:cond delay="0"/>
+                                  </p:stCondLst>
+                                  <p:childTnLst>
+                                    <p:set>
+                                      <p:cBhvr>
+                                        <p:cTn id="12" dur="1" fill="hold">
+                                          <p:stCondLst>
+                                            <p:cond delay="0"/>
+                                          </p:stCondLst>
+                                        </p:cTn>
+                                        <p:tgtEl>
+                                          <p:spTgt spid="3">
+                                            <p:txEl>
+                                              <p:pRg st="1" end="1"/>
+                                            </p:txEl>
+                                          </p:spTgt>
+                                        </p:tgtEl>
+                                        <p:attrNameLst>
+                                          <p:attrName>style.visibility</p:attrName>
+                                        </p:attrNameLst>
+                                      </p:cBhvr>
+                                      <p:to>
+                                        <p:strVal val="visible"/>
+                                      </p:to>
+                                    </p:set>
+                                  </p:childTnLst>
+                                </p:cTn>
+                              </p:par>
+                              <p:par>
+                                <p:cTn id="13" presetID="1" presetClass="entr" presetSubtype="0" fill="hold" grpId="0" nodeType="withEffect">
+                                  <p:stCondLst>
+                                    <p:cond delay="0"/>
+                                  </p:stCondLst>
+                                  <p:childTnLst>
+                                    <p:set>
+                                      <p:cBhvr>
+                                        <p:cTn id="14" dur="1" fill="hold">
+                                          <p:stCondLst>
+                                            <p:cond delay="0"/>
+                                          </p:stCondLst>
+                                        </p:cTn>
+                                        <p:tgtEl>
+                                          <p:spTgt spid="3">
+                                            <p:txEl>
+                                              <p:pRg st="2" end="2"/>
+                                            </p:txEl>
+                                          </p:spTgt>
+                                        </p:tgtEl>
+                                        <p:attrNameLst>
+                                          <p:attrName>style.visibility</p:attrName>
+                                        </p:attrNameLst>
+                                      </p:cBhvr>
+                                      <p:to>
+                                        <p:strVal val="visible"/>
+                                      </p:to>
+                                    </p:set>
+                                  </p:childTnLst>
+                                </p:cTn>
+                              </p:par>
+                            </p:childTnLst>
+                          </p:cTn>
+                        </p:par>
+                      </p:childTnLst>
+                    </p:cTn>
+                  </p:par>
+                </p:childTnLst>
+              </p:cTn>
+              <p:prevCondLst>
+                <p:cond evt="onPrev" delay="0">
+                  <p:tgtEl>
+                    <p:sldTgt/>
+                  </p:tgtEl>
+                </p:cond>
+              </p:prevCondLst>
+              <p:nextCondLst>
+                <p:cond evt="onNext" delay="0">
+                  <p:tgtEl>
+                    <p:sldTgt/>
+                  </p:tgtEl>
+                </p:cond>
+              </p:nextCondLst>
+            </p:seq>
+          </p:childTnLst>
+        </p:cTn>
+      </p:par>
+    </p:tnLst>
+    <p:bldLst>
+      <p:bldP spid="2" grpId="0"/>
+      <p:bldP spid="3" grpId="0" uiExpand="1" build="p"/>
+    </p:bldLst>
+  </p:timing>
+</p:sld>
+</file>
+
+<file path=ppt/slides/slide3.xml><?xml version="1.0" encoding="utf-8"?>
+<p:sld xmlns:a="http://schemas.openxmlformats.org/drawingml/2006/main" xmlns:r="http://schemas.openxmlformats.org/officeDocument/2006/relationships" xmlns:p="http://schemas.openxmlformats.org/presentationml/2006/main">
+  <p:cSld>
+    <p:spTree>
+      <p:nvGrpSpPr>
+        <p:cNvPr id="1" name=""/>
+        <p:cNvGrpSpPr/>
+        <p:nvPr/>
+      </p:nvGrpSpPr>
+      <p:grpSpPr>
+        <a:xfrm>
+          <a:off x="0" y="0"/>
+          <a:ext cx="0" cy="0"/>
+          <a:chOff x="0" y="0"/>
+          <a:chExt cx="0" cy="0"/>
+        </a:xfrm>
+      </p:grpSpPr>
+      <p:sp>
+        <p:nvSpPr>
+          <p:cNvPr id="2" name="Titel 1"/>
+          <p:cNvSpPr>
+            <a:spLocks noGrp="1"/>
+          </p:cNvSpPr>
+          <p:nvPr>
+            <p:ph type="ctrTitle"/>
+          </p:nvPr>
+        </p:nvSpPr>
+        <p:spPr/>
+        <p:txBody>
+          <a:bodyPr/>
+          <a:lstStyle/>
+          <a:p>
+            <a:r>
+              <a:rPr lang="de-DE" dirty="0" smtClean="0"/>
+              <a:t>Problem:</a:t>
+            </a:r>
+            <a:br>
+              <a:rPr lang="de-DE" dirty="0" smtClean="0"/>
+            </a:br>
+            <a:r>
+              <a:rPr lang="de-DE" dirty="0" smtClean="0"/>
+              <a:t>Problemmüll im Handy verseucht die Umwelt </a:t>
+            </a:r>
+            <a:endParaRPr lang="de-DE" dirty="0"/>
+          </a:p>
+        </p:txBody>
+      </p:sp>
+      <p:sp>
+        <p:nvSpPr>
+          <p:cNvPr id="3" name="Untertitel 2"/>
+          <p:cNvSpPr>
+            <a:spLocks noGrp="1"/>
+          </p:cNvSpPr>
+          <p:nvPr>
+            <p:ph type="subTitle" idx="1"/>
+          </p:nvPr>
+        </p:nvSpPr>
+        <p:spPr/>
+        <p:txBody>
+          <a:bodyPr/>
+          <a:lstStyle/>
+          <a:p>
+            <a:endParaRPr lang="de-DE" dirty="0"/>
+          </a:p>
+        </p:txBody>
+      </p:sp>
+      <p:sp>
+        <p:nvSpPr>
+          <p:cNvPr id="4" name="Titel 1"/>
+          <p:cNvSpPr txBox="1">
+            <a:spLocks/>
+          </p:cNvSpPr>
+          <p:nvPr/>
+        </p:nvSpPr>
+        <p:spPr>
+          <a:xfrm>
+            <a:off x="1547664" y="-99392"/>
+            <a:ext cx="5976664" cy="1440160"/>
+          </a:xfrm>
+          <a:prstGeom prst="rect">
+            <a:avLst/>
+          </a:prstGeom>
+        </p:spPr>
+        <p:txBody>
+          <a:bodyPr vert="horz" lIns="91440" tIns="45720" rIns="91440" bIns="45720" rtlCol="0" anchor="b">
+            <a:noAutofit/>
+          </a:bodyPr>
+          <a:lstStyle>
+            <a:lvl1pPr algn="l" defTabSz="914400" rtl="0" eaLnBrk="1" latinLnBrk="0" hangingPunct="1">
+              <a:spcBef>
+                <a:spcPct val="0"/>
+              </a:spcBef>
+              <a:buNone/>
+              <a:defRPr sz="4800" kern="1200">
+                <a:solidFill>
+                  <a:schemeClr val="tx2"/>
+                </a:solidFill>
+                <a:latin typeface="+mj-lt"/>
+                <a:ea typeface="+mj-ea"/>
+                <a:cs typeface="+mj-cs"/>
+              </a:defRPr>
+            </a:lvl1pPr>
+            <a:lvl2pPr eaLnBrk="1" hangingPunct="1">
+              <a:defRPr>
+                <a:solidFill>
+                  <a:schemeClr val="tx2"/>
+                </a:solidFill>
+              </a:defRPr>
+            </a:lvl2pPr>
+            <a:lvl3pPr eaLnBrk="1" hangingPunct="1">
+              <a:defRPr>
+                <a:solidFill>
+                  <a:schemeClr val="tx2"/>
+                </a:solidFill>
+              </a:defRPr>
+            </a:lvl3pPr>
+            <a:lvl4pPr eaLnBrk="1" hangingPunct="1">
+              <a:defRPr>
+                <a:solidFill>
+                  <a:schemeClr val="tx2"/>
+                </a:solidFill>
+              </a:defRPr>
+            </a:lvl4pPr>
+            <a:lvl5pPr eaLnBrk="1" hangingPunct="1">
+              <a:defRPr>
+                <a:solidFill>
+                  <a:schemeClr val="tx2"/>
+                </a:solidFill>
+              </a:defRPr>
+            </a:lvl5pPr>
+            <a:lvl6pPr eaLnBrk="1" hangingPunct="1">
+              <a:defRPr>
+                <a:solidFill>
+                  <a:schemeClr val="tx2"/>
+                </a:solidFill>
+              </a:defRPr>
+            </a:lvl6pPr>
+            <a:lvl7pPr eaLnBrk="1" hangingPunct="1">
+              <a:defRPr>
+                <a:solidFill>
+                  <a:schemeClr val="tx2"/>
+                </a:solidFill>
+              </a:defRPr>
+            </a:lvl7pPr>
+            <a:lvl8pPr eaLnBrk="1" hangingPunct="1">
+              <a:defRPr>
+                <a:solidFill>
+                  <a:schemeClr val="tx2"/>
+                </a:solidFill>
+              </a:defRPr>
+            </a:lvl8pPr>
+            <a:lvl9pPr eaLnBrk="1" hangingPunct="1">
+              <a:defRPr>
+                <a:solidFill>
+                  <a:schemeClr val="tx2"/>
+                </a:solidFill>
+              </a:defRPr>
+            </a:lvl9pPr>
+          </a:lstStyle>
+          <a:p>
+            <a:r>
+              <a:rPr lang="de-DE" sz="5400" dirty="0" smtClean="0"/>
+              <a:t>VERSCHROTTEN</a:t>
+            </a:r>
+            <a:endParaRPr lang="de-DE" sz="5400" dirty="0"/>
+          </a:p>
+        </p:txBody>
+      </p:sp>
+    </p:spTree>
+    <p:extLst>
+      <p:ext uri="{BB962C8B-B14F-4D97-AF65-F5344CB8AC3E}">
+        <p14:creationId xmlns:p14="http://schemas.microsoft.com/office/powerpoint/2010/main" val="1977938269"/>
+      </p:ext>
+    </p:extLst>
+  </p:cSld>
+  <p:clrMapOvr>
+    <a:masterClrMapping/>
+  </p:clrMapOvr>
+  <p:timing>
+    <p:tnLst>
+      <p:par>
+        <p:cTn id="1" dur="indefinite" restart="never" nodeType="tmRoot"/>
+      </p:par>
+    </p:tnLst>
+  </p:timing>
+</p:sld>
+</file>
+
+<file path=ppt/slides/slide4.xml><?xml version="1.0" encoding="utf-8"?>
+<p:sld xmlns:a="http://schemas.openxmlformats.org/drawingml/2006/main" xmlns:r="http://schemas.openxmlformats.org/officeDocument/2006/relationships" xmlns:p="http://schemas.openxmlformats.org/presentationml/2006/main">
+  <p:cSld>
+    <p:spTree>
+      <p:nvGrpSpPr>
+        <p:cNvPr id="1" name=""/>
+        <p:cNvGrpSpPr/>
+        <p:nvPr/>
+      </p:nvGrpSpPr>
+      <p:grpSpPr>
+        <a:xfrm>
+          <a:off x="0" y="0"/>
+          <a:ext cx="0" cy="0"/>
+          <a:chOff x="0" y="0"/>
+          <a:chExt cx="0" cy="0"/>
+        </a:xfrm>
+      </p:grpSpPr>
+      <p:sp>
+        <p:nvSpPr>
+          <p:cNvPr id="6" name="Titel 5"/>
+          <p:cNvSpPr>
+            <a:spLocks noGrp="1"/>
+          </p:cNvSpPr>
+          <p:nvPr>
+            <p:ph type="title"/>
+          </p:nvPr>
+        </p:nvSpPr>
+        <p:spPr>
+          <a:xfrm>
+            <a:off x="914400" y="548680"/>
+            <a:ext cx="7315200" cy="1154097"/>
+          </a:xfrm>
+        </p:spPr>
+        <p:txBody>
+          <a:bodyPr>
+            <a:noAutofit/>
+          </a:bodyPr>
+          <a:lstStyle/>
+          <a:p>
+            <a:r>
+              <a:rPr lang="de-DE" sz="3600" dirty="0" smtClean="0"/>
+              <a:t>Welchen Problemmüll gibt es im Handy?</a:t>
+            </a:r>
+            <a:endParaRPr lang="de-DE" sz="3600" dirty="0"/>
+          </a:p>
+        </p:txBody>
+      </p:sp>
+      <p:sp>
+        <p:nvSpPr>
+          <p:cNvPr id="7" name="Inhaltsplatzhalter 6"/>
+          <p:cNvSpPr>
+            <a:spLocks noGrp="1"/>
+          </p:cNvSpPr>
+          <p:nvPr>
+            <p:ph idx="1"/>
+          </p:nvPr>
+        </p:nvSpPr>
+        <p:spPr>
+          <a:xfrm>
+            <a:off x="914400" y="1844824"/>
+            <a:ext cx="7315200" cy="3539527"/>
+          </a:xfrm>
+        </p:spPr>
+        <p:txBody>
+          <a:bodyPr>
+            <a:normAutofit/>
+          </a:bodyPr>
+          <a:lstStyle/>
+          <a:p>
+            <a:r>
+              <a:rPr lang="de-DE" sz="2400" dirty="0" smtClean="0"/>
+              <a:t>Handys zählen allgemein als Problemmüll, wie fast jedes Elektronisches Gerät</a:t>
+            </a:r>
+          </a:p>
+          <a:p>
+            <a:r>
+              <a:rPr lang="de-DE" sz="2400" dirty="0"/>
+              <a:t>Brom </a:t>
+            </a:r>
+          </a:p>
+          <a:p>
+            <a:r>
+              <a:rPr lang="de-DE" sz="2400" dirty="0"/>
+              <a:t>Chrom </a:t>
+            </a:r>
+          </a:p>
+          <a:p>
+            <a:r>
+              <a:rPr lang="de-DE" sz="2400" dirty="0"/>
+              <a:t>Akkus</a:t>
+            </a:r>
+          </a:p>
+          <a:p>
+            <a:pPr lvl="1"/>
+            <a:r>
+              <a:rPr lang="de-DE" sz="2400" dirty="0"/>
+              <a:t>Cadmium</a:t>
+            </a:r>
+          </a:p>
+          <a:p>
+            <a:pPr lvl="1"/>
+            <a:r>
+              <a:rPr lang="de-DE" sz="2400" dirty="0"/>
+              <a:t>Quecksilber</a:t>
+            </a:r>
+          </a:p>
+          <a:p>
+            <a:pPr lvl="1"/>
+            <a:r>
+              <a:rPr lang="de-DE" sz="2400" dirty="0"/>
+              <a:t>Blei </a:t>
+            </a:r>
+          </a:p>
+          <a:p>
+            <a:endParaRPr lang="de-DE" sz="2400" dirty="0"/>
+          </a:p>
+        </p:txBody>
+      </p:sp>
+    </p:spTree>
+    <p:extLst>
+      <p:ext uri="{BB962C8B-B14F-4D97-AF65-F5344CB8AC3E}">
+        <p14:creationId xmlns:p14="http://schemas.microsoft.com/office/powerpoint/2010/main" val="1439126052"/>
+      </p:ext>
+    </p:extLst>
+  </p:cSld>
+  <p:clrMapOvr>
+    <a:masterClrMapping/>
+  </p:clrMapOvr>
+  <p:timing>
+    <p:tnLst>
+      <p:par>
+        <p:cTn id="1" dur="indefinite" restart="never" nodeType="tmRoot">
+          <p:childTnLst>
+            <p:seq concurrent="1" nextAc="seek">
+              <p:cTn id="2" dur="indefinite" nodeType="mainSeq">
+                <p:childTnLst>
+                  <p:par>
+                    <p:cTn id="3" fill="hold">
+                      <p:stCondLst>
+                        <p:cond delay="indefinite"/>
+                      </p:stCondLst>
+                      <p:childTnLst>
+                        <p:par>
+                          <p:cTn id="4" fill="hold">
+                            <p:stCondLst>
+                              <p:cond delay="0"/>
+                            </p:stCondLst>
+                            <p:childTnLst>
+                              <p:par>
+                                <p:cTn id="5" presetID="1" presetClass="entr" presetSubtype="0" fill="hold" grpId="0" nodeType="clickEffect">
+                                  <p:stCondLst>
+                                    <p:cond delay="0"/>
+                                  </p:stCondLst>
+                                  <p:childTnLst>
+                                    <p:set>
+                                      <p:cBhvr>
+                                        <p:cTn id="6" dur="1" fill="hold">
+                                          <p:stCondLst>
+                                            <p:cond delay="0"/>
+                                          </p:stCondLst>
+                                        </p:cTn>
+                                        <p:tgtEl>
+                                          <p:spTgt spid="6"/>
+                                        </p:tgtEl>
+                                        <p:attrNameLst>
+                                          <p:attrName>style.visibility</p:attrName>
+                                        </p:attrNameLst>
+                                      </p:cBhvr>
+                                      <p:to>
+                                        <p:strVal val="visible"/>
+                                      </p:to>
+                                    </p:set>
+                                  </p:childTnLst>
+                                </p:cTn>
+                              </p:par>
+                            </p:childTnLst>
+                          </p:cTn>
+                        </p:par>
+                      </p:childTnLst>
+                    </p:cTn>
+                  </p:par>
+                  <p:par>
+                    <p:cTn id="7" fill="hold">
+                      <p:stCondLst>
+                        <p:cond delay="indefinite"/>
+                      </p:stCondLst>
+                      <p:childTnLst>
+                        <p:par>
+                          <p:cTn id="8" fill="hold">
+                            <p:stCondLst>
+                              <p:cond delay="0"/>
+                            </p:stCondLst>
+                            <p:childTnLst>
+                              <p:par>
+                                <p:cTn id="9" presetID="1" presetClass="entr" presetSubtype="0" fill="hold" grpId="0" nodeType="clickEffect">
+                                  <p:stCondLst>
+                                    <p:cond delay="0"/>
+                                  </p:stCondLst>
+                                  <p:childTnLst>
+                                    <p:set>
+                                      <p:cBhvr>
+                                        <p:cTn id="10" dur="1" fill="hold">
+                                          <p:stCondLst>
+                                            <p:cond delay="0"/>
+                                          </p:stCondLst>
+                                        </p:cTn>
+                                        <p:tgtEl>
+                                          <p:spTgt spid="7">
+                                            <p:txEl>
+                                              <p:pRg st="0" end="0"/>
+                                            </p:txEl>
+                                          </p:spTgt>
+                                        </p:tgtEl>
+                                        <p:attrNameLst>
+                                          <p:attrName>style.visibility</p:attrName>
+                                        </p:attrNameLst>
+                                      </p:cBhvr>
+                                      <p:to>
+                                        <p:strVal val="visible"/>
+                                      </p:to>
+                                    </p:set>
+                                  </p:childTnLst>
+                                </p:cTn>
+                              </p:par>
+                            </p:childTnLst>
+                          </p:cTn>
+                        </p:par>
+                      </p:childTnLst>
+                    </p:cTn>
+                  </p:par>
+                  <p:par>
+                    <p:cTn id="11" fill="hold">
+                      <p:stCondLst>
+                        <p:cond delay="indefinite"/>
+                      </p:stCondLst>
+                      <p:childTnLst>
+                        <p:par>
+                          <p:cTn id="12" fill="hold">
+                            <p:stCondLst>
+                              <p:cond delay="0"/>
+                            </p:stCondLst>
+                            <p:childTnLst>
+                              <p:par>
+                                <p:cTn id="13" presetID="1" presetClass="entr" presetSubtype="0" fill="hold" grpId="0" nodeType="clickEffect">
+                                  <p:stCondLst>
+                                    <p:cond delay="0"/>
+                                  </p:stCondLst>
+                                  <p:childTnLst>
+                                    <p:set>
+                                      <p:cBhvr>
+                                        <p:cTn id="14" dur="1" fill="hold">
+                                          <p:stCondLst>
+                                            <p:cond delay="0"/>
+                                          </p:stCondLst>
+                                        </p:cTn>
+                                        <p:tgtEl>
+                                          <p:spTgt spid="7">
+                                            <p:txEl>
+                                              <p:pRg st="1" end="1"/>
+                                            </p:txEl>
+                                          </p:spTgt>
+                                        </p:tgtEl>
+                                        <p:attrNameLst>
+                                          <p:attrName>style.visibility</p:attrName>
+                                        </p:attrNameLst>
+                                      </p:cBhvr>
+                                      <p:to>
+                                        <p:strVal val="visible"/>
+                                      </p:to>
+                                    </p:set>
+                                  </p:childTnLst>
+                                </p:cTn>
+                              </p:par>
+                            </p:childTnLst>
+                          </p:cTn>
+                        </p:par>
+                      </p:childTnLst>
+                    </p:cTn>
+                  </p:par>
+                  <p:par>
+                    <p:cTn id="15" fill="hold">
+                      <p:stCondLst>
+                        <p:cond delay="indefinite"/>
+                      </p:stCondLst>
+                      <p:childTnLst>
+                        <p:par>
+                          <p:cTn id="16" fill="hold">
+                            <p:stCondLst>
+                              <p:cond delay="0"/>
+                            </p:stCondLst>
+                            <p:childTnLst>
+                              <p:par>
+                                <p:cTn id="17" presetID="1" presetClass="entr" presetSubtype="0" fill="hold" grpId="0" nodeType="clickEffect">
+                                  <p:stCondLst>
+                                    <p:cond delay="0"/>
+                                  </p:stCondLst>
+                                  <p:childTnLst>
+                                    <p:set>
+                                      <p:cBhvr>
+                                        <p:cTn id="18" dur="1" fill="hold">
+                                          <p:stCondLst>
+                                            <p:cond delay="0"/>
+                                          </p:stCondLst>
+                                        </p:cTn>
+                                        <p:tgtEl>
+                                          <p:spTgt spid="7">
+                                            <p:txEl>
+                                              <p:pRg st="2" end="2"/>
+                                            </p:txEl>
+                                          </p:spTgt>
+                                        </p:tgtEl>
+                                        <p:attrNameLst>
+                                          <p:attrName>style.visibility</p:attrName>
+                                        </p:attrNameLst>
+                                      </p:cBhvr>
+                                      <p:to>
+                                        <p:strVal val="visible"/>
+                                      </p:to>
+                                    </p:set>
+                                  </p:childTnLst>
+                                </p:cTn>
+                              </p:par>
+                            </p:childTnLst>
+                          </p:cTn>
+                        </p:par>
+                      </p:childTnLst>
+                    </p:cTn>
+                  </p:par>
+                  <p:par>
+                    <p:cTn id="19" fill="hold">
+                      <p:stCondLst>
+                        <p:cond delay="indefinite"/>
+                      </p:stCondLst>
+                      <p:childTnLst>
+                        <p:par>
+                          <p:cTn id="20" fill="hold">
+                            <p:stCondLst>
+                              <p:cond delay="0"/>
+                            </p:stCondLst>
+                            <p:childTnLst>
+                              <p:par>
+                                <p:cTn id="21" presetID="1" presetClass="entr" presetSubtype="0" fill="hold" grpId="0" nodeType="clickEffect">
+                                  <p:stCondLst>
+                                    <p:cond delay="0"/>
+                                  </p:stCondLst>
+                                  <p:childTnLst>
+                                    <p:set>
+                                      <p:cBhvr>
+                                        <p:cTn id="22" dur="1" fill="hold">
+                                          <p:stCondLst>
+                                            <p:cond delay="0"/>
+                                          </p:stCondLst>
+                                        </p:cTn>
+                                        <p:tgtEl>
+                                          <p:spTgt spid="7">
+                                            <p:txEl>
+                                              <p:pRg st="3" end="3"/>
+                                            </p:txEl>
+                                          </p:spTgt>
+                                        </p:tgtEl>
+                                        <p:attrNameLst>
+                                          <p:attrName>style.visibility</p:attrName>
+                                        </p:attrNameLst>
+                                      </p:cBhvr>
+                                      <p:to>
+                                        <p:strVal val="visible"/>
+                                      </p:to>
+                                    </p:set>
+                                  </p:childTnLst>
+                                </p:cTn>
+                              </p:par>
+                              <p:par>
+                                <p:cTn id="23" presetID="1" presetClass="entr" presetSubtype="0" fill="hold" grpId="0" nodeType="withEffect">
+                                  <p:stCondLst>
+                                    <p:cond delay="0"/>
+                                  </p:stCondLst>
+                                  <p:childTnLst>
+                                    <p:set>
+                                      <p:cBhvr>
+                                        <p:cTn id="24" dur="1" fill="hold">
+                                          <p:stCondLst>
+                                            <p:cond delay="0"/>
+                                          </p:stCondLst>
+                                        </p:cTn>
+                                        <p:tgtEl>
+                                          <p:spTgt spid="7">
+                                            <p:txEl>
+                                              <p:pRg st="4" end="4"/>
+                                            </p:txEl>
+                                          </p:spTgt>
+                                        </p:tgtEl>
+                                        <p:attrNameLst>
+                                          <p:attrName>style.visibility</p:attrName>
+                                        </p:attrNameLst>
+                                      </p:cBhvr>
+                                      <p:to>
+                                        <p:strVal val="visible"/>
+                                      </p:to>
+                                    </p:set>
+                                  </p:childTnLst>
+                                </p:cTn>
+                              </p:par>
+                              <p:par>
+                                <p:cTn id="25" presetID="1" presetClass="entr" presetSubtype="0" fill="hold" grpId="0" nodeType="withEffect">
+                                  <p:stCondLst>
+                                    <p:cond delay="0"/>
+                                  </p:stCondLst>
+                                  <p:childTnLst>
+                                    <p:set>
+                                      <p:cBhvr>
+                                        <p:cTn id="26" dur="1" fill="hold">
+                                          <p:stCondLst>
+                                            <p:cond delay="0"/>
+                                          </p:stCondLst>
+                                        </p:cTn>
+                                        <p:tgtEl>
+                                          <p:spTgt spid="7">
+                                            <p:txEl>
+                                              <p:pRg st="5" end="5"/>
+                                            </p:txEl>
+                                          </p:spTgt>
+                                        </p:tgtEl>
+                                        <p:attrNameLst>
+                                          <p:attrName>style.visibility</p:attrName>
+                                        </p:attrNameLst>
+                                      </p:cBhvr>
+                                      <p:to>
+                                        <p:strVal val="visible"/>
+                                      </p:to>
+                                    </p:set>
+                                  </p:childTnLst>
+                                </p:cTn>
+                              </p:par>
+                              <p:par>
+                                <p:cTn id="27" presetID="1" presetClass="entr" presetSubtype="0" fill="hold" grpId="0" nodeType="withEffect">
+                                  <p:stCondLst>
+                                    <p:cond delay="0"/>
+                                  </p:stCondLst>
+                                  <p:childTnLst>
+                                    <p:set>
+                                      <p:cBhvr>
+                                        <p:cTn id="28" dur="1" fill="hold">
+                                          <p:stCondLst>
+                                            <p:cond delay="0"/>
+                                          </p:stCondLst>
+                                        </p:cTn>
+                                        <p:tgtEl>
+                                          <p:spTgt spid="7">
+                                            <p:txEl>
+                                              <p:pRg st="6" end="6"/>
+                                            </p:txEl>
+                                          </p:spTgt>
+                                        </p:tgtEl>
+                                        <p:attrNameLst>
+                                          <p:attrName>style.visibility</p:attrName>
+                                        </p:attrNameLst>
+                                      </p:cBhvr>
+                                      <p:to>
+                                        <p:strVal val="visible"/>
+                                      </p:to>
+                                    </p:set>
+                                  </p:childTnLst>
+                                </p:cTn>
+                              </p:par>
+                            </p:childTnLst>
+                          </p:cTn>
+                        </p:par>
+                      </p:childTnLst>
+                    </p:cTn>
+                  </p:par>
+                </p:childTnLst>
+              </p:cTn>
+              <p:prevCondLst>
+                <p:cond evt="onPrev" delay="0">
+                  <p:tgtEl>
+                    <p:sldTgt/>
+                  </p:tgtEl>
+                </p:cond>
+              </p:prevCondLst>
+              <p:nextCondLst>
+                <p:cond evt="onNext" delay="0">
+                  <p:tgtEl>
+                    <p:sldTgt/>
+                  </p:tgtEl>
+                </p:cond>
+              </p:nextCondLst>
+            </p:seq>
+          </p:childTnLst>
+        </p:cTn>
+      </p:par>
+    </p:tnLst>
+    <p:bldLst>
+      <p:bldP spid="6" grpId="0"/>
+      <p:bldP spid="7" grpId="0" uiExpand="1" build="p"/>
+    </p:bldLst>
+  </p:timing>
+</p:sld>
+</file>
+
+<file path=ppt/slides/slide5.xml><?xml version="1.0" encoding="utf-8"?>
+<p:sld xmlns:a="http://schemas.openxmlformats.org/drawingml/2006/main" xmlns:r="http://schemas.openxmlformats.org/officeDocument/2006/relationships" xmlns:p="http://schemas.openxmlformats.org/presentationml/2006/main">
+  <p:cSld>
+    <p:spTree>
+      <p:nvGrpSpPr>
+        <p:cNvPr id="1" name=""/>
+        <p:cNvGrpSpPr/>
+        <p:nvPr/>
+      </p:nvGrpSpPr>
+      <p:grpSpPr>
+        <a:xfrm>
+          <a:off x="0" y="0"/>
+          <a:ext cx="0" cy="0"/>
+          <a:chOff x="0" y="0"/>
+          <a:chExt cx="0" cy="0"/>
+        </a:xfrm>
+      </p:grpSpPr>
+      <p:sp>
+        <p:nvSpPr>
+          <p:cNvPr id="2" name="Titel 1"/>
+          <p:cNvSpPr>
+            <a:spLocks noGrp="1"/>
+          </p:cNvSpPr>
+          <p:nvPr>
+            <p:ph type="title"/>
+          </p:nvPr>
+        </p:nvSpPr>
+        <p:spPr>
+          <a:xfrm>
+            <a:off x="914400" y="44624"/>
+            <a:ext cx="7315200" cy="1154097"/>
+          </a:xfrm>
+        </p:spPr>
+        <p:txBody>
+          <a:bodyPr/>
+          <a:lstStyle/>
+          <a:p>
+            <a:r>
+              <a:rPr lang="de-DE" dirty="0" smtClean="0"/>
+              <a:t>Auswirkungen der Stoffe</a:t>
+            </a:r>
+            <a:endParaRPr lang="de-DE" dirty="0"/>
+          </a:p>
+        </p:txBody>
+      </p:sp>
+      <p:sp>
+        <p:nvSpPr>
+          <p:cNvPr id="3" name="Inhaltsplatzhalter 2"/>
+          <p:cNvSpPr>
+            <a:spLocks noGrp="1"/>
+          </p:cNvSpPr>
+          <p:nvPr>
+            <p:ph idx="1"/>
+          </p:nvPr>
+        </p:nvSpPr>
+        <p:spPr>
+          <a:xfrm>
+            <a:off x="914400" y="1484784"/>
+            <a:ext cx="7315200" cy="3539527"/>
+          </a:xfrm>
+        </p:spPr>
+        <p:txBody>
+          <a:bodyPr>
+            <a:normAutofit/>
+          </a:bodyPr>
+          <a:lstStyle/>
+          <a:p>
+            <a:r>
+              <a:rPr lang="de-DE" sz="2400" dirty="0" smtClean="0"/>
               <a:t>Diese Chemikalien können bei Mensch und Tier zu Geburtsdefekten und Gesundheitsstörungen führen</a:t>
             </a:r>
           </a:p>
           <a:p>
             <a:r>
-              <a:rPr lang="de-DE" dirty="0" smtClean="0"/>
+              <a:rPr lang="de-DE" sz="2400" dirty="0" smtClean="0"/>
               <a:t>ABER: Nutzung eines Handys an sich nicht gefährlich</a:t>
             </a:r>
           </a:p>
           <a:p>
             <a:r>
-              <a:rPr lang="de-DE" dirty="0" smtClean="0"/>
+              <a:rPr lang="de-DE" sz="2400" dirty="0" smtClean="0"/>
               <a:t>Extremes Beispiel: </a:t>
             </a:r>
             <a:r>
-              <a:rPr lang="de-DE" dirty="0" err="1" smtClean="0"/>
+              <a:rPr lang="de-DE" sz="2400" dirty="0" err="1" smtClean="0"/>
               <a:t>Agbogbloshie</a:t>
             </a:r>
             <a:r>
-              <a:rPr lang="de-DE" dirty="0" smtClean="0"/>
-              <a:t>, ein Vorort der ghanaischen Accra ist komplett verseucht</a:t>
-            </a:r>
-          </a:p>
-          <a:p>
-            <a:endParaRPr lang="de-DE" dirty="0"/>
+              <a:rPr lang="de-DE" sz="2400" dirty="0" smtClean="0"/>
+              <a:t>, ein Vorort der ghanaischen Accra ist komplett verseucht durch Elektromüll</a:t>
+            </a:r>
+          </a:p>
+          <a:p>
+            <a:endParaRPr lang="de-DE" sz="2400" dirty="0"/>
           </a:p>
         </p:txBody>
       </p:sp>
       <p:pic>
         <p:nvPicPr>
-          <p:cNvPr id="1026" name="Picture 2" descr="U:\Schule\Robotics\Agbogbloshie.jpg"/>
+          <p:cNvPr id="1026" name="Picture 2" descr="http://www.behindthescreen.at/img/gallery1.jpg"/>
           <p:cNvPicPr>
             <a:picLocks noChangeAspect="1" noChangeArrowheads="1"/>
           </p:cNvPicPr>
@@ -4190,8 +9507,8 @@
         </p:blipFill>
         <p:spPr bwMode="auto">
           <a:xfrm>
-            <a:off x="395536" y="980728"/>
-            <a:ext cx="7883319" cy="4440163"/>
+            <a:off x="237906" y="620688"/>
+            <a:ext cx="8906094" cy="5016228"/>
           </a:xfrm>
           <a:prstGeom prst="rect">
             <a:avLst/>
@@ -4211,7 +9528,7 @@
     </p:spTree>
     <p:extLst>
       <p:ext uri="{BB962C8B-B14F-4D97-AF65-F5344CB8AC3E}">
-        <p14:creationId xmlns:p14="http://schemas.microsoft.com/office/powerpoint/2010/main" val="516410537"/>
+        <p14:creationId xmlns:p14="http://schemas.microsoft.com/office/powerpoint/2010/main" val="2682180839"/>
       </p:ext>
     </p:extLst>
   </p:cSld>
@@ -4230,9 +9547,6 @@
                     <p:cTn id="3" fill="hold">
                       <p:stCondLst>
                         <p:cond delay="indefinite"/>
-                        <p:cond evt="onBegin" delay="0">
-                          <p:tn val="2"/>
-                        </p:cond>
                       </p:stCondLst>
                       <p:childTnLst>
                         <p:par>
@@ -4242,7 +9556,7 @@
                             </p:stCondLst>
                             <p:childTnLst>
                               <p:par>
-                                <p:cTn id="5" presetID="1" presetClass="entr" presetSubtype="0" fill="hold" grpId="0" nodeType="withEffect">
+                                <p:cTn id="5" presetID="1" presetClass="entr" presetSubtype="0" fill="hold" grpId="0" nodeType="clickEffect">
                                   <p:stCondLst>
                                     <p:cond delay="0"/>
                                   </p:stCondLst>
@@ -4434,7 +9748,7 @@
                             </p:stCondLst>
                             <p:childTnLst>
                               <p:par>
-                                <p:cTn id="21" presetID="1" presetClass="exit" presetSubtype="0" fill="hold" nodeType="clickEffect">
+                                <p:cTn id="21" presetID="1" presetClass="entr" presetSubtype="0" fill="hold" nodeType="clickEffect">
                                   <p:stCondLst>
                                     <p:cond delay="0"/>
                                   </p:stCondLst>
@@ -4454,7 +9768,7 @@
                                         </p:attrNameLst>
                                       </p:cBhvr>
                                       <p:to>
-                                        <p:strVal val="hidden"/>
+                                        <p:strVal val="visible"/>
                                       </p:to>
                                     </p:set>
                                   </p:childTnLst>
@@ -4489,13 +9803,13 @@
     </p:tnLst>
     <p:bldLst>
       <p:bldP spid="2" grpId="0"/>
-      <p:bldP spid="3" grpId="0" build="p"/>
+      <p:bldP spid="3" grpId="0" uiExpand="1" build="p"/>
     </p:bldLst>
   </p:timing>
 </p:sld>
 </file>
 
-<file path=ppt/slides/slide15.xml><?xml version="1.0" encoding="utf-8"?>
+<file path=ppt/slides/slide6.xml><?xml version="1.0" encoding="utf-8"?>
 <p:sld xmlns:a="http://schemas.openxmlformats.org/drawingml/2006/main" xmlns:r="http://schemas.openxmlformats.org/officeDocument/2006/relationships" xmlns:p="http://schemas.openxmlformats.org/presentationml/2006/main">
   <p:cSld>
     <p:spTree>
@@ -4519,19 +9833,291 @@
             <a:spLocks noGrp="1"/>
           </p:cNvSpPr>
           <p:nvPr>
+            <p:ph type="ctrTitle"/>
+          </p:nvPr>
+        </p:nvSpPr>
+        <p:spPr>
+          <a:xfrm>
+            <a:off x="914400" y="3966536"/>
+            <a:ext cx="7315200" cy="1145113"/>
+          </a:xfrm>
+        </p:spPr>
+        <p:txBody>
+          <a:bodyPr/>
+          <a:lstStyle/>
+          <a:p>
+            <a:r>
+              <a:rPr lang="de-DE" dirty="0" smtClean="0"/>
+              <a:t>Ressourcen herausfiltern</a:t>
+            </a:r>
+            <a:endParaRPr lang="de-DE" dirty="0"/>
+          </a:p>
+        </p:txBody>
+      </p:sp>
+      <p:sp>
+        <p:nvSpPr>
+          <p:cNvPr id="3" name="Untertitel 2"/>
+          <p:cNvSpPr>
+            <a:spLocks noGrp="1"/>
+          </p:cNvSpPr>
+          <p:nvPr>
+            <p:ph type="subTitle" idx="1"/>
+          </p:nvPr>
+        </p:nvSpPr>
+        <p:spPr/>
+        <p:txBody>
+          <a:bodyPr/>
+          <a:lstStyle/>
+          <a:p>
+            <a:endParaRPr lang="de-DE" dirty="0"/>
+          </a:p>
+        </p:txBody>
+      </p:sp>
+      <p:sp>
+        <p:nvSpPr>
+          <p:cNvPr id="4" name="Titel 1"/>
+          <p:cNvSpPr txBox="1">
+            <a:spLocks/>
+          </p:cNvSpPr>
+          <p:nvPr/>
+        </p:nvSpPr>
+        <p:spPr>
+          <a:xfrm>
+            <a:off x="2555776" y="404664"/>
+            <a:ext cx="3960440" cy="794825"/>
+          </a:xfrm>
+          <a:prstGeom prst="rect">
+            <a:avLst/>
+          </a:prstGeom>
+        </p:spPr>
+        <p:txBody>
+          <a:bodyPr vert="horz" lIns="91440" tIns="45720" rIns="91440" bIns="45720" rtlCol="0" anchor="b">
+            <a:noAutofit/>
+          </a:bodyPr>
+          <a:lstStyle>
+            <a:lvl1pPr algn="l" defTabSz="914400" rtl="0" eaLnBrk="1" latinLnBrk="0" hangingPunct="1">
+              <a:spcBef>
+                <a:spcPct val="0"/>
+              </a:spcBef>
+              <a:buNone/>
+              <a:defRPr sz="4800" kern="1200">
+                <a:solidFill>
+                  <a:schemeClr val="tx2"/>
+                </a:solidFill>
+                <a:latin typeface="+mj-lt"/>
+                <a:ea typeface="+mj-ea"/>
+                <a:cs typeface="+mj-cs"/>
+              </a:defRPr>
+            </a:lvl1pPr>
+            <a:lvl2pPr eaLnBrk="1" hangingPunct="1">
+              <a:defRPr>
+                <a:solidFill>
+                  <a:schemeClr val="tx2"/>
+                </a:solidFill>
+              </a:defRPr>
+            </a:lvl2pPr>
+            <a:lvl3pPr eaLnBrk="1" hangingPunct="1">
+              <a:defRPr>
+                <a:solidFill>
+                  <a:schemeClr val="tx2"/>
+                </a:solidFill>
+              </a:defRPr>
+            </a:lvl3pPr>
+            <a:lvl4pPr eaLnBrk="1" hangingPunct="1">
+              <a:defRPr>
+                <a:solidFill>
+                  <a:schemeClr val="tx2"/>
+                </a:solidFill>
+              </a:defRPr>
+            </a:lvl4pPr>
+            <a:lvl5pPr eaLnBrk="1" hangingPunct="1">
+              <a:defRPr>
+                <a:solidFill>
+                  <a:schemeClr val="tx2"/>
+                </a:solidFill>
+              </a:defRPr>
+            </a:lvl5pPr>
+            <a:lvl6pPr eaLnBrk="1" hangingPunct="1">
+              <a:defRPr>
+                <a:solidFill>
+                  <a:schemeClr val="tx2"/>
+                </a:solidFill>
+              </a:defRPr>
+            </a:lvl6pPr>
+            <a:lvl7pPr eaLnBrk="1" hangingPunct="1">
+              <a:defRPr>
+                <a:solidFill>
+                  <a:schemeClr val="tx2"/>
+                </a:solidFill>
+              </a:defRPr>
+            </a:lvl7pPr>
+            <a:lvl8pPr eaLnBrk="1" hangingPunct="1">
+              <a:defRPr>
+                <a:solidFill>
+                  <a:schemeClr val="tx2"/>
+                </a:solidFill>
+              </a:defRPr>
+            </a:lvl8pPr>
+            <a:lvl9pPr eaLnBrk="1" hangingPunct="1">
+              <a:defRPr>
+                <a:solidFill>
+                  <a:schemeClr val="tx2"/>
+                </a:solidFill>
+              </a:defRPr>
+            </a:lvl9pPr>
+          </a:lstStyle>
+          <a:p>
+            <a:r>
+              <a:rPr lang="de-DE" sz="5400" dirty="0" smtClean="0"/>
+              <a:t>RECYCLEN</a:t>
+            </a:r>
+            <a:endParaRPr lang="de-DE" sz="5400" dirty="0"/>
+          </a:p>
+        </p:txBody>
+      </p:sp>
+    </p:spTree>
+    <p:extLst>
+      <p:ext uri="{BB962C8B-B14F-4D97-AF65-F5344CB8AC3E}">
+        <p14:creationId xmlns:p14="http://schemas.microsoft.com/office/powerpoint/2010/main" val="4096253130"/>
+      </p:ext>
+    </p:extLst>
+  </p:cSld>
+  <p:clrMapOvr>
+    <a:masterClrMapping/>
+  </p:clrMapOvr>
+  <p:timing>
+    <p:tnLst>
+      <p:par>
+        <p:cTn id="1" dur="indefinite" restart="never" nodeType="tmRoot"/>
+      </p:par>
+    </p:tnLst>
+  </p:timing>
+</p:sld>
+</file>
+
+<file path=ppt/slides/slide7.xml><?xml version="1.0" encoding="utf-8"?>
+<p:sld xmlns:a="http://schemas.openxmlformats.org/drawingml/2006/main" xmlns:r="http://schemas.openxmlformats.org/officeDocument/2006/relationships" xmlns:p="http://schemas.openxmlformats.org/presentationml/2006/main">
+  <p:cSld>
+    <p:spTree>
+      <p:nvGrpSpPr>
+        <p:cNvPr id="1" name=""/>
+        <p:cNvGrpSpPr/>
+        <p:nvPr/>
+      </p:nvGrpSpPr>
+      <p:grpSpPr>
+        <a:xfrm>
+          <a:off x="0" y="0"/>
+          <a:ext cx="0" cy="0"/>
+          <a:chOff x="0" y="0"/>
+          <a:chExt cx="0" cy="0"/>
+        </a:xfrm>
+      </p:grpSpPr>
+      <p:sp>
+        <p:nvSpPr>
+          <p:cNvPr id="2" name="Titel 1"/>
+          <p:cNvSpPr>
+            <a:spLocks noGrp="1"/>
+          </p:cNvSpPr>
+          <p:nvPr>
+            <p:ph type="ctrTitle"/>
+          </p:nvPr>
+        </p:nvSpPr>
+        <p:spPr/>
+        <p:txBody>
+          <a:bodyPr>
+            <a:normAutofit/>
+          </a:bodyPr>
+          <a:lstStyle/>
+          <a:p>
+            <a:r>
+              <a:rPr lang="de-DE" dirty="0" smtClean="0"/>
+              <a:t>Doch welche Ressourcen gibt es überhaupt in Handys?</a:t>
+            </a:r>
+            <a:endParaRPr lang="de-DE" dirty="0"/>
+          </a:p>
+        </p:txBody>
+      </p:sp>
+      <p:sp>
+        <p:nvSpPr>
+          <p:cNvPr id="3" name="Untertitel 2"/>
+          <p:cNvSpPr>
+            <a:spLocks noGrp="1"/>
+          </p:cNvSpPr>
+          <p:nvPr>
+            <p:ph type="subTitle" idx="1"/>
+          </p:nvPr>
+        </p:nvSpPr>
+        <p:spPr/>
+        <p:txBody>
+          <a:bodyPr/>
+          <a:lstStyle/>
+          <a:p>
+            <a:endParaRPr lang="de-DE"/>
+          </a:p>
+        </p:txBody>
+      </p:sp>
+    </p:spTree>
+    <p:extLst>
+      <p:ext uri="{BB962C8B-B14F-4D97-AF65-F5344CB8AC3E}">
+        <p14:creationId xmlns:p14="http://schemas.microsoft.com/office/powerpoint/2010/main" val="3575923647"/>
+      </p:ext>
+    </p:extLst>
+  </p:cSld>
+  <p:clrMapOvr>
+    <a:masterClrMapping/>
+  </p:clrMapOvr>
+  <p:timing>
+    <p:tnLst>
+      <p:par>
+        <p:cTn id="1" dur="indefinite" restart="never" nodeType="tmRoot"/>
+      </p:par>
+    </p:tnLst>
+  </p:timing>
+</p:sld>
+</file>
+
+<file path=ppt/slides/slide8.xml><?xml version="1.0" encoding="utf-8"?>
+<p:sld xmlns:a="http://schemas.openxmlformats.org/drawingml/2006/main" xmlns:r="http://schemas.openxmlformats.org/officeDocument/2006/relationships" xmlns:p="http://schemas.openxmlformats.org/presentationml/2006/main">
+  <p:cSld>
+    <p:spTree>
+      <p:nvGrpSpPr>
+        <p:cNvPr id="1" name=""/>
+        <p:cNvGrpSpPr/>
+        <p:nvPr/>
+      </p:nvGrpSpPr>
+      <p:grpSpPr>
+        <a:xfrm>
+          <a:off x="0" y="0"/>
+          <a:ext cx="0" cy="0"/>
+          <a:chOff x="0" y="0"/>
+          <a:chExt cx="0" cy="0"/>
+        </a:xfrm>
+      </p:grpSpPr>
+      <p:sp>
+        <p:nvSpPr>
+          <p:cNvPr id="2" name="Titel 1"/>
+          <p:cNvSpPr>
+            <a:spLocks noGrp="1"/>
+          </p:cNvSpPr>
+          <p:nvPr>
             <p:ph type="title"/>
           </p:nvPr>
         </p:nvSpPr>
-        <p:spPr/>
+        <p:spPr>
+          <a:xfrm>
+            <a:off x="914400" y="44624"/>
+            <a:ext cx="7315200" cy="1154097"/>
+          </a:xfrm>
+        </p:spPr>
         <p:txBody>
           <a:bodyPr>
-            <a:normAutofit fontScale="90000"/>
+            <a:normAutofit/>
           </a:bodyPr>
           <a:lstStyle/>
           <a:p>
             <a:r>
               <a:rPr lang="de-DE" dirty="0" smtClean="0"/>
-              <a:t>Alternative Nutzung dieser Smartphones</a:t>
+              <a:t>Edelmetalle in Handys</a:t>
             </a:r>
             <a:endParaRPr lang="de-DE" dirty="0"/>
           </a:p>
@@ -4547,90 +10133,92 @@
             <p:ph idx="1"/>
           </p:nvPr>
         </p:nvSpPr>
-        <p:spPr/>
-        <p:txBody>
-          <a:bodyPr/>
+        <p:spPr>
+          <a:xfrm>
+            <a:off x="914400" y="1401641"/>
+            <a:ext cx="7315200" cy="3539527"/>
+          </a:xfrm>
+        </p:spPr>
+        <p:txBody>
+          <a:bodyPr>
+            <a:normAutofit/>
+          </a:bodyPr>
           <a:lstStyle/>
           <a:p>
             <a:r>
-              <a:rPr lang="de-DE" dirty="0" smtClean="0"/>
-              <a:t>Projekt: </a:t>
-            </a:r>
-            <a:r>
-              <a:rPr lang="de-DE" dirty="0" err="1" smtClean="0"/>
-              <a:t>TeamPhonePC</a:t>
-            </a:r>
-            <a:endParaRPr lang="de-DE" dirty="0" smtClean="0"/>
+              <a:rPr lang="de-DE" sz="2800" dirty="0" smtClean="0"/>
+              <a:t>In einem Handy stecken:</a:t>
+            </a:r>
           </a:p>
           <a:p>
             <a:pPr lvl="1"/>
             <a:r>
-              <a:rPr lang="de-DE" dirty="0" smtClean="0"/>
-              <a:t>Programm auf </a:t>
-            </a:r>
-            <a:r>
-              <a:rPr lang="de-DE" dirty="0" smtClean="0"/>
-              <a:t>PC installieren</a:t>
-            </a:r>
-            <a:endParaRPr lang="de-DE" dirty="0" smtClean="0"/>
+              <a:rPr lang="de-DE" sz="2800" dirty="0" smtClean="0"/>
+              <a:t>1,15 </a:t>
+            </a:r>
+            <a:r>
+              <a:rPr lang="de-DE" sz="2800" dirty="0" smtClean="0"/>
+              <a:t>g Kupfer</a:t>
+            </a:r>
           </a:p>
           <a:p>
             <a:pPr lvl="1"/>
             <a:r>
-              <a:rPr lang="de-DE" dirty="0" smtClean="0"/>
-              <a:t>Smartphone anschließen (normales Handyladekabel)</a:t>
+              <a:rPr lang="de-DE" sz="2800" dirty="0" smtClean="0"/>
+              <a:t>1,375 </a:t>
+            </a:r>
+            <a:r>
+              <a:rPr lang="de-DE" sz="2800" dirty="0" smtClean="0"/>
+              <a:t>g </a:t>
+            </a:r>
+            <a:r>
+              <a:rPr lang="de-DE" sz="2800" dirty="0" smtClean="0"/>
+              <a:t>Silber</a:t>
             </a:r>
           </a:p>
           <a:p>
             <a:pPr lvl="1"/>
             <a:r>
-              <a:rPr lang="de-DE" dirty="0" smtClean="0"/>
-              <a:t>PC starten</a:t>
+              <a:rPr lang="de-DE" sz="2800" dirty="0" smtClean="0"/>
+              <a:t>0,3mg </a:t>
+            </a:r>
+            <a:r>
+              <a:rPr lang="de-DE" sz="2800" dirty="0" smtClean="0"/>
+              <a:t>Gold</a:t>
             </a:r>
           </a:p>
           <a:p>
             <a:pPr lvl="1"/>
             <a:r>
-              <a:rPr lang="de-DE" dirty="0" smtClean="0"/>
-              <a:t>Auf Verbindung </a:t>
-            </a:r>
-            <a:r>
-              <a:rPr lang="de-DE" dirty="0" smtClean="0"/>
-              <a:t>warten (passiert bei PC-Start)</a:t>
-            </a:r>
-            <a:endParaRPr lang="de-DE" dirty="0" smtClean="0"/>
+              <a:rPr lang="de-DE" sz="2800" dirty="0" smtClean="0"/>
+              <a:t>0,065 mg  Palladium</a:t>
+            </a:r>
           </a:p>
           <a:p>
             <a:pPr lvl="1"/>
             <a:r>
-              <a:rPr lang="de-DE" dirty="0" smtClean="0"/>
-              <a:t>Leistung nutzen</a:t>
-            </a:r>
-            <a:endParaRPr lang="de-DE" dirty="0"/>
-          </a:p>
-          <a:p>
-            <a:r>
-              <a:rPr lang="de-DE" dirty="0" smtClean="0"/>
-              <a:t>Laufendes Beispiel</a:t>
-            </a:r>
-            <a:r>
-              <a:rPr lang="de-DE" dirty="0" smtClean="0"/>
-              <a:t>:</a:t>
-            </a:r>
-            <a:endParaRPr lang="de-DE" dirty="0"/>
-          </a:p>
-          <a:p>
-            <a:pPr marL="457200" lvl="1" indent="0">
-              <a:buNone/>
-            </a:pPr>
-            <a:endParaRPr lang="de-DE" dirty="0" smtClean="0"/>
+              <a:rPr lang="de-DE" sz="2800" dirty="0" err="1" smtClean="0"/>
+              <a:t>u.w</a:t>
+            </a:r>
+            <a:r>
+              <a:rPr lang="de-DE" sz="2800" dirty="0" err="1" smtClean="0"/>
+              <a:t>.</a:t>
+            </a:r>
+            <a:r>
+              <a:rPr lang="de-DE" sz="2800" dirty="0"/>
+              <a:t/>
+            </a:r>
+            <a:br>
+              <a:rPr lang="de-DE" sz="2800" dirty="0"/>
+            </a:br>
+            <a:endParaRPr lang="de-DE" sz="2800" dirty="0" smtClean="0"/>
           </a:p>
         </p:txBody>
       </p:sp>
     </p:spTree>
     <p:extLst>
       <p:ext uri="{BB962C8B-B14F-4D97-AF65-F5344CB8AC3E}">
-        <p14:creationId xmlns:p14="http://schemas.microsoft.com/office/powerpoint/2010/main" val="1256861537"/>
+        <p14:creationId xmlns:p14="http://schemas.microsoft.com/office/powerpoint/2010/main" val="2363126831"/>
       </p:ext>
     </p:extLst>
   </p:cSld>
@@ -4671,11 +10259,7 @@
                                           </p:stCondLst>
                                         </p:cTn>
                                         <p:tgtEl>
-                                          <p:spTgt spid="3">
-                                            <p:txEl>
-                                              <p:pRg st="0" end="0"/>
-                                            </p:txEl>
-                                          </p:spTgt>
+                                          <p:spTgt spid="2"/>
                                         </p:tgtEl>
                                         <p:attrNameLst>
                                           <p:attrName>style.visibility</p:attrName>
@@ -4722,7 +10306,7 @@
                                         <p:tgtEl>
                                           <p:spTgt spid="3">
                                             <p:txEl>
-                                              <p:pRg st="1" end="1"/>
+                                              <p:pRg st="0" end="0"/>
                                             </p:txEl>
                                           </p:spTgt>
                                         </p:tgtEl>
@@ -4771,7 +10355,7 @@
                                         <p:tgtEl>
                                           <p:spTgt spid="3">
                                             <p:txEl>
-                                              <p:pRg st="2" end="2"/>
+                                              <p:pRg st="1" end="1"/>
                                             </p:txEl>
                                           </p:spTgt>
                                         </p:tgtEl>
@@ -4820,6 +10404,55 @@
                                         <p:tgtEl>
                                           <p:spTgt spid="3">
                                             <p:txEl>
+                                              <p:pRg st="2" end="2"/>
+                                            </p:txEl>
+                                          </p:spTgt>
+                                        </p:tgtEl>
+                                        <p:attrNameLst>
+                                          <p:attrName>style.visibility</p:attrName>
+                                        </p:attrNameLst>
+                                      </p:cBhvr>
+                                      <p:to>
+                                        <p:strVal val="visible"/>
+                                      </p:to>
+                                    </p:set>
+                                  </p:childTnLst>
+                                </p:cTn>
+                              </p:par>
+                            </p:childTnLst>
+                          </p:cTn>
+                        </p:par>
+                      </p:childTnLst>
+                    </p:cTn>
+                  </p:par>
+                  <p:par>
+                    <p:cTn id="19" fill="hold">
+                      <p:stCondLst>
+                        <p:cond delay="indefinite"/>
+                      </p:stCondLst>
+                      <p:childTnLst>
+                        <p:par>
+                          <p:cTn id="20" fill="hold">
+                            <p:stCondLst>
+                              <p:cond delay="0"/>
+                            </p:stCondLst>
+                            <p:childTnLst>
+                              <p:par>
+                                <p:cTn id="21" presetID="1" presetClass="entr" presetSubtype="0" fill="hold" grpId="0" nodeType="clickEffect">
+                                  <p:stCondLst>
+                                    <p:cond delay="0"/>
+                                  </p:stCondLst>
+                                  <p:childTnLst>
+                                    <p:set>
+                                      <p:cBhvr>
+                                        <p:cTn id="22" dur="1" fill="hold">
+                                          <p:stCondLst>
+                                            <p:cond delay="0"/>
+                                          </p:stCondLst>
+                                        </p:cTn>
+                                        <p:tgtEl>
+                                          <p:spTgt spid="3">
+                                            <p:txEl>
                                               <p:pRg st="3" end="3"/>
                                             </p:txEl>
                                           </p:spTgt>
@@ -4835,15 +10468,33 @@
                                   </p:childTnLst>
                                 </p:cTn>
                               </p:par>
+                            </p:childTnLst>
+                          </p:cTn>
+                        </p:par>
+                      </p:childTnLst>
+                    </p:cTn>
+                  </p:par>
+                  <p:par>
+                    <p:cTn id="23" fill="hold">
+                      <p:stCondLst>
+                        <p:cond delay="indefinite"/>
+                      </p:stCondLst>
+                      <p:childTnLst>
+                        <p:par>
+                          <p:cTn id="24" fill="hold">
+                            <p:stCondLst>
+                              <p:cond delay="0"/>
+                            </p:stCondLst>
+                            <p:childTnLst>
                               <p:par>
-                                <p:cTn id="19" presetID="1" presetClass="entr" presetSubtype="0" fill="hold" grpId="0" nodeType="withEffect">
+                                <p:cTn id="25" presetID="1" presetClass="entr" presetSubtype="0" fill="hold" grpId="0" nodeType="clickEffect">
                                   <p:stCondLst>
                                     <p:cond delay="0"/>
                                   </p:stCondLst>
                                   <p:childTnLst>
                                     <p:set>
                                       <p:cBhvr>
-                                        <p:cTn id="20" dur="1" fill="hold">
+                                        <p:cTn id="26" dur="1" fill="hold">
                                           <p:stCondLst>
                                             <p:cond delay="0"/>
                                           </p:stCondLst>
@@ -4866,75 +10517,8 @@
                                   </p:childTnLst>
                                 </p:cTn>
                               </p:par>
-                            </p:childTnLst>
-                          </p:cTn>
-                        </p:par>
-                      </p:childTnLst>
-                    </p:cTn>
-                  </p:par>
-                  <p:par>
-                    <p:cTn id="21" fill="hold">
-                      <p:stCondLst>
-                        <p:cond delay="indefinite"/>
-                      </p:stCondLst>
-                      <p:childTnLst>
-                        <p:par>
-                          <p:cTn id="22" fill="hold">
-                            <p:stCondLst>
-                              <p:cond delay="0"/>
-                            </p:stCondLst>
-                            <p:childTnLst>
                               <p:par>
-                                <p:cTn id="23" presetID="1" presetClass="entr" presetSubtype="0" fill="hold" grpId="0" nodeType="clickEffect">
-                                  <p:stCondLst>
-                                    <p:cond delay="0"/>
-                                  </p:stCondLst>
-                                  <p:childTnLst>
-                                    <p:set>
-                                      <p:cBhvr>
-                                        <p:cTn id="24" dur="1" fill="hold">
-                                          <p:stCondLst>
-                                            <p:cond delay="0"/>
-                                          </p:stCondLst>
-                                        </p:cTn>
-                                        <p:tgtEl>
-                                          <p:spTgt spid="3">
-                                            <p:txEl>
-                                              <p:pRg st="5" end="5"/>
-                                            </p:txEl>
-                                          </p:spTgt>
-                                        </p:tgtEl>
-                                        <p:attrNameLst>
-                                          <p:attrName>style.visibility</p:attrName>
-                                        </p:attrNameLst>
-                                      </p:cBhvr>
-                                      <p:to>
-                                        <p:strVal val="visible"/>
-                                      </p:to>
-                                    </p:set>
-                                  </p:childTnLst>
-                                </p:cTn>
-                              </p:par>
-                            </p:childTnLst>
-                          </p:cTn>
-                        </p:par>
-                      </p:childTnLst>
-                    </p:cTn>
-                  </p:par>
-                  <p:par>
-                    <p:cTn id="25" fill="hold">
-                      <p:stCondLst>
-                        <p:cond delay="indefinite"/>
-                      </p:stCondLst>
-                      <p:childTnLst>
-                        <p:par>
-                          <p:cTn id="26" fill="hold">
-                            <p:stCondLst>
-                              <p:cond delay="0"/>
-                            </p:stCondLst>
-                            <p:childTnLst>
-                              <p:par>
-                                <p:cTn id="27" presetID="1" presetClass="entr" presetSubtype="0" fill="hold" grpId="0" nodeType="clickEffect">
+                                <p:cTn id="27" presetID="1" presetClass="entr" presetSubtype="0" fill="hold" grpId="0" nodeType="withEffect">
                                   <p:stCondLst>
                                     <p:cond delay="0"/>
                                   </p:stCondLst>
@@ -4949,7 +10533,7 @@
                                         <p:tgtEl>
                                           <p:spTgt spid="3">
                                             <p:txEl>
-                                              <p:pRg st="6" end="6"/>
+                                              <p:pRg st="5" end="5"/>
                                             </p:txEl>
                                           </p:spTgt>
                                         </p:tgtEl>
@@ -4992,13 +10576,14 @@
       </p:par>
     </p:tnLst>
     <p:bldLst>
+      <p:bldP spid="2" grpId="0"/>
       <p:bldP spid="3" grpId="0" uiExpand="1" build="p"/>
     </p:bldLst>
   </p:timing>
 </p:sld>
 </file>
 
-<file path=ppt/slides/slide16.xml><?xml version="1.0" encoding="utf-8"?>
+<file path=ppt/slides/slide9.xml><?xml version="1.0" encoding="utf-8"?>
 <p:sld xmlns:a="http://schemas.openxmlformats.org/drawingml/2006/main" xmlns:r="http://schemas.openxmlformats.org/officeDocument/2006/relationships" xmlns:p="http://schemas.openxmlformats.org/presentationml/2006/main">
   <p:cSld>
     <p:spTree>
@@ -5025,7 +10610,12 @@
             <p:ph type="title"/>
           </p:nvPr>
         </p:nvSpPr>
-        <p:spPr/>
+        <p:spPr>
+          <a:xfrm>
+            <a:off x="914400" y="548680"/>
+            <a:ext cx="7315200" cy="1154097"/>
+          </a:xfrm>
+        </p:spPr>
         <p:txBody>
           <a:bodyPr>
             <a:normAutofit fontScale="90000"/>
@@ -5034,7 +10624,22 @@
           <a:p>
             <a:r>
               <a:rPr lang="de-DE" dirty="0" smtClean="0"/>
-              <a:t>Alternative Nutzung dieser Smartphones</a:t>
+              <a:t>Werte der </a:t>
+            </a:r>
+            <a:r>
+              <a:rPr lang="de-DE" dirty="0" smtClean="0"/>
+              <a:t>enthaltenen </a:t>
+            </a:r>
+            <a:r>
+              <a:rPr lang="de-DE" dirty="0" smtClean="0"/>
+              <a:t>Edelmetalle</a:t>
+            </a:r>
+            <a:br>
+              <a:rPr lang="de-DE" dirty="0" smtClean="0"/>
+            </a:br>
+            <a:r>
+              <a:rPr lang="de-DE" dirty="0" smtClean="0"/>
+              <a:t>pro Kilogramm … </a:t>
             </a:r>
             <a:endParaRPr lang="de-DE" dirty="0"/>
           </a:p>
@@ -5050,50 +10655,81 @@
             <p:ph idx="1"/>
           </p:nvPr>
         </p:nvSpPr>
-        <p:spPr/>
-        <p:txBody>
-          <a:bodyPr/>
+        <p:spPr>
+          <a:xfrm>
+            <a:off x="914400" y="1916832"/>
+            <a:ext cx="7315200" cy="3539527"/>
+          </a:xfrm>
+        </p:spPr>
+        <p:txBody>
+          <a:bodyPr>
+            <a:noAutofit/>
+          </a:bodyPr>
           <a:lstStyle/>
           <a:p>
-            <a:r>
-              <a:rPr lang="de-DE" dirty="0" smtClean="0"/>
-              <a:t>Vorteile:</a:t>
-            </a:r>
-          </a:p>
-          <a:p>
-            <a:pPr lvl="1"/>
-            <a:r>
-              <a:rPr lang="de-DE" dirty="0" smtClean="0"/>
-              <a:t>Günstig</a:t>
-            </a:r>
-          </a:p>
-          <a:p>
-            <a:pPr lvl="1"/>
-            <a:r>
-              <a:rPr lang="de-DE" dirty="0" smtClean="0"/>
-              <a:t>Mehr Leistung an einem PC</a:t>
-            </a:r>
-          </a:p>
-          <a:p>
-            <a:pPr lvl="1"/>
-            <a:r>
-              <a:rPr lang="de-DE" dirty="0" smtClean="0"/>
-              <a:t>Einfach</a:t>
-            </a:r>
-          </a:p>
-          <a:p>
-            <a:pPr lvl="1"/>
-            <a:r>
-              <a:rPr lang="de-DE" dirty="0" smtClean="0"/>
-              <a:t>Schnelle Nutzung</a:t>
-            </a:r>
+            <a:pPr>
+              <a:tabLst>
+                <a:tab pos="1792288" algn="l"/>
+              </a:tabLst>
+            </a:pPr>
+            <a:r>
+              <a:rPr lang="de-DE" sz="2400" dirty="0" smtClean="0"/>
+              <a:t>Kupfer:	4,61  €/kg</a:t>
+            </a:r>
+          </a:p>
+          <a:p>
+            <a:r>
+              <a:rPr lang="de-DE" sz="2400" dirty="0" smtClean="0"/>
+              <a:t>Silber:	434,68  €/kg </a:t>
+            </a:r>
+          </a:p>
+          <a:p>
+            <a:pPr>
+              <a:tabLst>
+                <a:tab pos="1792288" algn="l"/>
+              </a:tabLst>
+            </a:pPr>
+            <a:r>
+              <a:rPr lang="de-DE" sz="2400" dirty="0" smtClean="0"/>
+              <a:t>Gold:	32.830,41  €/kg</a:t>
+            </a:r>
+          </a:p>
+          <a:p>
+            <a:pPr>
+              <a:tabLst>
+                <a:tab pos="1792288" algn="l"/>
+              </a:tabLst>
+            </a:pPr>
+            <a:r>
+              <a:rPr lang="de-DE" sz="2400" dirty="0" smtClean="0"/>
+              <a:t>Palladium:	18.215,33  €/kg</a:t>
+            </a:r>
+          </a:p>
+          <a:p>
+            <a:endParaRPr lang="de-DE" sz="2400" dirty="0" smtClean="0"/>
+          </a:p>
+          <a:p>
+            <a:endParaRPr lang="de-DE" sz="2400" dirty="0"/>
+          </a:p>
+          <a:p>
+            <a:endParaRPr lang="de-DE" sz="2400" dirty="0" smtClean="0"/>
+          </a:p>
+          <a:p>
+            <a:endParaRPr lang="de-DE" sz="2400" dirty="0"/>
+          </a:p>
+          <a:p>
+            <a:r>
+              <a:rPr lang="de-DE" sz="2400" dirty="0" smtClean="0"/>
+              <a:t>Stand: 10.11.15</a:t>
+            </a:r>
+            <a:endParaRPr lang="de-DE" sz="2400" dirty="0"/>
           </a:p>
         </p:txBody>
       </p:sp>
     </p:spTree>
     <p:extLst>
       <p:ext uri="{BB962C8B-B14F-4D97-AF65-F5344CB8AC3E}">
-        <p14:creationId xmlns:p14="http://schemas.microsoft.com/office/powerpoint/2010/main" val="176253136"/>
+        <p14:creationId xmlns:p14="http://schemas.microsoft.com/office/powerpoint/2010/main" val="1252053973"/>
       </p:ext>
     </p:extLst>
   </p:cSld>
@@ -5134,6 +10770,51 @@
                                           </p:stCondLst>
                                         </p:cTn>
                                         <p:tgtEl>
+                                          <p:spTgt spid="2"/>
+                                        </p:tgtEl>
+                                        <p:attrNameLst>
+                                          <p:attrName>style.visibility</p:attrName>
+                                        </p:attrNameLst>
+                                      </p:cBhvr>
+                                      <p:to>
+                                        <p:strVal val="visible"/>
+                                      </p:to>
+                                    </p:set>
+                                  </p:childTnLst>
+                                </p:cTn>
+                              </p:par>
+                            </p:childTnLst>
+                          </p:cTn>
+                        </p:par>
+                      </p:childTnLst>
+                    </p:cTn>
+                  </p:par>
+                  <p:par>
+                    <p:cTn id="7" fill="hold">
+                      <p:stCondLst>
+                        <p:cond delay="indefinite"/>
+                      </p:stCondLst>
+                      <p:childTnLst>
+                        <p:par>
+                          <p:cTn id="8" fill="hold">
+                            <p:stCondLst>
+                              <p:cond delay="0"/>
+                            </p:stCondLst>
+                            <p:childTnLst>
+                              <p:par>
+                                <p:cTn id="9" presetID="1" presetClass="entr" presetSubtype="0" fill="hold" grpId="0" nodeType="clickEffect">
+                                  <p:stCondLst>
+                                    <p:cond delay="0"/>
+                                  </p:stCondLst>
+                                  <p:childTnLst>
+                                    <p:set>
+                                      <p:cBhvr>
+                                        <p:cTn id="10" dur="1" fill="hold">
+                                          <p:stCondLst>
+                                            <p:cond delay="0"/>
+                                          </p:stCondLst>
+                                        </p:cTn>
+                                        <p:tgtEl>
                                           <p:spTgt spid="3">
                                             <p:txEl>
                                               <p:pRg st="0" end="0"/>
@@ -5151,15 +10832,33 @@
                                   </p:childTnLst>
                                 </p:cTn>
                               </p:par>
+                            </p:childTnLst>
+                          </p:cTn>
+                        </p:par>
+                      </p:childTnLst>
+                    </p:cTn>
+                  </p:par>
+                  <p:par>
+                    <p:cTn id="11" fill="hold">
+                      <p:stCondLst>
+                        <p:cond delay="indefinite"/>
+                      </p:stCondLst>
+                      <p:childTnLst>
+                        <p:par>
+                          <p:cTn id="12" fill="hold">
+                            <p:stCondLst>
+                              <p:cond delay="0"/>
+                            </p:stCondLst>
+                            <p:childTnLst>
                               <p:par>
-                                <p:cTn id="7" presetID="1" presetClass="entr" presetSubtype="0" fill="hold" grpId="0" nodeType="withEffect">
+                                <p:cTn id="13" presetID="1" presetClass="entr" presetSubtype="0" fill="hold" grpId="0" nodeType="clickEffect">
                                   <p:stCondLst>
                                     <p:cond delay="0"/>
                                   </p:stCondLst>
                                   <p:childTnLst>
                                     <p:set>
                                       <p:cBhvr>
-                                        <p:cTn id="8" dur="1" fill="hold">
+                                        <p:cTn id="14" dur="1" fill="hold">
                                           <p:stCondLst>
                                             <p:cond delay="0"/>
                                           </p:stCondLst>
@@ -5189,26 +10888,26 @@
                     </p:cTn>
                   </p:par>
                   <p:par>
-                    <p:cTn id="9" fill="hold">
+                    <p:cTn id="15" fill="hold">
                       <p:stCondLst>
                         <p:cond delay="indefinite"/>
                       </p:stCondLst>
                       <p:childTnLst>
                         <p:par>
-                          <p:cTn id="10" fill="hold">
+                          <p:cTn id="16" fill="hold">
                             <p:stCondLst>
                               <p:cond delay="0"/>
                             </p:stCondLst>
                             <p:childTnLst>
                               <p:par>
-                                <p:cTn id="11" presetID="1" presetClass="entr" presetSubtype="0" fill="hold" grpId="0" nodeType="clickEffect">
+                                <p:cTn id="17" presetID="1" presetClass="entr" presetSubtype="0" fill="hold" grpId="0" nodeType="clickEffect">
                                   <p:stCondLst>
                                     <p:cond delay="0"/>
                                   </p:stCondLst>
                                   <p:childTnLst>
                                     <p:set>
                                       <p:cBhvr>
-                                        <p:cTn id="12" dur="1" fill="hold">
+                                        <p:cTn id="18" dur="1" fill="hold">
                                           <p:stCondLst>
                                             <p:cond delay="0"/>
                                           </p:stCondLst>
@@ -5238,26 +10937,26 @@
                     </p:cTn>
                   </p:par>
                   <p:par>
-                    <p:cTn id="13" fill="hold">
+                    <p:cTn id="19" fill="hold">
                       <p:stCondLst>
                         <p:cond delay="indefinite"/>
                       </p:stCondLst>
                       <p:childTnLst>
                         <p:par>
-                          <p:cTn id="14" fill="hold">
+                          <p:cTn id="20" fill="hold">
                             <p:stCondLst>
                               <p:cond delay="0"/>
                             </p:stCondLst>
                             <p:childTnLst>
                               <p:par>
-                                <p:cTn id="15" presetID="1" presetClass="entr" presetSubtype="0" fill="hold" grpId="0" nodeType="clickEffect">
+                                <p:cTn id="21" presetID="1" presetClass="entr" presetSubtype="0" fill="hold" grpId="0" nodeType="clickEffect">
                                   <p:stCondLst>
                                     <p:cond delay="0"/>
                                   </p:stCondLst>
                                   <p:childTnLst>
                                     <p:set>
                                       <p:cBhvr>
-                                        <p:cTn id="16" dur="1" fill="hold">
+                                        <p:cTn id="22" dur="1" fill="hold">
                                           <p:stCondLst>
                                             <p:cond delay="0"/>
                                           </p:stCondLst>
@@ -5280,33 +10979,15 @@
                                   </p:childTnLst>
                                 </p:cTn>
                               </p:par>
-                            </p:childTnLst>
-                          </p:cTn>
-                        </p:par>
-                      </p:childTnLst>
-                    </p:cTn>
-                  </p:par>
-                  <p:par>
-                    <p:cTn id="17" fill="hold">
-                      <p:stCondLst>
-                        <p:cond delay="indefinite"/>
-                      </p:stCondLst>
-                      <p:childTnLst>
-                        <p:par>
-                          <p:cTn id="18" fill="hold">
-                            <p:stCondLst>
-                              <p:cond delay="0"/>
-                            </p:stCondLst>
-                            <p:childTnLst>
                               <p:par>
-                                <p:cTn id="19" presetID="1" presetClass="entr" presetSubtype="0" fill="hold" grpId="0" nodeType="clickEffect">
+                                <p:cTn id="23" presetID="1" presetClass="entr" presetSubtype="0" fill="hold" grpId="0" nodeType="withEffect">
                                   <p:stCondLst>
                                     <p:cond delay="0"/>
                                   </p:stCondLst>
                                   <p:childTnLst>
                                     <p:set>
                                       <p:cBhvr>
-                                        <p:cTn id="20" dur="1" fill="hold">
+                                        <p:cTn id="24" dur="1" fill="hold">
                                           <p:stCondLst>
                                             <p:cond delay="0"/>
                                           </p:stCondLst>
@@ -5314,7 +10995,7 @@
                                         <p:tgtEl>
                                           <p:spTgt spid="3">
                                             <p:txEl>
-                                              <p:pRg st="4" end="4"/>
+                                              <p:pRg st="8" end="8"/>
                                             </p:txEl>
                                           </p:spTgt>
                                         </p:tgtEl>
@@ -5357,1586 +11038,9 @@
       </p:par>
     </p:tnLst>
     <p:bldLst>
+      <p:bldP spid="2" grpId="0"/>
       <p:bldP spid="3" grpId="0" uiExpand="1" build="p"/>
     </p:bldLst>
-  </p:timing>
-</p:sld>
-</file>
-
-<file path=ppt/slides/slide17.xml><?xml version="1.0" encoding="utf-8"?>
-<p:sld xmlns:a="http://schemas.openxmlformats.org/drawingml/2006/main" xmlns:r="http://schemas.openxmlformats.org/officeDocument/2006/relationships" xmlns:p="http://schemas.openxmlformats.org/presentationml/2006/main">
-  <p:cSld>
-    <p:spTree>
-      <p:nvGrpSpPr>
-        <p:cNvPr id="1" name=""/>
-        <p:cNvGrpSpPr/>
-        <p:nvPr/>
-      </p:nvGrpSpPr>
-      <p:grpSpPr>
-        <a:xfrm>
-          <a:off x="0" y="0"/>
-          <a:ext cx="0" cy="0"/>
-          <a:chOff x="0" y="0"/>
-          <a:chExt cx="0" cy="0"/>
-        </a:xfrm>
-      </p:grpSpPr>
-      <p:sp>
-        <p:nvSpPr>
-          <p:cNvPr id="2" name="Titel 1"/>
-          <p:cNvSpPr>
-            <a:spLocks noGrp="1"/>
-          </p:cNvSpPr>
-          <p:nvPr>
-            <p:ph type="title"/>
-          </p:nvPr>
-        </p:nvSpPr>
-        <p:spPr/>
-        <p:txBody>
-          <a:bodyPr>
-            <a:normAutofit fontScale="90000"/>
-          </a:bodyPr>
-          <a:lstStyle/>
-          <a:p>
-            <a:r>
-              <a:rPr lang="de-DE" dirty="0" smtClean="0"/>
-              <a:t>Alternative Nutzung dieser Smartphones</a:t>
-            </a:r>
-            <a:endParaRPr lang="de-DE" dirty="0"/>
-          </a:p>
-        </p:txBody>
-      </p:sp>
-      <p:sp>
-        <p:nvSpPr>
-          <p:cNvPr id="3" name="Inhaltsplatzhalter 2"/>
-          <p:cNvSpPr>
-            <a:spLocks noGrp="1"/>
-          </p:cNvSpPr>
-          <p:nvPr>
-            <p:ph idx="1"/>
-          </p:nvPr>
-        </p:nvSpPr>
-        <p:spPr/>
-        <p:txBody>
-          <a:bodyPr/>
-          <a:lstStyle/>
-          <a:p>
-            <a:r>
-              <a:rPr lang="de-DE" dirty="0" smtClean="0"/>
-              <a:t>Nachteile:</a:t>
-            </a:r>
-          </a:p>
-          <a:p>
-            <a:pPr lvl="1"/>
-            <a:r>
-              <a:rPr lang="de-DE" dirty="0" smtClean="0"/>
-              <a:t>Rechenfehler</a:t>
-            </a:r>
-          </a:p>
-          <a:p>
-            <a:pPr lvl="1"/>
-            <a:r>
-              <a:rPr lang="de-DE" dirty="0" smtClean="0"/>
-              <a:t>Übertragungsfehler</a:t>
-            </a:r>
-          </a:p>
-          <a:p>
-            <a:pPr lvl="1"/>
-            <a:r>
-              <a:rPr lang="de-DE" dirty="0" smtClean="0"/>
-              <a:t>Vollständige Inkompatibilität möglich</a:t>
-            </a:r>
-          </a:p>
-          <a:p>
-            <a:pPr lvl="1"/>
-            <a:endParaRPr lang="de-DE" dirty="0" smtClean="0"/>
-          </a:p>
-        </p:txBody>
-      </p:sp>
-    </p:spTree>
-    <p:extLst>
-      <p:ext uri="{BB962C8B-B14F-4D97-AF65-F5344CB8AC3E}">
-        <p14:creationId xmlns:p14="http://schemas.microsoft.com/office/powerpoint/2010/main" val="2353640350"/>
-      </p:ext>
-    </p:extLst>
-  </p:cSld>
-  <p:clrMapOvr>
-    <a:masterClrMapping/>
-  </p:clrMapOvr>
-  <p:timing>
-    <p:tnLst>
-      <p:par>
-        <p:cTn id="1" dur="indefinite" restart="never" nodeType="tmRoot">
-          <p:childTnLst>
-            <p:seq concurrent="1" nextAc="seek">
-              <p:cTn id="2" dur="indefinite" nodeType="mainSeq">
-                <p:childTnLst>
-                  <p:par>
-                    <p:cTn id="3" fill="hold">
-                      <p:stCondLst>
-                        <p:cond delay="indefinite"/>
-                      </p:stCondLst>
-                      <p:childTnLst>
-                        <p:par>
-                          <p:cTn id="4" fill="hold">
-                            <p:stCondLst>
-                              <p:cond delay="0"/>
-                            </p:stCondLst>
-                            <p:childTnLst>
-                              <p:par>
-                                <p:cTn id="5" presetID="1" presetClass="entr" presetSubtype="0" fill="hold" grpId="0" nodeType="clickEffect">
-                                  <p:stCondLst>
-                                    <p:cond delay="0"/>
-                                  </p:stCondLst>
-                                  <p:childTnLst>
-                                    <p:set>
-                                      <p:cBhvr>
-                                        <p:cTn id="6" dur="1" fill="hold">
-                                          <p:stCondLst>
-                                            <p:cond delay="0"/>
-                                          </p:stCondLst>
-                                        </p:cTn>
-                                        <p:tgtEl>
-                                          <p:spTgt spid="3">
-                                            <p:txEl>
-                                              <p:pRg st="0" end="0"/>
-                                            </p:txEl>
-                                          </p:spTgt>
-                                        </p:tgtEl>
-                                        <p:attrNameLst>
-                                          <p:attrName>style.visibility</p:attrName>
-                                        </p:attrNameLst>
-                                      </p:cBhvr>
-                                      <p:to>
-                                        <p:strVal val="visible"/>
-                                      </p:to>
-                                    </p:set>
-                                  </p:childTnLst>
-                                </p:cTn>
-                              </p:par>
-                              <p:par>
-                                <p:cTn id="7" presetID="1" presetClass="entr" presetSubtype="0" fill="hold" grpId="0" nodeType="withEffect">
-                                  <p:stCondLst>
-                                    <p:cond delay="0"/>
-                                  </p:stCondLst>
-                                  <p:childTnLst>
-                                    <p:set>
-                                      <p:cBhvr>
-                                        <p:cTn id="8" dur="1" fill="hold">
-                                          <p:stCondLst>
-                                            <p:cond delay="0"/>
-                                          </p:stCondLst>
-                                        </p:cTn>
-                                        <p:tgtEl>
-                                          <p:spTgt spid="3">
-                                            <p:txEl>
-                                              <p:pRg st="1" end="1"/>
-                                            </p:txEl>
-                                          </p:spTgt>
-                                        </p:tgtEl>
-                                        <p:attrNameLst>
-                                          <p:attrName>style.visibility</p:attrName>
-                                        </p:attrNameLst>
-                                      </p:cBhvr>
-                                      <p:to>
-                                        <p:strVal val="visible"/>
-                                      </p:to>
-                                    </p:set>
-                                  </p:childTnLst>
-                                </p:cTn>
-                              </p:par>
-                            </p:childTnLst>
-                          </p:cTn>
-                        </p:par>
-                      </p:childTnLst>
-                    </p:cTn>
-                  </p:par>
-                  <p:par>
-                    <p:cTn id="9" fill="hold">
-                      <p:stCondLst>
-                        <p:cond delay="indefinite"/>
-                      </p:stCondLst>
-                      <p:childTnLst>
-                        <p:par>
-                          <p:cTn id="10" fill="hold">
-                            <p:stCondLst>
-                              <p:cond delay="0"/>
-                            </p:stCondLst>
-                            <p:childTnLst>
-                              <p:par>
-                                <p:cTn id="11" presetID="1" presetClass="entr" presetSubtype="0" fill="hold" grpId="0" nodeType="clickEffect">
-                                  <p:stCondLst>
-                                    <p:cond delay="0"/>
-                                  </p:stCondLst>
-                                  <p:childTnLst>
-                                    <p:set>
-                                      <p:cBhvr>
-                                        <p:cTn id="12" dur="1" fill="hold">
-                                          <p:stCondLst>
-                                            <p:cond delay="0"/>
-                                          </p:stCondLst>
-                                        </p:cTn>
-                                        <p:tgtEl>
-                                          <p:spTgt spid="3">
-                                            <p:txEl>
-                                              <p:pRg st="2" end="2"/>
-                                            </p:txEl>
-                                          </p:spTgt>
-                                        </p:tgtEl>
-                                        <p:attrNameLst>
-                                          <p:attrName>style.visibility</p:attrName>
-                                        </p:attrNameLst>
-                                      </p:cBhvr>
-                                      <p:to>
-                                        <p:strVal val="visible"/>
-                                      </p:to>
-                                    </p:set>
-                                  </p:childTnLst>
-                                </p:cTn>
-                              </p:par>
-                            </p:childTnLst>
-                          </p:cTn>
-                        </p:par>
-                      </p:childTnLst>
-                    </p:cTn>
-                  </p:par>
-                  <p:par>
-                    <p:cTn id="13" fill="hold">
-                      <p:stCondLst>
-                        <p:cond delay="indefinite"/>
-                      </p:stCondLst>
-                      <p:childTnLst>
-                        <p:par>
-                          <p:cTn id="14" fill="hold">
-                            <p:stCondLst>
-                              <p:cond delay="0"/>
-                            </p:stCondLst>
-                            <p:childTnLst>
-                              <p:par>
-                                <p:cTn id="15" presetID="1" presetClass="entr" presetSubtype="0" fill="hold" grpId="0" nodeType="clickEffect">
-                                  <p:stCondLst>
-                                    <p:cond delay="0"/>
-                                  </p:stCondLst>
-                                  <p:childTnLst>
-                                    <p:set>
-                                      <p:cBhvr>
-                                        <p:cTn id="16" dur="1" fill="hold">
-                                          <p:stCondLst>
-                                            <p:cond delay="0"/>
-                                          </p:stCondLst>
-                                        </p:cTn>
-                                        <p:tgtEl>
-                                          <p:spTgt spid="3">
-                                            <p:txEl>
-                                              <p:pRg st="3" end="3"/>
-                                            </p:txEl>
-                                          </p:spTgt>
-                                        </p:tgtEl>
-                                        <p:attrNameLst>
-                                          <p:attrName>style.visibility</p:attrName>
-                                        </p:attrNameLst>
-                                      </p:cBhvr>
-                                      <p:to>
-                                        <p:strVal val="visible"/>
-                                      </p:to>
-                                    </p:set>
-                                  </p:childTnLst>
-                                </p:cTn>
-                              </p:par>
-                            </p:childTnLst>
-                          </p:cTn>
-                        </p:par>
-                      </p:childTnLst>
-                    </p:cTn>
-                  </p:par>
-                </p:childTnLst>
-              </p:cTn>
-              <p:prevCondLst>
-                <p:cond evt="onPrev" delay="0">
-                  <p:tgtEl>
-                    <p:sldTgt/>
-                  </p:tgtEl>
-                </p:cond>
-              </p:prevCondLst>
-              <p:nextCondLst>
-                <p:cond evt="onNext" delay="0">
-                  <p:tgtEl>
-                    <p:sldTgt/>
-                  </p:tgtEl>
-                </p:cond>
-              </p:nextCondLst>
-            </p:seq>
-          </p:childTnLst>
-        </p:cTn>
-      </p:par>
-    </p:tnLst>
-    <p:bldLst>
-      <p:bldP spid="3" grpId="0" uiExpand="1" build="p"/>
-    </p:bldLst>
-  </p:timing>
-</p:sld>
-</file>
-
-<file path=ppt/slides/slide18.xml><?xml version="1.0" encoding="utf-8"?>
-<p:sld xmlns:a="http://schemas.openxmlformats.org/drawingml/2006/main" xmlns:r="http://schemas.openxmlformats.org/officeDocument/2006/relationships" xmlns:p="http://schemas.openxmlformats.org/presentationml/2006/main">
-  <p:cSld>
-    <p:spTree>
-      <p:nvGrpSpPr>
-        <p:cNvPr id="1" name=""/>
-        <p:cNvGrpSpPr/>
-        <p:nvPr/>
-      </p:nvGrpSpPr>
-      <p:grpSpPr>
-        <a:xfrm>
-          <a:off x="0" y="0"/>
-          <a:ext cx="0" cy="0"/>
-          <a:chOff x="0" y="0"/>
-          <a:chExt cx="0" cy="0"/>
-        </a:xfrm>
-      </p:grpSpPr>
-      <p:sp>
-        <p:nvSpPr>
-          <p:cNvPr id="2" name="Titel 1"/>
-          <p:cNvSpPr>
-            <a:spLocks noGrp="1"/>
-          </p:cNvSpPr>
-          <p:nvPr>
-            <p:ph type="title"/>
-          </p:nvPr>
-        </p:nvSpPr>
-        <p:spPr/>
-        <p:txBody>
-          <a:bodyPr>
-            <a:normAutofit fontScale="90000"/>
-          </a:bodyPr>
-          <a:lstStyle/>
-          <a:p>
-            <a:r>
-              <a:rPr lang="de-DE" dirty="0" smtClean="0"/>
-              <a:t>Alternative Nutzung dieser Smartphones</a:t>
-            </a:r>
-            <a:endParaRPr lang="de-DE" dirty="0"/>
-          </a:p>
-        </p:txBody>
-      </p:sp>
-      <p:sp>
-        <p:nvSpPr>
-          <p:cNvPr id="3" name="Inhaltsplatzhalter 2"/>
-          <p:cNvSpPr>
-            <a:spLocks noGrp="1"/>
-          </p:cNvSpPr>
-          <p:nvPr>
-            <p:ph idx="1"/>
-          </p:nvPr>
-        </p:nvSpPr>
-        <p:spPr/>
-        <p:txBody>
-          <a:bodyPr/>
-          <a:lstStyle/>
-          <a:p>
-            <a:pPr marL="45720" indent="0">
-              <a:buNone/>
-            </a:pPr>
-            <a:r>
-              <a:rPr lang="de-DE" dirty="0" smtClean="0"/>
-              <a:t>Wo </a:t>
-            </a:r>
-            <a:r>
-              <a:rPr lang="de-DE" dirty="0" smtClean="0"/>
-              <a:t>ist dieses Projekt zu </a:t>
-            </a:r>
-            <a:r>
-              <a:rPr lang="de-DE" dirty="0" smtClean="0"/>
-              <a:t>finden?</a:t>
-            </a:r>
-          </a:p>
-          <a:p>
-            <a:endParaRPr lang="de-DE" dirty="0"/>
-          </a:p>
-          <a:p>
-            <a:r>
-              <a:rPr lang="de-DE" dirty="0"/>
-              <a:t>g</a:t>
-            </a:r>
-            <a:r>
-              <a:rPr lang="de-DE" dirty="0" smtClean="0"/>
-              <a:t>ithub.com</a:t>
-            </a:r>
-            <a:endParaRPr lang="de-DE" dirty="0" smtClean="0"/>
-          </a:p>
-          <a:p>
-            <a:r>
-              <a:rPr lang="de-DE" dirty="0"/>
-              <a:t>g</a:t>
-            </a:r>
-            <a:r>
-              <a:rPr lang="de-DE" dirty="0" smtClean="0"/>
-              <a:t>ym-wen.de</a:t>
-            </a:r>
-          </a:p>
-          <a:p>
-            <a:r>
-              <a:rPr lang="de-DE" dirty="0" smtClean="0"/>
-              <a:t>tppwiki.miraheze.net</a:t>
-            </a:r>
-            <a:endParaRPr lang="de-DE" dirty="0"/>
-          </a:p>
-        </p:txBody>
-      </p:sp>
-    </p:spTree>
-    <p:extLst>
-      <p:ext uri="{BB962C8B-B14F-4D97-AF65-F5344CB8AC3E}">
-        <p14:creationId xmlns:p14="http://schemas.microsoft.com/office/powerpoint/2010/main" val="2841437216"/>
-      </p:ext>
-    </p:extLst>
-  </p:cSld>
-  <p:clrMapOvr>
-    <a:masterClrMapping/>
-  </p:clrMapOvr>
-  <p:timing>
-    <p:tnLst>
-      <p:par>
-        <p:cTn id="1" dur="indefinite" restart="never" nodeType="tmRoot"/>
-      </p:par>
-    </p:tnLst>
-  </p:timing>
-</p:sld>
-</file>
-
-<file path=ppt/slides/slide19.xml><?xml version="1.0" encoding="utf-8"?>
-<p:sld xmlns:a="http://schemas.openxmlformats.org/drawingml/2006/main" xmlns:r="http://schemas.openxmlformats.org/officeDocument/2006/relationships" xmlns:p="http://schemas.openxmlformats.org/presentationml/2006/main">
-  <p:cSld>
-    <p:spTree>
-      <p:nvGrpSpPr>
-        <p:cNvPr id="1" name=""/>
-        <p:cNvGrpSpPr/>
-        <p:nvPr/>
-      </p:nvGrpSpPr>
-      <p:grpSpPr>
-        <a:xfrm>
-          <a:off x="0" y="0"/>
-          <a:ext cx="0" cy="0"/>
-          <a:chOff x="0" y="0"/>
-          <a:chExt cx="0" cy="0"/>
-        </a:xfrm>
-      </p:grpSpPr>
-      <p:sp>
-        <p:nvSpPr>
-          <p:cNvPr id="2" name="Titel 1"/>
-          <p:cNvSpPr>
-            <a:spLocks noGrp="1"/>
-          </p:cNvSpPr>
-          <p:nvPr>
-            <p:ph type="title"/>
-          </p:nvPr>
-        </p:nvSpPr>
-        <p:spPr/>
-        <p:txBody>
-          <a:bodyPr/>
-          <a:lstStyle/>
-          <a:p>
-            <a:r>
-              <a:rPr lang="de-DE" dirty="0" smtClean="0"/>
-              <a:t>Quellen</a:t>
-            </a:r>
-            <a:endParaRPr lang="de-DE" dirty="0"/>
-          </a:p>
-        </p:txBody>
-      </p:sp>
-      <p:sp>
-        <p:nvSpPr>
-          <p:cNvPr id="3" name="Inhaltsplatzhalter 2"/>
-          <p:cNvSpPr>
-            <a:spLocks noGrp="1"/>
-          </p:cNvSpPr>
-          <p:nvPr>
-            <p:ph idx="1"/>
-          </p:nvPr>
-        </p:nvSpPr>
-        <p:spPr/>
-        <p:txBody>
-          <a:bodyPr/>
-          <a:lstStyle/>
-          <a:p>
-            <a:r>
-              <a:rPr lang="de-DE" dirty="0" smtClean="0">
-                <a:hlinkClick r:id="rId2"/>
-              </a:rPr>
-              <a:t>http://www.bild.de/digital/smartphone-und-tablet/smartphone/smartphone-studie-chemische-schadstoffe-in-iphone-und-co-26606292.bild.html</a:t>
-            </a:r>
-            <a:endParaRPr lang="de-DE" dirty="0" smtClean="0"/>
-          </a:p>
-          <a:p>
-            <a:r>
-              <a:rPr lang="de-DE" dirty="0" smtClean="0">
-                <a:hlinkClick r:id="rId3"/>
-              </a:rPr>
-              <a:t>http://www.ecocenter.org/healthy-stuff</a:t>
-            </a:r>
-            <a:r>
-              <a:rPr lang="de-DE" dirty="0" smtClean="0">
-                <a:hlinkClick r:id="rId3"/>
-              </a:rPr>
-              <a:t>/</a:t>
-            </a:r>
-            <a:endParaRPr lang="de-DE" dirty="0" smtClean="0"/>
-          </a:p>
-          <a:p>
-            <a:r>
-              <a:rPr lang="de-DE" dirty="0" smtClean="0"/>
-              <a:t>Tom </a:t>
-            </a:r>
-            <a:r>
-              <a:rPr lang="de-DE" dirty="0" err="1" smtClean="0"/>
-              <a:t>Loff</a:t>
-            </a:r>
-            <a:r>
-              <a:rPr lang="de-DE" dirty="0" smtClean="0"/>
-              <a:t> (EDV-Management, Dipl.-Ing. Informationselektronik) (loff-edv.de)</a:t>
-            </a:r>
-            <a:endParaRPr lang="de-DE" dirty="0"/>
-          </a:p>
-        </p:txBody>
-      </p:sp>
-    </p:spTree>
-    <p:extLst>
-      <p:ext uri="{BB962C8B-B14F-4D97-AF65-F5344CB8AC3E}">
-        <p14:creationId xmlns:p14="http://schemas.microsoft.com/office/powerpoint/2010/main" val="3250250346"/>
-      </p:ext>
-    </p:extLst>
-  </p:cSld>
-  <p:clrMapOvr>
-    <a:masterClrMapping/>
-  </p:clrMapOvr>
-  <p:timing>
-    <p:tnLst>
-      <p:par>
-        <p:cTn id="1" dur="indefinite" restart="never" nodeType="tmRoot"/>
-      </p:par>
-    </p:tnLst>
-  </p:timing>
-</p:sld>
-</file>
-
-<file path=ppt/slides/slide2.xml><?xml version="1.0" encoding="utf-8"?>
-<p:sld xmlns:a="http://schemas.openxmlformats.org/drawingml/2006/main" xmlns:r="http://schemas.openxmlformats.org/officeDocument/2006/relationships" xmlns:p="http://schemas.openxmlformats.org/presentationml/2006/main">
-  <p:cSld>
-    <p:spTree>
-      <p:nvGrpSpPr>
-        <p:cNvPr id="1" name=""/>
-        <p:cNvGrpSpPr/>
-        <p:nvPr/>
-      </p:nvGrpSpPr>
-      <p:grpSpPr>
-        <a:xfrm>
-          <a:off x="0" y="0"/>
-          <a:ext cx="0" cy="0"/>
-          <a:chOff x="0" y="0"/>
-          <a:chExt cx="0" cy="0"/>
-        </a:xfrm>
-      </p:grpSpPr>
-      <p:sp>
-        <p:nvSpPr>
-          <p:cNvPr id="2" name="Titel 1"/>
-          <p:cNvSpPr>
-            <a:spLocks noGrp="1"/>
-          </p:cNvSpPr>
-          <p:nvPr>
-            <p:ph type="title"/>
-          </p:nvPr>
-        </p:nvSpPr>
-        <p:spPr>
-          <a:xfrm>
-            <a:off x="899592" y="1556792"/>
-            <a:ext cx="7315200" cy="1154097"/>
-          </a:xfrm>
-        </p:spPr>
-        <p:txBody>
-          <a:bodyPr>
-            <a:normAutofit fontScale="90000"/>
-          </a:bodyPr>
-          <a:lstStyle/>
-          <a:p>
-            <a:r>
-              <a:rPr lang="de-DE" dirty="0" smtClean="0"/>
-              <a:t>Problem:</a:t>
-            </a:r>
-            <a:br>
-              <a:rPr lang="de-DE" dirty="0" smtClean="0"/>
-            </a:br>
-            <a:r>
-              <a:rPr lang="de-DE" dirty="0" smtClean="0"/>
-              <a:t>105 Mio. gebrauchte und nicht mehr genutzte Handys</a:t>
-            </a:r>
-            <a:endParaRPr lang="de-DE" dirty="0"/>
-          </a:p>
-        </p:txBody>
-      </p:sp>
-      <p:sp>
-        <p:nvSpPr>
-          <p:cNvPr id="4" name="Inhaltsplatzhalter 2"/>
-          <p:cNvSpPr txBox="1">
-            <a:spLocks/>
-          </p:cNvSpPr>
-          <p:nvPr/>
-        </p:nvSpPr>
-        <p:spPr>
-          <a:xfrm>
-            <a:off x="914400" y="2769833"/>
-            <a:ext cx="7315200" cy="3539527"/>
-          </a:xfrm>
-          <a:prstGeom prst="rect">
-            <a:avLst/>
-          </a:prstGeom>
-        </p:spPr>
-        <p:txBody>
-          <a:bodyPr/>
-          <a:lstStyle>
-            <a:lvl1pPr marL="228600" indent="-182880" algn="l" defTabSz="914400" rtl="0" eaLnBrk="1" latinLnBrk="0" hangingPunct="1">
-              <a:spcBef>
-                <a:spcPct val="20000"/>
-              </a:spcBef>
-              <a:buClr>
-                <a:schemeClr val="tx2"/>
-              </a:buClr>
-              <a:buFont typeface="Wingdings" charset="2"/>
-              <a:buChar char="§"/>
-              <a:defRPr sz="2000" kern="1200">
-                <a:solidFill>
-                  <a:schemeClr val="tx1"/>
-                </a:solidFill>
-                <a:latin typeface="+mn-lt"/>
-                <a:ea typeface="+mn-ea"/>
-                <a:cs typeface="+mn-cs"/>
-              </a:defRPr>
-            </a:lvl1pPr>
-            <a:lvl2pPr marL="502920" indent="-182880" algn="l" defTabSz="914400" rtl="0" eaLnBrk="1" latinLnBrk="0" hangingPunct="1">
-              <a:spcBef>
-                <a:spcPct val="20000"/>
-              </a:spcBef>
-              <a:buClr>
-                <a:schemeClr val="tx2"/>
-              </a:buClr>
-              <a:buFont typeface="Wingdings" charset="2"/>
-              <a:buChar char="§"/>
-              <a:defRPr sz="1800" kern="1200">
-                <a:solidFill>
-                  <a:schemeClr val="tx1"/>
-                </a:solidFill>
-                <a:latin typeface="+mn-lt"/>
-                <a:ea typeface="+mn-ea"/>
-                <a:cs typeface="+mn-cs"/>
-              </a:defRPr>
-            </a:lvl2pPr>
-            <a:lvl3pPr marL="685800" indent="-182880" algn="l" defTabSz="914400" rtl="0" eaLnBrk="1" latinLnBrk="0" hangingPunct="1">
-              <a:spcBef>
-                <a:spcPct val="20000"/>
-              </a:spcBef>
-              <a:buClr>
-                <a:schemeClr val="tx2"/>
-              </a:buClr>
-              <a:buFont typeface="Wingdings" charset="2"/>
-              <a:buChar char="§"/>
-              <a:defRPr sz="1600" kern="1200">
-                <a:solidFill>
-                  <a:schemeClr val="tx1"/>
-                </a:solidFill>
-                <a:latin typeface="+mn-lt"/>
-                <a:ea typeface="+mn-ea"/>
-                <a:cs typeface="+mn-cs"/>
-              </a:defRPr>
-            </a:lvl3pPr>
-            <a:lvl4pPr marL="914400" indent="-182880" algn="l" defTabSz="914400" rtl="0" eaLnBrk="1" latinLnBrk="0" hangingPunct="1">
-              <a:spcBef>
-                <a:spcPct val="20000"/>
-              </a:spcBef>
-              <a:buClr>
-                <a:schemeClr val="tx2"/>
-              </a:buClr>
-              <a:buFont typeface="Wingdings" charset="2"/>
-              <a:buChar char="§"/>
-              <a:defRPr sz="1400" kern="1200">
-                <a:solidFill>
-                  <a:schemeClr val="tx1"/>
-                </a:solidFill>
-                <a:latin typeface="+mn-lt"/>
-                <a:ea typeface="+mn-ea"/>
-                <a:cs typeface="+mn-cs"/>
-              </a:defRPr>
-            </a:lvl4pPr>
-            <a:lvl5pPr marL="1143000" indent="-182880" algn="l" defTabSz="914400" rtl="0" eaLnBrk="1" latinLnBrk="0" hangingPunct="1">
-              <a:spcBef>
-                <a:spcPct val="20000"/>
-              </a:spcBef>
-              <a:buClr>
-                <a:schemeClr val="tx2"/>
-              </a:buClr>
-              <a:buFont typeface="Wingdings" charset="2"/>
-              <a:buChar char="§"/>
-              <a:defRPr sz="1400" kern="1200">
-                <a:solidFill>
-                  <a:schemeClr val="tx1"/>
-                </a:solidFill>
-                <a:latin typeface="+mn-lt"/>
-                <a:ea typeface="+mn-ea"/>
-                <a:cs typeface="+mn-cs"/>
-              </a:defRPr>
-            </a:lvl5pPr>
-            <a:lvl6pPr marL="1371600" indent="-182880" algn="l" defTabSz="914400" rtl="0" eaLnBrk="1" latinLnBrk="0" hangingPunct="1">
-              <a:spcBef>
-                <a:spcPct val="20000"/>
-              </a:spcBef>
-              <a:buClr>
-                <a:schemeClr val="tx2"/>
-              </a:buClr>
-              <a:buFont typeface="Wingdings" pitchFamily="2" charset="2"/>
-              <a:buChar char="§"/>
-              <a:defRPr sz="1400" kern="1200">
-                <a:solidFill>
-                  <a:schemeClr val="tx1"/>
-                </a:solidFill>
-                <a:latin typeface="+mn-lt"/>
-                <a:ea typeface="+mn-ea"/>
-                <a:cs typeface="+mn-cs"/>
-              </a:defRPr>
-            </a:lvl6pPr>
-            <a:lvl7pPr marL="1600200" indent="-182880" algn="l" defTabSz="914400" rtl="0" eaLnBrk="1" latinLnBrk="0" hangingPunct="1">
-              <a:spcBef>
-                <a:spcPct val="20000"/>
-              </a:spcBef>
-              <a:buClr>
-                <a:schemeClr val="tx2"/>
-              </a:buClr>
-              <a:buFont typeface="Wingdings" pitchFamily="2" charset="2"/>
-              <a:buChar char="§"/>
-              <a:defRPr sz="1400" kern="1200">
-                <a:solidFill>
-                  <a:schemeClr val="tx1"/>
-                </a:solidFill>
-                <a:latin typeface="+mn-lt"/>
-                <a:ea typeface="+mn-ea"/>
-                <a:cs typeface="+mn-cs"/>
-              </a:defRPr>
-            </a:lvl7pPr>
-            <a:lvl8pPr marL="1828800" indent="-182880" algn="l" defTabSz="914400" rtl="0" eaLnBrk="1" latinLnBrk="0" hangingPunct="1">
-              <a:spcBef>
-                <a:spcPct val="20000"/>
-              </a:spcBef>
-              <a:buClr>
-                <a:schemeClr val="tx2"/>
-              </a:buClr>
-              <a:buFont typeface="Wingdings" pitchFamily="2" charset="2"/>
-              <a:buChar char="§"/>
-              <a:defRPr sz="1400" kern="1200">
-                <a:solidFill>
-                  <a:schemeClr val="tx1"/>
-                </a:solidFill>
-                <a:latin typeface="+mn-lt"/>
-                <a:ea typeface="+mn-ea"/>
-                <a:cs typeface="+mn-cs"/>
-              </a:defRPr>
-            </a:lvl8pPr>
-            <a:lvl9pPr marL="2057400" indent="-182880" algn="l" defTabSz="914400" rtl="0" eaLnBrk="1" latinLnBrk="0" hangingPunct="1">
-              <a:spcBef>
-                <a:spcPct val="20000"/>
-              </a:spcBef>
-              <a:buClr>
-                <a:schemeClr val="tx2"/>
-              </a:buClr>
-              <a:buFont typeface="Wingdings" pitchFamily="2" charset="2"/>
-              <a:buChar char="§"/>
-              <a:defRPr sz="1400" kern="1200">
-                <a:solidFill>
-                  <a:schemeClr val="tx1"/>
-                </a:solidFill>
-                <a:latin typeface="+mn-lt"/>
-                <a:ea typeface="+mn-ea"/>
-                <a:cs typeface="+mn-cs"/>
-              </a:defRPr>
-            </a:lvl9pPr>
-          </a:lstStyle>
-          <a:p>
-            <a:pPr marL="45720" indent="0">
-              <a:buNone/>
-            </a:pPr>
-            <a:r>
-              <a:rPr lang="de-DE" dirty="0" smtClean="0"/>
-              <a:t> Lösungsmöglichkeiten: </a:t>
-            </a:r>
-          </a:p>
-          <a:p>
-            <a:r>
-              <a:rPr lang="de-DE" dirty="0" err="1" smtClean="0"/>
-              <a:t>Recyclen</a:t>
-            </a:r>
-            <a:endParaRPr lang="de-DE" dirty="0" smtClean="0"/>
-          </a:p>
-          <a:p>
-            <a:pPr lvl="1"/>
-            <a:r>
-              <a:rPr lang="de-DE" dirty="0" smtClean="0"/>
-              <a:t>Ressourcen herausfiltern</a:t>
-            </a:r>
-          </a:p>
-          <a:p>
-            <a:pPr lvl="1"/>
-            <a:r>
-              <a:rPr lang="de-DE" dirty="0" smtClean="0"/>
-              <a:t>Projekt </a:t>
-            </a:r>
-            <a:r>
-              <a:rPr lang="de-DE" dirty="0" err="1" smtClean="0"/>
-              <a:t>TeamPhonePC</a:t>
-            </a:r>
-            <a:endParaRPr lang="de-DE" dirty="0" smtClean="0"/>
-          </a:p>
-          <a:p>
-            <a:r>
-              <a:rPr lang="de-DE" dirty="0" smtClean="0"/>
-              <a:t>Verschrotten</a:t>
-            </a:r>
-          </a:p>
-        </p:txBody>
-      </p:sp>
-    </p:spTree>
-    <p:extLst>
-      <p:ext uri="{BB962C8B-B14F-4D97-AF65-F5344CB8AC3E}">
-        <p14:creationId xmlns:p14="http://schemas.microsoft.com/office/powerpoint/2010/main" val="73009126"/>
-      </p:ext>
-    </p:extLst>
-  </p:cSld>
-  <p:clrMapOvr>
-    <a:masterClrMapping/>
-  </p:clrMapOvr>
-  <p:timing>
-    <p:tnLst>
-      <p:par>
-        <p:cTn id="1" dur="indefinite" restart="never" nodeType="tmRoot"/>
-      </p:par>
-    </p:tnLst>
-  </p:timing>
-</p:sld>
-</file>
-
-<file path=ppt/slides/slide3.xml><?xml version="1.0" encoding="utf-8"?>
-<p:sld xmlns:a="http://schemas.openxmlformats.org/drawingml/2006/main" xmlns:r="http://schemas.openxmlformats.org/officeDocument/2006/relationships" xmlns:p="http://schemas.openxmlformats.org/presentationml/2006/main">
-  <p:cSld>
-    <p:spTree>
-      <p:nvGrpSpPr>
-        <p:cNvPr id="1" name=""/>
-        <p:cNvGrpSpPr/>
-        <p:nvPr/>
-      </p:nvGrpSpPr>
-      <p:grpSpPr>
-        <a:xfrm>
-          <a:off x="0" y="0"/>
-          <a:ext cx="0" cy="0"/>
-          <a:chOff x="0" y="0"/>
-          <a:chExt cx="0" cy="0"/>
-        </a:xfrm>
-      </p:grpSpPr>
-      <p:sp>
-        <p:nvSpPr>
-          <p:cNvPr id="2" name="Titel 1"/>
-          <p:cNvSpPr>
-            <a:spLocks noGrp="1"/>
-          </p:cNvSpPr>
-          <p:nvPr>
-            <p:ph type="ctrTitle"/>
-          </p:nvPr>
-        </p:nvSpPr>
-        <p:spPr/>
-        <p:txBody>
-          <a:bodyPr/>
-          <a:lstStyle/>
-          <a:p>
-            <a:r>
-              <a:rPr lang="de-DE" dirty="0" smtClean="0"/>
-              <a:t>RECYCLEN</a:t>
-            </a:r>
-            <a:endParaRPr lang="de-DE" dirty="0"/>
-          </a:p>
-        </p:txBody>
-      </p:sp>
-      <p:sp>
-        <p:nvSpPr>
-          <p:cNvPr id="3" name="Untertitel 2"/>
-          <p:cNvSpPr>
-            <a:spLocks noGrp="1"/>
-          </p:cNvSpPr>
-          <p:nvPr>
-            <p:ph type="subTitle" idx="1"/>
-          </p:nvPr>
-        </p:nvSpPr>
-        <p:spPr/>
-        <p:txBody>
-          <a:bodyPr/>
-          <a:lstStyle/>
-          <a:p>
-            <a:endParaRPr lang="de-DE"/>
-          </a:p>
-        </p:txBody>
-      </p:sp>
-    </p:spTree>
-    <p:extLst>
-      <p:ext uri="{BB962C8B-B14F-4D97-AF65-F5344CB8AC3E}">
-        <p14:creationId xmlns:p14="http://schemas.microsoft.com/office/powerpoint/2010/main" val="3266412672"/>
-      </p:ext>
-    </p:extLst>
-  </p:cSld>
-  <p:clrMapOvr>
-    <a:masterClrMapping/>
-  </p:clrMapOvr>
-  <p:timing>
-    <p:tnLst>
-      <p:par>
-        <p:cTn id="1" dur="indefinite" restart="never" nodeType="tmRoot"/>
-      </p:par>
-    </p:tnLst>
-  </p:timing>
-</p:sld>
-</file>
-
-<file path=ppt/slides/slide4.xml><?xml version="1.0" encoding="utf-8"?>
-<p:sld xmlns:a="http://schemas.openxmlformats.org/drawingml/2006/main" xmlns:r="http://schemas.openxmlformats.org/officeDocument/2006/relationships" xmlns:p="http://schemas.openxmlformats.org/presentationml/2006/main">
-  <p:cSld>
-    <p:spTree>
-      <p:nvGrpSpPr>
-        <p:cNvPr id="1" name=""/>
-        <p:cNvGrpSpPr/>
-        <p:nvPr/>
-      </p:nvGrpSpPr>
-      <p:grpSpPr>
-        <a:xfrm>
-          <a:off x="0" y="0"/>
-          <a:ext cx="0" cy="0"/>
-          <a:chOff x="0" y="0"/>
-          <a:chExt cx="0" cy="0"/>
-        </a:xfrm>
-      </p:grpSpPr>
-      <p:sp>
-        <p:nvSpPr>
-          <p:cNvPr id="2" name="Titel 1"/>
-          <p:cNvSpPr>
-            <a:spLocks noGrp="1"/>
-          </p:cNvSpPr>
-          <p:nvPr>
-            <p:ph type="ctrTitle"/>
-          </p:nvPr>
-        </p:nvSpPr>
-        <p:spPr/>
-        <p:txBody>
-          <a:bodyPr/>
-          <a:lstStyle/>
-          <a:p>
-            <a:r>
-              <a:rPr lang="de-DE" dirty="0" smtClean="0"/>
-              <a:t>Ressourcen herausfiltern</a:t>
-            </a:r>
-            <a:endParaRPr lang="de-DE" dirty="0"/>
-          </a:p>
-        </p:txBody>
-      </p:sp>
-      <p:sp>
-        <p:nvSpPr>
-          <p:cNvPr id="3" name="Untertitel 2"/>
-          <p:cNvSpPr>
-            <a:spLocks noGrp="1"/>
-          </p:cNvSpPr>
-          <p:nvPr>
-            <p:ph type="subTitle" idx="1"/>
-          </p:nvPr>
-        </p:nvSpPr>
-        <p:spPr/>
-        <p:txBody>
-          <a:bodyPr/>
-          <a:lstStyle/>
-          <a:p>
-            <a:endParaRPr lang="de-DE" dirty="0"/>
-          </a:p>
-        </p:txBody>
-      </p:sp>
-    </p:spTree>
-    <p:extLst>
-      <p:ext uri="{BB962C8B-B14F-4D97-AF65-F5344CB8AC3E}">
-        <p14:creationId xmlns:p14="http://schemas.microsoft.com/office/powerpoint/2010/main" val="4096253130"/>
-      </p:ext>
-    </p:extLst>
-  </p:cSld>
-  <p:clrMapOvr>
-    <a:masterClrMapping/>
-  </p:clrMapOvr>
-  <p:timing>
-    <p:tnLst>
-      <p:par>
-        <p:cTn id="1" dur="indefinite" restart="never" nodeType="tmRoot"/>
-      </p:par>
-    </p:tnLst>
-  </p:timing>
-</p:sld>
-</file>
-
-<file path=ppt/slides/slide5.xml><?xml version="1.0" encoding="utf-8"?>
-<p:sld xmlns:a="http://schemas.openxmlformats.org/drawingml/2006/main" xmlns:r="http://schemas.openxmlformats.org/officeDocument/2006/relationships" xmlns:p="http://schemas.openxmlformats.org/presentationml/2006/main">
-  <p:cSld>
-    <p:spTree>
-      <p:nvGrpSpPr>
-        <p:cNvPr id="1" name=""/>
-        <p:cNvGrpSpPr/>
-        <p:nvPr/>
-      </p:nvGrpSpPr>
-      <p:grpSpPr>
-        <a:xfrm>
-          <a:off x="0" y="0"/>
-          <a:ext cx="0" cy="0"/>
-          <a:chOff x="0" y="0"/>
-          <a:chExt cx="0" cy="0"/>
-        </a:xfrm>
-      </p:grpSpPr>
-      <p:sp>
-        <p:nvSpPr>
-          <p:cNvPr id="2" name="Titel 1"/>
-          <p:cNvSpPr>
-            <a:spLocks noGrp="1"/>
-          </p:cNvSpPr>
-          <p:nvPr>
-            <p:ph type="ctrTitle"/>
-          </p:nvPr>
-        </p:nvSpPr>
-        <p:spPr/>
-        <p:txBody>
-          <a:bodyPr>
-            <a:normAutofit/>
-          </a:bodyPr>
-          <a:lstStyle/>
-          <a:p>
-            <a:r>
-              <a:rPr lang="de-DE" dirty="0" smtClean="0"/>
-              <a:t>Doch welche Ressourcen gibt es überhaupt in Handys?</a:t>
-            </a:r>
-            <a:endParaRPr lang="de-DE" dirty="0"/>
-          </a:p>
-        </p:txBody>
-      </p:sp>
-      <p:sp>
-        <p:nvSpPr>
-          <p:cNvPr id="3" name="Untertitel 2"/>
-          <p:cNvSpPr>
-            <a:spLocks noGrp="1"/>
-          </p:cNvSpPr>
-          <p:nvPr>
-            <p:ph type="subTitle" idx="1"/>
-          </p:nvPr>
-        </p:nvSpPr>
-        <p:spPr/>
-        <p:txBody>
-          <a:bodyPr/>
-          <a:lstStyle/>
-          <a:p>
-            <a:endParaRPr lang="de-DE"/>
-          </a:p>
-        </p:txBody>
-      </p:sp>
-    </p:spTree>
-    <p:extLst>
-      <p:ext uri="{BB962C8B-B14F-4D97-AF65-F5344CB8AC3E}">
-        <p14:creationId xmlns:p14="http://schemas.microsoft.com/office/powerpoint/2010/main" val="3575923647"/>
-      </p:ext>
-    </p:extLst>
-  </p:cSld>
-  <p:clrMapOvr>
-    <a:masterClrMapping/>
-  </p:clrMapOvr>
-  <p:timing>
-    <p:tnLst>
-      <p:par>
-        <p:cTn id="1" dur="indefinite" restart="never" nodeType="tmRoot"/>
-      </p:par>
-    </p:tnLst>
-  </p:timing>
-</p:sld>
-</file>
-
-<file path=ppt/slides/slide6.xml><?xml version="1.0" encoding="utf-8"?>
-<p:sld xmlns:a="http://schemas.openxmlformats.org/drawingml/2006/main" xmlns:r="http://schemas.openxmlformats.org/officeDocument/2006/relationships" xmlns:p="http://schemas.openxmlformats.org/presentationml/2006/main">
-  <p:cSld>
-    <p:spTree>
-      <p:nvGrpSpPr>
-        <p:cNvPr id="1" name=""/>
-        <p:cNvGrpSpPr/>
-        <p:nvPr/>
-      </p:nvGrpSpPr>
-      <p:grpSpPr>
-        <a:xfrm>
-          <a:off x="0" y="0"/>
-          <a:ext cx="0" cy="0"/>
-          <a:chOff x="0" y="0"/>
-          <a:chExt cx="0" cy="0"/>
-        </a:xfrm>
-      </p:grpSpPr>
-      <p:sp>
-        <p:nvSpPr>
-          <p:cNvPr id="2" name="Titel 1"/>
-          <p:cNvSpPr>
-            <a:spLocks noGrp="1"/>
-          </p:cNvSpPr>
-          <p:nvPr>
-            <p:ph type="title"/>
-          </p:nvPr>
-        </p:nvSpPr>
-        <p:spPr/>
-        <p:txBody>
-          <a:bodyPr>
-            <a:normAutofit/>
-          </a:bodyPr>
-          <a:lstStyle/>
-          <a:p>
-            <a:r>
-              <a:rPr lang="de-DE" dirty="0" smtClean="0"/>
-              <a:t>Metalle in Handys</a:t>
-            </a:r>
-            <a:endParaRPr lang="de-DE" dirty="0"/>
-          </a:p>
-        </p:txBody>
-      </p:sp>
-      <p:sp>
-        <p:nvSpPr>
-          <p:cNvPr id="3" name="Inhaltsplatzhalter 2"/>
-          <p:cNvSpPr>
-            <a:spLocks noGrp="1"/>
-          </p:cNvSpPr>
-          <p:nvPr>
-            <p:ph idx="1"/>
-          </p:nvPr>
-        </p:nvSpPr>
-        <p:spPr/>
-        <p:txBody>
-          <a:bodyPr/>
-          <a:lstStyle/>
-          <a:p>
-            <a:r>
-              <a:rPr lang="de-DE" dirty="0" smtClean="0"/>
-              <a:t>In 1000 Handys stecken:</a:t>
-            </a:r>
-          </a:p>
-          <a:p>
-            <a:pPr lvl="1"/>
-            <a:r>
-              <a:rPr lang="de-DE" dirty="0" smtClean="0"/>
-              <a:t>115kg Kupfer</a:t>
-            </a:r>
-          </a:p>
-          <a:p>
-            <a:pPr lvl="1"/>
-            <a:r>
-              <a:rPr lang="de-DE" dirty="0" smtClean="0"/>
-              <a:t>1,375kg Silber</a:t>
-            </a:r>
-            <a:endParaRPr lang="de-DE" dirty="0"/>
-          </a:p>
-          <a:p>
-            <a:pPr lvl="1"/>
-            <a:r>
-              <a:rPr lang="de-DE" dirty="0"/>
-              <a:t>0,3g </a:t>
-            </a:r>
-            <a:r>
-              <a:rPr lang="de-DE" dirty="0" smtClean="0"/>
-              <a:t>Gold</a:t>
-            </a:r>
-          </a:p>
-          <a:p>
-            <a:pPr lvl="1"/>
-            <a:r>
-              <a:rPr lang="de-DE" dirty="0"/>
-              <a:t>0,065 g  </a:t>
-            </a:r>
-            <a:r>
-              <a:rPr lang="de-DE" dirty="0" smtClean="0"/>
-              <a:t>Palladium</a:t>
-            </a:r>
-          </a:p>
-          <a:p>
-            <a:pPr lvl="1"/>
-            <a:r>
-              <a:rPr lang="de-DE" dirty="0" smtClean="0"/>
-              <a:t>usw.</a:t>
-            </a:r>
-            <a:r>
-              <a:rPr lang="de-DE" dirty="0"/>
-              <a:t/>
-            </a:r>
-            <a:br>
-              <a:rPr lang="de-DE" dirty="0"/>
-            </a:br>
-            <a:endParaRPr lang="de-DE" dirty="0" smtClean="0"/>
-          </a:p>
-        </p:txBody>
-      </p:sp>
-    </p:spTree>
-    <p:extLst>
-      <p:ext uri="{BB962C8B-B14F-4D97-AF65-F5344CB8AC3E}">
-        <p14:creationId xmlns:p14="http://schemas.microsoft.com/office/powerpoint/2010/main" val="2363126831"/>
-      </p:ext>
-    </p:extLst>
-  </p:cSld>
-  <p:clrMapOvr>
-    <a:masterClrMapping/>
-  </p:clrMapOvr>
-  <p:timing>
-    <p:tnLst>
-      <p:par>
-        <p:cTn id="1" dur="indefinite" restart="never" nodeType="tmRoot"/>
-      </p:par>
-    </p:tnLst>
-  </p:timing>
-</p:sld>
-</file>
-
-<file path=ppt/slides/slide7.xml><?xml version="1.0" encoding="utf-8"?>
-<p:sld xmlns:a="http://schemas.openxmlformats.org/drawingml/2006/main" xmlns:r="http://schemas.openxmlformats.org/officeDocument/2006/relationships" xmlns:p="http://schemas.openxmlformats.org/presentationml/2006/main">
-  <p:cSld>
-    <p:spTree>
-      <p:nvGrpSpPr>
-        <p:cNvPr id="1" name=""/>
-        <p:cNvGrpSpPr/>
-        <p:nvPr/>
-      </p:nvGrpSpPr>
-      <p:grpSpPr>
-        <a:xfrm>
-          <a:off x="0" y="0"/>
-          <a:ext cx="0" cy="0"/>
-          <a:chOff x="0" y="0"/>
-          <a:chExt cx="0" cy="0"/>
-        </a:xfrm>
-      </p:grpSpPr>
-      <p:sp>
-        <p:nvSpPr>
-          <p:cNvPr id="2" name="Titel 1"/>
-          <p:cNvSpPr>
-            <a:spLocks noGrp="1"/>
-          </p:cNvSpPr>
-          <p:nvPr>
-            <p:ph type="title"/>
-          </p:nvPr>
-        </p:nvSpPr>
-        <p:spPr/>
-        <p:txBody>
-          <a:bodyPr>
-            <a:normAutofit fontScale="90000"/>
-          </a:bodyPr>
-          <a:lstStyle/>
-          <a:p>
-            <a:r>
-              <a:rPr lang="de-DE" dirty="0" smtClean="0"/>
-              <a:t>Werte der Enthaltenen Metalle</a:t>
-            </a:r>
-            <a:br>
-              <a:rPr lang="de-DE" dirty="0" smtClean="0"/>
-            </a:br>
-            <a:r>
-              <a:rPr lang="de-DE" dirty="0" smtClean="0"/>
-              <a:t>pro KG … </a:t>
-            </a:r>
-            <a:endParaRPr lang="de-DE" dirty="0"/>
-          </a:p>
-        </p:txBody>
-      </p:sp>
-      <p:sp>
-        <p:nvSpPr>
-          <p:cNvPr id="3" name="Inhaltsplatzhalter 2"/>
-          <p:cNvSpPr>
-            <a:spLocks noGrp="1"/>
-          </p:cNvSpPr>
-          <p:nvPr>
-            <p:ph idx="1"/>
-          </p:nvPr>
-        </p:nvSpPr>
-        <p:spPr/>
-        <p:txBody>
-          <a:bodyPr/>
-          <a:lstStyle/>
-          <a:p>
-            <a:pPr>
-              <a:tabLst>
-                <a:tab pos="1792288" algn="l"/>
-              </a:tabLst>
-            </a:pPr>
-            <a:r>
-              <a:rPr lang="de-DE" dirty="0" smtClean="0"/>
-              <a:t>Kupfer:	4,61  €/KG</a:t>
-            </a:r>
-          </a:p>
-          <a:p>
-            <a:r>
-              <a:rPr lang="de-DE" dirty="0" smtClean="0"/>
-              <a:t>Silber:	434,68  €/KG </a:t>
-            </a:r>
-          </a:p>
-          <a:p>
-            <a:pPr>
-              <a:tabLst>
-                <a:tab pos="1792288" algn="l"/>
-              </a:tabLst>
-            </a:pPr>
-            <a:r>
-              <a:rPr lang="de-DE" dirty="0" smtClean="0"/>
-              <a:t>Gold:	32.830,41  €/KG</a:t>
-            </a:r>
-          </a:p>
-          <a:p>
-            <a:pPr>
-              <a:tabLst>
-                <a:tab pos="1792288" algn="l"/>
-              </a:tabLst>
-            </a:pPr>
-            <a:r>
-              <a:rPr lang="de-DE" dirty="0" smtClean="0"/>
-              <a:t>Palladium:	18.215,33  €/KG</a:t>
-            </a:r>
-          </a:p>
-          <a:p>
-            <a:endParaRPr lang="de-DE" dirty="0" smtClean="0"/>
-          </a:p>
-          <a:p>
-            <a:endParaRPr lang="de-DE" dirty="0"/>
-          </a:p>
-          <a:p>
-            <a:endParaRPr lang="de-DE" dirty="0" smtClean="0"/>
-          </a:p>
-          <a:p>
-            <a:endParaRPr lang="de-DE" dirty="0"/>
-          </a:p>
-          <a:p>
-            <a:r>
-              <a:rPr lang="de-DE" dirty="0" smtClean="0"/>
-              <a:t>Stand: 10.11.15</a:t>
-            </a:r>
-            <a:endParaRPr lang="de-DE" dirty="0"/>
-          </a:p>
-        </p:txBody>
-      </p:sp>
-    </p:spTree>
-    <p:extLst>
-      <p:ext uri="{BB962C8B-B14F-4D97-AF65-F5344CB8AC3E}">
-        <p14:creationId xmlns:p14="http://schemas.microsoft.com/office/powerpoint/2010/main" val="1252053973"/>
-      </p:ext>
-    </p:extLst>
-  </p:cSld>
-  <p:clrMapOvr>
-    <a:masterClrMapping/>
-  </p:clrMapOvr>
-  <p:timing>
-    <p:tnLst>
-      <p:par>
-        <p:cTn id="1" dur="indefinite" restart="never" nodeType="tmRoot"/>
-      </p:par>
-    </p:tnLst>
-  </p:timing>
-</p:sld>
-</file>
-
-<file path=ppt/slides/slide8.xml><?xml version="1.0" encoding="utf-8"?>
-<p:sld xmlns:a="http://schemas.openxmlformats.org/drawingml/2006/main" xmlns:r="http://schemas.openxmlformats.org/officeDocument/2006/relationships" xmlns:p="http://schemas.openxmlformats.org/presentationml/2006/main">
-  <p:cSld>
-    <p:spTree>
-      <p:nvGrpSpPr>
-        <p:cNvPr id="1" name=""/>
-        <p:cNvGrpSpPr/>
-        <p:nvPr/>
-      </p:nvGrpSpPr>
-      <p:grpSpPr>
-        <a:xfrm>
-          <a:off x="0" y="0"/>
-          <a:ext cx="0" cy="0"/>
-          <a:chOff x="0" y="0"/>
-          <a:chExt cx="0" cy="0"/>
-        </a:xfrm>
-      </p:grpSpPr>
-      <p:sp>
-        <p:nvSpPr>
-          <p:cNvPr id="2" name="Titel 1"/>
-          <p:cNvSpPr>
-            <a:spLocks noGrp="1"/>
-          </p:cNvSpPr>
-          <p:nvPr>
-            <p:ph type="title"/>
-          </p:nvPr>
-        </p:nvSpPr>
-        <p:spPr/>
-        <p:txBody>
-          <a:bodyPr/>
-          <a:lstStyle/>
-          <a:p>
-            <a:r>
-              <a:rPr lang="de-DE" dirty="0" smtClean="0"/>
-              <a:t>…und insgesamt</a:t>
-            </a:r>
-            <a:endParaRPr lang="de-DE" dirty="0"/>
-          </a:p>
-        </p:txBody>
-      </p:sp>
-      <p:sp>
-        <p:nvSpPr>
-          <p:cNvPr id="3" name="Inhaltsplatzhalter 2"/>
-          <p:cNvSpPr>
-            <a:spLocks noGrp="1"/>
-          </p:cNvSpPr>
-          <p:nvPr>
-            <p:ph idx="1"/>
-          </p:nvPr>
-        </p:nvSpPr>
-        <p:spPr/>
-        <p:txBody>
-          <a:bodyPr/>
-          <a:lstStyle/>
-          <a:p>
-            <a:pPr>
-              <a:tabLst>
-                <a:tab pos="1792288" algn="l"/>
-              </a:tabLst>
-            </a:pPr>
-            <a:r>
-              <a:rPr lang="de-DE" dirty="0" smtClean="0"/>
-              <a:t>Kupfer:	55.665.750€</a:t>
-            </a:r>
-            <a:endParaRPr lang="de-DE" dirty="0"/>
-          </a:p>
-          <a:p>
-            <a:pPr>
-              <a:tabLst>
-                <a:tab pos="1792288" algn="l"/>
-              </a:tabLst>
-            </a:pPr>
-            <a:r>
-              <a:rPr lang="de-DE" dirty="0" smtClean="0"/>
-              <a:t>Silber:	62.756.925 € </a:t>
-            </a:r>
-            <a:endParaRPr lang="de-DE" dirty="0"/>
-          </a:p>
-          <a:p>
-            <a:pPr>
-              <a:tabLst>
-                <a:tab pos="1792288" algn="l"/>
-              </a:tabLst>
-            </a:pPr>
-            <a:r>
-              <a:rPr lang="de-DE" dirty="0" smtClean="0"/>
-              <a:t>Gold:	1.034.157.915€</a:t>
-            </a:r>
-            <a:endParaRPr lang="de-DE" dirty="0"/>
-          </a:p>
-          <a:p>
-            <a:pPr>
-              <a:tabLst>
-                <a:tab pos="1792288" algn="l"/>
-              </a:tabLst>
-            </a:pPr>
-            <a:r>
-              <a:rPr lang="de-DE" dirty="0" smtClean="0"/>
-              <a:t>Palladium:	124.319.627,3€</a:t>
-            </a:r>
-            <a:endParaRPr lang="de-DE" dirty="0"/>
-          </a:p>
-          <a:p>
-            <a:endParaRPr lang="de-DE" dirty="0"/>
-          </a:p>
-        </p:txBody>
-      </p:sp>
-    </p:spTree>
-    <p:extLst>
-      <p:ext uri="{BB962C8B-B14F-4D97-AF65-F5344CB8AC3E}">
-        <p14:creationId xmlns:p14="http://schemas.microsoft.com/office/powerpoint/2010/main" val="4149867639"/>
-      </p:ext>
-    </p:extLst>
-  </p:cSld>
-  <p:clrMapOvr>
-    <a:masterClrMapping/>
-  </p:clrMapOvr>
-  <p:timing>
-    <p:tnLst>
-      <p:par>
-        <p:cTn id="1" dur="indefinite" restart="never" nodeType="tmRoot"/>
-      </p:par>
-    </p:tnLst>
-  </p:timing>
-</p:sld>
-</file>
-
-<file path=ppt/slides/slide9.xml><?xml version="1.0" encoding="utf-8"?>
-<p:sld xmlns:a="http://schemas.openxmlformats.org/drawingml/2006/main" xmlns:r="http://schemas.openxmlformats.org/officeDocument/2006/relationships" xmlns:p="http://schemas.openxmlformats.org/presentationml/2006/main">
-  <p:cSld>
-    <p:spTree>
-      <p:nvGrpSpPr>
-        <p:cNvPr id="1" name=""/>
-        <p:cNvGrpSpPr/>
-        <p:nvPr/>
-      </p:nvGrpSpPr>
-      <p:grpSpPr>
-        <a:xfrm>
-          <a:off x="0" y="0"/>
-          <a:ext cx="0" cy="0"/>
-          <a:chOff x="0" y="0"/>
-          <a:chExt cx="0" cy="0"/>
-        </a:xfrm>
-      </p:grpSpPr>
-      <p:sp>
-        <p:nvSpPr>
-          <p:cNvPr id="2" name="Titel 1"/>
-          <p:cNvSpPr>
-            <a:spLocks noGrp="1"/>
-          </p:cNvSpPr>
-          <p:nvPr>
-            <p:ph type="title"/>
-          </p:nvPr>
-        </p:nvSpPr>
-        <p:spPr/>
-        <p:txBody>
-          <a:bodyPr/>
-          <a:lstStyle/>
-          <a:p>
-            <a:r>
-              <a:rPr lang="de-DE" dirty="0" smtClean="0"/>
-              <a:t>CARINAS TEIL!</a:t>
-            </a:r>
-            <a:endParaRPr lang="de-DE" dirty="0"/>
-          </a:p>
-        </p:txBody>
-      </p:sp>
-      <p:sp>
-        <p:nvSpPr>
-          <p:cNvPr id="3" name="Inhaltsplatzhalter 2"/>
-          <p:cNvSpPr>
-            <a:spLocks noGrp="1"/>
-          </p:cNvSpPr>
-          <p:nvPr>
-            <p:ph idx="1"/>
-          </p:nvPr>
-        </p:nvSpPr>
-        <p:spPr/>
-        <p:txBody>
-          <a:bodyPr/>
-          <a:lstStyle/>
-          <a:p>
-            <a:endParaRPr lang="de-DE"/>
-          </a:p>
-        </p:txBody>
-      </p:sp>
-    </p:spTree>
-    <p:extLst>
-      <p:ext uri="{BB962C8B-B14F-4D97-AF65-F5344CB8AC3E}">
-        <p14:creationId xmlns:p14="http://schemas.microsoft.com/office/powerpoint/2010/main" val="740944800"/>
-      </p:ext>
-    </p:extLst>
-  </p:cSld>
-  <p:clrMapOvr>
-    <a:masterClrMapping/>
-  </p:clrMapOvr>
-  <p:timing>
-    <p:tnLst>
-      <p:par>
-        <p:cTn id="1" dur="indefinite" restart="never" nodeType="tmRoot"/>
-      </p:par>
-    </p:tnLst>
   </p:timing>
 </p:sld>
 </file>
